--- a/lectures/DJ-11-Forms-Django.pptx
+++ b/lectures/DJ-11-Forms-Django.pptx
@@ -220,7 +220,7 @@
           <a:p>
             <a:fld id="{C97B56FC-7D2E-F343-9D09-0D14B00AA564}" type="datetimeFigureOut">
               <a:rPr lang="en-US" smtClean="0"/>
-              <a:t>1/31/20</a:t>
+              <a:t>2/13/20</a:t>
             </a:fld>
             <a:endParaRPr lang="en-US"/>
           </a:p>
@@ -619,7 +619,7 @@
           <a:p>
             <a:fld id="{EEE7C04C-7AF8-1445-A186-502B631B934F}" type="datetimeFigureOut">
               <a:rPr lang="en-US" smtClean="0"/>
-              <a:t>1/31/20</a:t>
+              <a:t>2/13/20</a:t>
             </a:fld>
             <a:endParaRPr lang="en-US"/>
           </a:p>
@@ -784,7 +784,7 @@
           <a:p>
             <a:fld id="{EEE7C04C-7AF8-1445-A186-502B631B934F}" type="datetimeFigureOut">
               <a:rPr lang="en-US" smtClean="0"/>
-              <a:t>1/31/20</a:t>
+              <a:t>2/13/20</a:t>
             </a:fld>
             <a:endParaRPr lang="en-US"/>
           </a:p>
@@ -959,7 +959,7 @@
           <a:p>
             <a:fld id="{EEE7C04C-7AF8-1445-A186-502B631B934F}" type="datetimeFigureOut">
               <a:rPr lang="en-US" smtClean="0"/>
-              <a:t>1/31/20</a:t>
+              <a:t>2/13/20</a:t>
             </a:fld>
             <a:endParaRPr lang="en-US"/>
           </a:p>
@@ -1124,7 +1124,7 @@
           <a:p>
             <a:fld id="{EEE7C04C-7AF8-1445-A186-502B631B934F}" type="datetimeFigureOut">
               <a:rPr lang="en-US" smtClean="0"/>
-              <a:t>1/31/20</a:t>
+              <a:t>2/13/20</a:t>
             </a:fld>
             <a:endParaRPr lang="en-US"/>
           </a:p>
@@ -1365,7 +1365,7 @@
           <a:p>
             <a:fld id="{EEE7C04C-7AF8-1445-A186-502B631B934F}" type="datetimeFigureOut">
               <a:rPr lang="en-US" smtClean="0"/>
-              <a:t>1/31/20</a:t>
+              <a:t>2/13/20</a:t>
             </a:fld>
             <a:endParaRPr lang="en-US"/>
           </a:p>
@@ -1592,7 +1592,7 @@
           <a:p>
             <a:fld id="{EEE7C04C-7AF8-1445-A186-502B631B934F}" type="datetimeFigureOut">
               <a:rPr lang="en-US" smtClean="0"/>
-              <a:t>1/31/20</a:t>
+              <a:t>2/13/20</a:t>
             </a:fld>
             <a:endParaRPr lang="en-US"/>
           </a:p>
@@ -1954,7 +1954,7 @@
           <a:p>
             <a:fld id="{EEE7C04C-7AF8-1445-A186-502B631B934F}" type="datetimeFigureOut">
               <a:rPr lang="en-US" smtClean="0"/>
-              <a:t>1/31/20</a:t>
+              <a:t>2/13/20</a:t>
             </a:fld>
             <a:endParaRPr lang="en-US"/>
           </a:p>
@@ -2067,7 +2067,7 @@
           <a:p>
             <a:fld id="{EEE7C04C-7AF8-1445-A186-502B631B934F}" type="datetimeFigureOut">
               <a:rPr lang="en-US" smtClean="0"/>
-              <a:t>1/31/20</a:t>
+              <a:t>2/13/20</a:t>
             </a:fld>
             <a:endParaRPr lang="en-US"/>
           </a:p>
@@ -2157,7 +2157,7 @@
           <a:p>
             <a:fld id="{EEE7C04C-7AF8-1445-A186-502B631B934F}" type="datetimeFigureOut">
               <a:rPr lang="en-US" smtClean="0"/>
-              <a:t>1/31/20</a:t>
+              <a:t>2/13/20</a:t>
             </a:fld>
             <a:endParaRPr lang="en-US"/>
           </a:p>
@@ -2429,7 +2429,7 @@
           <a:p>
             <a:fld id="{EEE7C04C-7AF8-1445-A186-502B631B934F}" type="datetimeFigureOut">
               <a:rPr lang="en-US" smtClean="0"/>
-              <a:t>1/31/20</a:t>
+              <a:t>2/13/20</a:t>
             </a:fld>
             <a:endParaRPr lang="en-US"/>
           </a:p>
@@ -2681,7 +2681,7 @@
           <a:p>
             <a:fld id="{EEE7C04C-7AF8-1445-A186-502B631B934F}" type="datetimeFigureOut">
               <a:rPr lang="en-US" smtClean="0"/>
-              <a:t>1/31/20</a:t>
+              <a:t>2/13/20</a:t>
             </a:fld>
             <a:endParaRPr lang="en-US"/>
           </a:p>
@@ -2889,7 +2889,7 @@
           <a:p>
             <a:fld id="{EEE7C04C-7AF8-1445-A186-502B631B934F}" type="datetimeFigureOut">
               <a:rPr lang="en-US" smtClean="0"/>
-              <a:t>1/31/20</a:t>
+              <a:t>2/13/20</a:t>
             </a:fld>
             <a:endParaRPr lang="en-US"/>
           </a:p>
@@ -3307,10 +3307,10 @@
           <p:cNvPr id="10" name="Rectangle 9">
             <a:extLst>
               <a:ext uri="{FF2B5EF4-FFF2-40B4-BE49-F238E27FC236}">
-                <a16:creationId xmlns="" xmlns:a16="http://schemas.microsoft.com/office/drawing/2014/main" id="{E20EB187-900F-4AF5-813B-101456D9FD39}"/>
+                <a16:creationId xmlns:a16="http://schemas.microsoft.com/office/drawing/2014/main" xmlns="" id="{E20EB187-900F-4AF5-813B-101456D9FD39}"/>
               </a:ext>
               <a:ext uri="{C183D7F6-B498-43B3-948B-1728B52AA6E4}">
-                <adec:decorative xmlns="" xmlns:adec="http://schemas.microsoft.com/office/drawing/2017/decorative" val="1"/>
+                <adec:decorative xmlns:adec="http://schemas.microsoft.com/office/drawing/2017/decorative" xmlns="" val="1"/>
               </a:ext>
             </a:extLst>
           </p:cNvPr>
@@ -3453,10 +3453,10 @@
           <p:cNvPr id="12" name="Straight Connector 11">
             <a:extLst>
               <a:ext uri="{FF2B5EF4-FFF2-40B4-BE49-F238E27FC236}">
-                <a16:creationId xmlns="" xmlns:a16="http://schemas.microsoft.com/office/drawing/2014/main" id="{624D17C8-E9C2-48A4-AA36-D7048A6CCC41}"/>
+                <a16:creationId xmlns:a16="http://schemas.microsoft.com/office/drawing/2014/main" xmlns="" id="{624D17C8-E9C2-48A4-AA36-D7048A6CCC41}"/>
               </a:ext>
               <a:ext uri="{C183D7F6-B498-43B3-948B-1728B52AA6E4}">
-                <adec:decorative xmlns="" xmlns:adec="http://schemas.microsoft.com/office/drawing/2017/decorative" val="1"/>
+                <adec:decorative xmlns:adec="http://schemas.microsoft.com/office/drawing/2017/decorative" xmlns="" val="1"/>
               </a:ext>
             </a:extLst>
           </p:cNvPr>
@@ -18165,44 +18165,12 @@
               <a:defRPr/>
             </a:pPr>
             <a:r>
+              <a:rPr lang="en-US" altLang="x-none" smtClean="0"/>
+              <a:t>Django </a:t>
+            </a:r>
+            <a:r>
               <a:rPr lang="en-US" altLang="x-none" dirty="0" smtClean="0"/>
-              <a:t>HTML for Forms</a:t>
-            </a:r>
-          </a:p>
-          <a:p>
-            <a:pPr marL="385365">
-              <a:defRPr/>
-            </a:pPr>
-            <a:r>
-              <a:rPr lang="en-US" altLang="x-none" dirty="0" smtClean="0"/>
-              <a:t>GET versus POST</a:t>
-            </a:r>
-          </a:p>
-          <a:p>
-            <a:pPr marL="385365">
-              <a:defRPr/>
-            </a:pPr>
-            <a:r>
-              <a:rPr lang="en-US" altLang="x-none" dirty="0" smtClean="0"/>
-              <a:t>POST Redirect GET</a:t>
-            </a:r>
-          </a:p>
-          <a:p>
-            <a:pPr marL="385365">
-              <a:defRPr/>
-            </a:pPr>
-            <a:r>
-              <a:rPr lang="en-US" altLang="x-none" dirty="0" smtClean="0"/>
-              <a:t>CSRF</a:t>
-            </a:r>
-          </a:p>
-          <a:p>
-            <a:pPr marL="385365">
-              <a:defRPr/>
-            </a:pPr>
-            <a:r>
-              <a:rPr lang="en-US" altLang="x-none" dirty="0" smtClean="0"/>
-              <a:t>Django forms</a:t>
+              <a:t>forms</a:t>
             </a:r>
           </a:p>
           <a:p>

--- a/lectures/DJ-11-Forms-Django.pptx
+++ b/lectures/DJ-11-Forms-Django.pptx
@@ -220,7 +220,7 @@
           <a:p>
             <a:fld id="{C97B56FC-7D2E-F343-9D09-0D14B00AA564}" type="datetimeFigureOut">
               <a:rPr lang="en-US" smtClean="0"/>
-              <a:t>2/13/20</a:t>
+              <a:t>2/14/20</a:t>
             </a:fld>
             <a:endParaRPr lang="en-US"/>
           </a:p>
@@ -619,7 +619,7 @@
           <a:p>
             <a:fld id="{EEE7C04C-7AF8-1445-A186-502B631B934F}" type="datetimeFigureOut">
               <a:rPr lang="en-US" smtClean="0"/>
-              <a:t>2/13/20</a:t>
+              <a:t>2/14/20</a:t>
             </a:fld>
             <a:endParaRPr lang="en-US"/>
           </a:p>
@@ -784,7 +784,7 @@
           <a:p>
             <a:fld id="{EEE7C04C-7AF8-1445-A186-502B631B934F}" type="datetimeFigureOut">
               <a:rPr lang="en-US" smtClean="0"/>
-              <a:t>2/13/20</a:t>
+              <a:t>2/14/20</a:t>
             </a:fld>
             <a:endParaRPr lang="en-US"/>
           </a:p>
@@ -959,7 +959,7 @@
           <a:p>
             <a:fld id="{EEE7C04C-7AF8-1445-A186-502B631B934F}" type="datetimeFigureOut">
               <a:rPr lang="en-US" smtClean="0"/>
-              <a:t>2/13/20</a:t>
+              <a:t>2/14/20</a:t>
             </a:fld>
             <a:endParaRPr lang="en-US"/>
           </a:p>
@@ -1124,7 +1124,7 @@
           <a:p>
             <a:fld id="{EEE7C04C-7AF8-1445-A186-502B631B934F}" type="datetimeFigureOut">
               <a:rPr lang="en-US" smtClean="0"/>
-              <a:t>2/13/20</a:t>
+              <a:t>2/14/20</a:t>
             </a:fld>
             <a:endParaRPr lang="en-US"/>
           </a:p>
@@ -1365,7 +1365,7 @@
           <a:p>
             <a:fld id="{EEE7C04C-7AF8-1445-A186-502B631B934F}" type="datetimeFigureOut">
               <a:rPr lang="en-US" smtClean="0"/>
-              <a:t>2/13/20</a:t>
+              <a:t>2/14/20</a:t>
             </a:fld>
             <a:endParaRPr lang="en-US"/>
           </a:p>
@@ -1592,7 +1592,7 @@
           <a:p>
             <a:fld id="{EEE7C04C-7AF8-1445-A186-502B631B934F}" type="datetimeFigureOut">
               <a:rPr lang="en-US" smtClean="0"/>
-              <a:t>2/13/20</a:t>
+              <a:t>2/14/20</a:t>
             </a:fld>
             <a:endParaRPr lang="en-US"/>
           </a:p>
@@ -1954,7 +1954,7 @@
           <a:p>
             <a:fld id="{EEE7C04C-7AF8-1445-A186-502B631B934F}" type="datetimeFigureOut">
               <a:rPr lang="en-US" smtClean="0"/>
-              <a:t>2/13/20</a:t>
+              <a:t>2/14/20</a:t>
             </a:fld>
             <a:endParaRPr lang="en-US"/>
           </a:p>
@@ -2067,7 +2067,7 @@
           <a:p>
             <a:fld id="{EEE7C04C-7AF8-1445-A186-502B631B934F}" type="datetimeFigureOut">
               <a:rPr lang="en-US" smtClean="0"/>
-              <a:t>2/13/20</a:t>
+              <a:t>2/14/20</a:t>
             </a:fld>
             <a:endParaRPr lang="en-US"/>
           </a:p>
@@ -2157,7 +2157,7 @@
           <a:p>
             <a:fld id="{EEE7C04C-7AF8-1445-A186-502B631B934F}" type="datetimeFigureOut">
               <a:rPr lang="en-US" smtClean="0"/>
-              <a:t>2/13/20</a:t>
+              <a:t>2/14/20</a:t>
             </a:fld>
             <a:endParaRPr lang="en-US"/>
           </a:p>
@@ -2429,7 +2429,7 @@
           <a:p>
             <a:fld id="{EEE7C04C-7AF8-1445-A186-502B631B934F}" type="datetimeFigureOut">
               <a:rPr lang="en-US" smtClean="0"/>
-              <a:t>2/13/20</a:t>
+              <a:t>2/14/20</a:t>
             </a:fld>
             <a:endParaRPr lang="en-US"/>
           </a:p>
@@ -2681,7 +2681,7 @@
           <a:p>
             <a:fld id="{EEE7C04C-7AF8-1445-A186-502B631B934F}" type="datetimeFigureOut">
               <a:rPr lang="en-US" smtClean="0"/>
-              <a:t>2/13/20</a:t>
+              <a:t>2/14/20</a:t>
             </a:fld>
             <a:endParaRPr lang="en-US"/>
           </a:p>
@@ -2889,7 +2889,7 @@
           <a:p>
             <a:fld id="{EEE7C04C-7AF8-1445-A186-502B631B934F}" type="datetimeFigureOut">
               <a:rPr lang="en-US" smtClean="0"/>
-              <a:t>2/13/20</a:t>
+              <a:t>2/14/20</a:t>
             </a:fld>
             <a:endParaRPr lang="en-US"/>
           </a:p>
@@ -3307,10 +3307,10 @@
           <p:cNvPr id="10" name="Rectangle 9">
             <a:extLst>
               <a:ext uri="{FF2B5EF4-FFF2-40B4-BE49-F238E27FC236}">
-                <a16:creationId xmlns:a16="http://schemas.microsoft.com/office/drawing/2014/main" xmlns="" id="{E20EB187-900F-4AF5-813B-101456D9FD39}"/>
+                <a16:creationId xmlns="" xmlns:a16="http://schemas.microsoft.com/office/drawing/2014/main" id="{E20EB187-900F-4AF5-813B-101456D9FD39}"/>
               </a:ext>
               <a:ext uri="{C183D7F6-B498-43B3-948B-1728B52AA6E4}">
-                <adec:decorative xmlns:adec="http://schemas.microsoft.com/office/drawing/2017/decorative" xmlns="" val="1"/>
+                <adec:decorative xmlns="" xmlns:adec="http://schemas.microsoft.com/office/drawing/2017/decorative" val="1"/>
               </a:ext>
             </a:extLst>
           </p:cNvPr>
@@ -3453,10 +3453,10 @@
           <p:cNvPr id="12" name="Straight Connector 11">
             <a:extLst>
               <a:ext uri="{FF2B5EF4-FFF2-40B4-BE49-F238E27FC236}">
-                <a16:creationId xmlns:a16="http://schemas.microsoft.com/office/drawing/2014/main" xmlns="" id="{624D17C8-E9C2-48A4-AA36-D7048A6CCC41}"/>
+                <a16:creationId xmlns="" xmlns:a16="http://schemas.microsoft.com/office/drawing/2014/main" id="{624D17C8-E9C2-48A4-AA36-D7048A6CCC41}"/>
               </a:ext>
               <a:ext uri="{C183D7F6-B498-43B3-948B-1728B52AA6E4}">
-                <adec:decorative xmlns:adec="http://schemas.microsoft.com/office/drawing/2017/decorative" xmlns="" val="1"/>
+                <adec:decorative xmlns="" xmlns:adec="http://schemas.microsoft.com/office/drawing/2017/decorative" val="1"/>
               </a:ext>
             </a:extLst>
           </p:cNvPr>
@@ -10575,7 +10575,7 @@
               <a:t>https://</a:t>
             </a:r>
             <a:r>
-              <a:rPr lang="en-US" sz="2400" dirty="0" err="1">
+              <a:rPr lang="en-US" sz="2400" dirty="0" err="1" smtClean="0">
                 <a:solidFill>
                   <a:srgbClr val="FFFF00"/>
                 </a:solidFill>
@@ -10583,28 +10583,52 @@
               <a:t>docs.djangoproject.com</a:t>
             </a:r>
             <a:r>
+              <a:rPr lang="en-US" sz="2400" dirty="0" smtClean="0">
+                <a:solidFill>
+                  <a:srgbClr val="FFFF00"/>
+                </a:solidFill>
+              </a:rPr>
+              <a:t>/</a:t>
+            </a:r>
+            <a:r>
+              <a:rPr lang="en-US" sz="2400" dirty="0" err="1" smtClean="0">
+                <a:solidFill>
+                  <a:srgbClr val="FFFF00"/>
+                </a:solidFill>
+              </a:rPr>
+              <a:t>en</a:t>
+            </a:r>
+            <a:r>
+              <a:rPr lang="en-US" sz="2400" dirty="0" smtClean="0">
+                <a:solidFill>
+                  <a:srgbClr val="FFFF00"/>
+                </a:solidFill>
+              </a:rPr>
+              <a:t>/</a:t>
+            </a:r>
+            <a:r>
+              <a:rPr lang="hr-HR" sz="2400" smtClean="0">
+                <a:solidFill>
+                  <a:srgbClr val="FFFF00"/>
+                </a:solidFill>
+              </a:rPr>
+              <a:t>3.0</a:t>
+            </a:r>
+            <a:r>
+              <a:rPr lang="en-US" sz="2400" smtClean="0">
+                <a:solidFill>
+                  <a:srgbClr val="FFFF00"/>
+                </a:solidFill>
+              </a:rPr>
+              <a:t>/ref/validators</a:t>
+            </a:r>
+            <a:r>
               <a:rPr lang="en-US" sz="2400" dirty="0">
                 <a:solidFill>
                   <a:srgbClr val="FFFF00"/>
                 </a:solidFill>
               </a:rPr>
               <a:t>/</a:t>
-            </a:r>
-            <a:r>
-              <a:rPr lang="en-US" sz="2400" dirty="0" err="1">
-                <a:solidFill>
-                  <a:srgbClr val="FFFF00"/>
-                </a:solidFill>
-              </a:rPr>
-              <a:t>en</a:t>
-            </a:r>
-            <a:r>
-              <a:rPr lang="en-US" sz="2400" dirty="0">
-                <a:solidFill>
-                  <a:srgbClr val="FFFF00"/>
-                </a:solidFill>
-              </a:rPr>
-              <a:t>/2.1/ref/validators/</a:t>
             </a:r>
           </a:p>
         </p:txBody>

--- a/lectures/DJ-11-Forms-Django.pptx
+++ b/lectures/DJ-11-Forms-Django.pptx
@@ -5,7 +5,7 @@
     <p:sldMasterId id="2147483660" r:id="rId1"/>
   </p:sldMasterIdLst>
   <p:notesMasterIdLst>
-    <p:notesMasterId r:id="rId26"/>
+    <p:notesMasterId r:id="rId31"/>
   </p:notesMasterIdLst>
   <p:sldIdLst>
     <p:sldId id="258" r:id="rId2"/>
@@ -29,9 +29,14 @@
     <p:sldId id="343" r:id="rId20"/>
     <p:sldId id="344" r:id="rId21"/>
     <p:sldId id="346" r:id="rId22"/>
-    <p:sldId id="281" r:id="rId23"/>
-    <p:sldId id="273" r:id="rId24"/>
-    <p:sldId id="390" r:id="rId25"/>
+    <p:sldId id="421" r:id="rId23"/>
+    <p:sldId id="422" r:id="rId24"/>
+    <p:sldId id="423" r:id="rId25"/>
+    <p:sldId id="424" r:id="rId26"/>
+    <p:sldId id="425" r:id="rId27"/>
+    <p:sldId id="281" r:id="rId28"/>
+    <p:sldId id="273" r:id="rId29"/>
+    <p:sldId id="390" r:id="rId30"/>
   </p:sldIdLst>
   <p:sldSz cx="12192000" cy="6858000"/>
   <p:notesSz cx="6858000" cy="9144000"/>
@@ -220,7 +225,7 @@
           <a:p>
             <a:fld id="{C97B56FC-7D2E-F343-9D09-0D14B00AA564}" type="datetimeFigureOut">
               <a:rPr lang="en-US" smtClean="0"/>
-              <a:t>2/14/20</a:t>
+              <a:t>2/15/20</a:t>
             </a:fld>
             <a:endParaRPr lang="en-US"/>
           </a:p>
@@ -619,7 +624,7 @@
           <a:p>
             <a:fld id="{EEE7C04C-7AF8-1445-A186-502B631B934F}" type="datetimeFigureOut">
               <a:rPr lang="en-US" smtClean="0"/>
-              <a:t>2/14/20</a:t>
+              <a:t>2/15/20</a:t>
             </a:fld>
             <a:endParaRPr lang="en-US"/>
           </a:p>
@@ -784,7 +789,7 @@
           <a:p>
             <a:fld id="{EEE7C04C-7AF8-1445-A186-502B631B934F}" type="datetimeFigureOut">
               <a:rPr lang="en-US" smtClean="0"/>
-              <a:t>2/14/20</a:t>
+              <a:t>2/15/20</a:t>
             </a:fld>
             <a:endParaRPr lang="en-US"/>
           </a:p>
@@ -959,7 +964,7 @@
           <a:p>
             <a:fld id="{EEE7C04C-7AF8-1445-A186-502B631B934F}" type="datetimeFigureOut">
               <a:rPr lang="en-US" smtClean="0"/>
-              <a:t>2/14/20</a:t>
+              <a:t>2/15/20</a:t>
             </a:fld>
             <a:endParaRPr lang="en-US"/>
           </a:p>
@@ -1124,7 +1129,7 @@
           <a:p>
             <a:fld id="{EEE7C04C-7AF8-1445-A186-502B631B934F}" type="datetimeFigureOut">
               <a:rPr lang="en-US" smtClean="0"/>
-              <a:t>2/14/20</a:t>
+              <a:t>2/15/20</a:t>
             </a:fld>
             <a:endParaRPr lang="en-US"/>
           </a:p>
@@ -1365,7 +1370,7 @@
           <a:p>
             <a:fld id="{EEE7C04C-7AF8-1445-A186-502B631B934F}" type="datetimeFigureOut">
               <a:rPr lang="en-US" smtClean="0"/>
-              <a:t>2/14/20</a:t>
+              <a:t>2/15/20</a:t>
             </a:fld>
             <a:endParaRPr lang="en-US"/>
           </a:p>
@@ -1592,7 +1597,7 @@
           <a:p>
             <a:fld id="{EEE7C04C-7AF8-1445-A186-502B631B934F}" type="datetimeFigureOut">
               <a:rPr lang="en-US" smtClean="0"/>
-              <a:t>2/14/20</a:t>
+              <a:t>2/15/20</a:t>
             </a:fld>
             <a:endParaRPr lang="en-US"/>
           </a:p>
@@ -1954,7 +1959,7 @@
           <a:p>
             <a:fld id="{EEE7C04C-7AF8-1445-A186-502B631B934F}" type="datetimeFigureOut">
               <a:rPr lang="en-US" smtClean="0"/>
-              <a:t>2/14/20</a:t>
+              <a:t>2/15/20</a:t>
             </a:fld>
             <a:endParaRPr lang="en-US"/>
           </a:p>
@@ -2067,7 +2072,7 @@
           <a:p>
             <a:fld id="{EEE7C04C-7AF8-1445-A186-502B631B934F}" type="datetimeFigureOut">
               <a:rPr lang="en-US" smtClean="0"/>
-              <a:t>2/14/20</a:t>
+              <a:t>2/15/20</a:t>
             </a:fld>
             <a:endParaRPr lang="en-US"/>
           </a:p>
@@ -2157,7 +2162,7 @@
           <a:p>
             <a:fld id="{EEE7C04C-7AF8-1445-A186-502B631B934F}" type="datetimeFigureOut">
               <a:rPr lang="en-US" smtClean="0"/>
-              <a:t>2/14/20</a:t>
+              <a:t>2/15/20</a:t>
             </a:fld>
             <a:endParaRPr lang="en-US"/>
           </a:p>
@@ -2429,7 +2434,7 @@
           <a:p>
             <a:fld id="{EEE7C04C-7AF8-1445-A186-502B631B934F}" type="datetimeFigureOut">
               <a:rPr lang="en-US" smtClean="0"/>
-              <a:t>2/14/20</a:t>
+              <a:t>2/15/20</a:t>
             </a:fld>
             <a:endParaRPr lang="en-US"/>
           </a:p>
@@ -2681,7 +2686,7 @@
           <a:p>
             <a:fld id="{EEE7C04C-7AF8-1445-A186-502B631B934F}" type="datetimeFigureOut">
               <a:rPr lang="en-US" smtClean="0"/>
-              <a:t>2/14/20</a:t>
+              <a:t>2/15/20</a:t>
             </a:fld>
             <a:endParaRPr lang="en-US"/>
           </a:p>
@@ -2889,7 +2894,7 @@
           <a:p>
             <a:fld id="{EEE7C04C-7AF8-1445-A186-502B631B934F}" type="datetimeFigureOut">
               <a:rPr lang="en-US" smtClean="0"/>
-              <a:t>2/14/20</a:t>
+              <a:t>2/15/20</a:t>
             </a:fld>
             <a:endParaRPr lang="en-US"/>
           </a:p>
@@ -3307,10 +3312,10 @@
           <p:cNvPr id="10" name="Rectangle 9">
             <a:extLst>
               <a:ext uri="{FF2B5EF4-FFF2-40B4-BE49-F238E27FC236}">
-                <a16:creationId xmlns="" xmlns:a16="http://schemas.microsoft.com/office/drawing/2014/main" id="{E20EB187-900F-4AF5-813B-101456D9FD39}"/>
+                <a16:creationId xmlns:a16="http://schemas.microsoft.com/office/drawing/2014/main" xmlns="" id="{E20EB187-900F-4AF5-813B-101456D9FD39}"/>
               </a:ext>
               <a:ext uri="{C183D7F6-B498-43B3-948B-1728B52AA6E4}">
-                <adec:decorative xmlns="" xmlns:adec="http://schemas.microsoft.com/office/drawing/2017/decorative" val="1"/>
+                <adec:decorative xmlns:adec="http://schemas.microsoft.com/office/drawing/2017/decorative" xmlns="" val="1"/>
               </a:ext>
             </a:extLst>
           </p:cNvPr>
@@ -3453,10 +3458,10 @@
           <p:cNvPr id="12" name="Straight Connector 11">
             <a:extLst>
               <a:ext uri="{FF2B5EF4-FFF2-40B4-BE49-F238E27FC236}">
-                <a16:creationId xmlns="" xmlns:a16="http://schemas.microsoft.com/office/drawing/2014/main" id="{624D17C8-E9C2-48A4-AA36-D7048A6CCC41}"/>
+                <a16:creationId xmlns:a16="http://schemas.microsoft.com/office/drawing/2014/main" xmlns="" id="{624D17C8-E9C2-48A4-AA36-D7048A6CCC41}"/>
               </a:ext>
               <a:ext uri="{C183D7F6-B498-43B3-948B-1728B52AA6E4}">
-                <adec:decorative xmlns="" xmlns:adec="http://schemas.microsoft.com/office/drawing/2017/decorative" val="1"/>
+                <adec:decorative xmlns:adec="http://schemas.microsoft.com/office/drawing/2017/decorative" xmlns="" val="1"/>
               </a:ext>
             </a:extLst>
           </p:cNvPr>
@@ -18143,9 +18148,9 @@
       </p:grpSpPr>
       <p:sp>
         <p:nvSpPr>
-          <p:cNvPr id="27649" name="Rectangle 1"/>
+          <p:cNvPr id="2" name="Title 1"/>
           <p:cNvSpPr>
-            <a:spLocks noGrp="1" noChangeArrowheads="1"/>
+            <a:spLocks noGrp="1"/>
           </p:cNvSpPr>
           <p:nvPr>
             <p:ph type="title"/>
@@ -18156,25 +18161,19 @@
           <a:bodyPr/>
           <a:lstStyle/>
           <a:p>
-            <a:pPr eaLnBrk="1" hangingPunct="1">
-              <a:defRPr/>
-            </a:pPr>
-            <a:r>
-              <a:rPr lang="en-US" altLang="x-none" dirty="0" smtClean="0">
-                <a:solidFill>
-                  <a:srgbClr val="FFFF00"/>
-                </a:solidFill>
-              </a:rPr>
-              <a:t>Summary</a:t>
-            </a:r>
+            <a:r>
+              <a:rPr lang="en-US" dirty="0" smtClean="0"/>
+              <a:t>Models + Forms</a:t>
+            </a:r>
+            <a:endParaRPr lang="en-US" dirty="0"/>
           </a:p>
         </p:txBody>
       </p:sp>
       <p:sp>
         <p:nvSpPr>
-          <p:cNvPr id="27650" name="Rectangle 2"/>
+          <p:cNvPr id="3" name="Text Placeholder 2"/>
           <p:cNvSpPr>
-            <a:spLocks noGrp="1" noChangeArrowheads="1"/>
+            <a:spLocks noGrp="1"/>
           </p:cNvSpPr>
           <p:nvPr>
             <p:ph type="body" idx="1"/>
@@ -18185,34 +18184,62 @@
           <a:bodyPr/>
           <a:lstStyle/>
           <a:p>
-            <a:pPr marL="385365">
-              <a:defRPr/>
-            </a:pPr>
-            <a:r>
-              <a:rPr lang="en-US" altLang="x-none" smtClean="0"/>
-              <a:t>Django </a:t>
-            </a:r>
-            <a:r>
-              <a:rPr lang="en-US" altLang="x-none" dirty="0" smtClean="0"/>
-              <a:t>forms</a:t>
-            </a:r>
-          </a:p>
-          <a:p>
-            <a:pPr marL="385365">
-              <a:defRPr/>
-            </a:pPr>
-            <a:r>
-              <a:rPr lang="en-US" altLang="x-none" dirty="0" smtClean="0"/>
-              <a:t>Form Validation</a:t>
-            </a:r>
-          </a:p>
-          <a:p>
-            <a:pPr marL="385365">
-              <a:defRPr/>
-            </a:pPr>
-            <a:r>
-              <a:rPr lang="en-US" altLang="x-none" dirty="0" smtClean="0"/>
-              <a:t>We will learn more features of Django form objects</a:t>
+            <a:r>
+              <a:rPr lang="en-US" dirty="0" smtClean="0"/>
+              <a:t>Crossing the streams</a:t>
+            </a:r>
+            <a:endParaRPr lang="en-US" dirty="0"/>
+          </a:p>
+        </p:txBody>
+      </p:sp>
+      <p:sp>
+        <p:nvSpPr>
+          <p:cNvPr id="4" name="Rectangle 3"/>
+          <p:cNvSpPr/>
+          <p:nvPr/>
+        </p:nvSpPr>
+        <p:spPr>
+          <a:xfrm>
+            <a:off x="5048250" y="5339556"/>
+            <a:ext cx="7410450" cy="369332"/>
+          </a:xfrm>
+          <a:prstGeom prst="rect">
+            <a:avLst/>
+          </a:prstGeom>
+        </p:spPr>
+        <p:txBody>
+          <a:bodyPr wrap="square">
+            <a:spAutoFit/>
+          </a:bodyPr>
+          <a:lstStyle/>
+          <a:p>
+            <a:r>
+              <a:rPr lang="en-US" dirty="0"/>
+              <a:t>https://</a:t>
+            </a:r>
+            <a:r>
+              <a:rPr lang="en-US" dirty="0" err="1"/>
+              <a:t>docs.djangoproject.com</a:t>
+            </a:r>
+            <a:r>
+              <a:rPr lang="en-US" dirty="0"/>
+              <a:t>/</a:t>
+            </a:r>
+            <a:r>
+              <a:rPr lang="en-US" dirty="0" err="1"/>
+              <a:t>en</a:t>
+            </a:r>
+            <a:r>
+              <a:rPr lang="en-US" dirty="0"/>
+              <a:t>/3.0/topics/forms/</a:t>
+            </a:r>
+            <a:r>
+              <a:rPr lang="en-US" dirty="0" err="1"/>
+              <a:t>modelforms</a:t>
+            </a:r>
+            <a:r>
+              <a:rPr lang="en-US" dirty="0"/>
+              <a:t>/</a:t>
             </a:r>
           </a:p>
         </p:txBody>
@@ -18220,28 +18247,13 @@
     </p:spTree>
     <p:extLst>
       <p:ext uri="{BB962C8B-B14F-4D97-AF65-F5344CB8AC3E}">
-        <p14:creationId xmlns:p14="http://schemas.microsoft.com/office/powerpoint/2010/main" val="188513069"/>
+        <p14:creationId xmlns:p14="http://schemas.microsoft.com/office/powerpoint/2010/main" val="2036578496"/>
       </p:ext>
     </p:extLst>
   </p:cSld>
   <p:clrMapOvr>
     <a:masterClrMapping/>
   </p:clrMapOvr>
-  <mc:AlternateContent xmlns:mc="http://schemas.openxmlformats.org/markup-compatibility/2006" xmlns:p14="http://schemas.microsoft.com/office/powerpoint/2010/main">
-    <mc:Choice Requires="p14">
-      <p:transition spd="slow" p14:dur="2000"/>
-    </mc:Choice>
-    <mc:Fallback xmlns="">
-      <p:transition spd="slow"/>
-    </mc:Fallback>
-  </mc:AlternateContent>
-  <p:timing>
-    <p:tnLst>
-      <p:par>
-        <p:cTn id="1" dur="indefinite" restart="never" nodeType="tmRoot"/>
-      </p:par>
-    </p:tnLst>
-  </p:timing>
 </p:sld>
 </file>
 
@@ -18278,6 +18290,4694 @@
           <a:lstStyle/>
           <a:p>
             <a:r>
+              <a:rPr lang="en-US" dirty="0" smtClean="0"/>
+              <a:t>Form Structure is similar to Model Structure</a:t>
+            </a:r>
+            <a:endParaRPr lang="en-US" dirty="0"/>
+          </a:p>
+        </p:txBody>
+      </p:sp>
+      <p:sp>
+        <p:nvSpPr>
+          <p:cNvPr id="6" name="Rectangle 5"/>
+          <p:cNvSpPr/>
+          <p:nvPr/>
+        </p:nvSpPr>
+        <p:spPr>
+          <a:xfrm>
+            <a:off x="2303253" y="1930379"/>
+            <a:ext cx="7726572" cy="1323439"/>
+          </a:xfrm>
+          <a:prstGeom prst="rect">
+            <a:avLst/>
+          </a:prstGeom>
+          <a:solidFill>
+            <a:schemeClr val="tx1"/>
+          </a:solidFill>
+        </p:spPr>
+        <p:txBody>
+          <a:bodyPr wrap="square">
+            <a:spAutoFit/>
+          </a:bodyPr>
+          <a:lstStyle/>
+          <a:p>
+            <a:r>
+              <a:rPr lang="en-US" sz="1600" dirty="0" smtClean="0">
+                <a:solidFill>
+                  <a:srgbClr val="C1651C"/>
+                </a:solidFill>
+                <a:latin typeface="Courier" charset="0"/>
+                <a:ea typeface="Courier" charset="0"/>
+                <a:cs typeface="Courier" charset="0"/>
+              </a:rPr>
+              <a:t>class</a:t>
+            </a:r>
+            <a:r>
+              <a:rPr lang="en-US" sz="1600" dirty="0" smtClean="0">
+                <a:solidFill>
+                  <a:srgbClr val="000000"/>
+                </a:solidFill>
+                <a:latin typeface="Courier" charset="0"/>
+                <a:ea typeface="Courier" charset="0"/>
+                <a:cs typeface="Courier" charset="0"/>
+              </a:rPr>
+              <a:t> </a:t>
+            </a:r>
+            <a:r>
+              <a:rPr lang="en-US" sz="1600" dirty="0" err="1">
+                <a:solidFill>
+                  <a:srgbClr val="2EAEBB"/>
+                </a:solidFill>
+                <a:latin typeface="Courier" charset="0"/>
+                <a:ea typeface="Courier" charset="0"/>
+                <a:cs typeface="Courier" charset="0"/>
+              </a:rPr>
+              <a:t>BasicForm</a:t>
+            </a:r>
+            <a:r>
+              <a:rPr lang="en-US" sz="1600" dirty="0">
+                <a:solidFill>
+                  <a:srgbClr val="000000"/>
+                </a:solidFill>
+                <a:latin typeface="Courier" charset="0"/>
+                <a:ea typeface="Courier" charset="0"/>
+                <a:cs typeface="Courier" charset="0"/>
+              </a:rPr>
+              <a:t>(</a:t>
+            </a:r>
+            <a:r>
+              <a:rPr lang="en-US" sz="1600" dirty="0" err="1">
+                <a:solidFill>
+                  <a:srgbClr val="000000"/>
+                </a:solidFill>
+                <a:latin typeface="Courier" charset="0"/>
+                <a:ea typeface="Courier" charset="0"/>
+                <a:cs typeface="Courier" charset="0"/>
+              </a:rPr>
+              <a:t>forms.Form</a:t>
+            </a:r>
+            <a:r>
+              <a:rPr lang="en-US" sz="1600" dirty="0">
+                <a:solidFill>
+                  <a:srgbClr val="000000"/>
+                </a:solidFill>
+                <a:latin typeface="Courier" charset="0"/>
+                <a:ea typeface="Courier" charset="0"/>
+                <a:cs typeface="Courier" charset="0"/>
+              </a:rPr>
+              <a:t>):</a:t>
+            </a:r>
+          </a:p>
+          <a:p>
+            <a:r>
+              <a:rPr lang="en-US" sz="1600" dirty="0">
+                <a:solidFill>
+                  <a:srgbClr val="000000"/>
+                </a:solidFill>
+                <a:latin typeface="Courier" charset="0"/>
+                <a:ea typeface="Courier" charset="0"/>
+                <a:cs typeface="Courier" charset="0"/>
+              </a:rPr>
+              <a:t>    title = </a:t>
+            </a:r>
+            <a:r>
+              <a:rPr lang="en-US" sz="1600" dirty="0" err="1">
+                <a:solidFill>
+                  <a:srgbClr val="000000"/>
+                </a:solidFill>
+                <a:latin typeface="Courier" charset="0"/>
+                <a:ea typeface="Courier" charset="0"/>
+                <a:cs typeface="Courier" charset="0"/>
+              </a:rPr>
+              <a:t>forms.CharField</a:t>
+            </a:r>
+            <a:r>
+              <a:rPr lang="en-US" sz="1600" dirty="0">
+                <a:solidFill>
+                  <a:srgbClr val="000000"/>
+                </a:solidFill>
+                <a:latin typeface="Courier" charset="0"/>
+                <a:ea typeface="Courier" charset="0"/>
+                <a:cs typeface="Courier" charset="0"/>
+              </a:rPr>
+              <a:t>(validators=[</a:t>
+            </a:r>
+          </a:p>
+          <a:p>
+            <a:r>
+              <a:rPr lang="en-US" sz="1600" dirty="0">
+                <a:solidFill>
+                  <a:srgbClr val="000000"/>
+                </a:solidFill>
+                <a:latin typeface="Courier" charset="0"/>
+                <a:ea typeface="Courier" charset="0"/>
+                <a:cs typeface="Courier" charset="0"/>
+              </a:rPr>
+              <a:t>      </a:t>
+            </a:r>
+            <a:r>
+              <a:rPr lang="en-US" sz="1600" dirty="0" err="1" smtClean="0">
+                <a:solidFill>
+                  <a:srgbClr val="000000"/>
+                </a:solidFill>
+                <a:latin typeface="Courier" charset="0"/>
+                <a:ea typeface="Courier" charset="0"/>
+                <a:cs typeface="Courier" charset="0"/>
+              </a:rPr>
+              <a:t>validators.MinLengthValidator</a:t>
+            </a:r>
+            <a:r>
+              <a:rPr lang="en-US" sz="1600" dirty="0" smtClean="0">
+                <a:solidFill>
+                  <a:srgbClr val="000000"/>
+                </a:solidFill>
+                <a:latin typeface="Courier" charset="0"/>
+                <a:ea typeface="Courier" charset="0"/>
+                <a:cs typeface="Courier" charset="0"/>
+              </a:rPr>
+              <a:t>(</a:t>
+            </a:r>
+            <a:r>
+              <a:rPr lang="en-US" sz="1600" dirty="0" smtClean="0">
+                <a:solidFill>
+                  <a:srgbClr val="B42419"/>
+                </a:solidFill>
+                <a:latin typeface="Courier" charset="0"/>
+                <a:ea typeface="Courier" charset="0"/>
+                <a:cs typeface="Courier" charset="0"/>
+              </a:rPr>
+              <a:t>2</a:t>
+            </a:r>
+            <a:r>
+              <a:rPr lang="en-US" sz="1600" dirty="0">
+                <a:solidFill>
+                  <a:srgbClr val="000000"/>
+                </a:solidFill>
+                <a:latin typeface="Courier" charset="0"/>
+                <a:ea typeface="Courier" charset="0"/>
+                <a:cs typeface="Courier" charset="0"/>
+              </a:rPr>
+              <a:t>, </a:t>
+            </a:r>
+            <a:r>
+              <a:rPr lang="en-US" sz="1600" dirty="0" smtClean="0">
+                <a:solidFill>
+                  <a:srgbClr val="B42419"/>
+                </a:solidFill>
+                <a:latin typeface="Courier" charset="0"/>
+                <a:ea typeface="Courier" charset="0"/>
+                <a:cs typeface="Courier" charset="0"/>
+              </a:rPr>
+              <a:t>"..."</a:t>
+            </a:r>
+            <a:r>
+              <a:rPr lang="en-US" sz="1600" dirty="0" smtClean="0">
+                <a:solidFill>
+                  <a:srgbClr val="000000"/>
+                </a:solidFill>
+                <a:latin typeface="Courier" charset="0"/>
+                <a:ea typeface="Courier" charset="0"/>
+                <a:cs typeface="Courier" charset="0"/>
+              </a:rPr>
+              <a:t>)])</a:t>
+            </a:r>
+            <a:endParaRPr lang="en-US" sz="1600" dirty="0">
+              <a:solidFill>
+                <a:srgbClr val="000000"/>
+              </a:solidFill>
+              <a:latin typeface="Courier" charset="0"/>
+              <a:ea typeface="Courier" charset="0"/>
+              <a:cs typeface="Courier" charset="0"/>
+            </a:endParaRPr>
+          </a:p>
+          <a:p>
+            <a:r>
+              <a:rPr lang="en-US" sz="1600" dirty="0">
+                <a:solidFill>
+                  <a:srgbClr val="000000"/>
+                </a:solidFill>
+                <a:latin typeface="Courier" charset="0"/>
+                <a:ea typeface="Courier" charset="0"/>
+                <a:cs typeface="Courier" charset="0"/>
+              </a:rPr>
+              <a:t>    mileage = </a:t>
+            </a:r>
+            <a:r>
+              <a:rPr lang="en-US" sz="1600" dirty="0" err="1">
+                <a:solidFill>
+                  <a:srgbClr val="000000"/>
+                </a:solidFill>
+                <a:latin typeface="Courier" charset="0"/>
+                <a:ea typeface="Courier" charset="0"/>
+                <a:cs typeface="Courier" charset="0"/>
+              </a:rPr>
+              <a:t>forms.IntegerField</a:t>
+            </a:r>
+            <a:r>
+              <a:rPr lang="en-US" sz="1600" dirty="0">
+                <a:solidFill>
+                  <a:srgbClr val="000000"/>
+                </a:solidFill>
+                <a:latin typeface="Courier" charset="0"/>
+                <a:ea typeface="Courier" charset="0"/>
+                <a:cs typeface="Courier" charset="0"/>
+              </a:rPr>
+              <a:t>()</a:t>
+            </a:r>
+          </a:p>
+          <a:p>
+            <a:r>
+              <a:rPr lang="en-US" sz="1600" dirty="0">
+                <a:solidFill>
+                  <a:srgbClr val="000000"/>
+                </a:solidFill>
+                <a:latin typeface="Courier" charset="0"/>
+                <a:ea typeface="Courier" charset="0"/>
+                <a:cs typeface="Courier" charset="0"/>
+              </a:rPr>
+              <a:t>    </a:t>
+            </a:r>
+            <a:r>
+              <a:rPr lang="en-US" sz="1600" dirty="0" err="1">
+                <a:solidFill>
+                  <a:srgbClr val="000000"/>
+                </a:solidFill>
+                <a:latin typeface="Courier" charset="0"/>
+                <a:ea typeface="Courier" charset="0"/>
+                <a:cs typeface="Courier" charset="0"/>
+              </a:rPr>
+              <a:t>purchase_date</a:t>
+            </a:r>
+            <a:r>
+              <a:rPr lang="en-US" sz="1600" dirty="0">
+                <a:solidFill>
+                  <a:srgbClr val="000000"/>
+                </a:solidFill>
+                <a:latin typeface="Courier" charset="0"/>
+                <a:ea typeface="Courier" charset="0"/>
+                <a:cs typeface="Courier" charset="0"/>
+              </a:rPr>
+              <a:t> = </a:t>
+            </a:r>
+            <a:r>
+              <a:rPr lang="en-US" sz="1600" dirty="0" err="1">
+                <a:solidFill>
+                  <a:srgbClr val="000000"/>
+                </a:solidFill>
+                <a:latin typeface="Courier" charset="0"/>
+                <a:ea typeface="Courier" charset="0"/>
+                <a:cs typeface="Courier" charset="0"/>
+              </a:rPr>
+              <a:t>forms.DateField</a:t>
+            </a:r>
+            <a:r>
+              <a:rPr lang="en-US" sz="1600" dirty="0">
+                <a:solidFill>
+                  <a:srgbClr val="000000"/>
+                </a:solidFill>
+                <a:latin typeface="Courier" charset="0"/>
+                <a:ea typeface="Courier" charset="0"/>
+                <a:cs typeface="Courier" charset="0"/>
+              </a:rPr>
+              <a:t>()</a:t>
+            </a:r>
+          </a:p>
+        </p:txBody>
+      </p:sp>
+      <p:sp>
+        <p:nvSpPr>
+          <p:cNvPr id="7" name="Rectangle 6"/>
+          <p:cNvSpPr/>
+          <p:nvPr/>
+        </p:nvSpPr>
+        <p:spPr>
+          <a:xfrm>
+            <a:off x="2303252" y="1502817"/>
+            <a:ext cx="3810659" cy="369332"/>
+          </a:xfrm>
+          <a:prstGeom prst="rect">
+            <a:avLst/>
+          </a:prstGeom>
+        </p:spPr>
+        <p:txBody>
+          <a:bodyPr wrap="none">
+            <a:spAutoFit/>
+          </a:bodyPr>
+          <a:lstStyle/>
+          <a:p>
+            <a:r>
+              <a:rPr lang="en-US" dirty="0" smtClean="0">
+                <a:solidFill>
+                  <a:srgbClr val="FFFF00"/>
+                </a:solidFill>
+                <a:latin typeface="Courier" charset="0"/>
+                <a:ea typeface="Courier" charset="0"/>
+                <a:cs typeface="Courier" charset="0"/>
+              </a:rPr>
+              <a:t>dj4e-samples/form/</a:t>
+            </a:r>
+            <a:r>
+              <a:rPr lang="en-US" dirty="0" err="1" smtClean="0">
+                <a:solidFill>
+                  <a:srgbClr val="FFFF00"/>
+                </a:solidFill>
+                <a:latin typeface="Courier" charset="0"/>
+                <a:ea typeface="Courier" charset="0"/>
+                <a:cs typeface="Courier" charset="0"/>
+              </a:rPr>
+              <a:t>forms.py</a:t>
+            </a:r>
+            <a:endParaRPr lang="en-US" dirty="0">
+              <a:solidFill>
+                <a:srgbClr val="FFFF00"/>
+              </a:solidFill>
+              <a:effectLst/>
+              <a:latin typeface="Courier" charset="0"/>
+              <a:ea typeface="Courier" charset="0"/>
+              <a:cs typeface="Courier" charset="0"/>
+            </a:endParaRPr>
+          </a:p>
+        </p:txBody>
+      </p:sp>
+      <p:sp>
+        <p:nvSpPr>
+          <p:cNvPr id="8" name="Rectangle 7"/>
+          <p:cNvSpPr/>
+          <p:nvPr/>
+        </p:nvSpPr>
+        <p:spPr>
+          <a:xfrm>
+            <a:off x="2303252" y="4154467"/>
+            <a:ext cx="7726573" cy="1815882"/>
+          </a:xfrm>
+          <a:prstGeom prst="rect">
+            <a:avLst/>
+          </a:prstGeom>
+          <a:solidFill>
+            <a:schemeClr val="tx1"/>
+          </a:solidFill>
+        </p:spPr>
+        <p:txBody>
+          <a:bodyPr wrap="square">
+            <a:spAutoFit/>
+          </a:bodyPr>
+          <a:lstStyle/>
+          <a:p>
+            <a:r>
+              <a:rPr lang="en-US" sz="1600" dirty="0">
+                <a:solidFill>
+                  <a:srgbClr val="C1651C"/>
+                </a:solidFill>
+                <a:latin typeface="Courier" charset="0"/>
+                <a:ea typeface="Courier" charset="0"/>
+                <a:cs typeface="Courier" charset="0"/>
+              </a:rPr>
+              <a:t>class</a:t>
+            </a:r>
+            <a:r>
+              <a:rPr lang="en-US" sz="1600" dirty="0">
+                <a:solidFill>
+                  <a:srgbClr val="000000"/>
+                </a:solidFill>
+                <a:latin typeface="Courier" charset="0"/>
+                <a:ea typeface="Courier" charset="0"/>
+                <a:cs typeface="Courier" charset="0"/>
+              </a:rPr>
+              <a:t> </a:t>
+            </a:r>
+            <a:r>
+              <a:rPr lang="en-US" sz="1600" dirty="0">
+                <a:solidFill>
+                  <a:srgbClr val="2EAEBB"/>
+                </a:solidFill>
+                <a:latin typeface="Courier" charset="0"/>
+                <a:ea typeface="Courier" charset="0"/>
+                <a:cs typeface="Courier" charset="0"/>
+              </a:rPr>
+              <a:t>Cat</a:t>
+            </a:r>
+            <a:r>
+              <a:rPr lang="en-US" sz="1600" dirty="0">
+                <a:solidFill>
+                  <a:srgbClr val="000000"/>
+                </a:solidFill>
+                <a:latin typeface="Courier" charset="0"/>
+                <a:ea typeface="Courier" charset="0"/>
+                <a:cs typeface="Courier" charset="0"/>
+              </a:rPr>
+              <a:t>(</a:t>
+            </a:r>
+            <a:r>
+              <a:rPr lang="en-US" sz="1600" dirty="0" err="1">
+                <a:solidFill>
+                  <a:srgbClr val="000000"/>
+                </a:solidFill>
+                <a:latin typeface="Courier" charset="0"/>
+                <a:ea typeface="Courier" charset="0"/>
+                <a:cs typeface="Courier" charset="0"/>
+              </a:rPr>
+              <a:t>models.Model</a:t>
+            </a:r>
+            <a:r>
+              <a:rPr lang="en-US" sz="1600" dirty="0">
+                <a:solidFill>
+                  <a:srgbClr val="000000"/>
+                </a:solidFill>
+                <a:latin typeface="Courier" charset="0"/>
+                <a:ea typeface="Courier" charset="0"/>
+                <a:cs typeface="Courier" charset="0"/>
+              </a:rPr>
+              <a:t>) :</a:t>
+            </a:r>
+          </a:p>
+          <a:p>
+            <a:r>
+              <a:rPr lang="en-US" sz="1600" dirty="0">
+                <a:solidFill>
+                  <a:srgbClr val="000000"/>
+                </a:solidFill>
+                <a:latin typeface="Courier" charset="0"/>
+                <a:ea typeface="Courier" charset="0"/>
+                <a:cs typeface="Courier" charset="0"/>
+              </a:rPr>
+              <a:t>    name = </a:t>
+            </a:r>
+            <a:r>
+              <a:rPr lang="en-US" sz="1600" dirty="0" err="1">
+                <a:solidFill>
+                  <a:srgbClr val="000000"/>
+                </a:solidFill>
+                <a:latin typeface="Courier" charset="0"/>
+                <a:ea typeface="Courier" charset="0"/>
+                <a:cs typeface="Courier" charset="0"/>
+              </a:rPr>
+              <a:t>models.CharField</a:t>
+            </a:r>
+            <a:r>
+              <a:rPr lang="en-US" sz="1600" dirty="0">
+                <a:solidFill>
+                  <a:srgbClr val="000000"/>
+                </a:solidFill>
+                <a:latin typeface="Courier" charset="0"/>
+                <a:ea typeface="Courier" charset="0"/>
+                <a:cs typeface="Courier" charset="0"/>
+              </a:rPr>
+              <a:t>(</a:t>
+            </a:r>
+          </a:p>
+          <a:p>
+            <a:r>
+              <a:rPr lang="mr-IN" sz="1600" dirty="0">
+                <a:solidFill>
+                  <a:srgbClr val="000000"/>
+                </a:solidFill>
+                <a:latin typeface="Courier" charset="0"/>
+                <a:ea typeface="Courier" charset="0"/>
+                <a:cs typeface="Courier" charset="0"/>
+              </a:rPr>
+              <a:t>            </a:t>
+            </a:r>
+            <a:r>
+              <a:rPr lang="mr-IN" sz="1600" dirty="0" err="1">
+                <a:solidFill>
+                  <a:srgbClr val="000000"/>
+                </a:solidFill>
+                <a:latin typeface="Courier" charset="0"/>
+                <a:ea typeface="Courier" charset="0"/>
+                <a:cs typeface="Courier" charset="0"/>
+              </a:rPr>
+              <a:t>max_length</a:t>
+            </a:r>
+            <a:r>
+              <a:rPr lang="mr-IN" sz="1600" dirty="0">
+                <a:solidFill>
+                  <a:srgbClr val="000000"/>
+                </a:solidFill>
+                <a:latin typeface="Courier" charset="0"/>
+                <a:ea typeface="Courier" charset="0"/>
+                <a:cs typeface="Courier" charset="0"/>
+              </a:rPr>
+              <a:t>=</a:t>
+            </a:r>
+            <a:r>
+              <a:rPr lang="mr-IN" sz="1600" dirty="0">
+                <a:solidFill>
+                  <a:srgbClr val="B42419"/>
+                </a:solidFill>
+                <a:latin typeface="Courier" charset="0"/>
+                <a:ea typeface="Courier" charset="0"/>
+                <a:cs typeface="Courier" charset="0"/>
+              </a:rPr>
+              <a:t>100</a:t>
+            </a:r>
+            <a:r>
+              <a:rPr lang="mr-IN" sz="1600" dirty="0">
+                <a:solidFill>
+                  <a:srgbClr val="000000"/>
+                </a:solidFill>
+                <a:latin typeface="Courier" charset="0"/>
+                <a:ea typeface="Courier" charset="0"/>
+                <a:cs typeface="Courier" charset="0"/>
+              </a:rPr>
+              <a:t>,</a:t>
+            </a:r>
+          </a:p>
+          <a:p>
+            <a:r>
+              <a:rPr lang="en-US" sz="1600" dirty="0">
+                <a:solidFill>
+                  <a:srgbClr val="000000"/>
+                </a:solidFill>
+                <a:latin typeface="Courier" charset="0"/>
+                <a:ea typeface="Courier" charset="0"/>
+                <a:cs typeface="Courier" charset="0"/>
+              </a:rPr>
+              <a:t>            validators=[</a:t>
+            </a:r>
+            <a:r>
+              <a:rPr lang="en-US" sz="1600" dirty="0" err="1">
+                <a:solidFill>
+                  <a:srgbClr val="000000"/>
+                </a:solidFill>
+                <a:latin typeface="Courier" charset="0"/>
+                <a:ea typeface="Courier" charset="0"/>
+                <a:cs typeface="Courier" charset="0"/>
+              </a:rPr>
+              <a:t>MinLengthValidator</a:t>
+            </a:r>
+            <a:r>
+              <a:rPr lang="en-US" sz="1600" dirty="0">
+                <a:solidFill>
+                  <a:srgbClr val="000000"/>
+                </a:solidFill>
+                <a:latin typeface="Courier" charset="0"/>
+                <a:ea typeface="Courier" charset="0"/>
+                <a:cs typeface="Courier" charset="0"/>
+              </a:rPr>
+              <a:t>(</a:t>
+            </a:r>
+            <a:r>
+              <a:rPr lang="en-US" sz="1600" dirty="0">
+                <a:solidFill>
+                  <a:srgbClr val="B42419"/>
+                </a:solidFill>
+                <a:latin typeface="Courier" charset="0"/>
+                <a:ea typeface="Courier" charset="0"/>
+                <a:cs typeface="Courier" charset="0"/>
+              </a:rPr>
+              <a:t>2</a:t>
+            </a:r>
+            <a:r>
+              <a:rPr lang="en-US" sz="1600" dirty="0">
+                <a:solidFill>
+                  <a:srgbClr val="000000"/>
+                </a:solidFill>
+                <a:latin typeface="Courier" charset="0"/>
+                <a:ea typeface="Courier" charset="0"/>
+                <a:cs typeface="Courier" charset="0"/>
+              </a:rPr>
+              <a:t>, </a:t>
+            </a:r>
+            <a:r>
+              <a:rPr lang="en-US" sz="1600" dirty="0" smtClean="0">
+                <a:solidFill>
+                  <a:srgbClr val="B42419"/>
+                </a:solidFill>
+                <a:latin typeface="Courier" charset="0"/>
+                <a:ea typeface="Courier" charset="0"/>
+                <a:cs typeface="Courier" charset="0"/>
+              </a:rPr>
+              <a:t>".."</a:t>
+            </a:r>
+            <a:r>
+              <a:rPr lang="en-US" sz="1600" dirty="0" smtClean="0">
+                <a:solidFill>
+                  <a:srgbClr val="000000"/>
+                </a:solidFill>
+                <a:latin typeface="Courier" charset="0"/>
+                <a:ea typeface="Courier" charset="0"/>
+                <a:cs typeface="Courier" charset="0"/>
+              </a:rPr>
+              <a:t>)]</a:t>
+            </a:r>
+            <a:endParaRPr lang="en-US" sz="1600" dirty="0">
+              <a:solidFill>
+                <a:srgbClr val="000000"/>
+              </a:solidFill>
+              <a:latin typeface="Courier" charset="0"/>
+              <a:ea typeface="Courier" charset="0"/>
+              <a:cs typeface="Courier" charset="0"/>
+            </a:endParaRPr>
+          </a:p>
+          <a:p>
+            <a:r>
+              <a:rPr lang="mr-IN" sz="1600" dirty="0">
+                <a:solidFill>
+                  <a:srgbClr val="000000"/>
+                </a:solidFill>
+                <a:latin typeface="Courier" charset="0"/>
+                <a:ea typeface="Courier" charset="0"/>
+                <a:cs typeface="Courier" charset="0"/>
+              </a:rPr>
+              <a:t>    )</a:t>
+            </a:r>
+          </a:p>
+          <a:p>
+            <a:r>
+              <a:rPr lang="en-US" sz="1600" dirty="0">
+                <a:solidFill>
+                  <a:srgbClr val="000000"/>
+                </a:solidFill>
+                <a:latin typeface="Courier" charset="0"/>
+                <a:ea typeface="Courier" charset="0"/>
+                <a:cs typeface="Courier" charset="0"/>
+              </a:rPr>
+              <a:t>    breed = </a:t>
+            </a:r>
+            <a:r>
+              <a:rPr lang="en-US" sz="1600" dirty="0" err="1">
+                <a:solidFill>
+                  <a:srgbClr val="000000"/>
+                </a:solidFill>
+                <a:latin typeface="Courier" charset="0"/>
+                <a:ea typeface="Courier" charset="0"/>
+                <a:cs typeface="Courier" charset="0"/>
+              </a:rPr>
+              <a:t>models.CharField</a:t>
+            </a:r>
+            <a:r>
+              <a:rPr lang="en-US" sz="1600" dirty="0">
+                <a:solidFill>
+                  <a:srgbClr val="000000"/>
+                </a:solidFill>
+                <a:latin typeface="Courier" charset="0"/>
+                <a:ea typeface="Courier" charset="0"/>
+                <a:cs typeface="Courier" charset="0"/>
+              </a:rPr>
+              <a:t>(</a:t>
+            </a:r>
+            <a:r>
+              <a:rPr lang="en-US" sz="1600" dirty="0" err="1">
+                <a:solidFill>
+                  <a:srgbClr val="000000"/>
+                </a:solidFill>
+                <a:latin typeface="Courier" charset="0"/>
+                <a:ea typeface="Courier" charset="0"/>
+                <a:cs typeface="Courier" charset="0"/>
+              </a:rPr>
+              <a:t>max_length</a:t>
+            </a:r>
+            <a:r>
+              <a:rPr lang="en-US" sz="1600" dirty="0">
+                <a:solidFill>
+                  <a:srgbClr val="000000"/>
+                </a:solidFill>
+                <a:latin typeface="Courier" charset="0"/>
+                <a:ea typeface="Courier" charset="0"/>
+                <a:cs typeface="Courier" charset="0"/>
+              </a:rPr>
+              <a:t>=</a:t>
+            </a:r>
+            <a:r>
+              <a:rPr lang="en-US" sz="1600" dirty="0">
+                <a:solidFill>
+                  <a:srgbClr val="B42419"/>
+                </a:solidFill>
+                <a:latin typeface="Courier" charset="0"/>
+                <a:ea typeface="Courier" charset="0"/>
+                <a:cs typeface="Courier" charset="0"/>
+              </a:rPr>
+              <a:t>100</a:t>
+            </a:r>
+            <a:r>
+              <a:rPr lang="en-US" sz="1600" dirty="0">
+                <a:solidFill>
+                  <a:srgbClr val="000000"/>
+                </a:solidFill>
+                <a:latin typeface="Courier" charset="0"/>
+                <a:ea typeface="Courier" charset="0"/>
+                <a:cs typeface="Courier" charset="0"/>
+              </a:rPr>
+              <a:t>)</a:t>
+            </a:r>
+          </a:p>
+          <a:p>
+            <a:r>
+              <a:rPr lang="en-US" sz="1600" dirty="0">
+                <a:solidFill>
+                  <a:srgbClr val="000000"/>
+                </a:solidFill>
+                <a:latin typeface="Courier" charset="0"/>
+                <a:ea typeface="Courier" charset="0"/>
+                <a:cs typeface="Courier" charset="0"/>
+              </a:rPr>
+              <a:t>    comments = </a:t>
+            </a:r>
+            <a:r>
+              <a:rPr lang="en-US" sz="1600" dirty="0" err="1">
+                <a:solidFill>
+                  <a:srgbClr val="000000"/>
+                </a:solidFill>
+                <a:latin typeface="Courier" charset="0"/>
+                <a:ea typeface="Courier" charset="0"/>
+                <a:cs typeface="Courier" charset="0"/>
+              </a:rPr>
+              <a:t>models.CharField</a:t>
+            </a:r>
+            <a:r>
+              <a:rPr lang="en-US" sz="1600" dirty="0">
+                <a:solidFill>
+                  <a:srgbClr val="000000"/>
+                </a:solidFill>
+                <a:latin typeface="Courier" charset="0"/>
+                <a:ea typeface="Courier" charset="0"/>
+                <a:cs typeface="Courier" charset="0"/>
+              </a:rPr>
+              <a:t>(</a:t>
+            </a:r>
+            <a:r>
+              <a:rPr lang="en-US" sz="1600" dirty="0" err="1">
+                <a:solidFill>
+                  <a:srgbClr val="000000"/>
+                </a:solidFill>
+                <a:latin typeface="Courier" charset="0"/>
+                <a:ea typeface="Courier" charset="0"/>
+                <a:cs typeface="Courier" charset="0"/>
+              </a:rPr>
+              <a:t>max_length</a:t>
+            </a:r>
+            <a:r>
+              <a:rPr lang="en-US" sz="1600" dirty="0">
+                <a:solidFill>
+                  <a:srgbClr val="000000"/>
+                </a:solidFill>
+                <a:latin typeface="Courier" charset="0"/>
+                <a:ea typeface="Courier" charset="0"/>
+                <a:cs typeface="Courier" charset="0"/>
+              </a:rPr>
+              <a:t>=</a:t>
+            </a:r>
+            <a:r>
+              <a:rPr lang="en-US" sz="1600" dirty="0">
+                <a:solidFill>
+                  <a:srgbClr val="B42419"/>
+                </a:solidFill>
+                <a:latin typeface="Courier" charset="0"/>
+                <a:ea typeface="Courier" charset="0"/>
+                <a:cs typeface="Courier" charset="0"/>
+              </a:rPr>
+              <a:t>100</a:t>
+            </a:r>
+            <a:r>
+              <a:rPr lang="en-US" sz="1600" dirty="0">
+                <a:solidFill>
+                  <a:srgbClr val="000000"/>
+                </a:solidFill>
+                <a:latin typeface="Courier" charset="0"/>
+                <a:ea typeface="Courier" charset="0"/>
+                <a:cs typeface="Courier" charset="0"/>
+              </a:rPr>
+              <a:t>, blank=</a:t>
+            </a:r>
+            <a:r>
+              <a:rPr lang="en-US" sz="1600" dirty="0">
+                <a:solidFill>
+                  <a:srgbClr val="2EAEBB"/>
+                </a:solidFill>
+                <a:latin typeface="Courier" charset="0"/>
+                <a:ea typeface="Courier" charset="0"/>
+                <a:cs typeface="Courier" charset="0"/>
+              </a:rPr>
+              <a:t>True</a:t>
+            </a:r>
+            <a:r>
+              <a:rPr lang="en-US" sz="1600" dirty="0">
+                <a:solidFill>
+                  <a:srgbClr val="000000"/>
+                </a:solidFill>
+                <a:latin typeface="Courier" charset="0"/>
+                <a:ea typeface="Courier" charset="0"/>
+                <a:cs typeface="Courier" charset="0"/>
+              </a:rPr>
+              <a:t>)</a:t>
+            </a:r>
+            <a:endParaRPr lang="en-US" sz="1600" dirty="0">
+              <a:solidFill>
+                <a:srgbClr val="000000"/>
+              </a:solidFill>
+              <a:latin typeface="Courier" charset="0"/>
+              <a:ea typeface="Courier" charset="0"/>
+              <a:cs typeface="Courier" charset="0"/>
+            </a:endParaRPr>
+          </a:p>
+        </p:txBody>
+      </p:sp>
+      <p:sp>
+        <p:nvSpPr>
+          <p:cNvPr id="9" name="Rectangle 8"/>
+          <p:cNvSpPr/>
+          <p:nvPr/>
+        </p:nvSpPr>
+        <p:spPr>
+          <a:xfrm>
+            <a:off x="2303252" y="3726905"/>
+            <a:ext cx="3906839" cy="369332"/>
+          </a:xfrm>
+          <a:prstGeom prst="rect">
+            <a:avLst/>
+          </a:prstGeom>
+        </p:spPr>
+        <p:txBody>
+          <a:bodyPr wrap="none">
+            <a:spAutoFit/>
+          </a:bodyPr>
+          <a:lstStyle/>
+          <a:p>
+            <a:r>
+              <a:rPr lang="en-US" dirty="0" smtClean="0">
+                <a:solidFill>
+                  <a:srgbClr val="FFFF00"/>
+                </a:solidFill>
+                <a:latin typeface="Courier" charset="0"/>
+                <a:ea typeface="Courier" charset="0"/>
+                <a:cs typeface="Courier" charset="0"/>
+              </a:rPr>
+              <a:t>dj4e-samples/form/</a:t>
+            </a:r>
+            <a:r>
+              <a:rPr lang="en-US" dirty="0" err="1" smtClean="0">
+                <a:solidFill>
+                  <a:srgbClr val="FFFF00"/>
+                </a:solidFill>
+                <a:latin typeface="Courier" charset="0"/>
+                <a:ea typeface="Courier" charset="0"/>
+                <a:cs typeface="Courier" charset="0"/>
+              </a:rPr>
+              <a:t>models.py</a:t>
+            </a:r>
+            <a:endParaRPr lang="en-US" dirty="0">
+              <a:solidFill>
+                <a:srgbClr val="FFFF00"/>
+              </a:solidFill>
+              <a:effectLst/>
+              <a:latin typeface="Courier" charset="0"/>
+              <a:ea typeface="Courier" charset="0"/>
+              <a:cs typeface="Courier" charset="0"/>
+            </a:endParaRPr>
+          </a:p>
+        </p:txBody>
+      </p:sp>
+    </p:spTree>
+    <p:extLst>
+      <p:ext uri="{BB962C8B-B14F-4D97-AF65-F5344CB8AC3E}">
+        <p14:creationId xmlns:p14="http://schemas.microsoft.com/office/powerpoint/2010/main" val="32932739"/>
+      </p:ext>
+    </p:extLst>
+  </p:cSld>
+  <p:clrMapOvr>
+    <a:masterClrMapping/>
+  </p:clrMapOvr>
+</p:sld>
+</file>
+
+<file path=ppt/slides/slide24.xml><?xml version="1.0" encoding="utf-8"?>
+<p:sld xmlns:a="http://schemas.openxmlformats.org/drawingml/2006/main" xmlns:r="http://schemas.openxmlformats.org/officeDocument/2006/relationships" xmlns:p="http://schemas.openxmlformats.org/presentationml/2006/main">
+  <p:cSld>
+    <p:spTree>
+      <p:nvGrpSpPr>
+        <p:cNvPr id="1" name=""/>
+        <p:cNvGrpSpPr/>
+        <p:nvPr/>
+      </p:nvGrpSpPr>
+      <p:grpSpPr>
+        <a:xfrm>
+          <a:off x="0" y="0"/>
+          <a:ext cx="0" cy="0"/>
+          <a:chOff x="0" y="0"/>
+          <a:chExt cx="0" cy="0"/>
+        </a:xfrm>
+      </p:grpSpPr>
+      <p:sp>
+        <p:nvSpPr>
+          <p:cNvPr id="8" name="Rectangle 7"/>
+          <p:cNvSpPr/>
+          <p:nvPr/>
+        </p:nvSpPr>
+        <p:spPr>
+          <a:xfrm>
+            <a:off x="2303252" y="1930379"/>
+            <a:ext cx="7726573" cy="1815882"/>
+          </a:xfrm>
+          <a:prstGeom prst="rect">
+            <a:avLst/>
+          </a:prstGeom>
+          <a:solidFill>
+            <a:schemeClr val="tx1"/>
+          </a:solidFill>
+        </p:spPr>
+        <p:txBody>
+          <a:bodyPr wrap="square">
+            <a:spAutoFit/>
+          </a:bodyPr>
+          <a:lstStyle/>
+          <a:p>
+            <a:r>
+              <a:rPr lang="en-US" sz="1600" dirty="0">
+                <a:solidFill>
+                  <a:srgbClr val="C1651C"/>
+                </a:solidFill>
+                <a:latin typeface="Courier" charset="0"/>
+                <a:ea typeface="Courier" charset="0"/>
+                <a:cs typeface="Courier" charset="0"/>
+              </a:rPr>
+              <a:t>class</a:t>
+            </a:r>
+            <a:r>
+              <a:rPr lang="en-US" sz="1600" dirty="0">
+                <a:solidFill>
+                  <a:srgbClr val="000000"/>
+                </a:solidFill>
+                <a:latin typeface="Courier" charset="0"/>
+                <a:ea typeface="Courier" charset="0"/>
+                <a:cs typeface="Courier" charset="0"/>
+              </a:rPr>
+              <a:t> </a:t>
+            </a:r>
+            <a:r>
+              <a:rPr lang="en-US" sz="1600" dirty="0">
+                <a:solidFill>
+                  <a:srgbClr val="2EAEBB"/>
+                </a:solidFill>
+                <a:latin typeface="Courier" charset="0"/>
+                <a:ea typeface="Courier" charset="0"/>
+                <a:cs typeface="Courier" charset="0"/>
+              </a:rPr>
+              <a:t>Cat</a:t>
+            </a:r>
+            <a:r>
+              <a:rPr lang="en-US" sz="1600" dirty="0">
+                <a:solidFill>
+                  <a:srgbClr val="000000"/>
+                </a:solidFill>
+                <a:latin typeface="Courier" charset="0"/>
+                <a:ea typeface="Courier" charset="0"/>
+                <a:cs typeface="Courier" charset="0"/>
+              </a:rPr>
+              <a:t>(</a:t>
+            </a:r>
+            <a:r>
+              <a:rPr lang="en-US" sz="1600" dirty="0" err="1">
+                <a:solidFill>
+                  <a:srgbClr val="000000"/>
+                </a:solidFill>
+                <a:latin typeface="Courier" charset="0"/>
+                <a:ea typeface="Courier" charset="0"/>
+                <a:cs typeface="Courier" charset="0"/>
+              </a:rPr>
+              <a:t>models.Model</a:t>
+            </a:r>
+            <a:r>
+              <a:rPr lang="en-US" sz="1600" dirty="0">
+                <a:solidFill>
+                  <a:srgbClr val="000000"/>
+                </a:solidFill>
+                <a:latin typeface="Courier" charset="0"/>
+                <a:ea typeface="Courier" charset="0"/>
+                <a:cs typeface="Courier" charset="0"/>
+              </a:rPr>
+              <a:t>) :</a:t>
+            </a:r>
+          </a:p>
+          <a:p>
+            <a:r>
+              <a:rPr lang="en-US" sz="1600" dirty="0">
+                <a:solidFill>
+                  <a:srgbClr val="000000"/>
+                </a:solidFill>
+                <a:latin typeface="Courier" charset="0"/>
+                <a:ea typeface="Courier" charset="0"/>
+                <a:cs typeface="Courier" charset="0"/>
+              </a:rPr>
+              <a:t>    name = </a:t>
+            </a:r>
+            <a:r>
+              <a:rPr lang="en-US" sz="1600" dirty="0" err="1">
+                <a:solidFill>
+                  <a:srgbClr val="000000"/>
+                </a:solidFill>
+                <a:latin typeface="Courier" charset="0"/>
+                <a:ea typeface="Courier" charset="0"/>
+                <a:cs typeface="Courier" charset="0"/>
+              </a:rPr>
+              <a:t>models.CharField</a:t>
+            </a:r>
+            <a:r>
+              <a:rPr lang="en-US" sz="1600" dirty="0">
+                <a:solidFill>
+                  <a:srgbClr val="000000"/>
+                </a:solidFill>
+                <a:latin typeface="Courier" charset="0"/>
+                <a:ea typeface="Courier" charset="0"/>
+                <a:cs typeface="Courier" charset="0"/>
+              </a:rPr>
+              <a:t>(</a:t>
+            </a:r>
+          </a:p>
+          <a:p>
+            <a:r>
+              <a:rPr lang="mr-IN" sz="1600" dirty="0">
+                <a:solidFill>
+                  <a:srgbClr val="000000"/>
+                </a:solidFill>
+                <a:latin typeface="Courier" charset="0"/>
+                <a:ea typeface="Courier" charset="0"/>
+                <a:cs typeface="Courier" charset="0"/>
+              </a:rPr>
+              <a:t>            </a:t>
+            </a:r>
+            <a:r>
+              <a:rPr lang="mr-IN" sz="1600" dirty="0" err="1">
+                <a:solidFill>
+                  <a:srgbClr val="000000"/>
+                </a:solidFill>
+                <a:latin typeface="Courier" charset="0"/>
+                <a:ea typeface="Courier" charset="0"/>
+                <a:cs typeface="Courier" charset="0"/>
+              </a:rPr>
+              <a:t>max_length</a:t>
+            </a:r>
+            <a:r>
+              <a:rPr lang="mr-IN" sz="1600" dirty="0">
+                <a:solidFill>
+                  <a:srgbClr val="000000"/>
+                </a:solidFill>
+                <a:latin typeface="Courier" charset="0"/>
+                <a:ea typeface="Courier" charset="0"/>
+                <a:cs typeface="Courier" charset="0"/>
+              </a:rPr>
+              <a:t>=</a:t>
+            </a:r>
+            <a:r>
+              <a:rPr lang="mr-IN" sz="1600" dirty="0">
+                <a:solidFill>
+                  <a:srgbClr val="B42419"/>
+                </a:solidFill>
+                <a:latin typeface="Courier" charset="0"/>
+                <a:ea typeface="Courier" charset="0"/>
+                <a:cs typeface="Courier" charset="0"/>
+              </a:rPr>
+              <a:t>100</a:t>
+            </a:r>
+            <a:r>
+              <a:rPr lang="mr-IN" sz="1600" dirty="0">
+                <a:solidFill>
+                  <a:srgbClr val="000000"/>
+                </a:solidFill>
+                <a:latin typeface="Courier" charset="0"/>
+                <a:ea typeface="Courier" charset="0"/>
+                <a:cs typeface="Courier" charset="0"/>
+              </a:rPr>
+              <a:t>,</a:t>
+            </a:r>
+          </a:p>
+          <a:p>
+            <a:r>
+              <a:rPr lang="en-US" sz="1600" dirty="0">
+                <a:solidFill>
+                  <a:srgbClr val="000000"/>
+                </a:solidFill>
+                <a:latin typeface="Courier" charset="0"/>
+                <a:ea typeface="Courier" charset="0"/>
+                <a:cs typeface="Courier" charset="0"/>
+              </a:rPr>
+              <a:t>            validators=[</a:t>
+            </a:r>
+            <a:r>
+              <a:rPr lang="en-US" sz="1600" dirty="0" err="1">
+                <a:solidFill>
+                  <a:srgbClr val="000000"/>
+                </a:solidFill>
+                <a:latin typeface="Courier" charset="0"/>
+                <a:ea typeface="Courier" charset="0"/>
+                <a:cs typeface="Courier" charset="0"/>
+              </a:rPr>
+              <a:t>MinLengthValidator</a:t>
+            </a:r>
+            <a:r>
+              <a:rPr lang="en-US" sz="1600" dirty="0">
+                <a:solidFill>
+                  <a:srgbClr val="000000"/>
+                </a:solidFill>
+                <a:latin typeface="Courier" charset="0"/>
+                <a:ea typeface="Courier" charset="0"/>
+                <a:cs typeface="Courier" charset="0"/>
+              </a:rPr>
+              <a:t>(</a:t>
+            </a:r>
+            <a:r>
+              <a:rPr lang="en-US" sz="1600" dirty="0">
+                <a:solidFill>
+                  <a:srgbClr val="B42419"/>
+                </a:solidFill>
+                <a:latin typeface="Courier" charset="0"/>
+                <a:ea typeface="Courier" charset="0"/>
+                <a:cs typeface="Courier" charset="0"/>
+              </a:rPr>
+              <a:t>2</a:t>
+            </a:r>
+            <a:r>
+              <a:rPr lang="en-US" sz="1600" dirty="0">
+                <a:solidFill>
+                  <a:srgbClr val="000000"/>
+                </a:solidFill>
+                <a:latin typeface="Courier" charset="0"/>
+                <a:ea typeface="Courier" charset="0"/>
+                <a:cs typeface="Courier" charset="0"/>
+              </a:rPr>
+              <a:t>, </a:t>
+            </a:r>
+            <a:r>
+              <a:rPr lang="en-US" sz="1600" dirty="0" smtClean="0">
+                <a:solidFill>
+                  <a:srgbClr val="B42419"/>
+                </a:solidFill>
+                <a:latin typeface="Courier" charset="0"/>
+                <a:ea typeface="Courier" charset="0"/>
+                <a:cs typeface="Courier" charset="0"/>
+              </a:rPr>
+              <a:t>".."</a:t>
+            </a:r>
+            <a:r>
+              <a:rPr lang="en-US" sz="1600" dirty="0" smtClean="0">
+                <a:solidFill>
+                  <a:srgbClr val="000000"/>
+                </a:solidFill>
+                <a:latin typeface="Courier" charset="0"/>
+                <a:ea typeface="Courier" charset="0"/>
+                <a:cs typeface="Courier" charset="0"/>
+              </a:rPr>
+              <a:t>)]</a:t>
+            </a:r>
+            <a:endParaRPr lang="en-US" sz="1600" dirty="0">
+              <a:solidFill>
+                <a:srgbClr val="000000"/>
+              </a:solidFill>
+              <a:latin typeface="Courier" charset="0"/>
+              <a:ea typeface="Courier" charset="0"/>
+              <a:cs typeface="Courier" charset="0"/>
+            </a:endParaRPr>
+          </a:p>
+          <a:p>
+            <a:r>
+              <a:rPr lang="mr-IN" sz="1600" dirty="0">
+                <a:solidFill>
+                  <a:srgbClr val="000000"/>
+                </a:solidFill>
+                <a:latin typeface="Courier" charset="0"/>
+                <a:ea typeface="Courier" charset="0"/>
+                <a:cs typeface="Courier" charset="0"/>
+              </a:rPr>
+              <a:t>    )</a:t>
+            </a:r>
+          </a:p>
+          <a:p>
+            <a:r>
+              <a:rPr lang="en-US" sz="1600" dirty="0">
+                <a:solidFill>
+                  <a:srgbClr val="000000"/>
+                </a:solidFill>
+                <a:latin typeface="Courier" charset="0"/>
+                <a:ea typeface="Courier" charset="0"/>
+                <a:cs typeface="Courier" charset="0"/>
+              </a:rPr>
+              <a:t>    breed = </a:t>
+            </a:r>
+            <a:r>
+              <a:rPr lang="en-US" sz="1600" dirty="0" err="1">
+                <a:solidFill>
+                  <a:srgbClr val="000000"/>
+                </a:solidFill>
+                <a:latin typeface="Courier" charset="0"/>
+                <a:ea typeface="Courier" charset="0"/>
+                <a:cs typeface="Courier" charset="0"/>
+              </a:rPr>
+              <a:t>models.CharField</a:t>
+            </a:r>
+            <a:r>
+              <a:rPr lang="en-US" sz="1600" dirty="0">
+                <a:solidFill>
+                  <a:srgbClr val="000000"/>
+                </a:solidFill>
+                <a:latin typeface="Courier" charset="0"/>
+                <a:ea typeface="Courier" charset="0"/>
+                <a:cs typeface="Courier" charset="0"/>
+              </a:rPr>
+              <a:t>(</a:t>
+            </a:r>
+            <a:r>
+              <a:rPr lang="en-US" sz="1600" dirty="0" err="1">
+                <a:solidFill>
+                  <a:srgbClr val="000000"/>
+                </a:solidFill>
+                <a:latin typeface="Courier" charset="0"/>
+                <a:ea typeface="Courier" charset="0"/>
+                <a:cs typeface="Courier" charset="0"/>
+              </a:rPr>
+              <a:t>max_length</a:t>
+            </a:r>
+            <a:r>
+              <a:rPr lang="en-US" sz="1600" dirty="0">
+                <a:solidFill>
+                  <a:srgbClr val="000000"/>
+                </a:solidFill>
+                <a:latin typeface="Courier" charset="0"/>
+                <a:ea typeface="Courier" charset="0"/>
+                <a:cs typeface="Courier" charset="0"/>
+              </a:rPr>
+              <a:t>=</a:t>
+            </a:r>
+            <a:r>
+              <a:rPr lang="en-US" sz="1600" dirty="0">
+                <a:solidFill>
+                  <a:srgbClr val="B42419"/>
+                </a:solidFill>
+                <a:latin typeface="Courier" charset="0"/>
+                <a:ea typeface="Courier" charset="0"/>
+                <a:cs typeface="Courier" charset="0"/>
+              </a:rPr>
+              <a:t>100</a:t>
+            </a:r>
+            <a:r>
+              <a:rPr lang="en-US" sz="1600" dirty="0">
+                <a:solidFill>
+                  <a:srgbClr val="000000"/>
+                </a:solidFill>
+                <a:latin typeface="Courier" charset="0"/>
+                <a:ea typeface="Courier" charset="0"/>
+                <a:cs typeface="Courier" charset="0"/>
+              </a:rPr>
+              <a:t>)</a:t>
+            </a:r>
+          </a:p>
+          <a:p>
+            <a:r>
+              <a:rPr lang="en-US" sz="1600" dirty="0">
+                <a:solidFill>
+                  <a:srgbClr val="000000"/>
+                </a:solidFill>
+                <a:latin typeface="Courier" charset="0"/>
+                <a:ea typeface="Courier" charset="0"/>
+                <a:cs typeface="Courier" charset="0"/>
+              </a:rPr>
+              <a:t>    comments = </a:t>
+            </a:r>
+            <a:r>
+              <a:rPr lang="en-US" sz="1600" dirty="0" err="1">
+                <a:solidFill>
+                  <a:srgbClr val="000000"/>
+                </a:solidFill>
+                <a:latin typeface="Courier" charset="0"/>
+                <a:ea typeface="Courier" charset="0"/>
+                <a:cs typeface="Courier" charset="0"/>
+              </a:rPr>
+              <a:t>models.CharField</a:t>
+            </a:r>
+            <a:r>
+              <a:rPr lang="en-US" sz="1600" dirty="0">
+                <a:solidFill>
+                  <a:srgbClr val="000000"/>
+                </a:solidFill>
+                <a:latin typeface="Courier" charset="0"/>
+                <a:ea typeface="Courier" charset="0"/>
+                <a:cs typeface="Courier" charset="0"/>
+              </a:rPr>
+              <a:t>(</a:t>
+            </a:r>
+            <a:r>
+              <a:rPr lang="en-US" sz="1600" dirty="0" err="1">
+                <a:solidFill>
+                  <a:srgbClr val="000000"/>
+                </a:solidFill>
+                <a:latin typeface="Courier" charset="0"/>
+                <a:ea typeface="Courier" charset="0"/>
+                <a:cs typeface="Courier" charset="0"/>
+              </a:rPr>
+              <a:t>max_length</a:t>
+            </a:r>
+            <a:r>
+              <a:rPr lang="en-US" sz="1600" dirty="0">
+                <a:solidFill>
+                  <a:srgbClr val="000000"/>
+                </a:solidFill>
+                <a:latin typeface="Courier" charset="0"/>
+                <a:ea typeface="Courier" charset="0"/>
+                <a:cs typeface="Courier" charset="0"/>
+              </a:rPr>
+              <a:t>=</a:t>
+            </a:r>
+            <a:r>
+              <a:rPr lang="en-US" sz="1600" dirty="0">
+                <a:solidFill>
+                  <a:srgbClr val="B42419"/>
+                </a:solidFill>
+                <a:latin typeface="Courier" charset="0"/>
+                <a:ea typeface="Courier" charset="0"/>
+                <a:cs typeface="Courier" charset="0"/>
+              </a:rPr>
+              <a:t>100</a:t>
+            </a:r>
+            <a:r>
+              <a:rPr lang="en-US" sz="1600" dirty="0">
+                <a:solidFill>
+                  <a:srgbClr val="000000"/>
+                </a:solidFill>
+                <a:latin typeface="Courier" charset="0"/>
+                <a:ea typeface="Courier" charset="0"/>
+                <a:cs typeface="Courier" charset="0"/>
+              </a:rPr>
+              <a:t>, blank=</a:t>
+            </a:r>
+            <a:r>
+              <a:rPr lang="en-US" sz="1600" dirty="0">
+                <a:solidFill>
+                  <a:srgbClr val="2EAEBB"/>
+                </a:solidFill>
+                <a:latin typeface="Courier" charset="0"/>
+                <a:ea typeface="Courier" charset="0"/>
+                <a:cs typeface="Courier" charset="0"/>
+              </a:rPr>
+              <a:t>True</a:t>
+            </a:r>
+            <a:r>
+              <a:rPr lang="en-US" sz="1600" dirty="0">
+                <a:solidFill>
+                  <a:srgbClr val="000000"/>
+                </a:solidFill>
+                <a:latin typeface="Courier" charset="0"/>
+                <a:ea typeface="Courier" charset="0"/>
+                <a:cs typeface="Courier" charset="0"/>
+              </a:rPr>
+              <a:t>)</a:t>
+            </a:r>
+            <a:endParaRPr lang="en-US" sz="1600" dirty="0">
+              <a:solidFill>
+                <a:srgbClr val="000000"/>
+              </a:solidFill>
+              <a:latin typeface="Courier" charset="0"/>
+              <a:ea typeface="Courier" charset="0"/>
+              <a:cs typeface="Courier" charset="0"/>
+            </a:endParaRPr>
+          </a:p>
+        </p:txBody>
+      </p:sp>
+      <p:sp>
+        <p:nvSpPr>
+          <p:cNvPr id="9" name="Rectangle 8"/>
+          <p:cNvSpPr/>
+          <p:nvPr/>
+        </p:nvSpPr>
+        <p:spPr>
+          <a:xfrm>
+            <a:off x="2303252" y="1502817"/>
+            <a:ext cx="3906839" cy="369332"/>
+          </a:xfrm>
+          <a:prstGeom prst="rect">
+            <a:avLst/>
+          </a:prstGeom>
+        </p:spPr>
+        <p:txBody>
+          <a:bodyPr wrap="none">
+            <a:spAutoFit/>
+          </a:bodyPr>
+          <a:lstStyle/>
+          <a:p>
+            <a:r>
+              <a:rPr lang="en-US" dirty="0" smtClean="0">
+                <a:solidFill>
+                  <a:srgbClr val="FFFF00"/>
+                </a:solidFill>
+                <a:latin typeface="Courier" charset="0"/>
+                <a:ea typeface="Courier" charset="0"/>
+                <a:cs typeface="Courier" charset="0"/>
+              </a:rPr>
+              <a:t>dj4e-samples/form/</a:t>
+            </a:r>
+            <a:r>
+              <a:rPr lang="en-US" dirty="0" err="1" smtClean="0">
+                <a:solidFill>
+                  <a:srgbClr val="FFFF00"/>
+                </a:solidFill>
+                <a:latin typeface="Courier" charset="0"/>
+                <a:ea typeface="Courier" charset="0"/>
+                <a:cs typeface="Courier" charset="0"/>
+              </a:rPr>
+              <a:t>models.py</a:t>
+            </a:r>
+            <a:endParaRPr lang="en-US" dirty="0">
+              <a:solidFill>
+                <a:srgbClr val="FFFF00"/>
+              </a:solidFill>
+              <a:effectLst/>
+              <a:latin typeface="Courier" charset="0"/>
+              <a:ea typeface="Courier" charset="0"/>
+              <a:cs typeface="Courier" charset="0"/>
+            </a:endParaRPr>
+          </a:p>
+        </p:txBody>
+      </p:sp>
+      <p:sp>
+        <p:nvSpPr>
+          <p:cNvPr id="4" name="Title 3"/>
+          <p:cNvSpPr>
+            <a:spLocks noGrp="1"/>
+          </p:cNvSpPr>
+          <p:nvPr>
+            <p:ph type="title"/>
+          </p:nvPr>
+        </p:nvSpPr>
+        <p:spPr/>
+        <p:txBody>
+          <a:bodyPr/>
+          <a:lstStyle/>
+          <a:p>
+            <a:r>
+              <a:rPr lang="en-US" dirty="0" smtClean="0"/>
+              <a:t>We can derive a form from a model</a:t>
+            </a:r>
+            <a:endParaRPr lang="en-US" dirty="0"/>
+          </a:p>
+        </p:txBody>
+      </p:sp>
+      <p:sp>
+        <p:nvSpPr>
+          <p:cNvPr id="10" name="Rectangle 9"/>
+          <p:cNvSpPr/>
+          <p:nvPr/>
+        </p:nvSpPr>
+        <p:spPr>
+          <a:xfrm>
+            <a:off x="2346805" y="4453666"/>
+            <a:ext cx="7726572" cy="1354217"/>
+          </a:xfrm>
+          <a:prstGeom prst="rect">
+            <a:avLst/>
+          </a:prstGeom>
+          <a:solidFill>
+            <a:schemeClr val="tx1"/>
+          </a:solidFill>
+        </p:spPr>
+        <p:txBody>
+          <a:bodyPr wrap="square">
+            <a:spAutoFit/>
+          </a:bodyPr>
+          <a:lstStyle/>
+          <a:p>
+            <a:r>
+              <a:rPr lang="en-US" sz="1600" dirty="0">
+                <a:solidFill>
+                  <a:srgbClr val="C1651C"/>
+                </a:solidFill>
+                <a:latin typeface="Courier" charset="0"/>
+                <a:ea typeface="Courier" charset="0"/>
+                <a:cs typeface="Courier" charset="0"/>
+              </a:rPr>
+              <a:t>class</a:t>
+            </a:r>
+            <a:r>
+              <a:rPr lang="en-US" sz="1600" dirty="0">
+                <a:solidFill>
+                  <a:srgbClr val="000000"/>
+                </a:solidFill>
+                <a:latin typeface="Courier" charset="0"/>
+                <a:ea typeface="Courier" charset="0"/>
+                <a:cs typeface="Courier" charset="0"/>
+              </a:rPr>
+              <a:t> </a:t>
+            </a:r>
+            <a:r>
+              <a:rPr lang="en-US" sz="1600" dirty="0" err="1">
+                <a:solidFill>
+                  <a:srgbClr val="2EAEBB"/>
+                </a:solidFill>
+                <a:latin typeface="Courier" charset="0"/>
+                <a:ea typeface="Courier" charset="0"/>
+                <a:cs typeface="Courier" charset="0"/>
+              </a:rPr>
+              <a:t>CatForm</a:t>
+            </a:r>
+            <a:r>
+              <a:rPr lang="en-US" sz="1600" dirty="0">
+                <a:solidFill>
+                  <a:srgbClr val="000000"/>
+                </a:solidFill>
+                <a:latin typeface="Courier" charset="0"/>
+                <a:ea typeface="Courier" charset="0"/>
+                <a:cs typeface="Courier" charset="0"/>
+              </a:rPr>
+              <a:t>(</a:t>
+            </a:r>
+            <a:r>
+              <a:rPr lang="en-US" sz="1600" dirty="0" err="1">
+                <a:solidFill>
+                  <a:srgbClr val="000000"/>
+                </a:solidFill>
+                <a:latin typeface="Courier" charset="0"/>
+                <a:ea typeface="Courier" charset="0"/>
+                <a:cs typeface="Courier" charset="0"/>
+              </a:rPr>
+              <a:t>ModelForm</a:t>
+            </a:r>
+            <a:r>
+              <a:rPr lang="en-US" sz="1600" dirty="0">
+                <a:solidFill>
+                  <a:srgbClr val="000000"/>
+                </a:solidFill>
+                <a:latin typeface="Courier" charset="0"/>
+                <a:ea typeface="Courier" charset="0"/>
+                <a:cs typeface="Courier" charset="0"/>
+              </a:rPr>
+              <a:t>):</a:t>
+            </a:r>
+          </a:p>
+          <a:p>
+            <a:r>
+              <a:rPr lang="en-US" sz="1600" dirty="0">
+                <a:solidFill>
+                  <a:srgbClr val="000000"/>
+                </a:solidFill>
+                <a:latin typeface="Courier" charset="0"/>
+                <a:ea typeface="Courier" charset="0"/>
+                <a:cs typeface="Courier" charset="0"/>
+              </a:rPr>
+              <a:t>    </a:t>
+            </a:r>
+            <a:r>
+              <a:rPr lang="en-US" sz="1600" dirty="0">
+                <a:solidFill>
+                  <a:srgbClr val="C1651C"/>
+                </a:solidFill>
+                <a:latin typeface="Courier" charset="0"/>
+                <a:ea typeface="Courier" charset="0"/>
+                <a:cs typeface="Courier" charset="0"/>
+              </a:rPr>
+              <a:t>class</a:t>
+            </a:r>
+            <a:r>
+              <a:rPr lang="en-US" sz="1600" dirty="0">
+                <a:solidFill>
+                  <a:srgbClr val="000000"/>
+                </a:solidFill>
+                <a:latin typeface="Courier" charset="0"/>
+                <a:ea typeface="Courier" charset="0"/>
+                <a:cs typeface="Courier" charset="0"/>
+              </a:rPr>
+              <a:t> </a:t>
+            </a:r>
+            <a:r>
+              <a:rPr lang="en-US" sz="1600" dirty="0">
+                <a:solidFill>
+                  <a:srgbClr val="2EAEBB"/>
+                </a:solidFill>
+                <a:latin typeface="Courier" charset="0"/>
+                <a:ea typeface="Courier" charset="0"/>
+                <a:cs typeface="Courier" charset="0"/>
+              </a:rPr>
+              <a:t>Meta</a:t>
+            </a:r>
+            <a:r>
+              <a:rPr lang="en-US" sz="1600" dirty="0">
+                <a:solidFill>
+                  <a:srgbClr val="000000"/>
+                </a:solidFill>
+                <a:latin typeface="Courier" charset="0"/>
+                <a:ea typeface="Courier" charset="0"/>
+                <a:cs typeface="Courier" charset="0"/>
+              </a:rPr>
+              <a:t>:</a:t>
+            </a:r>
+          </a:p>
+          <a:p>
+            <a:r>
+              <a:rPr lang="mr-IN" sz="1600" dirty="0">
+                <a:solidFill>
+                  <a:srgbClr val="000000"/>
+                </a:solidFill>
+                <a:latin typeface="Courier" charset="0"/>
+                <a:ea typeface="Courier" charset="0"/>
+                <a:cs typeface="Courier" charset="0"/>
+              </a:rPr>
+              <a:t>        </a:t>
+            </a:r>
+            <a:r>
+              <a:rPr lang="mr-IN" sz="1600" dirty="0" err="1">
+                <a:solidFill>
+                  <a:srgbClr val="000000"/>
+                </a:solidFill>
+                <a:latin typeface="Courier" charset="0"/>
+                <a:ea typeface="Courier" charset="0"/>
+                <a:cs typeface="Courier" charset="0"/>
+              </a:rPr>
+              <a:t>model</a:t>
+            </a:r>
+            <a:r>
+              <a:rPr lang="mr-IN" sz="1600" dirty="0">
+                <a:solidFill>
+                  <a:srgbClr val="000000"/>
+                </a:solidFill>
+                <a:latin typeface="Courier" charset="0"/>
+                <a:ea typeface="Courier" charset="0"/>
+                <a:cs typeface="Courier" charset="0"/>
+              </a:rPr>
+              <a:t> = </a:t>
+            </a:r>
+            <a:r>
+              <a:rPr lang="mr-IN" sz="1600" dirty="0" err="1" smtClean="0">
+                <a:solidFill>
+                  <a:srgbClr val="000000"/>
+                </a:solidFill>
+                <a:latin typeface="Courier" charset="0"/>
+                <a:ea typeface="Courier" charset="0"/>
+                <a:cs typeface="Courier" charset="0"/>
+              </a:rPr>
+              <a:t>Cat</a:t>
+            </a:r>
+            <a:endParaRPr lang="en-US" sz="1600" dirty="0" smtClean="0">
+              <a:solidFill>
+                <a:srgbClr val="000000"/>
+              </a:solidFill>
+              <a:latin typeface="Courier" charset="0"/>
+              <a:ea typeface="Courier" charset="0"/>
+              <a:cs typeface="Courier" charset="0"/>
+            </a:endParaRPr>
+          </a:p>
+          <a:p>
+            <a:r>
+              <a:rPr lang="en-US" sz="1600" dirty="0">
+                <a:solidFill>
+                  <a:srgbClr val="000000"/>
+                </a:solidFill>
+                <a:latin typeface="Courier" charset="0"/>
+                <a:ea typeface="Courier" charset="0"/>
+                <a:cs typeface="Courier" charset="0"/>
+              </a:rPr>
+              <a:t> </a:t>
+            </a:r>
+            <a:r>
+              <a:rPr lang="en-US" sz="1600" dirty="0" smtClean="0">
+                <a:solidFill>
+                  <a:srgbClr val="000000"/>
+                </a:solidFill>
+                <a:latin typeface="Courier" charset="0"/>
+                <a:ea typeface="Courier" charset="0"/>
+                <a:cs typeface="Courier" charset="0"/>
+              </a:rPr>
+              <a:t>       </a:t>
+            </a:r>
+            <a:r>
+              <a:rPr lang="mr-IN" sz="1600" dirty="0" smtClean="0">
+                <a:solidFill>
+                  <a:srgbClr val="400BD9"/>
+                </a:solidFill>
+                <a:latin typeface="Courier" charset="0"/>
+                <a:ea typeface="Courier" charset="0"/>
+                <a:cs typeface="Courier" charset="0"/>
+              </a:rPr>
+              <a:t># </a:t>
+            </a:r>
+            <a:r>
+              <a:rPr lang="mr-IN" sz="1600" dirty="0" err="1">
+                <a:solidFill>
+                  <a:srgbClr val="400BD9"/>
+                </a:solidFill>
+                <a:latin typeface="Courier" charset="0"/>
+                <a:ea typeface="Courier" charset="0"/>
+                <a:cs typeface="Courier" charset="0"/>
+              </a:rPr>
+              <a:t>fields</a:t>
+            </a:r>
+            <a:r>
+              <a:rPr lang="mr-IN" sz="1600" dirty="0">
+                <a:solidFill>
+                  <a:srgbClr val="400BD9"/>
+                </a:solidFill>
+                <a:latin typeface="Courier" charset="0"/>
+                <a:ea typeface="Courier" charset="0"/>
+                <a:cs typeface="Courier" charset="0"/>
+              </a:rPr>
+              <a:t> = ['</a:t>
+            </a:r>
+            <a:r>
+              <a:rPr lang="mr-IN" sz="1600" dirty="0" err="1">
+                <a:solidFill>
+                  <a:srgbClr val="400BD9"/>
+                </a:solidFill>
+                <a:latin typeface="Courier" charset="0"/>
+                <a:ea typeface="Courier" charset="0"/>
+                <a:cs typeface="Courier" charset="0"/>
+              </a:rPr>
+              <a:t>name</a:t>
+            </a:r>
+            <a:r>
+              <a:rPr lang="mr-IN" sz="1600" dirty="0">
+                <a:solidFill>
+                  <a:srgbClr val="400BD9"/>
+                </a:solidFill>
+                <a:latin typeface="Courier" charset="0"/>
+                <a:ea typeface="Courier" charset="0"/>
+                <a:cs typeface="Courier" charset="0"/>
+              </a:rPr>
+              <a:t>', '</a:t>
+            </a:r>
+            <a:r>
+              <a:rPr lang="mr-IN" sz="1600" dirty="0" err="1">
+                <a:solidFill>
+                  <a:srgbClr val="400BD9"/>
+                </a:solidFill>
+                <a:latin typeface="Courier" charset="0"/>
+                <a:ea typeface="Courier" charset="0"/>
+                <a:cs typeface="Courier" charset="0"/>
+              </a:rPr>
+              <a:t>breed</a:t>
+            </a:r>
+            <a:r>
+              <a:rPr lang="mr-IN" sz="1600" dirty="0">
+                <a:solidFill>
+                  <a:srgbClr val="400BD9"/>
+                </a:solidFill>
+                <a:latin typeface="Courier" charset="0"/>
+                <a:ea typeface="Courier" charset="0"/>
+                <a:cs typeface="Courier" charset="0"/>
+              </a:rPr>
+              <a:t>', '</a:t>
+            </a:r>
+            <a:r>
+              <a:rPr lang="mr-IN" sz="1600" dirty="0" err="1">
+                <a:solidFill>
+                  <a:srgbClr val="400BD9"/>
+                </a:solidFill>
+                <a:latin typeface="Courier" charset="0"/>
+                <a:ea typeface="Courier" charset="0"/>
+                <a:cs typeface="Courier" charset="0"/>
+              </a:rPr>
+              <a:t>comments</a:t>
+            </a:r>
+            <a:r>
+              <a:rPr lang="mr-IN" sz="1600" dirty="0">
+                <a:solidFill>
+                  <a:srgbClr val="400BD9"/>
+                </a:solidFill>
+                <a:latin typeface="Courier" charset="0"/>
+                <a:ea typeface="Courier" charset="0"/>
+                <a:cs typeface="Courier" charset="0"/>
+              </a:rPr>
+              <a:t>']</a:t>
+            </a:r>
+            <a:r>
+              <a:rPr lang="mr-IN" sz="1600" dirty="0" smtClean="0">
+                <a:solidFill>
+                  <a:srgbClr val="000000"/>
+                </a:solidFill>
+                <a:latin typeface="Courier" charset="0"/>
+                <a:ea typeface="Courier" charset="0"/>
+                <a:cs typeface="Courier" charset="0"/>
+              </a:rPr>
+              <a:t> </a:t>
+            </a:r>
+            <a:endParaRPr lang="en-US" sz="1600" dirty="0" smtClean="0">
+              <a:solidFill>
+                <a:srgbClr val="000000"/>
+              </a:solidFill>
+              <a:latin typeface="Courier" charset="0"/>
+              <a:ea typeface="Courier" charset="0"/>
+              <a:cs typeface="Courier" charset="0"/>
+            </a:endParaRPr>
+          </a:p>
+          <a:p>
+            <a:r>
+              <a:rPr lang="mr-IN" sz="1600" dirty="0" smtClean="0">
+                <a:solidFill>
+                  <a:srgbClr val="000000"/>
+                </a:solidFill>
+                <a:latin typeface="Courier" charset="0"/>
+                <a:ea typeface="Courier" charset="0"/>
+                <a:cs typeface="Courier" charset="0"/>
+              </a:rPr>
+              <a:t>       </a:t>
+            </a:r>
+            <a:r>
+              <a:rPr lang="en-US" sz="1600" dirty="0" smtClean="0">
+                <a:solidFill>
+                  <a:srgbClr val="000000"/>
+                </a:solidFill>
+                <a:latin typeface="Courier" charset="0"/>
+                <a:ea typeface="Courier" charset="0"/>
+                <a:cs typeface="Courier" charset="0"/>
+              </a:rPr>
+              <a:t> </a:t>
+            </a:r>
+            <a:r>
+              <a:rPr lang="mr-IN" sz="1600" dirty="0" err="1" smtClean="0">
+                <a:solidFill>
+                  <a:srgbClr val="000000"/>
+                </a:solidFill>
+                <a:latin typeface="Courier" charset="0"/>
+                <a:ea typeface="Courier" charset="0"/>
+                <a:cs typeface="Courier" charset="0"/>
+              </a:rPr>
+              <a:t>fields</a:t>
+            </a:r>
+            <a:r>
+              <a:rPr lang="mr-IN" sz="1600" dirty="0" smtClean="0">
+                <a:solidFill>
+                  <a:srgbClr val="000000"/>
+                </a:solidFill>
+                <a:latin typeface="Courier" charset="0"/>
+                <a:ea typeface="Courier" charset="0"/>
+                <a:cs typeface="Courier" charset="0"/>
+              </a:rPr>
+              <a:t> </a:t>
+            </a:r>
+            <a:r>
+              <a:rPr lang="mr-IN" sz="1600" dirty="0">
+                <a:solidFill>
+                  <a:srgbClr val="000000"/>
+                </a:solidFill>
+                <a:latin typeface="Courier" charset="0"/>
+                <a:ea typeface="Courier" charset="0"/>
+                <a:cs typeface="Courier" charset="0"/>
+              </a:rPr>
+              <a:t>= </a:t>
+            </a:r>
+            <a:r>
+              <a:rPr lang="mr-IN" sz="1600" dirty="0">
+                <a:solidFill>
+                  <a:srgbClr val="B42419"/>
+                </a:solidFill>
+                <a:latin typeface="Courier" charset="0"/>
+                <a:ea typeface="Courier" charset="0"/>
+                <a:cs typeface="Courier" charset="0"/>
+              </a:rPr>
+              <a:t>'__</a:t>
+            </a:r>
+            <a:r>
+              <a:rPr lang="mr-IN" sz="1600" dirty="0" err="1">
+                <a:solidFill>
+                  <a:srgbClr val="B42419"/>
+                </a:solidFill>
+                <a:latin typeface="Courier" charset="0"/>
+                <a:ea typeface="Courier" charset="0"/>
+                <a:cs typeface="Courier" charset="0"/>
+              </a:rPr>
+              <a:t>all</a:t>
+            </a:r>
+            <a:r>
+              <a:rPr lang="mr-IN" sz="1600" dirty="0">
+                <a:solidFill>
+                  <a:srgbClr val="B42419"/>
+                </a:solidFill>
+                <a:latin typeface="Courier" charset="0"/>
+                <a:ea typeface="Courier" charset="0"/>
+                <a:cs typeface="Courier" charset="0"/>
+              </a:rPr>
+              <a:t>__'</a:t>
+            </a:r>
+            <a:endParaRPr lang="en-US" sz="1600" dirty="0">
+              <a:solidFill>
+                <a:srgbClr val="000000"/>
+              </a:solidFill>
+              <a:latin typeface="Courier" charset="0"/>
+              <a:ea typeface="Courier" charset="0"/>
+              <a:cs typeface="Courier" charset="0"/>
+            </a:endParaRPr>
+          </a:p>
+        </p:txBody>
+      </p:sp>
+      <p:sp>
+        <p:nvSpPr>
+          <p:cNvPr id="11" name="Rectangle 10"/>
+          <p:cNvSpPr/>
+          <p:nvPr/>
+        </p:nvSpPr>
+        <p:spPr>
+          <a:xfrm>
+            <a:off x="2346804" y="4026104"/>
+            <a:ext cx="3810659" cy="369332"/>
+          </a:xfrm>
+          <a:prstGeom prst="rect">
+            <a:avLst/>
+          </a:prstGeom>
+        </p:spPr>
+        <p:txBody>
+          <a:bodyPr wrap="none">
+            <a:spAutoFit/>
+          </a:bodyPr>
+          <a:lstStyle/>
+          <a:p>
+            <a:r>
+              <a:rPr lang="en-US" dirty="0" smtClean="0">
+                <a:solidFill>
+                  <a:srgbClr val="FFFF00"/>
+                </a:solidFill>
+                <a:latin typeface="Courier" charset="0"/>
+                <a:ea typeface="Courier" charset="0"/>
+                <a:cs typeface="Courier" charset="0"/>
+              </a:rPr>
+              <a:t>dj4e-samples/form/</a:t>
+            </a:r>
+            <a:r>
+              <a:rPr lang="en-US" dirty="0" err="1" smtClean="0">
+                <a:solidFill>
+                  <a:srgbClr val="FFFF00"/>
+                </a:solidFill>
+                <a:latin typeface="Courier" charset="0"/>
+                <a:ea typeface="Courier" charset="0"/>
+                <a:cs typeface="Courier" charset="0"/>
+              </a:rPr>
+              <a:t>forms.py</a:t>
+            </a:r>
+            <a:endParaRPr lang="en-US" dirty="0">
+              <a:solidFill>
+                <a:srgbClr val="FFFF00"/>
+              </a:solidFill>
+              <a:effectLst/>
+              <a:latin typeface="Courier" charset="0"/>
+              <a:ea typeface="Courier" charset="0"/>
+              <a:cs typeface="Courier" charset="0"/>
+            </a:endParaRPr>
+          </a:p>
+        </p:txBody>
+      </p:sp>
+    </p:spTree>
+    <p:extLst>
+      <p:ext uri="{BB962C8B-B14F-4D97-AF65-F5344CB8AC3E}">
+        <p14:creationId xmlns:p14="http://schemas.microsoft.com/office/powerpoint/2010/main" val="1585581186"/>
+      </p:ext>
+    </p:extLst>
+  </p:cSld>
+  <p:clrMapOvr>
+    <a:masterClrMapping/>
+  </p:clrMapOvr>
+</p:sld>
+</file>
+
+<file path=ppt/slides/slide25.xml><?xml version="1.0" encoding="utf-8"?>
+<p:sld xmlns:a="http://schemas.openxmlformats.org/drawingml/2006/main" xmlns:r="http://schemas.openxmlformats.org/officeDocument/2006/relationships" xmlns:p="http://schemas.openxmlformats.org/presentationml/2006/main">
+  <p:cSld>
+    <p:spTree>
+      <p:nvGrpSpPr>
+        <p:cNvPr id="1" name=""/>
+        <p:cNvGrpSpPr/>
+        <p:nvPr/>
+      </p:nvGrpSpPr>
+      <p:grpSpPr>
+        <a:xfrm>
+          <a:off x="0" y="0"/>
+          <a:ext cx="0" cy="0"/>
+          <a:chOff x="0" y="0"/>
+          <a:chExt cx="0" cy="0"/>
+        </a:xfrm>
+      </p:grpSpPr>
+      <p:sp>
+        <p:nvSpPr>
+          <p:cNvPr id="4" name="TextBox 3"/>
+          <p:cNvSpPr txBox="1"/>
+          <p:nvPr/>
+        </p:nvSpPr>
+        <p:spPr>
+          <a:xfrm>
+            <a:off x="1971676" y="1343023"/>
+            <a:ext cx="8133958" cy="4524315"/>
+          </a:xfrm>
+          <a:prstGeom prst="rect">
+            <a:avLst/>
+          </a:prstGeom>
+          <a:solidFill>
+            <a:schemeClr val="tx1"/>
+          </a:solidFill>
+        </p:spPr>
+        <p:txBody>
+          <a:bodyPr wrap="none" rtlCol="0">
+            <a:spAutoFit/>
+          </a:bodyPr>
+          <a:lstStyle/>
+          <a:p>
+            <a:r>
+              <a:rPr lang="en-US" dirty="0">
+                <a:solidFill>
+                  <a:srgbClr val="C1651C"/>
+                </a:solidFill>
+                <a:latin typeface="Courier" charset="0"/>
+                <a:ea typeface="Courier" charset="0"/>
+                <a:cs typeface="Courier" charset="0"/>
+              </a:rPr>
+              <a:t>class</a:t>
+            </a:r>
+            <a:r>
+              <a:rPr lang="en-US" dirty="0">
+                <a:solidFill>
+                  <a:srgbClr val="000000"/>
+                </a:solidFill>
+                <a:latin typeface="Courier" charset="0"/>
+                <a:ea typeface="Courier" charset="0"/>
+                <a:cs typeface="Courier" charset="0"/>
+              </a:rPr>
+              <a:t> </a:t>
+            </a:r>
+            <a:r>
+              <a:rPr lang="en-US" dirty="0" err="1">
+                <a:solidFill>
+                  <a:srgbClr val="2EAEBB"/>
+                </a:solidFill>
+                <a:latin typeface="Courier" charset="0"/>
+                <a:ea typeface="Courier" charset="0"/>
+                <a:cs typeface="Courier" charset="0"/>
+              </a:rPr>
+              <a:t>CatCreate</a:t>
+            </a:r>
+            <a:r>
+              <a:rPr lang="en-US" dirty="0">
+                <a:solidFill>
+                  <a:srgbClr val="000000"/>
+                </a:solidFill>
+                <a:latin typeface="Courier" charset="0"/>
+                <a:ea typeface="Courier" charset="0"/>
+                <a:cs typeface="Courier" charset="0"/>
+              </a:rPr>
+              <a:t>(View):</a:t>
+            </a:r>
+          </a:p>
+          <a:p>
+            <a:r>
+              <a:rPr lang="en-US" dirty="0">
+                <a:solidFill>
+                  <a:srgbClr val="000000"/>
+                </a:solidFill>
+                <a:latin typeface="Courier" charset="0"/>
+                <a:ea typeface="Courier" charset="0"/>
+                <a:cs typeface="Courier" charset="0"/>
+              </a:rPr>
+              <a:t>    </a:t>
+            </a:r>
+            <a:r>
+              <a:rPr lang="en-US" dirty="0" err="1">
+                <a:solidFill>
+                  <a:srgbClr val="C1651C"/>
+                </a:solidFill>
+                <a:latin typeface="Courier" charset="0"/>
+                <a:ea typeface="Courier" charset="0"/>
+                <a:cs typeface="Courier" charset="0"/>
+              </a:rPr>
+              <a:t>def</a:t>
+            </a:r>
+            <a:r>
+              <a:rPr lang="en-US" dirty="0">
+                <a:solidFill>
+                  <a:srgbClr val="000000"/>
+                </a:solidFill>
+                <a:latin typeface="Courier" charset="0"/>
+                <a:ea typeface="Courier" charset="0"/>
+                <a:cs typeface="Courier" charset="0"/>
+              </a:rPr>
+              <a:t> </a:t>
+            </a:r>
+            <a:r>
+              <a:rPr lang="en-US" dirty="0">
+                <a:solidFill>
+                  <a:srgbClr val="2EAEBB"/>
+                </a:solidFill>
+                <a:latin typeface="Courier" charset="0"/>
+                <a:ea typeface="Courier" charset="0"/>
+                <a:cs typeface="Courier" charset="0"/>
+              </a:rPr>
+              <a:t>get</a:t>
+            </a:r>
+            <a:r>
+              <a:rPr lang="en-US" dirty="0">
+                <a:solidFill>
+                  <a:srgbClr val="000000"/>
+                </a:solidFill>
+                <a:latin typeface="Courier" charset="0"/>
+                <a:ea typeface="Courier" charset="0"/>
+                <a:cs typeface="Courier" charset="0"/>
+              </a:rPr>
+              <a:t>(self, request) :</a:t>
+            </a:r>
+          </a:p>
+          <a:p>
+            <a:r>
+              <a:rPr lang="mr-IN" dirty="0">
+                <a:solidFill>
+                  <a:srgbClr val="000000"/>
+                </a:solidFill>
+                <a:latin typeface="Courier" charset="0"/>
+                <a:ea typeface="Courier" charset="0"/>
+                <a:cs typeface="Courier" charset="0"/>
+              </a:rPr>
+              <a:t>        </a:t>
+            </a:r>
+            <a:r>
+              <a:rPr lang="mr-IN" dirty="0" err="1">
+                <a:solidFill>
+                  <a:srgbClr val="000000"/>
+                </a:solidFill>
+                <a:latin typeface="Courier" charset="0"/>
+                <a:ea typeface="Courier" charset="0"/>
+                <a:cs typeface="Courier" charset="0"/>
+              </a:rPr>
+              <a:t>form</a:t>
+            </a:r>
+            <a:r>
+              <a:rPr lang="mr-IN" dirty="0">
+                <a:solidFill>
+                  <a:srgbClr val="000000"/>
+                </a:solidFill>
+                <a:latin typeface="Courier" charset="0"/>
+                <a:ea typeface="Courier" charset="0"/>
+                <a:cs typeface="Courier" charset="0"/>
+              </a:rPr>
+              <a:t> = </a:t>
+            </a:r>
+            <a:r>
+              <a:rPr lang="mr-IN" dirty="0" err="1">
+                <a:solidFill>
+                  <a:srgbClr val="000000"/>
+                </a:solidFill>
+                <a:latin typeface="Courier" charset="0"/>
+                <a:ea typeface="Courier" charset="0"/>
+                <a:cs typeface="Courier" charset="0"/>
+              </a:rPr>
+              <a:t>CatForm</a:t>
+            </a:r>
+            <a:r>
+              <a:rPr lang="mr-IN" dirty="0">
+                <a:solidFill>
+                  <a:srgbClr val="000000"/>
+                </a:solidFill>
+                <a:latin typeface="Courier" charset="0"/>
+                <a:ea typeface="Courier" charset="0"/>
+                <a:cs typeface="Courier" charset="0"/>
+              </a:rPr>
+              <a:t>()</a:t>
+            </a:r>
+          </a:p>
+          <a:p>
+            <a:r>
+              <a:rPr lang="mr-IN" dirty="0">
+                <a:solidFill>
+                  <a:srgbClr val="000000"/>
+                </a:solidFill>
+                <a:latin typeface="Courier" charset="0"/>
+                <a:ea typeface="Courier" charset="0"/>
+                <a:cs typeface="Courier" charset="0"/>
+              </a:rPr>
+              <a:t>        </a:t>
+            </a:r>
+            <a:r>
+              <a:rPr lang="mr-IN" dirty="0" err="1">
+                <a:solidFill>
+                  <a:srgbClr val="000000"/>
+                </a:solidFill>
+                <a:latin typeface="Courier" charset="0"/>
+                <a:ea typeface="Courier" charset="0"/>
+                <a:cs typeface="Courier" charset="0"/>
+              </a:rPr>
+              <a:t>ctx</a:t>
+            </a:r>
+            <a:r>
+              <a:rPr lang="mr-IN" dirty="0">
+                <a:solidFill>
+                  <a:srgbClr val="000000"/>
+                </a:solidFill>
+                <a:latin typeface="Courier" charset="0"/>
+                <a:ea typeface="Courier" charset="0"/>
+                <a:cs typeface="Courier" charset="0"/>
+              </a:rPr>
+              <a:t> = {</a:t>
+            </a:r>
+            <a:r>
+              <a:rPr lang="mr-IN" dirty="0">
+                <a:solidFill>
+                  <a:srgbClr val="B42419"/>
+                </a:solidFill>
+                <a:latin typeface="Courier" charset="0"/>
+                <a:ea typeface="Courier" charset="0"/>
+                <a:cs typeface="Courier" charset="0"/>
+              </a:rPr>
+              <a:t>'</a:t>
+            </a:r>
+            <a:r>
+              <a:rPr lang="mr-IN" dirty="0" err="1">
+                <a:solidFill>
+                  <a:srgbClr val="B42419"/>
+                </a:solidFill>
+                <a:latin typeface="Courier" charset="0"/>
+                <a:ea typeface="Courier" charset="0"/>
+                <a:cs typeface="Courier" charset="0"/>
+              </a:rPr>
+              <a:t>form</a:t>
+            </a:r>
+            <a:r>
+              <a:rPr lang="mr-IN" dirty="0">
+                <a:solidFill>
+                  <a:srgbClr val="B42419"/>
+                </a:solidFill>
+                <a:latin typeface="Courier" charset="0"/>
+                <a:ea typeface="Courier" charset="0"/>
+                <a:cs typeface="Courier" charset="0"/>
+              </a:rPr>
+              <a:t>'</a:t>
+            </a:r>
+            <a:r>
+              <a:rPr lang="mr-IN" dirty="0">
+                <a:solidFill>
+                  <a:srgbClr val="000000"/>
+                </a:solidFill>
+                <a:latin typeface="Courier" charset="0"/>
+                <a:ea typeface="Courier" charset="0"/>
+                <a:cs typeface="Courier" charset="0"/>
+              </a:rPr>
+              <a:t> : </a:t>
+            </a:r>
+            <a:r>
+              <a:rPr lang="mr-IN" dirty="0" err="1">
+                <a:solidFill>
+                  <a:srgbClr val="000000"/>
+                </a:solidFill>
+                <a:latin typeface="Courier" charset="0"/>
+                <a:ea typeface="Courier" charset="0"/>
+                <a:cs typeface="Courier" charset="0"/>
+              </a:rPr>
+              <a:t>form</a:t>
+            </a:r>
+            <a:r>
+              <a:rPr lang="mr-IN" dirty="0">
+                <a:solidFill>
+                  <a:srgbClr val="000000"/>
+                </a:solidFill>
+                <a:latin typeface="Courier" charset="0"/>
+                <a:ea typeface="Courier" charset="0"/>
+                <a:cs typeface="Courier" charset="0"/>
+              </a:rPr>
+              <a:t>}</a:t>
+            </a:r>
+          </a:p>
+          <a:p>
+            <a:r>
+              <a:rPr lang="en-US" dirty="0">
+                <a:solidFill>
+                  <a:srgbClr val="000000"/>
+                </a:solidFill>
+                <a:latin typeface="Courier" charset="0"/>
+                <a:ea typeface="Courier" charset="0"/>
+                <a:cs typeface="Courier" charset="0"/>
+              </a:rPr>
+              <a:t>        </a:t>
+            </a:r>
+            <a:r>
+              <a:rPr lang="en-US" dirty="0">
+                <a:solidFill>
+                  <a:srgbClr val="C1651C"/>
+                </a:solidFill>
+                <a:latin typeface="Courier" charset="0"/>
+                <a:ea typeface="Courier" charset="0"/>
+                <a:cs typeface="Courier" charset="0"/>
+              </a:rPr>
+              <a:t>return</a:t>
+            </a:r>
+            <a:r>
+              <a:rPr lang="en-US" dirty="0">
+                <a:solidFill>
+                  <a:srgbClr val="000000"/>
+                </a:solidFill>
+                <a:latin typeface="Courier" charset="0"/>
+                <a:ea typeface="Courier" charset="0"/>
+                <a:cs typeface="Courier" charset="0"/>
+              </a:rPr>
+              <a:t> render(request, </a:t>
+            </a:r>
+            <a:r>
+              <a:rPr lang="en-US" dirty="0">
+                <a:solidFill>
+                  <a:srgbClr val="B42419"/>
+                </a:solidFill>
+                <a:latin typeface="Courier" charset="0"/>
+                <a:ea typeface="Courier" charset="0"/>
+                <a:cs typeface="Courier" charset="0"/>
+              </a:rPr>
+              <a:t>'form/</a:t>
+            </a:r>
+            <a:r>
+              <a:rPr lang="en-US" dirty="0" err="1">
+                <a:solidFill>
+                  <a:srgbClr val="B42419"/>
+                </a:solidFill>
+                <a:latin typeface="Courier" charset="0"/>
+                <a:ea typeface="Courier" charset="0"/>
+                <a:cs typeface="Courier" charset="0"/>
+              </a:rPr>
+              <a:t>form.html</a:t>
+            </a:r>
+            <a:r>
+              <a:rPr lang="en-US" dirty="0">
+                <a:solidFill>
+                  <a:srgbClr val="B42419"/>
+                </a:solidFill>
+                <a:latin typeface="Courier" charset="0"/>
+                <a:ea typeface="Courier" charset="0"/>
+                <a:cs typeface="Courier" charset="0"/>
+              </a:rPr>
+              <a:t>'</a:t>
+            </a:r>
+            <a:r>
+              <a:rPr lang="en-US" dirty="0">
+                <a:solidFill>
+                  <a:srgbClr val="000000"/>
+                </a:solidFill>
+                <a:latin typeface="Courier" charset="0"/>
+                <a:ea typeface="Courier" charset="0"/>
+                <a:cs typeface="Courier" charset="0"/>
+              </a:rPr>
+              <a:t>, </a:t>
+            </a:r>
+            <a:r>
+              <a:rPr lang="en-US" dirty="0" err="1">
+                <a:solidFill>
+                  <a:srgbClr val="000000"/>
+                </a:solidFill>
+                <a:latin typeface="Courier" charset="0"/>
+                <a:ea typeface="Courier" charset="0"/>
+                <a:cs typeface="Courier" charset="0"/>
+              </a:rPr>
+              <a:t>ctx</a:t>
+            </a:r>
+            <a:r>
+              <a:rPr lang="en-US" dirty="0">
+                <a:solidFill>
+                  <a:srgbClr val="000000"/>
+                </a:solidFill>
+                <a:latin typeface="Courier" charset="0"/>
+                <a:ea typeface="Courier" charset="0"/>
+                <a:cs typeface="Courier" charset="0"/>
+              </a:rPr>
+              <a:t>)</a:t>
+            </a:r>
+          </a:p>
+          <a:p>
+            <a:endParaRPr lang="en-US" dirty="0">
+              <a:solidFill>
+                <a:srgbClr val="000000"/>
+              </a:solidFill>
+              <a:latin typeface="Courier" charset="0"/>
+              <a:ea typeface="Courier" charset="0"/>
+              <a:cs typeface="Courier" charset="0"/>
+            </a:endParaRPr>
+          </a:p>
+          <a:p>
+            <a:r>
+              <a:rPr lang="en-US" dirty="0">
+                <a:solidFill>
+                  <a:srgbClr val="000000"/>
+                </a:solidFill>
+                <a:latin typeface="Courier" charset="0"/>
+                <a:ea typeface="Courier" charset="0"/>
+                <a:cs typeface="Courier" charset="0"/>
+              </a:rPr>
+              <a:t>    </a:t>
+            </a:r>
+            <a:r>
+              <a:rPr lang="en-US" dirty="0" err="1">
+                <a:solidFill>
+                  <a:srgbClr val="C1651C"/>
+                </a:solidFill>
+                <a:latin typeface="Courier" charset="0"/>
+                <a:ea typeface="Courier" charset="0"/>
+                <a:cs typeface="Courier" charset="0"/>
+              </a:rPr>
+              <a:t>def</a:t>
+            </a:r>
+            <a:r>
+              <a:rPr lang="en-US" dirty="0">
+                <a:solidFill>
+                  <a:srgbClr val="000000"/>
+                </a:solidFill>
+                <a:latin typeface="Courier" charset="0"/>
+                <a:ea typeface="Courier" charset="0"/>
+                <a:cs typeface="Courier" charset="0"/>
+              </a:rPr>
+              <a:t> </a:t>
+            </a:r>
+            <a:r>
+              <a:rPr lang="en-US" dirty="0">
+                <a:solidFill>
+                  <a:srgbClr val="2EAEBB"/>
+                </a:solidFill>
+                <a:latin typeface="Courier" charset="0"/>
+                <a:ea typeface="Courier" charset="0"/>
+                <a:cs typeface="Courier" charset="0"/>
+              </a:rPr>
+              <a:t>post</a:t>
+            </a:r>
+            <a:r>
+              <a:rPr lang="en-US" dirty="0">
+                <a:solidFill>
+                  <a:srgbClr val="000000"/>
+                </a:solidFill>
+                <a:latin typeface="Courier" charset="0"/>
+                <a:ea typeface="Courier" charset="0"/>
+                <a:cs typeface="Courier" charset="0"/>
+              </a:rPr>
+              <a:t>(self, request) :</a:t>
+            </a:r>
+          </a:p>
+          <a:p>
+            <a:r>
+              <a:rPr lang="en-US" dirty="0">
+                <a:solidFill>
+                  <a:srgbClr val="000000"/>
+                </a:solidFill>
+                <a:latin typeface="Courier" charset="0"/>
+                <a:ea typeface="Courier" charset="0"/>
+                <a:cs typeface="Courier" charset="0"/>
+              </a:rPr>
+              <a:t>        form = </a:t>
+            </a:r>
+            <a:r>
+              <a:rPr lang="en-US" dirty="0" err="1">
+                <a:solidFill>
+                  <a:srgbClr val="000000"/>
+                </a:solidFill>
+                <a:latin typeface="Courier" charset="0"/>
+                <a:ea typeface="Courier" charset="0"/>
+                <a:cs typeface="Courier" charset="0"/>
+              </a:rPr>
+              <a:t>CatForm</a:t>
+            </a:r>
+            <a:r>
+              <a:rPr lang="en-US" dirty="0">
+                <a:solidFill>
+                  <a:srgbClr val="000000"/>
+                </a:solidFill>
+                <a:latin typeface="Courier" charset="0"/>
+                <a:ea typeface="Courier" charset="0"/>
+                <a:cs typeface="Courier" charset="0"/>
+              </a:rPr>
+              <a:t>(</a:t>
+            </a:r>
+            <a:r>
+              <a:rPr lang="en-US" dirty="0" err="1">
+                <a:solidFill>
+                  <a:srgbClr val="000000"/>
+                </a:solidFill>
+                <a:latin typeface="Courier" charset="0"/>
+                <a:ea typeface="Courier" charset="0"/>
+                <a:cs typeface="Courier" charset="0"/>
+              </a:rPr>
+              <a:t>request.POST</a:t>
+            </a:r>
+            <a:r>
+              <a:rPr lang="en-US" dirty="0">
+                <a:solidFill>
+                  <a:srgbClr val="000000"/>
+                </a:solidFill>
+                <a:latin typeface="Courier" charset="0"/>
+                <a:ea typeface="Courier" charset="0"/>
+                <a:cs typeface="Courier" charset="0"/>
+              </a:rPr>
+              <a:t>)</a:t>
+            </a:r>
+          </a:p>
+          <a:p>
+            <a:r>
+              <a:rPr lang="en-US" dirty="0">
+                <a:solidFill>
+                  <a:srgbClr val="000000"/>
+                </a:solidFill>
+                <a:latin typeface="Courier" charset="0"/>
+                <a:ea typeface="Courier" charset="0"/>
+                <a:cs typeface="Courier" charset="0"/>
+              </a:rPr>
+              <a:t>        </a:t>
+            </a:r>
+            <a:r>
+              <a:rPr lang="en-US" dirty="0">
+                <a:solidFill>
+                  <a:srgbClr val="C1651C"/>
+                </a:solidFill>
+                <a:latin typeface="Courier" charset="0"/>
+                <a:ea typeface="Courier" charset="0"/>
+                <a:cs typeface="Courier" charset="0"/>
+              </a:rPr>
+              <a:t>if</a:t>
+            </a:r>
+            <a:r>
+              <a:rPr lang="en-US" dirty="0">
+                <a:solidFill>
+                  <a:srgbClr val="000000"/>
+                </a:solidFill>
+                <a:latin typeface="Courier" charset="0"/>
+                <a:ea typeface="Courier" charset="0"/>
+                <a:cs typeface="Courier" charset="0"/>
+              </a:rPr>
+              <a:t> </a:t>
+            </a:r>
+            <a:r>
+              <a:rPr lang="en-US" dirty="0">
+                <a:solidFill>
+                  <a:srgbClr val="C1651C"/>
+                </a:solidFill>
+                <a:latin typeface="Courier" charset="0"/>
+                <a:ea typeface="Courier" charset="0"/>
+                <a:cs typeface="Courier" charset="0"/>
+              </a:rPr>
+              <a:t>not</a:t>
+            </a:r>
+            <a:r>
+              <a:rPr lang="en-US" dirty="0">
+                <a:solidFill>
+                  <a:srgbClr val="000000"/>
+                </a:solidFill>
+                <a:latin typeface="Courier" charset="0"/>
+                <a:ea typeface="Courier" charset="0"/>
+                <a:cs typeface="Courier" charset="0"/>
+              </a:rPr>
+              <a:t> </a:t>
+            </a:r>
+            <a:r>
+              <a:rPr lang="en-US" dirty="0" err="1">
+                <a:solidFill>
+                  <a:srgbClr val="000000"/>
+                </a:solidFill>
+                <a:latin typeface="Courier" charset="0"/>
+                <a:ea typeface="Courier" charset="0"/>
+                <a:cs typeface="Courier" charset="0"/>
+              </a:rPr>
+              <a:t>form.is_valid</a:t>
+            </a:r>
+            <a:r>
+              <a:rPr lang="en-US" dirty="0">
+                <a:solidFill>
+                  <a:srgbClr val="000000"/>
+                </a:solidFill>
+                <a:latin typeface="Courier" charset="0"/>
+                <a:ea typeface="Courier" charset="0"/>
+                <a:cs typeface="Courier" charset="0"/>
+              </a:rPr>
+              <a:t>() :</a:t>
+            </a:r>
+          </a:p>
+          <a:p>
+            <a:r>
+              <a:rPr lang="mr-IN" dirty="0">
+                <a:solidFill>
+                  <a:srgbClr val="000000"/>
+                </a:solidFill>
+                <a:latin typeface="Courier" charset="0"/>
+                <a:ea typeface="Courier" charset="0"/>
+                <a:cs typeface="Courier" charset="0"/>
+              </a:rPr>
+              <a:t>            </a:t>
+            </a:r>
+            <a:r>
+              <a:rPr lang="mr-IN" dirty="0" err="1">
+                <a:solidFill>
+                  <a:srgbClr val="000000"/>
+                </a:solidFill>
+                <a:latin typeface="Courier" charset="0"/>
+                <a:ea typeface="Courier" charset="0"/>
+                <a:cs typeface="Courier" charset="0"/>
+              </a:rPr>
+              <a:t>ctx</a:t>
+            </a:r>
+            <a:r>
+              <a:rPr lang="mr-IN" dirty="0">
+                <a:solidFill>
+                  <a:srgbClr val="000000"/>
+                </a:solidFill>
+                <a:latin typeface="Courier" charset="0"/>
+                <a:ea typeface="Courier" charset="0"/>
+                <a:cs typeface="Courier" charset="0"/>
+              </a:rPr>
+              <a:t> = {</a:t>
+            </a:r>
+            <a:r>
+              <a:rPr lang="mr-IN" dirty="0">
+                <a:solidFill>
+                  <a:srgbClr val="B42419"/>
+                </a:solidFill>
+                <a:latin typeface="Courier" charset="0"/>
+                <a:ea typeface="Courier" charset="0"/>
+                <a:cs typeface="Courier" charset="0"/>
+              </a:rPr>
+              <a:t>'</a:t>
+            </a:r>
+            <a:r>
+              <a:rPr lang="mr-IN" dirty="0" err="1">
+                <a:solidFill>
+                  <a:srgbClr val="B42419"/>
+                </a:solidFill>
+                <a:latin typeface="Courier" charset="0"/>
+                <a:ea typeface="Courier" charset="0"/>
+                <a:cs typeface="Courier" charset="0"/>
+              </a:rPr>
+              <a:t>form</a:t>
+            </a:r>
+            <a:r>
+              <a:rPr lang="mr-IN" dirty="0">
+                <a:solidFill>
+                  <a:srgbClr val="B42419"/>
+                </a:solidFill>
+                <a:latin typeface="Courier" charset="0"/>
+                <a:ea typeface="Courier" charset="0"/>
+                <a:cs typeface="Courier" charset="0"/>
+              </a:rPr>
+              <a:t>'</a:t>
+            </a:r>
+            <a:r>
+              <a:rPr lang="mr-IN" dirty="0">
+                <a:solidFill>
+                  <a:srgbClr val="000000"/>
+                </a:solidFill>
+                <a:latin typeface="Courier" charset="0"/>
+                <a:ea typeface="Courier" charset="0"/>
+                <a:cs typeface="Courier" charset="0"/>
+              </a:rPr>
+              <a:t> : </a:t>
+            </a:r>
+            <a:r>
+              <a:rPr lang="mr-IN" dirty="0" err="1">
+                <a:solidFill>
+                  <a:srgbClr val="000000"/>
+                </a:solidFill>
+                <a:latin typeface="Courier" charset="0"/>
+                <a:ea typeface="Courier" charset="0"/>
+                <a:cs typeface="Courier" charset="0"/>
+              </a:rPr>
+              <a:t>form</a:t>
+            </a:r>
+            <a:r>
+              <a:rPr lang="mr-IN" dirty="0">
+                <a:solidFill>
+                  <a:srgbClr val="000000"/>
+                </a:solidFill>
+                <a:latin typeface="Courier" charset="0"/>
+                <a:ea typeface="Courier" charset="0"/>
+                <a:cs typeface="Courier" charset="0"/>
+              </a:rPr>
+              <a:t>}</a:t>
+            </a:r>
+          </a:p>
+          <a:p>
+            <a:r>
+              <a:rPr lang="en-US" dirty="0">
+                <a:solidFill>
+                  <a:srgbClr val="000000"/>
+                </a:solidFill>
+                <a:latin typeface="Courier" charset="0"/>
+                <a:ea typeface="Courier" charset="0"/>
+                <a:cs typeface="Courier" charset="0"/>
+              </a:rPr>
+              <a:t>            </a:t>
+            </a:r>
+            <a:r>
+              <a:rPr lang="en-US" dirty="0">
+                <a:solidFill>
+                  <a:srgbClr val="C1651C"/>
+                </a:solidFill>
+                <a:latin typeface="Courier" charset="0"/>
+                <a:ea typeface="Courier" charset="0"/>
+                <a:cs typeface="Courier" charset="0"/>
+              </a:rPr>
+              <a:t>return</a:t>
+            </a:r>
+            <a:r>
+              <a:rPr lang="en-US" dirty="0">
+                <a:solidFill>
+                  <a:srgbClr val="000000"/>
+                </a:solidFill>
+                <a:latin typeface="Courier" charset="0"/>
+                <a:ea typeface="Courier" charset="0"/>
+                <a:cs typeface="Courier" charset="0"/>
+              </a:rPr>
+              <a:t> render(request, </a:t>
+            </a:r>
+            <a:r>
+              <a:rPr lang="en-US" dirty="0">
+                <a:solidFill>
+                  <a:srgbClr val="B42419"/>
+                </a:solidFill>
+                <a:latin typeface="Courier" charset="0"/>
+                <a:ea typeface="Courier" charset="0"/>
+                <a:cs typeface="Courier" charset="0"/>
+              </a:rPr>
+              <a:t>'form/</a:t>
+            </a:r>
+            <a:r>
+              <a:rPr lang="en-US" dirty="0" err="1">
+                <a:solidFill>
+                  <a:srgbClr val="B42419"/>
+                </a:solidFill>
+                <a:latin typeface="Courier" charset="0"/>
+                <a:ea typeface="Courier" charset="0"/>
+                <a:cs typeface="Courier" charset="0"/>
+              </a:rPr>
+              <a:t>form.html</a:t>
+            </a:r>
+            <a:r>
+              <a:rPr lang="en-US" dirty="0">
+                <a:solidFill>
+                  <a:srgbClr val="B42419"/>
+                </a:solidFill>
+                <a:latin typeface="Courier" charset="0"/>
+                <a:ea typeface="Courier" charset="0"/>
+                <a:cs typeface="Courier" charset="0"/>
+              </a:rPr>
+              <a:t>'</a:t>
+            </a:r>
+            <a:r>
+              <a:rPr lang="en-US" dirty="0">
+                <a:solidFill>
+                  <a:srgbClr val="000000"/>
+                </a:solidFill>
+                <a:latin typeface="Courier" charset="0"/>
+                <a:ea typeface="Courier" charset="0"/>
+                <a:cs typeface="Courier" charset="0"/>
+              </a:rPr>
+              <a:t>, </a:t>
+            </a:r>
+            <a:r>
+              <a:rPr lang="en-US" dirty="0" err="1">
+                <a:solidFill>
+                  <a:srgbClr val="000000"/>
+                </a:solidFill>
+                <a:latin typeface="Courier" charset="0"/>
+                <a:ea typeface="Courier" charset="0"/>
+                <a:cs typeface="Courier" charset="0"/>
+              </a:rPr>
+              <a:t>ctx</a:t>
+            </a:r>
+            <a:r>
+              <a:rPr lang="en-US" dirty="0">
+                <a:solidFill>
+                  <a:srgbClr val="000000"/>
+                </a:solidFill>
+                <a:latin typeface="Courier" charset="0"/>
+                <a:ea typeface="Courier" charset="0"/>
+                <a:cs typeface="Courier" charset="0"/>
+              </a:rPr>
+              <a:t>)</a:t>
+            </a:r>
+          </a:p>
+          <a:p>
+            <a:endParaRPr lang="en-US" dirty="0">
+              <a:solidFill>
+                <a:srgbClr val="000000"/>
+              </a:solidFill>
+              <a:latin typeface="Courier" charset="0"/>
+              <a:ea typeface="Courier" charset="0"/>
+              <a:cs typeface="Courier" charset="0"/>
+            </a:endParaRPr>
+          </a:p>
+          <a:p>
+            <a:r>
+              <a:rPr lang="en-US" dirty="0">
+                <a:solidFill>
+                  <a:srgbClr val="000000"/>
+                </a:solidFill>
+                <a:latin typeface="Courier" charset="0"/>
+                <a:ea typeface="Courier" charset="0"/>
+                <a:cs typeface="Courier" charset="0"/>
+              </a:rPr>
+              <a:t>        </a:t>
+            </a:r>
+            <a:r>
+              <a:rPr lang="en-US" dirty="0">
+                <a:solidFill>
+                  <a:srgbClr val="400BD9"/>
+                </a:solidFill>
+                <a:latin typeface="Courier" charset="0"/>
+                <a:ea typeface="Courier" charset="0"/>
+                <a:cs typeface="Courier" charset="0"/>
+              </a:rPr>
+              <a:t># Save the form and get a model object</a:t>
+            </a:r>
+            <a:endParaRPr lang="en-US" dirty="0">
+              <a:solidFill>
+                <a:srgbClr val="000000"/>
+              </a:solidFill>
+              <a:latin typeface="Courier" charset="0"/>
+              <a:ea typeface="Courier" charset="0"/>
+              <a:cs typeface="Courier" charset="0"/>
+            </a:endParaRPr>
+          </a:p>
+          <a:p>
+            <a:r>
+              <a:rPr lang="mr-IN" dirty="0">
+                <a:solidFill>
+                  <a:srgbClr val="000000"/>
+                </a:solidFill>
+                <a:latin typeface="Courier" charset="0"/>
+                <a:ea typeface="Courier" charset="0"/>
+                <a:cs typeface="Courier" charset="0"/>
+              </a:rPr>
+              <a:t>        </a:t>
+            </a:r>
+            <a:r>
+              <a:rPr lang="en-US" dirty="0" smtClean="0">
+                <a:solidFill>
+                  <a:srgbClr val="000000"/>
+                </a:solidFill>
+                <a:latin typeface="Courier" charset="0"/>
+                <a:ea typeface="Courier" charset="0"/>
+                <a:cs typeface="Courier" charset="0"/>
+              </a:rPr>
+              <a:t>new</a:t>
+            </a:r>
+            <a:r>
+              <a:rPr lang="mr-IN" dirty="0" err="1" smtClean="0">
+                <a:solidFill>
+                  <a:srgbClr val="000000"/>
+                </a:solidFill>
+                <a:latin typeface="Courier" charset="0"/>
+                <a:ea typeface="Courier" charset="0"/>
+                <a:cs typeface="Courier" charset="0"/>
+              </a:rPr>
+              <a:t>cat</a:t>
+            </a:r>
+            <a:r>
+              <a:rPr lang="mr-IN" dirty="0" smtClean="0">
+                <a:solidFill>
+                  <a:srgbClr val="000000"/>
+                </a:solidFill>
+                <a:latin typeface="Courier" charset="0"/>
+                <a:ea typeface="Courier" charset="0"/>
+                <a:cs typeface="Courier" charset="0"/>
+              </a:rPr>
+              <a:t> </a:t>
+            </a:r>
+            <a:r>
+              <a:rPr lang="mr-IN" dirty="0">
+                <a:solidFill>
+                  <a:srgbClr val="000000"/>
+                </a:solidFill>
+                <a:latin typeface="Courier" charset="0"/>
+                <a:ea typeface="Courier" charset="0"/>
+                <a:cs typeface="Courier" charset="0"/>
+              </a:rPr>
+              <a:t>= </a:t>
+            </a:r>
+            <a:r>
+              <a:rPr lang="mr-IN" dirty="0" err="1">
+                <a:solidFill>
+                  <a:srgbClr val="000000"/>
+                </a:solidFill>
+                <a:latin typeface="Courier" charset="0"/>
+                <a:ea typeface="Courier" charset="0"/>
+                <a:cs typeface="Courier" charset="0"/>
+              </a:rPr>
+              <a:t>form.save</a:t>
+            </a:r>
+            <a:r>
+              <a:rPr lang="mr-IN" dirty="0">
+                <a:solidFill>
+                  <a:srgbClr val="000000"/>
+                </a:solidFill>
+                <a:latin typeface="Courier" charset="0"/>
+                <a:ea typeface="Courier" charset="0"/>
+                <a:cs typeface="Courier" charset="0"/>
+              </a:rPr>
+              <a:t>()</a:t>
+            </a:r>
+          </a:p>
+          <a:p>
+            <a:r>
+              <a:rPr lang="mr-IN" dirty="0">
+                <a:solidFill>
+                  <a:srgbClr val="000000"/>
+                </a:solidFill>
+                <a:latin typeface="Courier" charset="0"/>
+                <a:ea typeface="Courier" charset="0"/>
+                <a:cs typeface="Courier" charset="0"/>
+              </a:rPr>
+              <a:t>        </a:t>
+            </a:r>
+            <a:r>
+              <a:rPr lang="mr-IN" dirty="0" err="1">
+                <a:solidFill>
+                  <a:srgbClr val="000000"/>
+                </a:solidFill>
+                <a:latin typeface="Courier" charset="0"/>
+                <a:ea typeface="Courier" charset="0"/>
+                <a:cs typeface="Courier" charset="0"/>
+              </a:rPr>
+              <a:t>x</a:t>
+            </a:r>
+            <a:r>
+              <a:rPr lang="mr-IN" dirty="0">
+                <a:solidFill>
+                  <a:srgbClr val="000000"/>
+                </a:solidFill>
+                <a:latin typeface="Courier" charset="0"/>
+                <a:ea typeface="Courier" charset="0"/>
+                <a:cs typeface="Courier" charset="0"/>
+              </a:rPr>
+              <a:t> = </a:t>
+            </a:r>
+            <a:r>
+              <a:rPr lang="mr-IN" dirty="0" err="1">
+                <a:solidFill>
+                  <a:srgbClr val="000000"/>
+                </a:solidFill>
+                <a:latin typeface="Courier" charset="0"/>
+                <a:ea typeface="Courier" charset="0"/>
+                <a:cs typeface="Courier" charset="0"/>
+              </a:rPr>
+              <a:t>reverse</a:t>
+            </a:r>
+            <a:r>
+              <a:rPr lang="mr-IN" dirty="0">
+                <a:solidFill>
+                  <a:srgbClr val="000000"/>
+                </a:solidFill>
+                <a:latin typeface="Courier" charset="0"/>
+                <a:ea typeface="Courier" charset="0"/>
+                <a:cs typeface="Courier" charset="0"/>
+              </a:rPr>
+              <a:t>(</a:t>
+            </a:r>
+            <a:r>
+              <a:rPr lang="mr-IN" dirty="0">
+                <a:solidFill>
+                  <a:srgbClr val="B42419"/>
+                </a:solidFill>
+                <a:latin typeface="Courier" charset="0"/>
+                <a:ea typeface="Courier" charset="0"/>
+                <a:cs typeface="Courier" charset="0"/>
+              </a:rPr>
+              <a:t>'</a:t>
+            </a:r>
+            <a:r>
+              <a:rPr lang="mr-IN" dirty="0" err="1">
+                <a:solidFill>
+                  <a:srgbClr val="B42419"/>
+                </a:solidFill>
+                <a:latin typeface="Courier" charset="0"/>
+                <a:ea typeface="Courier" charset="0"/>
+                <a:cs typeface="Courier" charset="0"/>
+              </a:rPr>
+              <a:t>form:main</a:t>
+            </a:r>
+            <a:r>
+              <a:rPr lang="mr-IN" dirty="0">
+                <a:solidFill>
+                  <a:srgbClr val="B42419"/>
+                </a:solidFill>
+                <a:latin typeface="Courier" charset="0"/>
+                <a:ea typeface="Courier" charset="0"/>
+                <a:cs typeface="Courier" charset="0"/>
+              </a:rPr>
+              <a:t>'</a:t>
+            </a:r>
+            <a:r>
+              <a:rPr lang="mr-IN" dirty="0">
+                <a:solidFill>
+                  <a:srgbClr val="000000"/>
+                </a:solidFill>
+                <a:latin typeface="Courier" charset="0"/>
+                <a:ea typeface="Courier" charset="0"/>
+                <a:cs typeface="Courier" charset="0"/>
+              </a:rPr>
+              <a:t>) + </a:t>
+            </a:r>
+            <a:r>
+              <a:rPr lang="mr-IN" dirty="0">
+                <a:solidFill>
+                  <a:srgbClr val="B42419"/>
+                </a:solidFill>
+                <a:latin typeface="Courier" charset="0"/>
+                <a:ea typeface="Courier" charset="0"/>
+                <a:cs typeface="Courier" charset="0"/>
+              </a:rPr>
+              <a:t>'#'</a:t>
+            </a:r>
+            <a:r>
+              <a:rPr lang="mr-IN" dirty="0">
+                <a:solidFill>
+                  <a:srgbClr val="000000"/>
+                </a:solidFill>
+                <a:latin typeface="Courier" charset="0"/>
+                <a:ea typeface="Courier" charset="0"/>
+                <a:cs typeface="Courier" charset="0"/>
+              </a:rPr>
+              <a:t> + </a:t>
+            </a:r>
+            <a:r>
+              <a:rPr lang="mr-IN" dirty="0" err="1" smtClean="0">
+                <a:solidFill>
+                  <a:srgbClr val="2EAEBB"/>
+                </a:solidFill>
+                <a:latin typeface="Courier" charset="0"/>
+                <a:ea typeface="Courier" charset="0"/>
+                <a:cs typeface="Courier" charset="0"/>
+              </a:rPr>
+              <a:t>str</a:t>
+            </a:r>
+            <a:r>
+              <a:rPr lang="mr-IN" dirty="0" smtClean="0">
+                <a:solidFill>
+                  <a:srgbClr val="000000"/>
+                </a:solidFill>
+                <a:latin typeface="Courier" charset="0"/>
+                <a:ea typeface="Courier" charset="0"/>
+                <a:cs typeface="Courier" charset="0"/>
+              </a:rPr>
+              <a:t>(</a:t>
+            </a:r>
+            <a:r>
+              <a:rPr lang="en-US" dirty="0" smtClean="0">
+                <a:solidFill>
+                  <a:srgbClr val="000000"/>
+                </a:solidFill>
+                <a:latin typeface="Courier" charset="0"/>
+                <a:ea typeface="Courier" charset="0"/>
+                <a:cs typeface="Courier" charset="0"/>
+              </a:rPr>
+              <a:t>new</a:t>
+            </a:r>
+            <a:r>
+              <a:rPr lang="mr-IN" dirty="0" err="1" smtClean="0">
+                <a:solidFill>
+                  <a:srgbClr val="000000"/>
+                </a:solidFill>
+                <a:latin typeface="Courier" charset="0"/>
+                <a:ea typeface="Courier" charset="0"/>
+                <a:cs typeface="Courier" charset="0"/>
+              </a:rPr>
+              <a:t>cat.id</a:t>
+            </a:r>
+            <a:r>
+              <a:rPr lang="mr-IN" dirty="0">
+                <a:solidFill>
+                  <a:srgbClr val="000000"/>
+                </a:solidFill>
+                <a:latin typeface="Courier" charset="0"/>
+                <a:ea typeface="Courier" charset="0"/>
+                <a:cs typeface="Courier" charset="0"/>
+              </a:rPr>
+              <a:t>)</a:t>
+            </a:r>
+          </a:p>
+          <a:p>
+            <a:r>
+              <a:rPr lang="en-US" dirty="0">
+                <a:solidFill>
+                  <a:srgbClr val="000000"/>
+                </a:solidFill>
+                <a:latin typeface="Courier" charset="0"/>
+                <a:ea typeface="Courier" charset="0"/>
+                <a:cs typeface="Courier" charset="0"/>
+              </a:rPr>
+              <a:t>        </a:t>
+            </a:r>
+            <a:r>
+              <a:rPr lang="en-US" dirty="0">
+                <a:solidFill>
+                  <a:srgbClr val="C1651C"/>
+                </a:solidFill>
+                <a:latin typeface="Courier" charset="0"/>
+                <a:ea typeface="Courier" charset="0"/>
+                <a:cs typeface="Courier" charset="0"/>
+              </a:rPr>
+              <a:t>return</a:t>
+            </a:r>
+            <a:r>
+              <a:rPr lang="en-US" dirty="0">
+                <a:solidFill>
+                  <a:srgbClr val="000000"/>
+                </a:solidFill>
+                <a:latin typeface="Courier" charset="0"/>
+                <a:ea typeface="Courier" charset="0"/>
+                <a:cs typeface="Courier" charset="0"/>
+              </a:rPr>
+              <a:t> redirect(x)</a:t>
+            </a:r>
+            <a:endParaRPr lang="en-US" dirty="0">
+              <a:latin typeface="Courier" charset="0"/>
+              <a:ea typeface="Courier" charset="0"/>
+              <a:cs typeface="Courier" charset="0"/>
+            </a:endParaRPr>
+          </a:p>
+        </p:txBody>
+      </p:sp>
+      <p:sp>
+        <p:nvSpPr>
+          <p:cNvPr id="5" name="Rectangle 4"/>
+          <p:cNvSpPr/>
+          <p:nvPr/>
+        </p:nvSpPr>
+        <p:spPr>
+          <a:xfrm>
+            <a:off x="1971676" y="811417"/>
+            <a:ext cx="3768980" cy="369332"/>
+          </a:xfrm>
+          <a:prstGeom prst="rect">
+            <a:avLst/>
+          </a:prstGeom>
+        </p:spPr>
+        <p:txBody>
+          <a:bodyPr wrap="none">
+            <a:spAutoFit/>
+          </a:bodyPr>
+          <a:lstStyle/>
+          <a:p>
+            <a:r>
+              <a:rPr lang="en-US" dirty="0" smtClean="0">
+                <a:solidFill>
+                  <a:srgbClr val="FFFF00"/>
+                </a:solidFill>
+                <a:latin typeface="Courier" charset="0"/>
+                <a:ea typeface="Courier" charset="0"/>
+                <a:cs typeface="Courier" charset="0"/>
+              </a:rPr>
+              <a:t>dj4e-samples/form/</a:t>
+            </a:r>
+            <a:r>
+              <a:rPr lang="en-US" dirty="0" err="1" smtClean="0">
+                <a:solidFill>
+                  <a:srgbClr val="FFFF00"/>
+                </a:solidFill>
+                <a:latin typeface="Courier" charset="0"/>
+                <a:ea typeface="Courier" charset="0"/>
+                <a:cs typeface="Courier" charset="0"/>
+              </a:rPr>
+              <a:t>views.py</a:t>
+            </a:r>
+            <a:endParaRPr lang="en-US" dirty="0">
+              <a:solidFill>
+                <a:srgbClr val="FFFF00"/>
+              </a:solidFill>
+              <a:effectLst/>
+              <a:latin typeface="Courier" charset="0"/>
+              <a:ea typeface="Courier" charset="0"/>
+              <a:cs typeface="Courier" charset="0"/>
+            </a:endParaRPr>
+          </a:p>
+        </p:txBody>
+      </p:sp>
+    </p:spTree>
+    <p:extLst>
+      <p:ext uri="{BB962C8B-B14F-4D97-AF65-F5344CB8AC3E}">
+        <p14:creationId xmlns:p14="http://schemas.microsoft.com/office/powerpoint/2010/main" val="1324626179"/>
+      </p:ext>
+    </p:extLst>
+  </p:cSld>
+  <p:clrMapOvr>
+    <a:masterClrMapping/>
+  </p:clrMapOvr>
+</p:sld>
+</file>
+
+<file path=ppt/slides/slide26.xml><?xml version="1.0" encoding="utf-8"?>
+<p:sld xmlns:a="http://schemas.openxmlformats.org/drawingml/2006/main" xmlns:r="http://schemas.openxmlformats.org/officeDocument/2006/relationships" xmlns:p="http://schemas.openxmlformats.org/presentationml/2006/main">
+  <p:cSld>
+    <p:spTree>
+      <p:nvGrpSpPr>
+        <p:cNvPr id="1" name=""/>
+        <p:cNvGrpSpPr/>
+        <p:nvPr/>
+      </p:nvGrpSpPr>
+      <p:grpSpPr>
+        <a:xfrm>
+          <a:off x="0" y="0"/>
+          <a:ext cx="0" cy="0"/>
+          <a:chOff x="0" y="0"/>
+          <a:chExt cx="0" cy="0"/>
+        </a:xfrm>
+      </p:grpSpPr>
+      <p:sp>
+        <p:nvSpPr>
+          <p:cNvPr id="4" name="TextBox 3"/>
+          <p:cNvSpPr txBox="1"/>
+          <p:nvPr/>
+        </p:nvSpPr>
+        <p:spPr>
+          <a:xfrm>
+            <a:off x="1971676" y="1343023"/>
+            <a:ext cx="8133958" cy="4801314"/>
+          </a:xfrm>
+          <a:prstGeom prst="rect">
+            <a:avLst/>
+          </a:prstGeom>
+          <a:solidFill>
+            <a:schemeClr val="tx1"/>
+          </a:solidFill>
+        </p:spPr>
+        <p:txBody>
+          <a:bodyPr wrap="none" rtlCol="0">
+            <a:spAutoFit/>
+          </a:bodyPr>
+          <a:lstStyle/>
+          <a:p>
+            <a:r>
+              <a:rPr lang="en-US" dirty="0">
+                <a:solidFill>
+                  <a:srgbClr val="C1651C"/>
+                </a:solidFill>
+                <a:latin typeface="Courier" charset="0"/>
+                <a:ea typeface="Courier" charset="0"/>
+                <a:cs typeface="Courier" charset="0"/>
+              </a:rPr>
+              <a:t>class</a:t>
+            </a:r>
+            <a:r>
+              <a:rPr lang="en-US" dirty="0">
+                <a:solidFill>
+                  <a:srgbClr val="000000"/>
+                </a:solidFill>
+                <a:latin typeface="Courier" charset="0"/>
+                <a:ea typeface="Courier" charset="0"/>
+                <a:cs typeface="Courier" charset="0"/>
+              </a:rPr>
+              <a:t> </a:t>
+            </a:r>
+            <a:r>
+              <a:rPr lang="en-US" dirty="0" err="1">
+                <a:solidFill>
+                  <a:srgbClr val="2EAEBB"/>
+                </a:solidFill>
+                <a:latin typeface="Courier" charset="0"/>
+                <a:ea typeface="Courier" charset="0"/>
+                <a:cs typeface="Courier" charset="0"/>
+              </a:rPr>
+              <a:t>CatUpdate</a:t>
+            </a:r>
+            <a:r>
+              <a:rPr lang="en-US" dirty="0">
+                <a:solidFill>
+                  <a:srgbClr val="000000"/>
+                </a:solidFill>
+                <a:latin typeface="Courier" charset="0"/>
+                <a:ea typeface="Courier" charset="0"/>
+                <a:cs typeface="Courier" charset="0"/>
+              </a:rPr>
+              <a:t>(View):</a:t>
+            </a:r>
+          </a:p>
+          <a:p>
+            <a:r>
+              <a:rPr lang="en-US" dirty="0">
+                <a:solidFill>
+                  <a:srgbClr val="000000"/>
+                </a:solidFill>
+                <a:latin typeface="Courier" charset="0"/>
+                <a:ea typeface="Courier" charset="0"/>
+                <a:cs typeface="Courier" charset="0"/>
+              </a:rPr>
+              <a:t>    </a:t>
+            </a:r>
+            <a:r>
+              <a:rPr lang="en-US" dirty="0" err="1">
+                <a:solidFill>
+                  <a:srgbClr val="C1651C"/>
+                </a:solidFill>
+                <a:latin typeface="Courier" charset="0"/>
+                <a:ea typeface="Courier" charset="0"/>
+                <a:cs typeface="Courier" charset="0"/>
+              </a:rPr>
+              <a:t>def</a:t>
+            </a:r>
+            <a:r>
+              <a:rPr lang="en-US" dirty="0">
+                <a:solidFill>
+                  <a:srgbClr val="000000"/>
+                </a:solidFill>
+                <a:latin typeface="Courier" charset="0"/>
+                <a:ea typeface="Courier" charset="0"/>
+                <a:cs typeface="Courier" charset="0"/>
+              </a:rPr>
+              <a:t> </a:t>
+            </a:r>
+            <a:r>
+              <a:rPr lang="en-US" dirty="0">
+                <a:solidFill>
+                  <a:srgbClr val="2EAEBB"/>
+                </a:solidFill>
+                <a:latin typeface="Courier" charset="0"/>
+                <a:ea typeface="Courier" charset="0"/>
+                <a:cs typeface="Courier" charset="0"/>
+              </a:rPr>
+              <a:t>get</a:t>
+            </a:r>
+            <a:r>
+              <a:rPr lang="en-US" dirty="0">
+                <a:solidFill>
+                  <a:srgbClr val="000000"/>
+                </a:solidFill>
+                <a:latin typeface="Courier" charset="0"/>
+                <a:ea typeface="Courier" charset="0"/>
+                <a:cs typeface="Courier" charset="0"/>
+              </a:rPr>
+              <a:t>(self, request, </a:t>
+            </a:r>
+            <a:r>
+              <a:rPr lang="en-US" dirty="0" err="1">
+                <a:solidFill>
+                  <a:srgbClr val="000000"/>
+                </a:solidFill>
+                <a:latin typeface="Courier" charset="0"/>
+                <a:ea typeface="Courier" charset="0"/>
+                <a:cs typeface="Courier" charset="0"/>
+              </a:rPr>
+              <a:t>pk</a:t>
+            </a:r>
+            <a:r>
+              <a:rPr lang="en-US" dirty="0">
+                <a:solidFill>
+                  <a:srgbClr val="000000"/>
+                </a:solidFill>
+                <a:latin typeface="Courier" charset="0"/>
+                <a:ea typeface="Courier" charset="0"/>
+                <a:cs typeface="Courier" charset="0"/>
+              </a:rPr>
+              <a:t>) :</a:t>
+            </a:r>
+          </a:p>
+          <a:p>
+            <a:r>
+              <a:rPr lang="en-US" dirty="0">
+                <a:solidFill>
+                  <a:srgbClr val="000000"/>
+                </a:solidFill>
+                <a:latin typeface="Courier" charset="0"/>
+                <a:ea typeface="Courier" charset="0"/>
+                <a:cs typeface="Courier" charset="0"/>
+              </a:rPr>
+              <a:t>        </a:t>
+            </a:r>
+            <a:r>
+              <a:rPr lang="en-US" dirty="0" err="1">
+                <a:solidFill>
+                  <a:srgbClr val="000000"/>
+                </a:solidFill>
+                <a:latin typeface="Courier" charset="0"/>
+                <a:ea typeface="Courier" charset="0"/>
+                <a:cs typeface="Courier" charset="0"/>
+              </a:rPr>
+              <a:t>oldcat</a:t>
+            </a:r>
+            <a:r>
+              <a:rPr lang="en-US" dirty="0">
+                <a:solidFill>
+                  <a:srgbClr val="000000"/>
+                </a:solidFill>
+                <a:latin typeface="Courier" charset="0"/>
+                <a:ea typeface="Courier" charset="0"/>
+                <a:cs typeface="Courier" charset="0"/>
+              </a:rPr>
+              <a:t> = get_object_or_404(Cat, </a:t>
+            </a:r>
+            <a:r>
+              <a:rPr lang="en-US" dirty="0" err="1">
+                <a:solidFill>
+                  <a:srgbClr val="000000"/>
+                </a:solidFill>
+                <a:latin typeface="Courier" charset="0"/>
+                <a:ea typeface="Courier" charset="0"/>
+                <a:cs typeface="Courier" charset="0"/>
+              </a:rPr>
+              <a:t>pk</a:t>
+            </a:r>
+            <a:r>
+              <a:rPr lang="en-US" dirty="0">
+                <a:solidFill>
+                  <a:srgbClr val="000000"/>
+                </a:solidFill>
+                <a:latin typeface="Courier" charset="0"/>
+                <a:ea typeface="Courier" charset="0"/>
+                <a:cs typeface="Courier" charset="0"/>
+              </a:rPr>
+              <a:t>=</a:t>
+            </a:r>
+            <a:r>
+              <a:rPr lang="en-US" dirty="0" err="1">
+                <a:solidFill>
+                  <a:srgbClr val="000000"/>
+                </a:solidFill>
+                <a:latin typeface="Courier" charset="0"/>
+                <a:ea typeface="Courier" charset="0"/>
+                <a:cs typeface="Courier" charset="0"/>
+              </a:rPr>
+              <a:t>pk</a:t>
+            </a:r>
+            <a:r>
+              <a:rPr lang="en-US" dirty="0">
+                <a:solidFill>
+                  <a:srgbClr val="000000"/>
+                </a:solidFill>
+                <a:latin typeface="Courier" charset="0"/>
+                <a:ea typeface="Courier" charset="0"/>
+                <a:cs typeface="Courier" charset="0"/>
+              </a:rPr>
+              <a:t>)</a:t>
+            </a:r>
+          </a:p>
+          <a:p>
+            <a:r>
+              <a:rPr lang="en-US" dirty="0">
+                <a:solidFill>
+                  <a:srgbClr val="000000"/>
+                </a:solidFill>
+                <a:latin typeface="Courier" charset="0"/>
+                <a:ea typeface="Courier" charset="0"/>
+                <a:cs typeface="Courier" charset="0"/>
+              </a:rPr>
+              <a:t>        form = </a:t>
+            </a:r>
+            <a:r>
+              <a:rPr lang="en-US" dirty="0" err="1">
+                <a:solidFill>
+                  <a:srgbClr val="000000"/>
+                </a:solidFill>
+                <a:latin typeface="Courier" charset="0"/>
+                <a:ea typeface="Courier" charset="0"/>
+                <a:cs typeface="Courier" charset="0"/>
+              </a:rPr>
+              <a:t>CatForm</a:t>
+            </a:r>
+            <a:r>
+              <a:rPr lang="en-US" dirty="0">
+                <a:solidFill>
+                  <a:srgbClr val="000000"/>
+                </a:solidFill>
+                <a:latin typeface="Courier" charset="0"/>
+                <a:ea typeface="Courier" charset="0"/>
+                <a:cs typeface="Courier" charset="0"/>
+              </a:rPr>
+              <a:t>(instance=</a:t>
+            </a:r>
+            <a:r>
+              <a:rPr lang="en-US" dirty="0" err="1">
+                <a:solidFill>
+                  <a:srgbClr val="000000"/>
+                </a:solidFill>
+                <a:latin typeface="Courier" charset="0"/>
+                <a:ea typeface="Courier" charset="0"/>
+                <a:cs typeface="Courier" charset="0"/>
+              </a:rPr>
+              <a:t>oldcat</a:t>
+            </a:r>
+            <a:r>
+              <a:rPr lang="en-US" dirty="0">
+                <a:solidFill>
+                  <a:srgbClr val="000000"/>
+                </a:solidFill>
+                <a:latin typeface="Courier" charset="0"/>
+                <a:ea typeface="Courier" charset="0"/>
+                <a:cs typeface="Courier" charset="0"/>
+              </a:rPr>
+              <a:t>)</a:t>
+            </a:r>
+          </a:p>
+          <a:p>
+            <a:r>
+              <a:rPr lang="mr-IN" dirty="0">
+                <a:solidFill>
+                  <a:srgbClr val="000000"/>
+                </a:solidFill>
+                <a:latin typeface="Courier" charset="0"/>
+                <a:ea typeface="Courier" charset="0"/>
+                <a:cs typeface="Courier" charset="0"/>
+              </a:rPr>
+              <a:t>        </a:t>
+            </a:r>
+            <a:r>
+              <a:rPr lang="mr-IN" dirty="0" err="1">
+                <a:solidFill>
+                  <a:srgbClr val="000000"/>
+                </a:solidFill>
+                <a:latin typeface="Courier" charset="0"/>
+                <a:ea typeface="Courier" charset="0"/>
+                <a:cs typeface="Courier" charset="0"/>
+              </a:rPr>
+              <a:t>ctx</a:t>
+            </a:r>
+            <a:r>
+              <a:rPr lang="mr-IN" dirty="0">
+                <a:solidFill>
+                  <a:srgbClr val="000000"/>
+                </a:solidFill>
+                <a:latin typeface="Courier" charset="0"/>
+                <a:ea typeface="Courier" charset="0"/>
+                <a:cs typeface="Courier" charset="0"/>
+              </a:rPr>
+              <a:t> = { </a:t>
+            </a:r>
+            <a:r>
+              <a:rPr lang="mr-IN" dirty="0">
+                <a:solidFill>
+                  <a:srgbClr val="B42419"/>
+                </a:solidFill>
+                <a:latin typeface="Courier" charset="0"/>
+                <a:ea typeface="Courier" charset="0"/>
+                <a:cs typeface="Courier" charset="0"/>
+              </a:rPr>
+              <a:t>'</a:t>
+            </a:r>
+            <a:r>
+              <a:rPr lang="mr-IN" dirty="0" err="1">
+                <a:solidFill>
+                  <a:srgbClr val="B42419"/>
+                </a:solidFill>
+                <a:latin typeface="Courier" charset="0"/>
+                <a:ea typeface="Courier" charset="0"/>
+                <a:cs typeface="Courier" charset="0"/>
+              </a:rPr>
+              <a:t>form</a:t>
+            </a:r>
+            <a:r>
+              <a:rPr lang="mr-IN" dirty="0">
+                <a:solidFill>
+                  <a:srgbClr val="B42419"/>
+                </a:solidFill>
+                <a:latin typeface="Courier" charset="0"/>
+                <a:ea typeface="Courier" charset="0"/>
+                <a:cs typeface="Courier" charset="0"/>
+              </a:rPr>
+              <a:t>'</a:t>
+            </a:r>
+            <a:r>
+              <a:rPr lang="mr-IN" dirty="0">
+                <a:solidFill>
+                  <a:srgbClr val="000000"/>
+                </a:solidFill>
+                <a:latin typeface="Courier" charset="0"/>
+                <a:ea typeface="Courier" charset="0"/>
+                <a:cs typeface="Courier" charset="0"/>
+              </a:rPr>
+              <a:t>: </a:t>
+            </a:r>
+            <a:r>
+              <a:rPr lang="mr-IN" dirty="0" err="1">
+                <a:solidFill>
+                  <a:srgbClr val="000000"/>
+                </a:solidFill>
+                <a:latin typeface="Courier" charset="0"/>
+                <a:ea typeface="Courier" charset="0"/>
+                <a:cs typeface="Courier" charset="0"/>
+              </a:rPr>
+              <a:t>form</a:t>
+            </a:r>
+            <a:r>
+              <a:rPr lang="mr-IN" dirty="0">
+                <a:solidFill>
+                  <a:srgbClr val="000000"/>
+                </a:solidFill>
+                <a:latin typeface="Courier" charset="0"/>
+                <a:ea typeface="Courier" charset="0"/>
+                <a:cs typeface="Courier" charset="0"/>
+              </a:rPr>
+              <a:t> }</a:t>
+            </a:r>
+          </a:p>
+          <a:p>
+            <a:r>
+              <a:rPr lang="en-US" dirty="0">
+                <a:solidFill>
+                  <a:srgbClr val="000000"/>
+                </a:solidFill>
+                <a:latin typeface="Courier" charset="0"/>
+                <a:ea typeface="Courier" charset="0"/>
+                <a:cs typeface="Courier" charset="0"/>
+              </a:rPr>
+              <a:t>        </a:t>
+            </a:r>
+            <a:r>
+              <a:rPr lang="en-US" dirty="0">
+                <a:solidFill>
+                  <a:srgbClr val="C1651C"/>
+                </a:solidFill>
+                <a:latin typeface="Courier" charset="0"/>
+                <a:ea typeface="Courier" charset="0"/>
+                <a:cs typeface="Courier" charset="0"/>
+              </a:rPr>
+              <a:t>return</a:t>
+            </a:r>
+            <a:r>
+              <a:rPr lang="en-US" dirty="0">
+                <a:solidFill>
+                  <a:srgbClr val="000000"/>
+                </a:solidFill>
+                <a:latin typeface="Courier" charset="0"/>
+                <a:ea typeface="Courier" charset="0"/>
+                <a:cs typeface="Courier" charset="0"/>
+              </a:rPr>
+              <a:t> render(request, </a:t>
+            </a:r>
+            <a:r>
+              <a:rPr lang="en-US" dirty="0">
+                <a:solidFill>
+                  <a:srgbClr val="B42419"/>
+                </a:solidFill>
+                <a:latin typeface="Courier" charset="0"/>
+                <a:ea typeface="Courier" charset="0"/>
+                <a:cs typeface="Courier" charset="0"/>
+              </a:rPr>
+              <a:t>'form/</a:t>
+            </a:r>
+            <a:r>
+              <a:rPr lang="en-US" dirty="0" err="1">
+                <a:solidFill>
+                  <a:srgbClr val="B42419"/>
+                </a:solidFill>
+                <a:latin typeface="Courier" charset="0"/>
+                <a:ea typeface="Courier" charset="0"/>
+                <a:cs typeface="Courier" charset="0"/>
+              </a:rPr>
+              <a:t>form.html</a:t>
+            </a:r>
+            <a:r>
+              <a:rPr lang="en-US" dirty="0">
+                <a:solidFill>
+                  <a:srgbClr val="B42419"/>
+                </a:solidFill>
+                <a:latin typeface="Courier" charset="0"/>
+                <a:ea typeface="Courier" charset="0"/>
+                <a:cs typeface="Courier" charset="0"/>
+              </a:rPr>
+              <a:t>'</a:t>
+            </a:r>
+            <a:r>
+              <a:rPr lang="en-US" dirty="0">
+                <a:solidFill>
+                  <a:srgbClr val="000000"/>
+                </a:solidFill>
+                <a:latin typeface="Courier" charset="0"/>
+                <a:ea typeface="Courier" charset="0"/>
+                <a:cs typeface="Courier" charset="0"/>
+              </a:rPr>
+              <a:t>, </a:t>
+            </a:r>
+            <a:r>
+              <a:rPr lang="en-US" dirty="0" err="1">
+                <a:solidFill>
+                  <a:srgbClr val="000000"/>
+                </a:solidFill>
+                <a:latin typeface="Courier" charset="0"/>
+                <a:ea typeface="Courier" charset="0"/>
+                <a:cs typeface="Courier" charset="0"/>
+              </a:rPr>
+              <a:t>ctx</a:t>
+            </a:r>
+            <a:r>
+              <a:rPr lang="en-US" dirty="0">
+                <a:solidFill>
+                  <a:srgbClr val="000000"/>
+                </a:solidFill>
+                <a:latin typeface="Courier" charset="0"/>
+                <a:ea typeface="Courier" charset="0"/>
+                <a:cs typeface="Courier" charset="0"/>
+              </a:rPr>
+              <a:t>)</a:t>
+            </a:r>
+          </a:p>
+          <a:p>
+            <a:endParaRPr lang="en-US" dirty="0">
+              <a:solidFill>
+                <a:srgbClr val="000000"/>
+              </a:solidFill>
+              <a:latin typeface="Courier" charset="0"/>
+              <a:ea typeface="Courier" charset="0"/>
+              <a:cs typeface="Courier" charset="0"/>
+            </a:endParaRPr>
+          </a:p>
+          <a:p>
+            <a:r>
+              <a:rPr lang="en-US" dirty="0">
+                <a:solidFill>
+                  <a:srgbClr val="000000"/>
+                </a:solidFill>
+                <a:latin typeface="Courier" charset="0"/>
+                <a:ea typeface="Courier" charset="0"/>
+                <a:cs typeface="Courier" charset="0"/>
+              </a:rPr>
+              <a:t>    </a:t>
+            </a:r>
+            <a:r>
+              <a:rPr lang="en-US" dirty="0" err="1">
+                <a:solidFill>
+                  <a:srgbClr val="C1651C"/>
+                </a:solidFill>
+                <a:latin typeface="Courier" charset="0"/>
+                <a:ea typeface="Courier" charset="0"/>
+                <a:cs typeface="Courier" charset="0"/>
+              </a:rPr>
+              <a:t>def</a:t>
+            </a:r>
+            <a:r>
+              <a:rPr lang="en-US" dirty="0">
+                <a:solidFill>
+                  <a:srgbClr val="000000"/>
+                </a:solidFill>
+                <a:latin typeface="Courier" charset="0"/>
+                <a:ea typeface="Courier" charset="0"/>
+                <a:cs typeface="Courier" charset="0"/>
+              </a:rPr>
+              <a:t> </a:t>
+            </a:r>
+            <a:r>
+              <a:rPr lang="en-US" dirty="0">
+                <a:solidFill>
+                  <a:srgbClr val="2EAEBB"/>
+                </a:solidFill>
+                <a:latin typeface="Courier" charset="0"/>
+                <a:ea typeface="Courier" charset="0"/>
+                <a:cs typeface="Courier" charset="0"/>
+              </a:rPr>
+              <a:t>post</a:t>
+            </a:r>
+            <a:r>
+              <a:rPr lang="en-US" dirty="0">
+                <a:solidFill>
+                  <a:srgbClr val="000000"/>
+                </a:solidFill>
+                <a:latin typeface="Courier" charset="0"/>
+                <a:ea typeface="Courier" charset="0"/>
+                <a:cs typeface="Courier" charset="0"/>
+              </a:rPr>
+              <a:t>(self, request, </a:t>
+            </a:r>
+            <a:r>
+              <a:rPr lang="en-US" dirty="0" err="1">
+                <a:solidFill>
+                  <a:srgbClr val="000000"/>
+                </a:solidFill>
+                <a:latin typeface="Courier" charset="0"/>
+                <a:ea typeface="Courier" charset="0"/>
+                <a:cs typeface="Courier" charset="0"/>
+              </a:rPr>
+              <a:t>pk</a:t>
+            </a:r>
+            <a:r>
+              <a:rPr lang="en-US" dirty="0">
+                <a:solidFill>
+                  <a:srgbClr val="000000"/>
+                </a:solidFill>
+                <a:latin typeface="Courier" charset="0"/>
+                <a:ea typeface="Courier" charset="0"/>
+                <a:cs typeface="Courier" charset="0"/>
+              </a:rPr>
+              <a:t>) :</a:t>
+            </a:r>
+          </a:p>
+          <a:p>
+            <a:r>
+              <a:rPr lang="en-US" dirty="0">
+                <a:solidFill>
+                  <a:srgbClr val="000000"/>
+                </a:solidFill>
+                <a:latin typeface="Courier" charset="0"/>
+                <a:ea typeface="Courier" charset="0"/>
+                <a:cs typeface="Courier" charset="0"/>
+              </a:rPr>
+              <a:t>        </a:t>
+            </a:r>
+            <a:r>
+              <a:rPr lang="en-US" dirty="0" err="1">
+                <a:solidFill>
+                  <a:srgbClr val="000000"/>
+                </a:solidFill>
+                <a:latin typeface="Courier" charset="0"/>
+                <a:ea typeface="Courier" charset="0"/>
+                <a:cs typeface="Courier" charset="0"/>
+              </a:rPr>
+              <a:t>oldcat</a:t>
+            </a:r>
+            <a:r>
+              <a:rPr lang="en-US" dirty="0">
+                <a:solidFill>
+                  <a:srgbClr val="000000"/>
+                </a:solidFill>
+                <a:latin typeface="Courier" charset="0"/>
+                <a:ea typeface="Courier" charset="0"/>
+                <a:cs typeface="Courier" charset="0"/>
+              </a:rPr>
+              <a:t> = get_object_or_404(Cat, </a:t>
+            </a:r>
+            <a:r>
+              <a:rPr lang="en-US" dirty="0" err="1">
+                <a:solidFill>
+                  <a:srgbClr val="000000"/>
+                </a:solidFill>
+                <a:latin typeface="Courier" charset="0"/>
+                <a:ea typeface="Courier" charset="0"/>
+                <a:cs typeface="Courier" charset="0"/>
+              </a:rPr>
+              <a:t>pk</a:t>
+            </a:r>
+            <a:r>
+              <a:rPr lang="en-US" dirty="0">
+                <a:solidFill>
+                  <a:srgbClr val="000000"/>
+                </a:solidFill>
+                <a:latin typeface="Courier" charset="0"/>
+                <a:ea typeface="Courier" charset="0"/>
+                <a:cs typeface="Courier" charset="0"/>
+              </a:rPr>
+              <a:t>=</a:t>
+            </a:r>
+            <a:r>
+              <a:rPr lang="en-US" dirty="0" err="1">
+                <a:solidFill>
+                  <a:srgbClr val="000000"/>
+                </a:solidFill>
+                <a:latin typeface="Courier" charset="0"/>
+                <a:ea typeface="Courier" charset="0"/>
+                <a:cs typeface="Courier" charset="0"/>
+              </a:rPr>
+              <a:t>pk</a:t>
+            </a:r>
+            <a:r>
+              <a:rPr lang="en-US" dirty="0">
+                <a:solidFill>
+                  <a:srgbClr val="000000"/>
+                </a:solidFill>
+                <a:latin typeface="Courier" charset="0"/>
+                <a:ea typeface="Courier" charset="0"/>
+                <a:cs typeface="Courier" charset="0"/>
+              </a:rPr>
+              <a:t>)</a:t>
+            </a:r>
+          </a:p>
+          <a:p>
+            <a:r>
+              <a:rPr lang="en-US" dirty="0">
+                <a:solidFill>
+                  <a:srgbClr val="000000"/>
+                </a:solidFill>
+                <a:latin typeface="Courier" charset="0"/>
+                <a:ea typeface="Courier" charset="0"/>
+                <a:cs typeface="Courier" charset="0"/>
+              </a:rPr>
+              <a:t>        form = </a:t>
+            </a:r>
+            <a:r>
+              <a:rPr lang="en-US" dirty="0" err="1">
+                <a:solidFill>
+                  <a:srgbClr val="000000"/>
+                </a:solidFill>
+                <a:latin typeface="Courier" charset="0"/>
+                <a:ea typeface="Courier" charset="0"/>
+                <a:cs typeface="Courier" charset="0"/>
+              </a:rPr>
+              <a:t>CatForm</a:t>
+            </a:r>
+            <a:r>
+              <a:rPr lang="en-US" dirty="0">
+                <a:solidFill>
+                  <a:srgbClr val="000000"/>
+                </a:solidFill>
+                <a:latin typeface="Courier" charset="0"/>
+                <a:ea typeface="Courier" charset="0"/>
+                <a:cs typeface="Courier" charset="0"/>
+              </a:rPr>
+              <a:t>(</a:t>
+            </a:r>
+            <a:r>
+              <a:rPr lang="en-US" dirty="0" err="1">
+                <a:solidFill>
+                  <a:srgbClr val="000000"/>
+                </a:solidFill>
+                <a:latin typeface="Courier" charset="0"/>
+                <a:ea typeface="Courier" charset="0"/>
+                <a:cs typeface="Courier" charset="0"/>
+              </a:rPr>
+              <a:t>request.POST</a:t>
+            </a:r>
+            <a:r>
+              <a:rPr lang="en-US" dirty="0">
+                <a:solidFill>
+                  <a:srgbClr val="000000"/>
+                </a:solidFill>
+                <a:latin typeface="Courier" charset="0"/>
+                <a:ea typeface="Courier" charset="0"/>
+                <a:cs typeface="Courier" charset="0"/>
+              </a:rPr>
+              <a:t>, </a:t>
+            </a:r>
+            <a:r>
+              <a:rPr lang="en-US" dirty="0" smtClean="0">
+                <a:solidFill>
+                  <a:srgbClr val="000000"/>
+                </a:solidFill>
+                <a:latin typeface="Courier" charset="0"/>
+                <a:ea typeface="Courier" charset="0"/>
+                <a:cs typeface="Courier" charset="0"/>
+              </a:rPr>
+              <a:t>instance=</a:t>
+            </a:r>
+            <a:r>
+              <a:rPr lang="en-US" dirty="0" err="1" smtClean="0">
+                <a:solidFill>
+                  <a:srgbClr val="000000"/>
+                </a:solidFill>
+                <a:latin typeface="Courier" charset="0"/>
+                <a:ea typeface="Courier" charset="0"/>
+                <a:cs typeface="Courier" charset="0"/>
+              </a:rPr>
+              <a:t>oldcat</a:t>
+            </a:r>
+            <a:r>
+              <a:rPr lang="en-US" dirty="0">
+                <a:solidFill>
+                  <a:srgbClr val="000000"/>
+                </a:solidFill>
+                <a:latin typeface="Courier" charset="0"/>
+                <a:ea typeface="Courier" charset="0"/>
+                <a:cs typeface="Courier" charset="0"/>
+              </a:rPr>
+              <a:t>)</a:t>
+            </a:r>
+          </a:p>
+          <a:p>
+            <a:r>
+              <a:rPr lang="en-US" dirty="0">
+                <a:solidFill>
+                  <a:srgbClr val="000000"/>
+                </a:solidFill>
+                <a:latin typeface="Courier" charset="0"/>
+                <a:ea typeface="Courier" charset="0"/>
+                <a:cs typeface="Courier" charset="0"/>
+              </a:rPr>
+              <a:t>        </a:t>
+            </a:r>
+            <a:r>
+              <a:rPr lang="en-US" dirty="0">
+                <a:solidFill>
+                  <a:srgbClr val="C1651C"/>
+                </a:solidFill>
+                <a:latin typeface="Courier" charset="0"/>
+                <a:ea typeface="Courier" charset="0"/>
+                <a:cs typeface="Courier" charset="0"/>
+              </a:rPr>
+              <a:t>if</a:t>
+            </a:r>
+            <a:r>
+              <a:rPr lang="en-US" dirty="0">
+                <a:solidFill>
+                  <a:srgbClr val="000000"/>
+                </a:solidFill>
+                <a:latin typeface="Courier" charset="0"/>
+                <a:ea typeface="Courier" charset="0"/>
+                <a:cs typeface="Courier" charset="0"/>
+              </a:rPr>
+              <a:t> </a:t>
+            </a:r>
+            <a:r>
+              <a:rPr lang="en-US" dirty="0">
+                <a:solidFill>
+                  <a:srgbClr val="C1651C"/>
+                </a:solidFill>
+                <a:latin typeface="Courier" charset="0"/>
+                <a:ea typeface="Courier" charset="0"/>
+                <a:cs typeface="Courier" charset="0"/>
+              </a:rPr>
+              <a:t>not</a:t>
+            </a:r>
+            <a:r>
+              <a:rPr lang="en-US" dirty="0">
+                <a:solidFill>
+                  <a:srgbClr val="000000"/>
+                </a:solidFill>
+                <a:latin typeface="Courier" charset="0"/>
+                <a:ea typeface="Courier" charset="0"/>
+                <a:cs typeface="Courier" charset="0"/>
+              </a:rPr>
+              <a:t> </a:t>
+            </a:r>
+            <a:r>
+              <a:rPr lang="en-US" dirty="0" err="1">
+                <a:solidFill>
+                  <a:srgbClr val="000000"/>
+                </a:solidFill>
+                <a:latin typeface="Courier" charset="0"/>
+                <a:ea typeface="Courier" charset="0"/>
+                <a:cs typeface="Courier" charset="0"/>
+              </a:rPr>
+              <a:t>form.is_valid</a:t>
+            </a:r>
+            <a:r>
+              <a:rPr lang="en-US" dirty="0">
+                <a:solidFill>
+                  <a:srgbClr val="000000"/>
+                </a:solidFill>
+                <a:latin typeface="Courier" charset="0"/>
+                <a:ea typeface="Courier" charset="0"/>
+                <a:cs typeface="Courier" charset="0"/>
+              </a:rPr>
+              <a:t>() :</a:t>
+            </a:r>
+          </a:p>
+          <a:p>
+            <a:r>
+              <a:rPr lang="mr-IN" dirty="0">
+                <a:solidFill>
+                  <a:srgbClr val="000000"/>
+                </a:solidFill>
+                <a:latin typeface="Courier" charset="0"/>
+                <a:ea typeface="Courier" charset="0"/>
+                <a:cs typeface="Courier" charset="0"/>
+              </a:rPr>
+              <a:t>            </a:t>
+            </a:r>
+            <a:r>
+              <a:rPr lang="mr-IN" dirty="0" err="1">
+                <a:solidFill>
+                  <a:srgbClr val="000000"/>
+                </a:solidFill>
+                <a:latin typeface="Courier" charset="0"/>
+                <a:ea typeface="Courier" charset="0"/>
+                <a:cs typeface="Courier" charset="0"/>
+              </a:rPr>
+              <a:t>ctx</a:t>
+            </a:r>
+            <a:r>
+              <a:rPr lang="mr-IN" dirty="0">
+                <a:solidFill>
+                  <a:srgbClr val="000000"/>
+                </a:solidFill>
+                <a:latin typeface="Courier" charset="0"/>
+                <a:ea typeface="Courier" charset="0"/>
+                <a:cs typeface="Courier" charset="0"/>
+              </a:rPr>
+              <a:t> = {</a:t>
+            </a:r>
+            <a:r>
+              <a:rPr lang="mr-IN" dirty="0">
+                <a:solidFill>
+                  <a:srgbClr val="B42419"/>
+                </a:solidFill>
+                <a:latin typeface="Courier" charset="0"/>
+                <a:ea typeface="Courier" charset="0"/>
+                <a:cs typeface="Courier" charset="0"/>
+              </a:rPr>
+              <a:t>'</a:t>
+            </a:r>
+            <a:r>
+              <a:rPr lang="mr-IN" dirty="0" err="1">
+                <a:solidFill>
+                  <a:srgbClr val="B42419"/>
+                </a:solidFill>
+                <a:latin typeface="Courier" charset="0"/>
+                <a:ea typeface="Courier" charset="0"/>
+                <a:cs typeface="Courier" charset="0"/>
+              </a:rPr>
+              <a:t>form</a:t>
+            </a:r>
+            <a:r>
+              <a:rPr lang="mr-IN" dirty="0">
+                <a:solidFill>
+                  <a:srgbClr val="B42419"/>
+                </a:solidFill>
+                <a:latin typeface="Courier" charset="0"/>
+                <a:ea typeface="Courier" charset="0"/>
+                <a:cs typeface="Courier" charset="0"/>
+              </a:rPr>
+              <a:t>'</a:t>
+            </a:r>
+            <a:r>
+              <a:rPr lang="mr-IN" dirty="0">
+                <a:solidFill>
+                  <a:srgbClr val="000000"/>
+                </a:solidFill>
+                <a:latin typeface="Courier" charset="0"/>
+                <a:ea typeface="Courier" charset="0"/>
+                <a:cs typeface="Courier" charset="0"/>
+              </a:rPr>
+              <a:t> : </a:t>
+            </a:r>
+            <a:r>
+              <a:rPr lang="mr-IN" dirty="0" err="1">
+                <a:solidFill>
+                  <a:srgbClr val="000000"/>
+                </a:solidFill>
+                <a:latin typeface="Courier" charset="0"/>
+                <a:ea typeface="Courier" charset="0"/>
+                <a:cs typeface="Courier" charset="0"/>
+              </a:rPr>
+              <a:t>form</a:t>
+            </a:r>
+            <a:r>
+              <a:rPr lang="mr-IN" dirty="0">
+                <a:solidFill>
+                  <a:srgbClr val="000000"/>
+                </a:solidFill>
+                <a:latin typeface="Courier" charset="0"/>
+                <a:ea typeface="Courier" charset="0"/>
+                <a:cs typeface="Courier" charset="0"/>
+              </a:rPr>
+              <a:t>}</a:t>
+            </a:r>
+          </a:p>
+          <a:p>
+            <a:r>
+              <a:rPr lang="en-US" dirty="0">
+                <a:solidFill>
+                  <a:srgbClr val="000000"/>
+                </a:solidFill>
+                <a:latin typeface="Courier" charset="0"/>
+                <a:ea typeface="Courier" charset="0"/>
+                <a:cs typeface="Courier" charset="0"/>
+              </a:rPr>
+              <a:t>            </a:t>
+            </a:r>
+            <a:r>
+              <a:rPr lang="en-US" dirty="0">
+                <a:solidFill>
+                  <a:srgbClr val="C1651C"/>
+                </a:solidFill>
+                <a:latin typeface="Courier" charset="0"/>
+                <a:ea typeface="Courier" charset="0"/>
+                <a:cs typeface="Courier" charset="0"/>
+              </a:rPr>
+              <a:t>return</a:t>
+            </a:r>
+            <a:r>
+              <a:rPr lang="en-US" dirty="0">
+                <a:solidFill>
+                  <a:srgbClr val="000000"/>
+                </a:solidFill>
+                <a:latin typeface="Courier" charset="0"/>
+                <a:ea typeface="Courier" charset="0"/>
+                <a:cs typeface="Courier" charset="0"/>
+              </a:rPr>
+              <a:t> render(request, </a:t>
+            </a:r>
+            <a:r>
+              <a:rPr lang="en-US" dirty="0">
+                <a:solidFill>
+                  <a:srgbClr val="B42419"/>
+                </a:solidFill>
+                <a:latin typeface="Courier" charset="0"/>
+                <a:ea typeface="Courier" charset="0"/>
+                <a:cs typeface="Courier" charset="0"/>
+              </a:rPr>
+              <a:t>'form/</a:t>
+            </a:r>
+            <a:r>
+              <a:rPr lang="en-US" dirty="0" err="1">
+                <a:solidFill>
+                  <a:srgbClr val="B42419"/>
+                </a:solidFill>
+                <a:latin typeface="Courier" charset="0"/>
+                <a:ea typeface="Courier" charset="0"/>
+                <a:cs typeface="Courier" charset="0"/>
+              </a:rPr>
+              <a:t>form.html</a:t>
+            </a:r>
+            <a:r>
+              <a:rPr lang="en-US" dirty="0">
+                <a:solidFill>
+                  <a:srgbClr val="B42419"/>
+                </a:solidFill>
+                <a:latin typeface="Courier" charset="0"/>
+                <a:ea typeface="Courier" charset="0"/>
+                <a:cs typeface="Courier" charset="0"/>
+              </a:rPr>
+              <a:t>'</a:t>
+            </a:r>
+            <a:r>
+              <a:rPr lang="en-US" dirty="0">
+                <a:solidFill>
+                  <a:srgbClr val="000000"/>
+                </a:solidFill>
+                <a:latin typeface="Courier" charset="0"/>
+                <a:ea typeface="Courier" charset="0"/>
+                <a:cs typeface="Courier" charset="0"/>
+              </a:rPr>
+              <a:t>, </a:t>
+            </a:r>
+            <a:r>
+              <a:rPr lang="en-US" dirty="0" err="1">
+                <a:solidFill>
+                  <a:srgbClr val="000000"/>
+                </a:solidFill>
+                <a:latin typeface="Courier" charset="0"/>
+                <a:ea typeface="Courier" charset="0"/>
+                <a:cs typeface="Courier" charset="0"/>
+              </a:rPr>
+              <a:t>ctx</a:t>
+            </a:r>
+            <a:r>
+              <a:rPr lang="en-US" dirty="0">
+                <a:solidFill>
+                  <a:srgbClr val="000000"/>
+                </a:solidFill>
+                <a:latin typeface="Courier" charset="0"/>
+                <a:ea typeface="Courier" charset="0"/>
+                <a:cs typeface="Courier" charset="0"/>
+              </a:rPr>
+              <a:t>)</a:t>
+            </a:r>
+          </a:p>
+          <a:p>
+            <a:endParaRPr lang="en-US" dirty="0">
+              <a:solidFill>
+                <a:srgbClr val="000000"/>
+              </a:solidFill>
+              <a:latin typeface="Courier" charset="0"/>
+              <a:ea typeface="Courier" charset="0"/>
+              <a:cs typeface="Courier" charset="0"/>
+            </a:endParaRPr>
+          </a:p>
+          <a:p>
+            <a:r>
+              <a:rPr lang="mr-IN" dirty="0">
+                <a:solidFill>
+                  <a:srgbClr val="000000"/>
+                </a:solidFill>
+                <a:latin typeface="Courier" charset="0"/>
+                <a:ea typeface="Courier" charset="0"/>
+                <a:cs typeface="Courier" charset="0"/>
+              </a:rPr>
+              <a:t>        </a:t>
+            </a:r>
+            <a:r>
+              <a:rPr lang="en-US" dirty="0" err="1" smtClean="0">
+                <a:solidFill>
+                  <a:srgbClr val="000000"/>
+                </a:solidFill>
+                <a:latin typeface="Courier" charset="0"/>
+                <a:ea typeface="Courier" charset="0"/>
+                <a:cs typeface="Courier" charset="0"/>
+              </a:rPr>
+              <a:t>editcat</a:t>
+            </a:r>
+            <a:r>
+              <a:rPr lang="en-US" dirty="0" smtClean="0">
+                <a:solidFill>
+                  <a:srgbClr val="000000"/>
+                </a:solidFill>
+                <a:latin typeface="Courier" charset="0"/>
+                <a:ea typeface="Courier" charset="0"/>
+                <a:cs typeface="Courier" charset="0"/>
+              </a:rPr>
+              <a:t> </a:t>
+            </a:r>
+            <a:r>
+              <a:rPr lang="mr-IN" dirty="0" smtClean="0">
+                <a:solidFill>
+                  <a:srgbClr val="000000"/>
+                </a:solidFill>
+                <a:latin typeface="Courier" charset="0"/>
+                <a:ea typeface="Courier" charset="0"/>
+                <a:cs typeface="Courier" charset="0"/>
+              </a:rPr>
+              <a:t>= </a:t>
+            </a:r>
+            <a:r>
+              <a:rPr lang="mr-IN" dirty="0" err="1">
+                <a:solidFill>
+                  <a:srgbClr val="000000"/>
+                </a:solidFill>
+                <a:latin typeface="Courier" charset="0"/>
+                <a:ea typeface="Courier" charset="0"/>
+                <a:cs typeface="Courier" charset="0"/>
+              </a:rPr>
+              <a:t>form.save</a:t>
+            </a:r>
+            <a:r>
+              <a:rPr lang="mr-IN" dirty="0">
+                <a:solidFill>
+                  <a:srgbClr val="000000"/>
+                </a:solidFill>
+                <a:latin typeface="Courier" charset="0"/>
+                <a:ea typeface="Courier" charset="0"/>
+                <a:cs typeface="Courier" charset="0"/>
+              </a:rPr>
+              <a:t>()</a:t>
+            </a:r>
+          </a:p>
+          <a:p>
+            <a:r>
+              <a:rPr lang="mr-IN" dirty="0">
+                <a:solidFill>
+                  <a:srgbClr val="000000"/>
+                </a:solidFill>
+                <a:latin typeface="Courier" charset="0"/>
+                <a:ea typeface="Courier" charset="0"/>
+                <a:cs typeface="Courier" charset="0"/>
+              </a:rPr>
+              <a:t>        </a:t>
+            </a:r>
+            <a:r>
+              <a:rPr lang="mr-IN" dirty="0" err="1">
+                <a:solidFill>
+                  <a:srgbClr val="000000"/>
+                </a:solidFill>
+                <a:latin typeface="Courier" charset="0"/>
+                <a:ea typeface="Courier" charset="0"/>
+                <a:cs typeface="Courier" charset="0"/>
+              </a:rPr>
+              <a:t>x</a:t>
+            </a:r>
+            <a:r>
+              <a:rPr lang="mr-IN" dirty="0">
+                <a:solidFill>
+                  <a:srgbClr val="000000"/>
+                </a:solidFill>
+                <a:latin typeface="Courier" charset="0"/>
+                <a:ea typeface="Courier" charset="0"/>
+                <a:cs typeface="Courier" charset="0"/>
+              </a:rPr>
+              <a:t> = </a:t>
+            </a:r>
+            <a:r>
+              <a:rPr lang="mr-IN" dirty="0" err="1">
+                <a:solidFill>
+                  <a:srgbClr val="000000"/>
+                </a:solidFill>
+                <a:latin typeface="Courier" charset="0"/>
+                <a:ea typeface="Courier" charset="0"/>
+                <a:cs typeface="Courier" charset="0"/>
+              </a:rPr>
+              <a:t>reverse</a:t>
+            </a:r>
+            <a:r>
+              <a:rPr lang="mr-IN" dirty="0">
+                <a:solidFill>
+                  <a:srgbClr val="000000"/>
+                </a:solidFill>
+                <a:latin typeface="Courier" charset="0"/>
+                <a:ea typeface="Courier" charset="0"/>
+                <a:cs typeface="Courier" charset="0"/>
+              </a:rPr>
+              <a:t>(</a:t>
+            </a:r>
+            <a:r>
+              <a:rPr lang="mr-IN" dirty="0">
+                <a:solidFill>
+                  <a:srgbClr val="B42419"/>
+                </a:solidFill>
+                <a:latin typeface="Courier" charset="0"/>
+                <a:ea typeface="Courier" charset="0"/>
+                <a:cs typeface="Courier" charset="0"/>
+              </a:rPr>
+              <a:t>'</a:t>
+            </a:r>
+            <a:r>
+              <a:rPr lang="mr-IN" dirty="0" err="1">
+                <a:solidFill>
+                  <a:srgbClr val="B42419"/>
+                </a:solidFill>
+                <a:latin typeface="Courier" charset="0"/>
+                <a:ea typeface="Courier" charset="0"/>
+                <a:cs typeface="Courier" charset="0"/>
+              </a:rPr>
+              <a:t>form:main</a:t>
+            </a:r>
+            <a:r>
+              <a:rPr lang="mr-IN" dirty="0">
+                <a:solidFill>
+                  <a:srgbClr val="B42419"/>
+                </a:solidFill>
+                <a:latin typeface="Courier" charset="0"/>
+                <a:ea typeface="Courier" charset="0"/>
+                <a:cs typeface="Courier" charset="0"/>
+              </a:rPr>
+              <a:t>'</a:t>
+            </a:r>
+            <a:r>
+              <a:rPr lang="mr-IN" dirty="0">
+                <a:solidFill>
+                  <a:srgbClr val="000000"/>
+                </a:solidFill>
+                <a:latin typeface="Courier" charset="0"/>
+                <a:ea typeface="Courier" charset="0"/>
+                <a:cs typeface="Courier" charset="0"/>
+              </a:rPr>
+              <a:t>)</a:t>
+            </a:r>
+          </a:p>
+          <a:p>
+            <a:r>
+              <a:rPr lang="en-US" dirty="0">
+                <a:solidFill>
+                  <a:srgbClr val="000000"/>
+                </a:solidFill>
+                <a:latin typeface="Courier" charset="0"/>
+                <a:ea typeface="Courier" charset="0"/>
+                <a:cs typeface="Courier" charset="0"/>
+              </a:rPr>
+              <a:t>        </a:t>
+            </a:r>
+            <a:r>
+              <a:rPr lang="en-US" dirty="0">
+                <a:solidFill>
+                  <a:srgbClr val="C1651C"/>
+                </a:solidFill>
+                <a:latin typeface="Courier" charset="0"/>
+                <a:ea typeface="Courier" charset="0"/>
+                <a:cs typeface="Courier" charset="0"/>
+              </a:rPr>
+              <a:t>return</a:t>
+            </a:r>
+            <a:r>
+              <a:rPr lang="en-US" dirty="0">
+                <a:solidFill>
+                  <a:srgbClr val="000000"/>
+                </a:solidFill>
+                <a:latin typeface="Courier" charset="0"/>
+                <a:ea typeface="Courier" charset="0"/>
+                <a:cs typeface="Courier" charset="0"/>
+              </a:rPr>
+              <a:t> redirect(x)</a:t>
+            </a:r>
+            <a:endParaRPr lang="en-US" dirty="0">
+              <a:latin typeface="Courier" charset="0"/>
+              <a:ea typeface="Courier" charset="0"/>
+              <a:cs typeface="Courier" charset="0"/>
+            </a:endParaRPr>
+          </a:p>
+        </p:txBody>
+      </p:sp>
+      <p:sp>
+        <p:nvSpPr>
+          <p:cNvPr id="5" name="Rectangle 4"/>
+          <p:cNvSpPr/>
+          <p:nvPr/>
+        </p:nvSpPr>
+        <p:spPr>
+          <a:xfrm>
+            <a:off x="1971676" y="811417"/>
+            <a:ext cx="3768980" cy="369332"/>
+          </a:xfrm>
+          <a:prstGeom prst="rect">
+            <a:avLst/>
+          </a:prstGeom>
+        </p:spPr>
+        <p:txBody>
+          <a:bodyPr wrap="none">
+            <a:spAutoFit/>
+          </a:bodyPr>
+          <a:lstStyle/>
+          <a:p>
+            <a:r>
+              <a:rPr lang="en-US" dirty="0" smtClean="0">
+                <a:solidFill>
+                  <a:srgbClr val="FFFF00"/>
+                </a:solidFill>
+                <a:latin typeface="Courier" charset="0"/>
+                <a:ea typeface="Courier" charset="0"/>
+                <a:cs typeface="Courier" charset="0"/>
+              </a:rPr>
+              <a:t>dj4e-samples/form/</a:t>
+            </a:r>
+            <a:r>
+              <a:rPr lang="en-US" dirty="0" err="1" smtClean="0">
+                <a:solidFill>
+                  <a:srgbClr val="FFFF00"/>
+                </a:solidFill>
+                <a:latin typeface="Courier" charset="0"/>
+                <a:ea typeface="Courier" charset="0"/>
+                <a:cs typeface="Courier" charset="0"/>
+              </a:rPr>
+              <a:t>views.py</a:t>
+            </a:r>
+            <a:endParaRPr lang="en-US" dirty="0">
+              <a:solidFill>
+                <a:srgbClr val="FFFF00"/>
+              </a:solidFill>
+              <a:effectLst/>
+              <a:latin typeface="Courier" charset="0"/>
+              <a:ea typeface="Courier" charset="0"/>
+              <a:cs typeface="Courier" charset="0"/>
+            </a:endParaRPr>
+          </a:p>
+        </p:txBody>
+      </p:sp>
+    </p:spTree>
+    <p:extLst>
+      <p:ext uri="{BB962C8B-B14F-4D97-AF65-F5344CB8AC3E}">
+        <p14:creationId xmlns:p14="http://schemas.microsoft.com/office/powerpoint/2010/main" val="924848954"/>
+      </p:ext>
+    </p:extLst>
+  </p:cSld>
+  <p:clrMapOvr>
+    <a:masterClrMapping/>
+  </p:clrMapOvr>
+</p:sld>
+</file>
+
+<file path=ppt/slides/slide27.xml><?xml version="1.0" encoding="utf-8"?>
+<p:sld xmlns:a="http://schemas.openxmlformats.org/drawingml/2006/main" xmlns:r="http://schemas.openxmlformats.org/officeDocument/2006/relationships" xmlns:p="http://schemas.openxmlformats.org/presentationml/2006/main">
+  <p:cSld>
+    <p:spTree>
+      <p:nvGrpSpPr>
+        <p:cNvPr id="1" name=""/>
+        <p:cNvGrpSpPr/>
+        <p:nvPr/>
+      </p:nvGrpSpPr>
+      <p:grpSpPr>
+        <a:xfrm>
+          <a:off x="0" y="0"/>
+          <a:ext cx="0" cy="0"/>
+          <a:chOff x="0" y="0"/>
+          <a:chExt cx="0" cy="0"/>
+        </a:xfrm>
+      </p:grpSpPr>
+      <p:sp>
+        <p:nvSpPr>
+          <p:cNvPr id="27649" name="Rectangle 1"/>
+          <p:cNvSpPr>
+            <a:spLocks noGrp="1" noChangeArrowheads="1"/>
+          </p:cNvSpPr>
+          <p:nvPr>
+            <p:ph type="title"/>
+          </p:nvPr>
+        </p:nvSpPr>
+        <p:spPr/>
+        <p:txBody>
+          <a:bodyPr/>
+          <a:lstStyle/>
+          <a:p>
+            <a:pPr eaLnBrk="1" hangingPunct="1">
+              <a:defRPr/>
+            </a:pPr>
+            <a:r>
+              <a:rPr lang="en-US" altLang="x-none" dirty="0" smtClean="0">
+                <a:solidFill>
+                  <a:srgbClr val="FFFF00"/>
+                </a:solidFill>
+              </a:rPr>
+              <a:t>Summary</a:t>
+            </a:r>
+          </a:p>
+        </p:txBody>
+      </p:sp>
+      <p:sp>
+        <p:nvSpPr>
+          <p:cNvPr id="27650" name="Rectangle 2"/>
+          <p:cNvSpPr>
+            <a:spLocks noGrp="1" noChangeArrowheads="1"/>
+          </p:cNvSpPr>
+          <p:nvPr>
+            <p:ph type="body" idx="1"/>
+          </p:nvPr>
+        </p:nvSpPr>
+        <p:spPr/>
+        <p:txBody>
+          <a:bodyPr/>
+          <a:lstStyle/>
+          <a:p>
+            <a:pPr marL="385365">
+              <a:defRPr/>
+            </a:pPr>
+            <a:r>
+              <a:rPr lang="en-US" altLang="x-none" dirty="0" smtClean="0"/>
+              <a:t>Django forms</a:t>
+            </a:r>
+          </a:p>
+          <a:p>
+            <a:pPr marL="385365">
+              <a:defRPr/>
+            </a:pPr>
+            <a:r>
+              <a:rPr lang="en-US" altLang="x-none" dirty="0" smtClean="0"/>
+              <a:t>Form Validation</a:t>
+            </a:r>
+          </a:p>
+          <a:p>
+            <a:pPr marL="385365">
+              <a:defRPr/>
+            </a:pPr>
+            <a:r>
+              <a:rPr lang="en-US" altLang="x-none" smtClean="0"/>
+              <a:t>Models and Form</a:t>
+            </a:r>
+            <a:endParaRPr lang="en-US" altLang="x-none" dirty="0" smtClean="0"/>
+          </a:p>
+        </p:txBody>
+      </p:sp>
+    </p:spTree>
+    <p:extLst>
+      <p:ext uri="{BB962C8B-B14F-4D97-AF65-F5344CB8AC3E}">
+        <p14:creationId xmlns:p14="http://schemas.microsoft.com/office/powerpoint/2010/main" val="188513069"/>
+      </p:ext>
+    </p:extLst>
+  </p:cSld>
+  <p:clrMapOvr>
+    <a:masterClrMapping/>
+  </p:clrMapOvr>
+  <mc:AlternateContent xmlns:mc="http://schemas.openxmlformats.org/markup-compatibility/2006" xmlns:p14="http://schemas.microsoft.com/office/powerpoint/2010/main">
+    <mc:Choice Requires="p14">
+      <p:transition spd="slow" p14:dur="2000"/>
+    </mc:Choice>
+    <mc:Fallback xmlns="">
+      <p:transition spd="slow"/>
+    </mc:Fallback>
+  </mc:AlternateContent>
+  <p:timing>
+    <p:tnLst>
+      <p:par>
+        <p:cTn id="1" dur="indefinite" restart="never" nodeType="tmRoot"/>
+      </p:par>
+    </p:tnLst>
+  </p:timing>
+</p:sld>
+</file>
+
+<file path=ppt/slides/slide28.xml><?xml version="1.0" encoding="utf-8"?>
+<p:sld xmlns:a="http://schemas.openxmlformats.org/drawingml/2006/main" xmlns:r="http://schemas.openxmlformats.org/officeDocument/2006/relationships" xmlns:p="http://schemas.openxmlformats.org/presentationml/2006/main">
+  <p:cSld>
+    <p:spTree>
+      <p:nvGrpSpPr>
+        <p:cNvPr id="1" name=""/>
+        <p:cNvGrpSpPr/>
+        <p:nvPr/>
+      </p:nvGrpSpPr>
+      <p:grpSpPr>
+        <a:xfrm>
+          <a:off x="0" y="0"/>
+          <a:ext cx="0" cy="0"/>
+          <a:chOff x="0" y="0"/>
+          <a:chExt cx="0" cy="0"/>
+        </a:xfrm>
+      </p:grpSpPr>
+      <p:sp>
+        <p:nvSpPr>
+          <p:cNvPr id="4" name="Title 3"/>
+          <p:cNvSpPr>
+            <a:spLocks noGrp="1"/>
+          </p:cNvSpPr>
+          <p:nvPr>
+            <p:ph type="title"/>
+          </p:nvPr>
+        </p:nvSpPr>
+        <p:spPr/>
+        <p:txBody>
+          <a:bodyPr/>
+          <a:lstStyle/>
+          <a:p>
+            <a:r>
               <a:rPr lang="en-US" dirty="0"/>
               <a:t>Acknowledgements / Contributions</a:t>
             </a:r>
@@ -19000,7 +23700,7 @@
 </p:sld>
 </file>
 
-<file path=ppt/slides/slide24.xml><?xml version="1.0" encoding="utf-8"?>
+<file path=ppt/slides/slide29.xml><?xml version="1.0" encoding="utf-8"?>
 <p:sld xmlns:a="http://schemas.openxmlformats.org/drawingml/2006/main" xmlns:r="http://schemas.openxmlformats.org/officeDocument/2006/relationships" xmlns:p="http://schemas.openxmlformats.org/presentationml/2006/main">
   <p:cSld>
     <p:spTree>

--- a/lectures/DJ-11-Forms-Django.pptx
+++ b/lectures/DJ-11-Forms-Django.pptx
@@ -225,7 +225,7 @@
           <a:p>
             <a:fld id="{C97B56FC-7D2E-F343-9D09-0D14B00AA564}" type="datetimeFigureOut">
               <a:rPr lang="en-US" smtClean="0"/>
-              <a:t>2/15/20</a:t>
+              <a:t>9/16/22</a:t>
             </a:fld>
             <a:endParaRPr lang="en-US"/>
           </a:p>
@@ -289,38 +289,37 @@
           <a:p>
             <a:pPr lvl="0"/>
             <a:r>
-              <a:rPr lang="en-US" smtClean="0"/>
+              <a:rPr lang="en-US"/>
               <a:t>Click to edit Master text styles</a:t>
             </a:r>
           </a:p>
           <a:p>
             <a:pPr lvl="1"/>
             <a:r>
-              <a:rPr lang="en-US" smtClean="0"/>
+              <a:rPr lang="en-US"/>
               <a:t>Second level</a:t>
             </a:r>
           </a:p>
           <a:p>
             <a:pPr lvl="2"/>
             <a:r>
-              <a:rPr lang="en-US" smtClean="0"/>
+              <a:rPr lang="en-US"/>
               <a:t>Third level</a:t>
             </a:r>
           </a:p>
           <a:p>
             <a:pPr lvl="3"/>
             <a:r>
-              <a:rPr lang="en-US" smtClean="0"/>
+              <a:rPr lang="en-US"/>
               <a:t>Fourth level</a:t>
             </a:r>
           </a:p>
           <a:p>
             <a:pPr lvl="4"/>
             <a:r>
-              <a:rPr lang="en-US" smtClean="0"/>
+              <a:rPr lang="en-US"/>
               <a:t>Fifth level</a:t>
             </a:r>
-            <a:endParaRPr lang="en-US"/>
           </a:p>
         </p:txBody>
       </p:sp>
@@ -535,10 +534,9 @@
           </a:lstStyle>
           <a:p>
             <a:r>
-              <a:rPr lang="en-US" dirty="0" smtClean="0"/>
+              <a:rPr lang="en-US" dirty="0"/>
               <a:t>Click to edit Master title style</a:t>
             </a:r>
-            <a:endParaRPr lang="en-US" dirty="0"/>
           </a:p>
         </p:txBody>
       </p:sp>
@@ -600,7 +598,7 @@
           </a:lstStyle>
           <a:p>
             <a:r>
-              <a:rPr lang="en-US" smtClean="0"/>
+              <a:rPr lang="en-US"/>
               <a:t>Click to edit Master subtitle style</a:t>
             </a:r>
             <a:endParaRPr lang="en-US" dirty="0"/>
@@ -624,7 +622,7 @@
           <a:p>
             <a:fld id="{EEE7C04C-7AF8-1445-A186-502B631B934F}" type="datetimeFigureOut">
               <a:rPr lang="en-US" smtClean="0"/>
-              <a:t>2/15/20</a:t>
+              <a:t>9/16/22</a:t>
             </a:fld>
             <a:endParaRPr lang="en-US"/>
           </a:p>
@@ -713,7 +711,7 @@
           <a:lstStyle/>
           <a:p>
             <a:r>
-              <a:rPr lang="en-US" smtClean="0"/>
+              <a:rPr lang="en-US"/>
               <a:t>Click to edit Master title style</a:t>
             </a:r>
             <a:endParaRPr lang="en-US" dirty="0"/>
@@ -737,35 +735,35 @@
           <a:p>
             <a:pPr lvl="0"/>
             <a:r>
-              <a:rPr lang="en-US" smtClean="0"/>
+              <a:rPr lang="en-US"/>
               <a:t>Click to edit Master text styles</a:t>
             </a:r>
           </a:p>
           <a:p>
             <a:pPr lvl="1"/>
             <a:r>
-              <a:rPr lang="en-US" smtClean="0"/>
+              <a:rPr lang="en-US"/>
               <a:t>Second level</a:t>
             </a:r>
           </a:p>
           <a:p>
             <a:pPr lvl="2"/>
             <a:r>
-              <a:rPr lang="en-US" smtClean="0"/>
+              <a:rPr lang="en-US"/>
               <a:t>Third level</a:t>
             </a:r>
           </a:p>
           <a:p>
             <a:pPr lvl="3"/>
             <a:r>
-              <a:rPr lang="en-US" smtClean="0"/>
+              <a:rPr lang="en-US"/>
               <a:t>Fourth level</a:t>
             </a:r>
           </a:p>
           <a:p>
             <a:pPr lvl="4"/>
             <a:r>
-              <a:rPr lang="en-US" smtClean="0"/>
+              <a:rPr lang="en-US"/>
               <a:t>Fifth level</a:t>
             </a:r>
             <a:endParaRPr lang="en-US" dirty="0"/>
@@ -789,7 +787,7 @@
           <a:p>
             <a:fld id="{EEE7C04C-7AF8-1445-A186-502B631B934F}" type="datetimeFigureOut">
               <a:rPr lang="en-US" smtClean="0"/>
-              <a:t>2/15/20</a:t>
+              <a:t>9/16/22</a:t>
             </a:fld>
             <a:endParaRPr lang="en-US"/>
           </a:p>
@@ -883,7 +881,7 @@
           <a:lstStyle/>
           <a:p>
             <a:r>
-              <a:rPr lang="en-US" smtClean="0"/>
+              <a:rPr lang="en-US"/>
               <a:t>Click to edit Master title style</a:t>
             </a:r>
             <a:endParaRPr lang="en-US" dirty="0"/>
@@ -912,35 +910,35 @@
           <a:p>
             <a:pPr lvl="0"/>
             <a:r>
-              <a:rPr lang="en-US" smtClean="0"/>
+              <a:rPr lang="en-US"/>
               <a:t>Click to edit Master text styles</a:t>
             </a:r>
           </a:p>
           <a:p>
             <a:pPr lvl="1"/>
             <a:r>
-              <a:rPr lang="en-US" smtClean="0"/>
+              <a:rPr lang="en-US"/>
               <a:t>Second level</a:t>
             </a:r>
           </a:p>
           <a:p>
             <a:pPr lvl="2"/>
             <a:r>
-              <a:rPr lang="en-US" smtClean="0"/>
+              <a:rPr lang="en-US"/>
               <a:t>Third level</a:t>
             </a:r>
           </a:p>
           <a:p>
             <a:pPr lvl="3"/>
             <a:r>
-              <a:rPr lang="en-US" smtClean="0"/>
+              <a:rPr lang="en-US"/>
               <a:t>Fourth level</a:t>
             </a:r>
           </a:p>
           <a:p>
             <a:pPr lvl="4"/>
             <a:r>
-              <a:rPr lang="en-US" smtClean="0"/>
+              <a:rPr lang="en-US"/>
               <a:t>Fifth level</a:t>
             </a:r>
             <a:endParaRPr lang="en-US" dirty="0"/>
@@ -964,7 +962,7 @@
           <a:p>
             <a:fld id="{EEE7C04C-7AF8-1445-A186-502B631B934F}" type="datetimeFigureOut">
               <a:rPr lang="en-US" smtClean="0"/>
-              <a:t>2/15/20</a:t>
+              <a:t>9/16/22</a:t>
             </a:fld>
             <a:endParaRPr lang="en-US"/>
           </a:p>
@@ -1053,7 +1051,7 @@
           <a:lstStyle/>
           <a:p>
             <a:r>
-              <a:rPr lang="en-US" smtClean="0"/>
+              <a:rPr lang="en-US"/>
               <a:t>Click to edit Master title style</a:t>
             </a:r>
             <a:endParaRPr lang="en-US" dirty="0"/>
@@ -1077,35 +1075,35 @@
           <a:p>
             <a:pPr lvl="0"/>
             <a:r>
-              <a:rPr lang="en-US" smtClean="0"/>
+              <a:rPr lang="en-US"/>
               <a:t>Click to edit Master text styles</a:t>
             </a:r>
           </a:p>
           <a:p>
             <a:pPr lvl="1"/>
             <a:r>
-              <a:rPr lang="en-US" smtClean="0"/>
+              <a:rPr lang="en-US"/>
               <a:t>Second level</a:t>
             </a:r>
           </a:p>
           <a:p>
             <a:pPr lvl="2"/>
             <a:r>
-              <a:rPr lang="en-US" smtClean="0"/>
+              <a:rPr lang="en-US"/>
               <a:t>Third level</a:t>
             </a:r>
           </a:p>
           <a:p>
             <a:pPr lvl="3"/>
             <a:r>
-              <a:rPr lang="en-US" smtClean="0"/>
+              <a:rPr lang="en-US"/>
               <a:t>Fourth level</a:t>
             </a:r>
           </a:p>
           <a:p>
             <a:pPr lvl="4"/>
             <a:r>
-              <a:rPr lang="en-US" smtClean="0"/>
+              <a:rPr lang="en-US"/>
               <a:t>Fifth level</a:t>
             </a:r>
             <a:endParaRPr lang="en-US" dirty="0"/>
@@ -1129,7 +1127,7 @@
           <a:p>
             <a:fld id="{EEE7C04C-7AF8-1445-A186-502B631B934F}" type="datetimeFigureOut">
               <a:rPr lang="en-US" smtClean="0"/>
-              <a:t>2/15/20</a:t>
+              <a:t>9/16/22</a:t>
             </a:fld>
             <a:endParaRPr lang="en-US"/>
           </a:p>
@@ -1227,7 +1225,7 @@
           </a:lstStyle>
           <a:p>
             <a:r>
-              <a:rPr lang="en-US" smtClean="0"/>
+              <a:rPr lang="en-US"/>
               <a:t>Click to edit Master title style</a:t>
             </a:r>
             <a:endParaRPr lang="en-US" dirty="0"/>
@@ -1347,7 +1345,7 @@
           <a:p>
             <a:pPr lvl="0"/>
             <a:r>
-              <a:rPr lang="en-US" smtClean="0"/>
+              <a:rPr lang="en-US"/>
               <a:t>Click to edit Master text styles</a:t>
             </a:r>
           </a:p>
@@ -1370,7 +1368,7 @@
           <a:p>
             <a:fld id="{EEE7C04C-7AF8-1445-A186-502B631B934F}" type="datetimeFigureOut">
               <a:rPr lang="en-US" smtClean="0"/>
-              <a:t>2/15/20</a:t>
+              <a:t>9/16/22</a:t>
             </a:fld>
             <a:endParaRPr lang="en-US"/>
           </a:p>
@@ -1459,7 +1457,7 @@
           <a:lstStyle/>
           <a:p>
             <a:r>
-              <a:rPr lang="en-US" smtClean="0"/>
+              <a:rPr lang="en-US"/>
               <a:t>Click to edit Master title style</a:t>
             </a:r>
             <a:endParaRPr lang="en-US" dirty="0"/>
@@ -1488,35 +1486,35 @@
           <a:p>
             <a:pPr lvl="0"/>
             <a:r>
-              <a:rPr lang="en-US" smtClean="0"/>
+              <a:rPr lang="en-US"/>
               <a:t>Click to edit Master text styles</a:t>
             </a:r>
           </a:p>
           <a:p>
             <a:pPr lvl="1"/>
             <a:r>
-              <a:rPr lang="en-US" smtClean="0"/>
+              <a:rPr lang="en-US"/>
               <a:t>Second level</a:t>
             </a:r>
           </a:p>
           <a:p>
             <a:pPr lvl="2"/>
             <a:r>
-              <a:rPr lang="en-US" smtClean="0"/>
+              <a:rPr lang="en-US"/>
               <a:t>Third level</a:t>
             </a:r>
           </a:p>
           <a:p>
             <a:pPr lvl="3"/>
             <a:r>
-              <a:rPr lang="en-US" smtClean="0"/>
+              <a:rPr lang="en-US"/>
               <a:t>Fourth level</a:t>
             </a:r>
           </a:p>
           <a:p>
             <a:pPr lvl="4"/>
             <a:r>
-              <a:rPr lang="en-US" smtClean="0"/>
+              <a:rPr lang="en-US"/>
               <a:t>Fifth level</a:t>
             </a:r>
             <a:endParaRPr lang="en-US" dirty="0"/>
@@ -1545,35 +1543,35 @@
           <a:p>
             <a:pPr lvl="0"/>
             <a:r>
-              <a:rPr lang="en-US" smtClean="0"/>
+              <a:rPr lang="en-US"/>
               <a:t>Click to edit Master text styles</a:t>
             </a:r>
           </a:p>
           <a:p>
             <a:pPr lvl="1"/>
             <a:r>
-              <a:rPr lang="en-US" smtClean="0"/>
+              <a:rPr lang="en-US"/>
               <a:t>Second level</a:t>
             </a:r>
           </a:p>
           <a:p>
             <a:pPr lvl="2"/>
             <a:r>
-              <a:rPr lang="en-US" smtClean="0"/>
+              <a:rPr lang="en-US"/>
               <a:t>Third level</a:t>
             </a:r>
           </a:p>
           <a:p>
             <a:pPr lvl="3"/>
             <a:r>
-              <a:rPr lang="en-US" smtClean="0"/>
+              <a:rPr lang="en-US"/>
               <a:t>Fourth level</a:t>
             </a:r>
           </a:p>
           <a:p>
             <a:pPr lvl="4"/>
             <a:r>
-              <a:rPr lang="en-US" smtClean="0"/>
+              <a:rPr lang="en-US"/>
               <a:t>Fifth level</a:t>
             </a:r>
             <a:endParaRPr lang="en-US" dirty="0"/>
@@ -1597,7 +1595,7 @@
           <a:p>
             <a:fld id="{EEE7C04C-7AF8-1445-A186-502B631B934F}" type="datetimeFigureOut">
               <a:rPr lang="en-US" smtClean="0"/>
-              <a:t>2/15/20</a:t>
+              <a:t>9/16/22</a:t>
             </a:fld>
             <a:endParaRPr lang="en-US"/>
           </a:p>
@@ -1691,7 +1689,7 @@
           <a:lstStyle/>
           <a:p>
             <a:r>
-              <a:rPr lang="en-US" smtClean="0"/>
+              <a:rPr lang="en-US"/>
               <a:t>Click to edit Master title style</a:t>
             </a:r>
             <a:endParaRPr lang="en-US" dirty="0"/>
@@ -1757,7 +1755,7 @@
           <a:p>
             <a:pPr lvl="0"/>
             <a:r>
-              <a:rPr lang="en-US" smtClean="0"/>
+              <a:rPr lang="en-US"/>
               <a:t>Click to edit Master text styles</a:t>
             </a:r>
           </a:p>
@@ -1785,35 +1783,35 @@
           <a:p>
             <a:pPr lvl="0"/>
             <a:r>
-              <a:rPr lang="en-US" smtClean="0"/>
+              <a:rPr lang="en-US"/>
               <a:t>Click to edit Master text styles</a:t>
             </a:r>
           </a:p>
           <a:p>
             <a:pPr lvl="1"/>
             <a:r>
-              <a:rPr lang="en-US" smtClean="0"/>
+              <a:rPr lang="en-US"/>
               <a:t>Second level</a:t>
             </a:r>
           </a:p>
           <a:p>
             <a:pPr lvl="2"/>
             <a:r>
-              <a:rPr lang="en-US" smtClean="0"/>
+              <a:rPr lang="en-US"/>
               <a:t>Third level</a:t>
             </a:r>
           </a:p>
           <a:p>
             <a:pPr lvl="3"/>
             <a:r>
-              <a:rPr lang="en-US" smtClean="0"/>
+              <a:rPr lang="en-US"/>
               <a:t>Fourth level</a:t>
             </a:r>
           </a:p>
           <a:p>
             <a:pPr lvl="4"/>
             <a:r>
-              <a:rPr lang="en-US" smtClean="0"/>
+              <a:rPr lang="en-US"/>
               <a:t>Fifth level</a:t>
             </a:r>
             <a:endParaRPr lang="en-US" dirty="0"/>
@@ -1879,7 +1877,7 @@
           <a:p>
             <a:pPr lvl="0"/>
             <a:r>
-              <a:rPr lang="en-US" smtClean="0"/>
+              <a:rPr lang="en-US"/>
               <a:t>Click to edit Master text styles</a:t>
             </a:r>
           </a:p>
@@ -1907,35 +1905,35 @@
           <a:p>
             <a:pPr lvl="0"/>
             <a:r>
-              <a:rPr lang="en-US" smtClean="0"/>
+              <a:rPr lang="en-US"/>
               <a:t>Click to edit Master text styles</a:t>
             </a:r>
           </a:p>
           <a:p>
             <a:pPr lvl="1"/>
             <a:r>
-              <a:rPr lang="en-US" smtClean="0"/>
+              <a:rPr lang="en-US"/>
               <a:t>Second level</a:t>
             </a:r>
           </a:p>
           <a:p>
             <a:pPr lvl="2"/>
             <a:r>
-              <a:rPr lang="en-US" smtClean="0"/>
+              <a:rPr lang="en-US"/>
               <a:t>Third level</a:t>
             </a:r>
           </a:p>
           <a:p>
             <a:pPr lvl="3"/>
             <a:r>
-              <a:rPr lang="en-US" smtClean="0"/>
+              <a:rPr lang="en-US"/>
               <a:t>Fourth level</a:t>
             </a:r>
           </a:p>
           <a:p>
             <a:pPr lvl="4"/>
             <a:r>
-              <a:rPr lang="en-US" smtClean="0"/>
+              <a:rPr lang="en-US"/>
               <a:t>Fifth level</a:t>
             </a:r>
             <a:endParaRPr lang="en-US" dirty="0"/>
@@ -1959,7 +1957,7 @@
           <a:p>
             <a:fld id="{EEE7C04C-7AF8-1445-A186-502B631B934F}" type="datetimeFigureOut">
               <a:rPr lang="en-US" smtClean="0"/>
-              <a:t>2/15/20</a:t>
+              <a:t>9/16/22</a:t>
             </a:fld>
             <a:endParaRPr lang="en-US"/>
           </a:p>
@@ -2048,7 +2046,7 @@
           <a:lstStyle/>
           <a:p>
             <a:r>
-              <a:rPr lang="en-US" smtClean="0"/>
+              <a:rPr lang="en-US"/>
               <a:t>Click to edit Master title style</a:t>
             </a:r>
             <a:endParaRPr lang="en-US" dirty="0"/>
@@ -2072,7 +2070,7 @@
           <a:p>
             <a:fld id="{EEE7C04C-7AF8-1445-A186-502B631B934F}" type="datetimeFigureOut">
               <a:rPr lang="en-US" smtClean="0"/>
-              <a:t>2/15/20</a:t>
+              <a:t>9/16/22</a:t>
             </a:fld>
             <a:endParaRPr lang="en-US"/>
           </a:p>
@@ -2162,7 +2160,7 @@
           <a:p>
             <a:fld id="{EEE7C04C-7AF8-1445-A186-502B631B934F}" type="datetimeFigureOut">
               <a:rPr lang="en-US" smtClean="0"/>
-              <a:t>2/15/20</a:t>
+              <a:t>9/16/22</a:t>
             </a:fld>
             <a:endParaRPr lang="en-US"/>
           </a:p>
@@ -2260,7 +2258,7 @@
           </a:lstStyle>
           <a:p>
             <a:r>
-              <a:rPr lang="en-US" smtClean="0"/>
+              <a:rPr lang="en-US"/>
               <a:t>Click to edit Master title style</a:t>
             </a:r>
             <a:endParaRPr lang="en-US" dirty="0"/>
@@ -2317,35 +2315,35 @@
           <a:p>
             <a:pPr lvl="0"/>
             <a:r>
-              <a:rPr lang="en-US" smtClean="0"/>
+              <a:rPr lang="en-US"/>
               <a:t>Click to edit Master text styles</a:t>
             </a:r>
           </a:p>
           <a:p>
             <a:pPr lvl="1"/>
             <a:r>
-              <a:rPr lang="en-US" smtClean="0"/>
+              <a:rPr lang="en-US"/>
               <a:t>Second level</a:t>
             </a:r>
           </a:p>
           <a:p>
             <a:pPr lvl="2"/>
             <a:r>
-              <a:rPr lang="en-US" smtClean="0"/>
+              <a:rPr lang="en-US"/>
               <a:t>Third level</a:t>
             </a:r>
           </a:p>
           <a:p>
             <a:pPr lvl="3"/>
             <a:r>
-              <a:rPr lang="en-US" smtClean="0"/>
+              <a:rPr lang="en-US"/>
               <a:t>Fourth level</a:t>
             </a:r>
           </a:p>
           <a:p>
             <a:pPr lvl="4"/>
             <a:r>
-              <a:rPr lang="en-US" smtClean="0"/>
+              <a:rPr lang="en-US"/>
               <a:t>Fifth level</a:t>
             </a:r>
             <a:endParaRPr lang="en-US" dirty="0"/>
@@ -2411,7 +2409,7 @@
           <a:p>
             <a:pPr lvl="0"/>
             <a:r>
-              <a:rPr lang="en-US" smtClean="0"/>
+              <a:rPr lang="en-US"/>
               <a:t>Click to edit Master text styles</a:t>
             </a:r>
           </a:p>
@@ -2434,7 +2432,7 @@
           <a:p>
             <a:fld id="{EEE7C04C-7AF8-1445-A186-502B631B934F}" type="datetimeFigureOut">
               <a:rPr lang="en-US" smtClean="0"/>
-              <a:t>2/15/20</a:t>
+              <a:t>9/16/22</a:t>
             </a:fld>
             <a:endParaRPr lang="en-US"/>
           </a:p>
@@ -2532,7 +2530,7 @@
           </a:lstStyle>
           <a:p>
             <a:r>
-              <a:rPr lang="en-US" smtClean="0"/>
+              <a:rPr lang="en-US"/>
               <a:t>Click to edit Master title style</a:t>
             </a:r>
             <a:endParaRPr lang="en-US" dirty="0"/>
@@ -2597,7 +2595,7 @@
           </a:lstStyle>
           <a:p>
             <a:r>
-              <a:rPr lang="en-US" smtClean="0"/>
+              <a:rPr lang="en-US"/>
               <a:t>Drag picture to placeholder or click icon to add</a:t>
             </a:r>
             <a:endParaRPr lang="en-US" dirty="0"/>
@@ -2663,7 +2661,7 @@
           <a:p>
             <a:pPr lvl="0"/>
             <a:r>
-              <a:rPr lang="en-US" smtClean="0"/>
+              <a:rPr lang="en-US"/>
               <a:t>Click to edit Master text styles</a:t>
             </a:r>
           </a:p>
@@ -2686,7 +2684,7 @@
           <a:p>
             <a:fld id="{EEE7C04C-7AF8-1445-A186-502B631B934F}" type="datetimeFigureOut">
               <a:rPr lang="en-US" smtClean="0"/>
-              <a:t>2/15/20</a:t>
+              <a:t>9/16/22</a:t>
             </a:fld>
             <a:endParaRPr lang="en-US"/>
           </a:p>
@@ -2790,10 +2788,9 @@
           <a:lstStyle/>
           <a:p>
             <a:r>
-              <a:rPr lang="en-US" dirty="0" smtClean="0"/>
+              <a:rPr lang="en-US" dirty="0"/>
               <a:t>Click to edit Master title style</a:t>
             </a:r>
-            <a:endParaRPr lang="en-US" dirty="0"/>
           </a:p>
         </p:txBody>
       </p:sp>
@@ -2824,35 +2821,35 @@
           <a:p>
             <a:pPr lvl="0"/>
             <a:r>
-              <a:rPr lang="en-US" smtClean="0"/>
+              <a:rPr lang="en-US"/>
               <a:t>Click to edit Master text styles</a:t>
             </a:r>
           </a:p>
           <a:p>
             <a:pPr lvl="1"/>
             <a:r>
-              <a:rPr lang="en-US" smtClean="0"/>
+              <a:rPr lang="en-US"/>
               <a:t>Second level</a:t>
             </a:r>
           </a:p>
           <a:p>
             <a:pPr lvl="2"/>
             <a:r>
-              <a:rPr lang="en-US" smtClean="0"/>
+              <a:rPr lang="en-US"/>
               <a:t>Third level</a:t>
             </a:r>
           </a:p>
           <a:p>
             <a:pPr lvl="3"/>
             <a:r>
-              <a:rPr lang="en-US" smtClean="0"/>
+              <a:rPr lang="en-US"/>
               <a:t>Fourth level</a:t>
             </a:r>
           </a:p>
           <a:p>
             <a:pPr lvl="4"/>
             <a:r>
-              <a:rPr lang="en-US" smtClean="0"/>
+              <a:rPr lang="en-US"/>
               <a:t>Fifth level</a:t>
             </a:r>
             <a:endParaRPr lang="en-US" dirty="0"/>
@@ -2894,7 +2891,7 @@
           <a:p>
             <a:fld id="{EEE7C04C-7AF8-1445-A186-502B631B934F}" type="datetimeFigureOut">
               <a:rPr lang="en-US" smtClean="0"/>
-              <a:t>2/15/20</a:t>
+              <a:t>9/16/22</a:t>
             </a:fld>
             <a:endParaRPr lang="en-US"/>
           </a:p>
@@ -3312,10 +3309,10 @@
           <p:cNvPr id="10" name="Rectangle 9">
             <a:extLst>
               <a:ext uri="{FF2B5EF4-FFF2-40B4-BE49-F238E27FC236}">
-                <a16:creationId xmlns:a16="http://schemas.microsoft.com/office/drawing/2014/main" xmlns="" id="{E20EB187-900F-4AF5-813B-101456D9FD39}"/>
+                <a16:creationId xmlns:a16="http://schemas.microsoft.com/office/drawing/2014/main" id="{E20EB187-900F-4AF5-813B-101456D9FD39}"/>
               </a:ext>
               <a:ext uri="{C183D7F6-B498-43B3-948B-1728B52AA6E4}">
-                <adec:decorative xmlns:adec="http://schemas.microsoft.com/office/drawing/2017/decorative" xmlns="" val="1"/>
+                <adec:decorative xmlns:adec="http://schemas.microsoft.com/office/drawing/2017/decorative" val="1"/>
               </a:ext>
             </a:extLst>
           </p:cNvPr>
@@ -3458,10 +3455,10 @@
           <p:cNvPr id="12" name="Straight Connector 11">
             <a:extLst>
               <a:ext uri="{FF2B5EF4-FFF2-40B4-BE49-F238E27FC236}">
-                <a16:creationId xmlns:a16="http://schemas.microsoft.com/office/drawing/2014/main" xmlns="" id="{624D17C8-E9C2-48A4-AA36-D7048A6CCC41}"/>
+                <a16:creationId xmlns:a16="http://schemas.microsoft.com/office/drawing/2014/main" id="{624D17C8-E9C2-48A4-AA36-D7048A6CCC41}"/>
               </a:ext>
               <a:ext uri="{C183D7F6-B498-43B3-948B-1728B52AA6E4}">
-                <adec:decorative xmlns:adec="http://schemas.microsoft.com/office/drawing/2017/decorative" xmlns="" val="1"/>
+                <adec:decorative xmlns:adec="http://schemas.microsoft.com/office/drawing/2017/decorative" val="1"/>
               </a:ext>
             </a:extLst>
           </p:cNvPr>
@@ -3605,15 +3602,7 @@
             </a:r>
             <a:r>
               <a:rPr lang="en-US" dirty="0"/>
-              <a:t>/</a:t>
-            </a:r>
-            <a:r>
-              <a:rPr lang="hr-HR" dirty="0"/>
-              <a:t>3.0</a:t>
-            </a:r>
-            <a:r>
-              <a:rPr lang="en-US" dirty="0"/>
-              <a:t>/topics/forms/</a:t>
+              <a:t>/4.0/topics/forms/</a:t>
             </a:r>
           </a:p>
           <a:p>
@@ -3642,13 +3631,6 @@
   <p:clrMapOvr>
     <a:masterClrMapping/>
   </p:clrMapOvr>
-  <p:timing>
-    <p:tnLst>
-      <p:par>
-        <p:cTn id="1" dur="indefinite" restart="never" nodeType="tmRoot"/>
-      </p:par>
-    </p:tnLst>
-  </p:timing>
 </p:sld>
 </file>
 
@@ -3690,10 +3672,9 @@
           <a:lstStyle/>
           <a:p>
             <a:r>
-              <a:rPr lang="en-US" smtClean="0"/>
+              <a:rPr lang="en-US"/>
               <a:t>A simple form</a:t>
             </a:r>
-            <a:endParaRPr lang="en-US"/>
           </a:p>
         </p:txBody>
       </p:sp>
@@ -4251,7 +4232,7 @@
           <a:lstStyle/>
           <a:p>
             <a:r>
-              <a:rPr lang="en-US" dirty="0" smtClean="0">
+              <a:rPr lang="en-US" dirty="0">
                 <a:solidFill>
                   <a:srgbClr val="FFFF00"/>
                 </a:solidFill>
@@ -4260,7 +4241,7 @@
               <a:t>dj4e-samples/form/</a:t>
             </a:r>
             <a:r>
-              <a:rPr lang="en-US" dirty="0" err="1" smtClean="0">
+              <a:rPr lang="en-US" dirty="0" err="1">
                 <a:solidFill>
                   <a:srgbClr val="FFFF00"/>
                 </a:solidFill>
@@ -4338,27 +4319,8 @@
                 <a:ea typeface="Courier" charset="0"/>
                 <a:cs typeface="Courier" charset="0"/>
               </a:rPr>
-              <a:t>https://</a:t>
-            </a:r>
-            <a:r>
-              <a:rPr lang="en-US" dirty="0" smtClean="0">
-                <a:solidFill>
-                  <a:srgbClr val="FFFF00"/>
-                </a:solidFill>
-                <a:latin typeface="Courier" charset="0"/>
-                <a:ea typeface="Courier" charset="0"/>
-                <a:cs typeface="Courier" charset="0"/>
-              </a:rPr>
-              <a:t>samples.dj4e.com/form/create</a:t>
-            </a:r>
-            <a:endParaRPr lang="en-US" dirty="0">
-              <a:solidFill>
-                <a:srgbClr val="FFFF00"/>
-              </a:solidFill>
-              <a:latin typeface="Courier" charset="0"/>
-              <a:ea typeface="Courier" charset="0"/>
-              <a:cs typeface="Courier" charset="0"/>
-            </a:endParaRPr>
+              <a:t>https://samples.dj4e.com/form/create</a:t>
+            </a:r>
           </a:p>
         </p:txBody>
       </p:sp>
@@ -4372,13 +4334,6 @@
   <p:clrMapOvr>
     <a:masterClrMapping/>
   </p:clrMapOvr>
-  <p:timing>
-    <p:tnLst>
-      <p:par>
-        <p:cTn id="1" dur="indefinite" restart="never" nodeType="tmRoot"/>
-      </p:par>
-    </p:tnLst>
-  </p:timing>
 </p:sld>
 </file>
 
@@ -4415,10 +4370,9 @@
           <a:lstStyle/>
           <a:p>
             <a:r>
-              <a:rPr lang="en-US" dirty="0" smtClean="0"/>
+              <a:rPr lang="en-US" dirty="0"/>
               <a:t>Dumping a form object</a:t>
             </a:r>
-            <a:endParaRPr lang="en-US" dirty="0"/>
           </a:p>
         </p:txBody>
       </p:sp>
@@ -4734,7 +4688,7 @@
           <a:lstStyle/>
           <a:p>
             <a:r>
-              <a:rPr lang="en-US" sz="1600" dirty="0" smtClean="0">
+              <a:rPr lang="en-US" sz="1600" dirty="0">
                 <a:solidFill>
                   <a:srgbClr val="C1651C"/>
                 </a:solidFill>
@@ -4745,7 +4699,7 @@
               <a:t>class</a:t>
             </a:r>
             <a:r>
-              <a:rPr lang="en-US" sz="1600" dirty="0" smtClean="0">
+              <a:rPr lang="en-US" sz="1600" dirty="0">
                 <a:solidFill>
                   <a:srgbClr val="000000"/>
                 </a:solidFill>
@@ -4848,7 +4802,7 @@
               <a:t>      </a:t>
             </a:r>
             <a:r>
-              <a:rPr lang="en-US" sz="1600" dirty="0" err="1" smtClean="0">
+              <a:rPr lang="en-US" sz="1600" dirty="0" err="1">
                 <a:solidFill>
                   <a:srgbClr val="000000"/>
                 </a:solidFill>
@@ -4859,7 +4813,7 @@
               <a:t>validators.MinLengthValidator</a:t>
             </a:r>
             <a:r>
-              <a:rPr lang="en-US" sz="1600" dirty="0" smtClean="0">
+              <a:rPr lang="en-US" sz="1600" dirty="0">
                 <a:solidFill>
                   <a:srgbClr val="000000"/>
                 </a:solidFill>
@@ -4870,7 +4824,7 @@
               <a:t>(</a:t>
             </a:r>
             <a:r>
-              <a:rPr lang="en-US" sz="1600" dirty="0" smtClean="0">
+              <a:rPr lang="en-US" sz="1600" dirty="0">
                 <a:solidFill>
                   <a:srgbClr val="B42419"/>
                 </a:solidFill>
@@ -4892,7 +4846,7 @@
               <a:t>, </a:t>
             </a:r>
             <a:r>
-              <a:rPr lang="en-US" sz="1600" dirty="0" smtClean="0">
+              <a:rPr lang="en-US" sz="1600" dirty="0">
                 <a:solidFill>
                   <a:srgbClr val="B42419"/>
                 </a:solidFill>
@@ -4903,7 +4857,7 @@
               <a:t>"..."</a:t>
             </a:r>
             <a:r>
-              <a:rPr lang="en-US" sz="1600" dirty="0" smtClean="0">
+              <a:rPr lang="en-US" sz="1600" dirty="0">
                 <a:solidFill>
                   <a:srgbClr val="000000"/>
                 </a:solidFill>
@@ -4913,14 +4867,6 @@
               </a:rPr>
               <a:t>)])</a:t>
             </a:r>
-            <a:endParaRPr lang="en-US" sz="1600" dirty="0">
-              <a:solidFill>
-                <a:srgbClr val="000000"/>
-              </a:solidFill>
-              <a:latin typeface="Courier" charset="0"/>
-              <a:ea typeface="Courier" charset="0"/>
-              <a:cs typeface="Courier" charset="0"/>
-            </a:endParaRPr>
           </a:p>
           <a:p>
             <a:r>
@@ -5038,7 +4984,7 @@
           <a:lstStyle/>
           <a:p>
             <a:r>
-              <a:rPr lang="en-US" dirty="0" smtClean="0">
+              <a:rPr lang="en-US" dirty="0">
                 <a:solidFill>
                   <a:srgbClr val="FFFF00"/>
                 </a:solidFill>
@@ -5049,7 +4995,7 @@
               <a:t>dj4e-samples/form/</a:t>
             </a:r>
             <a:r>
-              <a:rPr lang="en-US" dirty="0" err="1" smtClean="0">
+              <a:rPr lang="en-US" dirty="0" err="1">
                 <a:solidFill>
                   <a:srgbClr val="FFFF00"/>
                 </a:solidFill>
@@ -5093,7 +5039,7 @@
           <a:lstStyle/>
           <a:p>
             <a:r>
-              <a:rPr lang="en-US" dirty="0" smtClean="0">
+              <a:rPr lang="en-US" dirty="0">
                 <a:solidFill>
                   <a:srgbClr val="FFFF00"/>
                 </a:solidFill>
@@ -5104,7 +5050,7 @@
               <a:t>dj4e-samples/form/</a:t>
             </a:r>
             <a:r>
-              <a:rPr lang="en-US" dirty="0" err="1" smtClean="0">
+              <a:rPr lang="en-US" dirty="0" err="1">
                 <a:solidFill>
                   <a:srgbClr val="FFFF00"/>
                 </a:solidFill>
@@ -5195,7 +5141,7 @@
               <a:t>th</a:t>
             </a:r>
             <a:r>
-              <a:rPr lang="en-US" sz="1400" dirty="0" smtClean="0">
+              <a:rPr lang="en-US" sz="1400" dirty="0">
                 <a:solidFill>
                   <a:srgbClr val="000000"/>
                 </a:solidFill>
@@ -5208,7 +5154,134 @@
           </a:p>
           <a:p>
             <a:r>
-              <a:rPr lang="en-US" sz="1400" dirty="0" smtClean="0">
+              <a:rPr lang="en-US" sz="1400" dirty="0">
+                <a:solidFill>
+                  <a:srgbClr val="000000"/>
+                </a:solidFill>
+                <a:latin typeface="Courier" charset="0"/>
+                <a:ea typeface="Courier" charset="0"/>
+                <a:cs typeface="Courier" charset="0"/>
+              </a:rPr>
+              <a:t>&lt;label for="</a:t>
+            </a:r>
+            <a:r>
+              <a:rPr lang="en-US" sz="1400" dirty="0" err="1">
+                <a:solidFill>
+                  <a:srgbClr val="000000"/>
+                </a:solidFill>
+                <a:latin typeface="Courier" charset="0"/>
+                <a:ea typeface="Courier" charset="0"/>
+                <a:cs typeface="Courier" charset="0"/>
+              </a:rPr>
+              <a:t>id_title</a:t>
+            </a:r>
+            <a:r>
+              <a:rPr lang="en-US" sz="1400" dirty="0">
+                <a:solidFill>
+                  <a:srgbClr val="000000"/>
+                </a:solidFill>
+                <a:latin typeface="Courier" charset="0"/>
+                <a:ea typeface="Courier" charset="0"/>
+                <a:cs typeface="Courier" charset="0"/>
+              </a:rPr>
+              <a:t>"&gt;Title:&lt;/label&gt;&lt;/</a:t>
+            </a:r>
+            <a:r>
+              <a:rPr lang="en-US" sz="1400" dirty="0" err="1">
+                <a:solidFill>
+                  <a:srgbClr val="000000"/>
+                </a:solidFill>
+                <a:latin typeface="Courier" charset="0"/>
+                <a:ea typeface="Courier" charset="0"/>
+                <a:cs typeface="Courier" charset="0"/>
+              </a:rPr>
+              <a:t>th</a:t>
+            </a:r>
+            <a:r>
+              <a:rPr lang="en-US" sz="1400" dirty="0">
+                <a:solidFill>
+                  <a:srgbClr val="000000"/>
+                </a:solidFill>
+                <a:latin typeface="Courier" charset="0"/>
+                <a:ea typeface="Courier" charset="0"/>
+                <a:cs typeface="Courier" charset="0"/>
+              </a:rPr>
+              <a:t>&gt;</a:t>
+            </a:r>
+          </a:p>
+          <a:p>
+            <a:r>
+              <a:rPr lang="en-US" sz="1400" dirty="0">
+                <a:solidFill>
+                  <a:srgbClr val="000000"/>
+                </a:solidFill>
+                <a:latin typeface="Courier" charset="0"/>
+                <a:ea typeface="Courier" charset="0"/>
+                <a:cs typeface="Courier" charset="0"/>
+              </a:rPr>
+              <a:t>&lt;td&gt;&lt;input type="text" name="title"</a:t>
+            </a:r>
+          </a:p>
+          <a:p>
+            <a:r>
+              <a:rPr lang="en-US" sz="1400" dirty="0">
+                <a:solidFill>
+                  <a:srgbClr val="000000"/>
+                </a:solidFill>
+                <a:latin typeface="Courier" charset="0"/>
+                <a:ea typeface="Courier" charset="0"/>
+                <a:cs typeface="Courier" charset="0"/>
+              </a:rPr>
+              <a:t>required id="</a:t>
+            </a:r>
+            <a:r>
+              <a:rPr lang="en-US" sz="1400" dirty="0" err="1">
+                <a:solidFill>
+                  <a:srgbClr val="000000"/>
+                </a:solidFill>
+                <a:latin typeface="Courier" charset="0"/>
+                <a:ea typeface="Courier" charset="0"/>
+                <a:cs typeface="Courier" charset="0"/>
+              </a:rPr>
+              <a:t>id_title</a:t>
+            </a:r>
+            <a:r>
+              <a:rPr lang="en-US" sz="1400" dirty="0">
+                <a:solidFill>
+                  <a:srgbClr val="000000"/>
+                </a:solidFill>
+                <a:latin typeface="Courier" charset="0"/>
+                <a:ea typeface="Courier" charset="0"/>
+                <a:cs typeface="Courier" charset="0"/>
+              </a:rPr>
+              <a:t>"&gt;&lt;/td&gt;&lt;/</a:t>
+            </a:r>
+            <a:r>
+              <a:rPr lang="en-US" sz="1400" dirty="0" err="1">
+                <a:solidFill>
+                  <a:srgbClr val="000000"/>
+                </a:solidFill>
+                <a:latin typeface="Courier" charset="0"/>
+                <a:ea typeface="Courier" charset="0"/>
+                <a:cs typeface="Courier" charset="0"/>
+              </a:rPr>
+              <a:t>tr</a:t>
+            </a:r>
+            <a:r>
+              <a:rPr lang="en-US" sz="1400" dirty="0">
+                <a:solidFill>
+                  <a:srgbClr val="000000"/>
+                </a:solidFill>
+                <a:latin typeface="Courier" charset="0"/>
+                <a:ea typeface="Courier" charset="0"/>
+                <a:cs typeface="Courier" charset="0"/>
+              </a:rPr>
+              <a:t>&gt;</a:t>
+            </a:r>
+          </a:p>
+          <a:p>
+            <a:r>
+              <a:rPr lang="en-US" sz="1400" dirty="0">
                 <a:solidFill>
                   <a:srgbClr val="000000"/>
                 </a:solidFill>
@@ -5219,6 +5292,17 @@
               <a:t>&lt;</a:t>
             </a:r>
             <a:r>
+              <a:rPr lang="en-US" sz="1400" dirty="0" err="1">
+                <a:solidFill>
+                  <a:srgbClr val="000000"/>
+                </a:solidFill>
+                <a:latin typeface="Courier" charset="0"/>
+                <a:ea typeface="Courier" charset="0"/>
+                <a:cs typeface="Courier" charset="0"/>
+              </a:rPr>
+              <a:t>tr</a:t>
+            </a:r>
+            <a:r>
               <a:rPr lang="en-US" sz="1400" dirty="0">
                 <a:solidFill>
                   <a:srgbClr val="000000"/>
@@ -5227,7 +5311,7 @@
                 <a:ea typeface="Courier" charset="0"/>
                 <a:cs typeface="Courier" charset="0"/>
               </a:rPr>
-              <a:t>label for="</a:t>
+              <a:t>&gt;&lt;</a:t>
             </a:r>
             <a:r>
               <a:rPr lang="en-US" sz="1400" dirty="0" err="1">
@@ -5238,7 +5322,7 @@
                 <a:ea typeface="Courier" charset="0"/>
                 <a:cs typeface="Courier" charset="0"/>
               </a:rPr>
-              <a:t>id_title</a:t>
+              <a:t>th</a:t>
             </a:r>
             <a:r>
               <a:rPr lang="en-US" sz="1400" dirty="0">
@@ -5249,18 +5333,20 @@
                 <a:ea typeface="Courier" charset="0"/>
                 <a:cs typeface="Courier" charset="0"/>
               </a:rPr>
-              <a:t>"&gt;Title:&lt;/label</a:t>
-            </a:r>
-            <a:r>
-              <a:rPr lang="en-US" sz="1400" dirty="0" smtClean="0">
-                <a:solidFill>
-                  <a:srgbClr val="000000"/>
-                </a:solidFill>
-                <a:latin typeface="Courier" charset="0"/>
-                <a:ea typeface="Courier" charset="0"/>
-                <a:cs typeface="Courier" charset="0"/>
-              </a:rPr>
-              <a:t>&gt;&lt;/</a:t>
+              <a:t>&gt;</a:t>
+            </a:r>
+          </a:p>
+          <a:p>
+            <a:r>
+              <a:rPr lang="en-US" sz="1400" dirty="0">
+                <a:solidFill>
+                  <a:srgbClr val="000000"/>
+                </a:solidFill>
+                <a:latin typeface="Courier" charset="0"/>
+                <a:ea typeface="Courier" charset="0"/>
+                <a:cs typeface="Courier" charset="0"/>
+              </a:rPr>
+              <a:t>&lt;label for="</a:t>
             </a:r>
             <a:r>
               <a:rPr lang="en-US" sz="1400" dirty="0" err="1">
@@ -5271,10 +5357,115 @@
                 <a:ea typeface="Courier" charset="0"/>
                 <a:cs typeface="Courier" charset="0"/>
               </a:rPr>
+              <a:t>id_mileage</a:t>
+            </a:r>
+            <a:r>
+              <a:rPr lang="en-US" sz="1400" dirty="0">
+                <a:solidFill>
+                  <a:srgbClr val="000000"/>
+                </a:solidFill>
+                <a:latin typeface="Courier" charset="0"/>
+                <a:ea typeface="Courier" charset="0"/>
+                <a:cs typeface="Courier" charset="0"/>
+              </a:rPr>
+              <a:t>"&gt;Mileage:&lt;/label&gt;</a:t>
+            </a:r>
+          </a:p>
+          <a:p>
+            <a:r>
+              <a:rPr lang="en-US" sz="1400" dirty="0">
+                <a:solidFill>
+                  <a:srgbClr val="000000"/>
+                </a:solidFill>
+                <a:latin typeface="Courier" charset="0"/>
+                <a:ea typeface="Courier" charset="0"/>
+                <a:cs typeface="Courier" charset="0"/>
+              </a:rPr>
+              <a:t>&lt;/</a:t>
+            </a:r>
+            <a:r>
+              <a:rPr lang="en-US" sz="1400" dirty="0" err="1">
+                <a:solidFill>
+                  <a:srgbClr val="000000"/>
+                </a:solidFill>
+                <a:latin typeface="Courier" charset="0"/>
+                <a:ea typeface="Courier" charset="0"/>
+                <a:cs typeface="Courier" charset="0"/>
+              </a:rPr>
               <a:t>th</a:t>
             </a:r>
             <a:r>
-              <a:rPr lang="en-US" sz="1400" dirty="0" smtClean="0">
+              <a:rPr lang="en-US" sz="1400" dirty="0">
+                <a:solidFill>
+                  <a:srgbClr val="000000"/>
+                </a:solidFill>
+                <a:latin typeface="Courier" charset="0"/>
+                <a:ea typeface="Courier" charset="0"/>
+                <a:cs typeface="Courier" charset="0"/>
+              </a:rPr>
+              <a:t>&gt;&lt;td&gt;</a:t>
+            </a:r>
+          </a:p>
+          <a:p>
+            <a:r>
+              <a:rPr lang="en-US" sz="1400" dirty="0">
+                <a:solidFill>
+                  <a:srgbClr val="000000"/>
+                </a:solidFill>
+                <a:latin typeface="Courier" charset="0"/>
+                <a:ea typeface="Courier" charset="0"/>
+                <a:cs typeface="Courier" charset="0"/>
+              </a:rPr>
+              <a:t>&lt;input type="number" name="mileage" required id="</a:t>
+            </a:r>
+            <a:r>
+              <a:rPr lang="en-US" sz="1400" dirty="0" err="1">
+                <a:solidFill>
+                  <a:srgbClr val="000000"/>
+                </a:solidFill>
+                <a:latin typeface="Courier" charset="0"/>
+                <a:ea typeface="Courier" charset="0"/>
+                <a:cs typeface="Courier" charset="0"/>
+              </a:rPr>
+              <a:t>id_mileage</a:t>
+            </a:r>
+            <a:r>
+              <a:rPr lang="en-US" sz="1400" dirty="0">
+                <a:solidFill>
+                  <a:srgbClr val="000000"/>
+                </a:solidFill>
+                <a:latin typeface="Courier" charset="0"/>
+                <a:ea typeface="Courier" charset="0"/>
+                <a:cs typeface="Courier" charset="0"/>
+              </a:rPr>
+              <a:t>"&gt;</a:t>
+            </a:r>
+          </a:p>
+          <a:p>
+            <a:r>
+              <a:rPr lang="en-US" sz="1400" dirty="0">
+                <a:solidFill>
+                  <a:srgbClr val="000000"/>
+                </a:solidFill>
+                <a:latin typeface="Courier" charset="0"/>
+                <a:ea typeface="Courier" charset="0"/>
+                <a:cs typeface="Courier" charset="0"/>
+              </a:rPr>
+              <a:t>&lt;/td&gt;&lt;/</a:t>
+            </a:r>
+            <a:r>
+              <a:rPr lang="en-US" sz="1400" dirty="0" err="1">
+                <a:solidFill>
+                  <a:srgbClr val="000000"/>
+                </a:solidFill>
+                <a:latin typeface="Courier" charset="0"/>
+                <a:ea typeface="Courier" charset="0"/>
+                <a:cs typeface="Courier" charset="0"/>
+              </a:rPr>
+              <a:t>tr</a:t>
+            </a:r>
+            <a:r>
+              <a:rPr lang="en-US" sz="1400" dirty="0">
                 <a:solidFill>
                   <a:srgbClr val="000000"/>
                 </a:solidFill>
@@ -5287,7 +5478,7 @@
           </a:p>
           <a:p>
             <a:r>
-              <a:rPr lang="en-US" sz="1400" dirty="0" smtClean="0">
+              <a:rPr lang="en-US" sz="1400" dirty="0">
                 <a:solidFill>
                   <a:srgbClr val="000000"/>
                 </a:solidFill>
@@ -5298,6 +5489,17 @@
               <a:t>&lt;</a:t>
             </a:r>
             <a:r>
+              <a:rPr lang="en-US" sz="1400" dirty="0" err="1">
+                <a:solidFill>
+                  <a:srgbClr val="000000"/>
+                </a:solidFill>
+                <a:latin typeface="Courier" charset="0"/>
+                <a:ea typeface="Courier" charset="0"/>
+                <a:cs typeface="Courier" charset="0"/>
+              </a:rPr>
+              <a:t>tr</a:t>
+            </a:r>
+            <a:r>
               <a:rPr lang="en-US" sz="1400" dirty="0">
                 <a:solidFill>
                   <a:srgbClr val="000000"/>
@@ -5306,10 +5508,139 @@
                 <a:ea typeface="Courier" charset="0"/>
                 <a:cs typeface="Courier" charset="0"/>
               </a:rPr>
-              <a:t>td&gt;&lt;input type="text" name="title</a:t>
-            </a:r>
-            <a:r>
-              <a:rPr lang="en-US" sz="1400" dirty="0" smtClean="0">
+              <a:t>&gt;&lt;</a:t>
+            </a:r>
+            <a:r>
+              <a:rPr lang="en-US" sz="1400" dirty="0" err="1">
+                <a:solidFill>
+                  <a:srgbClr val="000000"/>
+                </a:solidFill>
+                <a:latin typeface="Courier" charset="0"/>
+                <a:ea typeface="Courier" charset="0"/>
+                <a:cs typeface="Courier" charset="0"/>
+              </a:rPr>
+              <a:t>th</a:t>
+            </a:r>
+            <a:r>
+              <a:rPr lang="en-US" sz="1400" dirty="0">
+                <a:solidFill>
+                  <a:srgbClr val="000000"/>
+                </a:solidFill>
+                <a:latin typeface="Courier" charset="0"/>
+                <a:ea typeface="Courier" charset="0"/>
+                <a:cs typeface="Courier" charset="0"/>
+              </a:rPr>
+              <a:t>&gt;</a:t>
+            </a:r>
+          </a:p>
+          <a:p>
+            <a:r>
+              <a:rPr lang="en-US" sz="1400" dirty="0">
+                <a:solidFill>
+                  <a:srgbClr val="000000"/>
+                </a:solidFill>
+                <a:latin typeface="Courier" charset="0"/>
+                <a:ea typeface="Courier" charset="0"/>
+                <a:cs typeface="Courier" charset="0"/>
+              </a:rPr>
+              <a:t>&lt;label for="</a:t>
+            </a:r>
+            <a:r>
+              <a:rPr lang="en-US" sz="1400" dirty="0" err="1">
+                <a:solidFill>
+                  <a:srgbClr val="000000"/>
+                </a:solidFill>
+                <a:latin typeface="Courier" charset="0"/>
+                <a:ea typeface="Courier" charset="0"/>
+                <a:cs typeface="Courier" charset="0"/>
+              </a:rPr>
+              <a:t>id_purchase_date</a:t>
+            </a:r>
+            <a:r>
+              <a:rPr lang="en-US" sz="1400" dirty="0">
+                <a:solidFill>
+                  <a:srgbClr val="000000"/>
+                </a:solidFill>
+                <a:latin typeface="Courier" charset="0"/>
+                <a:ea typeface="Courier" charset="0"/>
+                <a:cs typeface="Courier" charset="0"/>
+              </a:rPr>
+              <a:t>"&gt;</a:t>
+            </a:r>
+          </a:p>
+          <a:p>
+            <a:r>
+              <a:rPr lang="en-US" sz="1400" dirty="0">
+                <a:solidFill>
+                  <a:srgbClr val="000000"/>
+                </a:solidFill>
+                <a:latin typeface="Courier" charset="0"/>
+                <a:ea typeface="Courier" charset="0"/>
+                <a:cs typeface="Courier" charset="0"/>
+              </a:rPr>
+              <a:t>Purchase date:&lt;/label&gt;</a:t>
+            </a:r>
+          </a:p>
+          <a:p>
+            <a:r>
+              <a:rPr lang="en-US" sz="1400" dirty="0">
+                <a:solidFill>
+                  <a:srgbClr val="000000"/>
+                </a:solidFill>
+                <a:latin typeface="Courier" charset="0"/>
+                <a:ea typeface="Courier" charset="0"/>
+                <a:cs typeface="Courier" charset="0"/>
+              </a:rPr>
+              <a:t>&lt;/</a:t>
+            </a:r>
+            <a:r>
+              <a:rPr lang="en-US" sz="1400" dirty="0" err="1">
+                <a:solidFill>
+                  <a:srgbClr val="000000"/>
+                </a:solidFill>
+                <a:latin typeface="Courier" charset="0"/>
+                <a:ea typeface="Courier" charset="0"/>
+                <a:cs typeface="Courier" charset="0"/>
+              </a:rPr>
+              <a:t>th</a:t>
+            </a:r>
+            <a:r>
+              <a:rPr lang="en-US" sz="1400" dirty="0">
+                <a:solidFill>
+                  <a:srgbClr val="000000"/>
+                </a:solidFill>
+                <a:latin typeface="Courier" charset="0"/>
+                <a:ea typeface="Courier" charset="0"/>
+                <a:cs typeface="Courier" charset="0"/>
+              </a:rPr>
+              <a:t>&gt;&lt;td&gt;</a:t>
+            </a:r>
+          </a:p>
+          <a:p>
+            <a:r>
+              <a:rPr lang="en-US" sz="1400" dirty="0">
+                <a:solidFill>
+                  <a:srgbClr val="000000"/>
+                </a:solidFill>
+                <a:latin typeface="Courier" charset="0"/>
+                <a:ea typeface="Courier" charset="0"/>
+                <a:cs typeface="Courier" charset="0"/>
+              </a:rPr>
+              <a:t>&lt;input type="text" name="</a:t>
+            </a:r>
+            <a:r>
+              <a:rPr lang="en-US" sz="1400" dirty="0" err="1">
+                <a:solidFill>
+                  <a:srgbClr val="000000"/>
+                </a:solidFill>
+                <a:latin typeface="Courier" charset="0"/>
+                <a:ea typeface="Courier" charset="0"/>
+                <a:cs typeface="Courier" charset="0"/>
+              </a:rPr>
+              <a:t>purchase_date</a:t>
+            </a:r>
+            <a:r>
+              <a:rPr lang="en-US" sz="1400" dirty="0">
                 <a:solidFill>
                   <a:srgbClr val="000000"/>
                 </a:solidFill>
@@ -5322,17 +5653,6 @@
           </a:p>
           <a:p>
             <a:r>
-              <a:rPr lang="en-US" sz="1400" dirty="0" smtClean="0">
-                <a:solidFill>
-                  <a:srgbClr val="000000"/>
-                </a:solidFill>
-                <a:latin typeface="Courier" charset="0"/>
-                <a:ea typeface="Courier" charset="0"/>
-                <a:cs typeface="Courier" charset="0"/>
-              </a:rPr>
-              <a:t>required </a:t>
-            </a:r>
-            <a:r>
               <a:rPr lang="en-US" sz="1400" dirty="0">
                 <a:solidFill>
                   <a:srgbClr val="000000"/>
@@ -5341,7 +5661,7 @@
                 <a:ea typeface="Courier" charset="0"/>
                 <a:cs typeface="Courier" charset="0"/>
               </a:rPr>
-              <a:t>id="</a:t>
+              <a:t>required id="</a:t>
             </a:r>
             <a:r>
               <a:rPr lang="en-US" sz="1400" dirty="0" err="1">
@@ -5352,7 +5672,7 @@
                 <a:ea typeface="Courier" charset="0"/>
                 <a:cs typeface="Courier" charset="0"/>
               </a:rPr>
-              <a:t>id_title</a:t>
+              <a:t>id_purchase_date</a:t>
             </a:r>
             <a:r>
               <a:rPr lang="en-US" sz="1400" dirty="0">
@@ -5363,19 +5683,10 @@
                 <a:ea typeface="Courier" charset="0"/>
                 <a:cs typeface="Courier" charset="0"/>
               </a:rPr>
-              <a:t>"&gt;&lt;/td&gt;&lt;/</a:t>
-            </a:r>
-            <a:r>
-              <a:rPr lang="en-US" sz="1400" dirty="0" err="1">
-                <a:solidFill>
-                  <a:srgbClr val="000000"/>
-                </a:solidFill>
-                <a:latin typeface="Courier" charset="0"/>
-                <a:ea typeface="Courier" charset="0"/>
-                <a:cs typeface="Courier" charset="0"/>
-              </a:rPr>
-              <a:t>tr</a:t>
-            </a:r>
+              <a:t>"&gt;</a:t>
+            </a:r>
+          </a:p>
+          <a:p>
             <a:r>
               <a:rPr lang="en-US" sz="1400" dirty="0">
                 <a:solidFill>
@@ -5385,559 +5696,7 @@
                 <a:ea typeface="Courier" charset="0"/>
                 <a:cs typeface="Courier" charset="0"/>
               </a:rPr>
-              <a:t>&gt;</a:t>
-            </a:r>
-          </a:p>
-          <a:p>
-            <a:r>
-              <a:rPr lang="en-US" sz="1400" dirty="0">
-                <a:solidFill>
-                  <a:srgbClr val="000000"/>
-                </a:solidFill>
-                <a:latin typeface="Courier" charset="0"/>
-                <a:ea typeface="Courier" charset="0"/>
-                <a:cs typeface="Courier" charset="0"/>
-              </a:rPr>
-              <a:t>&lt;</a:t>
-            </a:r>
-            <a:r>
-              <a:rPr lang="en-US" sz="1400" dirty="0" err="1">
-                <a:solidFill>
-                  <a:srgbClr val="000000"/>
-                </a:solidFill>
-                <a:latin typeface="Courier" charset="0"/>
-                <a:ea typeface="Courier" charset="0"/>
-                <a:cs typeface="Courier" charset="0"/>
-              </a:rPr>
-              <a:t>tr</a:t>
-            </a:r>
-            <a:r>
-              <a:rPr lang="en-US" sz="1400" dirty="0">
-                <a:solidFill>
-                  <a:srgbClr val="000000"/>
-                </a:solidFill>
-                <a:latin typeface="Courier" charset="0"/>
-                <a:ea typeface="Courier" charset="0"/>
-                <a:cs typeface="Courier" charset="0"/>
-              </a:rPr>
-              <a:t>&gt;&lt;</a:t>
-            </a:r>
-            <a:r>
-              <a:rPr lang="en-US" sz="1400" dirty="0" err="1">
-                <a:solidFill>
-                  <a:srgbClr val="000000"/>
-                </a:solidFill>
-                <a:latin typeface="Courier" charset="0"/>
-                <a:ea typeface="Courier" charset="0"/>
-                <a:cs typeface="Courier" charset="0"/>
-              </a:rPr>
-              <a:t>th</a:t>
-            </a:r>
-            <a:r>
-              <a:rPr lang="en-US" sz="1400" dirty="0" smtClean="0">
-                <a:solidFill>
-                  <a:srgbClr val="000000"/>
-                </a:solidFill>
-                <a:latin typeface="Courier" charset="0"/>
-                <a:ea typeface="Courier" charset="0"/>
-                <a:cs typeface="Courier" charset="0"/>
-              </a:rPr>
-              <a:t>&gt;</a:t>
-            </a:r>
-          </a:p>
-          <a:p>
-            <a:r>
-              <a:rPr lang="en-US" sz="1400" dirty="0" smtClean="0">
-                <a:solidFill>
-                  <a:srgbClr val="000000"/>
-                </a:solidFill>
-                <a:latin typeface="Courier" charset="0"/>
-                <a:ea typeface="Courier" charset="0"/>
-                <a:cs typeface="Courier" charset="0"/>
-              </a:rPr>
-              <a:t>&lt;</a:t>
-            </a:r>
-            <a:r>
-              <a:rPr lang="en-US" sz="1400" dirty="0">
-                <a:solidFill>
-                  <a:srgbClr val="000000"/>
-                </a:solidFill>
-                <a:latin typeface="Courier" charset="0"/>
-                <a:ea typeface="Courier" charset="0"/>
-                <a:cs typeface="Courier" charset="0"/>
-              </a:rPr>
-              <a:t>label for="</a:t>
-            </a:r>
-            <a:r>
-              <a:rPr lang="en-US" sz="1400" dirty="0" err="1">
-                <a:solidFill>
-                  <a:srgbClr val="000000"/>
-                </a:solidFill>
-                <a:latin typeface="Courier" charset="0"/>
-                <a:ea typeface="Courier" charset="0"/>
-                <a:cs typeface="Courier" charset="0"/>
-              </a:rPr>
-              <a:t>id_mileage</a:t>
-            </a:r>
-            <a:r>
-              <a:rPr lang="en-US" sz="1400" dirty="0">
-                <a:solidFill>
-                  <a:srgbClr val="000000"/>
-                </a:solidFill>
-                <a:latin typeface="Courier" charset="0"/>
-                <a:ea typeface="Courier" charset="0"/>
-                <a:cs typeface="Courier" charset="0"/>
-              </a:rPr>
-              <a:t>"&gt;Mileage:&lt;/label</a:t>
-            </a:r>
-            <a:r>
-              <a:rPr lang="en-US" sz="1400" dirty="0" smtClean="0">
-                <a:solidFill>
-                  <a:srgbClr val="000000"/>
-                </a:solidFill>
-                <a:latin typeface="Courier" charset="0"/>
-                <a:ea typeface="Courier" charset="0"/>
-                <a:cs typeface="Courier" charset="0"/>
-              </a:rPr>
-              <a:t>&gt;</a:t>
-            </a:r>
-          </a:p>
-          <a:p>
-            <a:r>
-              <a:rPr lang="en-US" sz="1400" dirty="0" smtClean="0">
-                <a:solidFill>
-                  <a:srgbClr val="000000"/>
-                </a:solidFill>
-                <a:latin typeface="Courier" charset="0"/>
-                <a:ea typeface="Courier" charset="0"/>
-                <a:cs typeface="Courier" charset="0"/>
-              </a:rPr>
-              <a:t>&lt;/</a:t>
-            </a:r>
-            <a:r>
-              <a:rPr lang="en-US" sz="1400" dirty="0" err="1">
-                <a:solidFill>
-                  <a:srgbClr val="000000"/>
-                </a:solidFill>
-                <a:latin typeface="Courier" charset="0"/>
-                <a:ea typeface="Courier" charset="0"/>
-                <a:cs typeface="Courier" charset="0"/>
-              </a:rPr>
-              <a:t>th</a:t>
-            </a:r>
-            <a:r>
-              <a:rPr lang="en-US" sz="1400" dirty="0">
-                <a:solidFill>
-                  <a:srgbClr val="000000"/>
-                </a:solidFill>
-                <a:latin typeface="Courier" charset="0"/>
-                <a:ea typeface="Courier" charset="0"/>
-                <a:cs typeface="Courier" charset="0"/>
-              </a:rPr>
-              <a:t>&gt;&lt;td</a:t>
-            </a:r>
-            <a:r>
-              <a:rPr lang="en-US" sz="1400" dirty="0" smtClean="0">
-                <a:solidFill>
-                  <a:srgbClr val="000000"/>
-                </a:solidFill>
-                <a:latin typeface="Courier" charset="0"/>
-                <a:ea typeface="Courier" charset="0"/>
-                <a:cs typeface="Courier" charset="0"/>
-              </a:rPr>
-              <a:t>&gt;</a:t>
-            </a:r>
-          </a:p>
-          <a:p>
-            <a:r>
-              <a:rPr lang="en-US" sz="1400" dirty="0" smtClean="0">
-                <a:solidFill>
-                  <a:srgbClr val="000000"/>
-                </a:solidFill>
-                <a:latin typeface="Courier" charset="0"/>
-                <a:ea typeface="Courier" charset="0"/>
-                <a:cs typeface="Courier" charset="0"/>
-              </a:rPr>
-              <a:t>&lt;</a:t>
-            </a:r>
-            <a:r>
-              <a:rPr lang="en-US" sz="1400" dirty="0">
-                <a:solidFill>
-                  <a:srgbClr val="000000"/>
-                </a:solidFill>
-                <a:latin typeface="Courier" charset="0"/>
-                <a:ea typeface="Courier" charset="0"/>
-                <a:cs typeface="Courier" charset="0"/>
-              </a:rPr>
-              <a:t>input type="number" name="mileage" required id="</a:t>
-            </a:r>
-            <a:r>
-              <a:rPr lang="en-US" sz="1400" dirty="0" err="1">
-                <a:solidFill>
-                  <a:srgbClr val="000000"/>
-                </a:solidFill>
-                <a:latin typeface="Courier" charset="0"/>
-                <a:ea typeface="Courier" charset="0"/>
-                <a:cs typeface="Courier" charset="0"/>
-              </a:rPr>
-              <a:t>id_mileage</a:t>
-            </a:r>
-            <a:r>
-              <a:rPr lang="en-US" sz="1400" dirty="0" smtClean="0">
-                <a:solidFill>
-                  <a:srgbClr val="000000"/>
-                </a:solidFill>
-                <a:latin typeface="Courier" charset="0"/>
-                <a:ea typeface="Courier" charset="0"/>
-                <a:cs typeface="Courier" charset="0"/>
-              </a:rPr>
-              <a:t>"&gt;</a:t>
-            </a:r>
-          </a:p>
-          <a:p>
-            <a:r>
-              <a:rPr lang="en-US" sz="1400" dirty="0" smtClean="0">
-                <a:solidFill>
-                  <a:srgbClr val="000000"/>
-                </a:solidFill>
-                <a:latin typeface="Courier" charset="0"/>
-                <a:ea typeface="Courier" charset="0"/>
-                <a:cs typeface="Courier" charset="0"/>
-              </a:rPr>
-              <a:t>&lt;/</a:t>
-            </a:r>
-            <a:r>
-              <a:rPr lang="en-US" sz="1400" dirty="0">
-                <a:solidFill>
-                  <a:srgbClr val="000000"/>
-                </a:solidFill>
-                <a:latin typeface="Courier" charset="0"/>
-                <a:ea typeface="Courier" charset="0"/>
-                <a:cs typeface="Courier" charset="0"/>
-              </a:rPr>
-              <a:t>td&gt;&lt;/</a:t>
-            </a:r>
-            <a:r>
-              <a:rPr lang="en-US" sz="1400" dirty="0" err="1">
-                <a:solidFill>
-                  <a:srgbClr val="000000"/>
-                </a:solidFill>
-                <a:latin typeface="Courier" charset="0"/>
-                <a:ea typeface="Courier" charset="0"/>
-                <a:cs typeface="Courier" charset="0"/>
-              </a:rPr>
-              <a:t>tr</a:t>
-            </a:r>
-            <a:r>
-              <a:rPr lang="en-US" sz="1400" dirty="0">
-                <a:solidFill>
-                  <a:srgbClr val="000000"/>
-                </a:solidFill>
-                <a:latin typeface="Courier" charset="0"/>
-                <a:ea typeface="Courier" charset="0"/>
-                <a:cs typeface="Courier" charset="0"/>
-              </a:rPr>
-              <a:t>&gt;</a:t>
-            </a:r>
-          </a:p>
-          <a:p>
-            <a:r>
-              <a:rPr lang="en-US" sz="1400" dirty="0">
-                <a:solidFill>
-                  <a:srgbClr val="000000"/>
-                </a:solidFill>
-                <a:latin typeface="Courier" charset="0"/>
-                <a:ea typeface="Courier" charset="0"/>
-                <a:cs typeface="Courier" charset="0"/>
-              </a:rPr>
-              <a:t>&lt;</a:t>
-            </a:r>
-            <a:r>
-              <a:rPr lang="en-US" sz="1400" dirty="0" err="1">
-                <a:solidFill>
-                  <a:srgbClr val="000000"/>
-                </a:solidFill>
-                <a:latin typeface="Courier" charset="0"/>
-                <a:ea typeface="Courier" charset="0"/>
-                <a:cs typeface="Courier" charset="0"/>
-              </a:rPr>
-              <a:t>tr</a:t>
-            </a:r>
-            <a:r>
-              <a:rPr lang="en-US" sz="1400" dirty="0">
-                <a:solidFill>
-                  <a:srgbClr val="000000"/>
-                </a:solidFill>
-                <a:latin typeface="Courier" charset="0"/>
-                <a:ea typeface="Courier" charset="0"/>
-                <a:cs typeface="Courier" charset="0"/>
-              </a:rPr>
-              <a:t>&gt;&lt;</a:t>
-            </a:r>
-            <a:r>
-              <a:rPr lang="en-US" sz="1400" dirty="0" err="1">
-                <a:solidFill>
-                  <a:srgbClr val="000000"/>
-                </a:solidFill>
-                <a:latin typeface="Courier" charset="0"/>
-                <a:ea typeface="Courier" charset="0"/>
-                <a:cs typeface="Courier" charset="0"/>
-              </a:rPr>
-              <a:t>th</a:t>
-            </a:r>
-            <a:r>
-              <a:rPr lang="en-US" sz="1400" dirty="0" smtClean="0">
-                <a:solidFill>
-                  <a:srgbClr val="000000"/>
-                </a:solidFill>
-                <a:latin typeface="Courier" charset="0"/>
-                <a:ea typeface="Courier" charset="0"/>
-                <a:cs typeface="Courier" charset="0"/>
-              </a:rPr>
-              <a:t>&gt;</a:t>
-            </a:r>
-          </a:p>
-          <a:p>
-            <a:r>
-              <a:rPr lang="en-US" sz="1400" dirty="0" smtClean="0">
-                <a:solidFill>
-                  <a:srgbClr val="000000"/>
-                </a:solidFill>
-                <a:latin typeface="Courier" charset="0"/>
-                <a:ea typeface="Courier" charset="0"/>
-                <a:cs typeface="Courier" charset="0"/>
-              </a:rPr>
-              <a:t>&lt;</a:t>
-            </a:r>
-            <a:r>
-              <a:rPr lang="en-US" sz="1400" dirty="0">
-                <a:solidFill>
-                  <a:srgbClr val="000000"/>
-                </a:solidFill>
-                <a:latin typeface="Courier" charset="0"/>
-                <a:ea typeface="Courier" charset="0"/>
-                <a:cs typeface="Courier" charset="0"/>
-              </a:rPr>
-              <a:t>label for="</a:t>
-            </a:r>
-            <a:r>
-              <a:rPr lang="en-US" sz="1400" dirty="0" err="1">
-                <a:solidFill>
-                  <a:srgbClr val="000000"/>
-                </a:solidFill>
-                <a:latin typeface="Courier" charset="0"/>
-                <a:ea typeface="Courier" charset="0"/>
-                <a:cs typeface="Courier" charset="0"/>
-              </a:rPr>
-              <a:t>id_purchase_date</a:t>
-            </a:r>
-            <a:r>
-              <a:rPr lang="en-US" sz="1400" dirty="0" smtClean="0">
-                <a:solidFill>
-                  <a:srgbClr val="000000"/>
-                </a:solidFill>
-                <a:latin typeface="Courier" charset="0"/>
-                <a:ea typeface="Courier" charset="0"/>
-                <a:cs typeface="Courier" charset="0"/>
-              </a:rPr>
-              <a:t>"&gt;</a:t>
-            </a:r>
-          </a:p>
-          <a:p>
-            <a:r>
-              <a:rPr lang="en-US" sz="1400" dirty="0" smtClean="0">
-                <a:solidFill>
-                  <a:srgbClr val="000000"/>
-                </a:solidFill>
-                <a:latin typeface="Courier" charset="0"/>
-                <a:ea typeface="Courier" charset="0"/>
-                <a:cs typeface="Courier" charset="0"/>
-              </a:rPr>
-              <a:t>Purchase </a:t>
-            </a:r>
-            <a:r>
-              <a:rPr lang="en-US" sz="1400" dirty="0">
-                <a:solidFill>
-                  <a:srgbClr val="000000"/>
-                </a:solidFill>
-                <a:latin typeface="Courier" charset="0"/>
-                <a:ea typeface="Courier" charset="0"/>
-                <a:cs typeface="Courier" charset="0"/>
-              </a:rPr>
-              <a:t>date:&lt;/label</a:t>
-            </a:r>
-            <a:r>
-              <a:rPr lang="en-US" sz="1400" dirty="0" smtClean="0">
-                <a:solidFill>
-                  <a:srgbClr val="000000"/>
-                </a:solidFill>
-                <a:latin typeface="Courier" charset="0"/>
-                <a:ea typeface="Courier" charset="0"/>
-                <a:cs typeface="Courier" charset="0"/>
-              </a:rPr>
-              <a:t>&gt;</a:t>
-            </a:r>
-          </a:p>
-          <a:p>
-            <a:r>
-              <a:rPr lang="en-US" sz="1400" dirty="0" smtClean="0">
-                <a:solidFill>
-                  <a:srgbClr val="000000"/>
-                </a:solidFill>
-                <a:latin typeface="Courier" charset="0"/>
-                <a:ea typeface="Courier" charset="0"/>
-                <a:cs typeface="Courier" charset="0"/>
-              </a:rPr>
-              <a:t>&lt;/</a:t>
-            </a:r>
-            <a:r>
-              <a:rPr lang="en-US" sz="1400" dirty="0" err="1">
-                <a:solidFill>
-                  <a:srgbClr val="000000"/>
-                </a:solidFill>
-                <a:latin typeface="Courier" charset="0"/>
-                <a:ea typeface="Courier" charset="0"/>
-                <a:cs typeface="Courier" charset="0"/>
-              </a:rPr>
-              <a:t>th</a:t>
-            </a:r>
-            <a:r>
-              <a:rPr lang="en-US" sz="1400" dirty="0">
-                <a:solidFill>
-                  <a:srgbClr val="000000"/>
-                </a:solidFill>
-                <a:latin typeface="Courier" charset="0"/>
-                <a:ea typeface="Courier" charset="0"/>
-                <a:cs typeface="Courier" charset="0"/>
-              </a:rPr>
-              <a:t>&gt;&lt;td</a:t>
-            </a:r>
-            <a:r>
-              <a:rPr lang="en-US" sz="1400" dirty="0" smtClean="0">
-                <a:solidFill>
-                  <a:srgbClr val="000000"/>
-                </a:solidFill>
-                <a:latin typeface="Courier" charset="0"/>
-                <a:ea typeface="Courier" charset="0"/>
-                <a:cs typeface="Courier" charset="0"/>
-              </a:rPr>
-              <a:t>&gt;</a:t>
-            </a:r>
-          </a:p>
-          <a:p>
-            <a:r>
-              <a:rPr lang="en-US" sz="1400" dirty="0" smtClean="0">
-                <a:solidFill>
-                  <a:srgbClr val="000000"/>
-                </a:solidFill>
-                <a:latin typeface="Courier" charset="0"/>
-                <a:ea typeface="Courier" charset="0"/>
-                <a:cs typeface="Courier" charset="0"/>
-              </a:rPr>
-              <a:t>&lt;</a:t>
-            </a:r>
-            <a:r>
-              <a:rPr lang="en-US" sz="1400" dirty="0">
-                <a:solidFill>
-                  <a:srgbClr val="000000"/>
-                </a:solidFill>
-                <a:latin typeface="Courier" charset="0"/>
-                <a:ea typeface="Courier" charset="0"/>
-                <a:cs typeface="Courier" charset="0"/>
-              </a:rPr>
-              <a:t>input type="text" name="</a:t>
-            </a:r>
-            <a:r>
-              <a:rPr lang="en-US" sz="1400" dirty="0" err="1" smtClean="0">
-                <a:solidFill>
-                  <a:srgbClr val="000000"/>
-                </a:solidFill>
-                <a:latin typeface="Courier" charset="0"/>
-                <a:ea typeface="Courier" charset="0"/>
-                <a:cs typeface="Courier" charset="0"/>
-              </a:rPr>
-              <a:t>purchase_date</a:t>
-            </a:r>
-            <a:r>
-              <a:rPr lang="en-US" sz="1400" dirty="0" smtClean="0">
-                <a:solidFill>
-                  <a:srgbClr val="000000"/>
-                </a:solidFill>
-                <a:latin typeface="Courier" charset="0"/>
-                <a:ea typeface="Courier" charset="0"/>
-                <a:cs typeface="Courier" charset="0"/>
-              </a:rPr>
-              <a:t>"</a:t>
-            </a:r>
-          </a:p>
-          <a:p>
-            <a:r>
-              <a:rPr lang="en-US" sz="1400" dirty="0" smtClean="0">
-                <a:solidFill>
-                  <a:srgbClr val="000000"/>
-                </a:solidFill>
-                <a:latin typeface="Courier" charset="0"/>
-                <a:ea typeface="Courier" charset="0"/>
-                <a:cs typeface="Courier" charset="0"/>
-              </a:rPr>
-              <a:t>required </a:t>
-            </a:r>
-            <a:r>
-              <a:rPr lang="en-US" sz="1400" dirty="0">
-                <a:solidFill>
-                  <a:srgbClr val="000000"/>
-                </a:solidFill>
-                <a:latin typeface="Courier" charset="0"/>
-                <a:ea typeface="Courier" charset="0"/>
-                <a:cs typeface="Courier" charset="0"/>
-              </a:rPr>
-              <a:t>id="</a:t>
-            </a:r>
-            <a:r>
-              <a:rPr lang="en-US" sz="1400" dirty="0" err="1">
-                <a:solidFill>
-                  <a:srgbClr val="000000"/>
-                </a:solidFill>
-                <a:latin typeface="Courier" charset="0"/>
-                <a:ea typeface="Courier" charset="0"/>
-                <a:cs typeface="Courier" charset="0"/>
-              </a:rPr>
-              <a:t>id_purchase_date</a:t>
-            </a:r>
-            <a:r>
-              <a:rPr lang="en-US" sz="1400" dirty="0" smtClean="0">
-                <a:solidFill>
-                  <a:srgbClr val="000000"/>
-                </a:solidFill>
-                <a:latin typeface="Courier" charset="0"/>
-                <a:ea typeface="Courier" charset="0"/>
-                <a:cs typeface="Courier" charset="0"/>
-              </a:rPr>
-              <a:t>"&gt;</a:t>
-            </a:r>
-          </a:p>
-          <a:p>
-            <a:r>
-              <a:rPr lang="en-US" sz="1400" dirty="0" smtClean="0">
-                <a:solidFill>
-                  <a:srgbClr val="000000"/>
-                </a:solidFill>
-                <a:latin typeface="Courier" charset="0"/>
-                <a:ea typeface="Courier" charset="0"/>
-                <a:cs typeface="Courier" charset="0"/>
-              </a:rPr>
-              <a:t>&lt;/</a:t>
-            </a:r>
-            <a:r>
-              <a:rPr lang="en-US" sz="1400" dirty="0">
-                <a:solidFill>
-                  <a:srgbClr val="000000"/>
-                </a:solidFill>
-                <a:latin typeface="Courier" charset="0"/>
-                <a:ea typeface="Courier" charset="0"/>
-                <a:cs typeface="Courier" charset="0"/>
-              </a:rPr>
-              <a:t>td&gt;&lt;/</a:t>
+              <a:t>&lt;/td&gt;&lt;/</a:t>
             </a:r>
             <a:r>
               <a:rPr lang="en-US" sz="1400" dirty="0" err="1">
@@ -6009,13 +5768,6 @@
   <p:clrMapOvr>
     <a:masterClrMapping/>
   </p:clrMapOvr>
-  <p:timing>
-    <p:tnLst>
-      <p:par>
-        <p:cTn id="1" dur="indefinite" restart="never" nodeType="tmRoot"/>
-      </p:par>
-    </p:tnLst>
-  </p:timing>
 </p:sld>
 </file>
 
@@ -6052,10 +5804,9 @@
           <a:lstStyle/>
           <a:p>
             <a:r>
-              <a:rPr lang="en-US" dirty="0" smtClean="0"/>
+              <a:rPr lang="en-US" dirty="0"/>
               <a:t>A form in a template</a:t>
             </a:r>
-            <a:endParaRPr lang="en-US" dirty="0"/>
           </a:p>
         </p:txBody>
       </p:sp>
@@ -7065,7 +6816,7 @@
           <a:lstStyle/>
           <a:p>
             <a:r>
-              <a:rPr lang="en-US" dirty="0" smtClean="0">
+              <a:rPr lang="en-US" dirty="0">
                 <a:solidFill>
                   <a:srgbClr val="FFFF00"/>
                 </a:solidFill>
@@ -7076,7 +6827,7 @@
               <a:t>dj4e-samples/form/templates/form/</a:t>
             </a:r>
             <a:r>
-              <a:rPr lang="en-US" dirty="0" err="1" smtClean="0">
+              <a:rPr lang="en-US" dirty="0" err="1">
                 <a:solidFill>
                   <a:srgbClr val="FFFF00"/>
                 </a:solidFill>
@@ -7108,13 +6859,6 @@
   <p:clrMapOvr>
     <a:masterClrMapping/>
   </p:clrMapOvr>
-  <p:timing>
-    <p:tnLst>
-      <p:par>
-        <p:cTn id="1" dur="indefinite" restart="never" nodeType="tmRoot"/>
-      </p:par>
-    </p:tnLst>
-  </p:timing>
 </p:sld>
 </file>
 
@@ -7151,10 +6895,9 @@
           <a:lstStyle/>
           <a:p>
             <a:r>
-              <a:rPr lang="en-US" dirty="0" smtClean="0"/>
+              <a:rPr lang="en-US" dirty="0"/>
               <a:t>A form in a template</a:t>
             </a:r>
-            <a:endParaRPr lang="en-US" dirty="0"/>
           </a:p>
         </p:txBody>
       </p:sp>
@@ -7657,27 +7400,8 @@
                 <a:ea typeface="Courier" charset="0"/>
                 <a:cs typeface="Courier" charset="0"/>
               </a:rPr>
-              <a:t>https://</a:t>
-            </a:r>
-            <a:r>
-              <a:rPr lang="en-US" dirty="0" smtClean="0">
-                <a:solidFill>
-                  <a:srgbClr val="FFFF00"/>
-                </a:solidFill>
-                <a:latin typeface="Courier" charset="0"/>
-                <a:ea typeface="Courier" charset="0"/>
-                <a:cs typeface="Courier" charset="0"/>
-              </a:rPr>
-              <a:t>samples.dj4e.com/form/create</a:t>
-            </a:r>
-            <a:endParaRPr lang="en-US" dirty="0">
-              <a:solidFill>
-                <a:srgbClr val="FFFF00"/>
-              </a:solidFill>
-              <a:latin typeface="Courier" charset="0"/>
-              <a:ea typeface="Courier" charset="0"/>
-              <a:cs typeface="Courier" charset="0"/>
-            </a:endParaRPr>
+              <a:t>https://samples.dj4e.com/form/create</a:t>
+            </a:r>
           </a:p>
         </p:txBody>
       </p:sp>
@@ -7721,13 +7445,6 @@
   <p:clrMapOvr>
     <a:masterClrMapping/>
   </p:clrMapOvr>
-  <p:timing>
-    <p:tnLst>
-      <p:par>
-        <p:cTn id="1" dur="indefinite" restart="never" nodeType="tmRoot"/>
-      </p:par>
-    </p:tnLst>
-  </p:timing>
 </p:sld>
 </file>
 
@@ -7764,10 +7481,9 @@
           <a:lstStyle/>
           <a:p>
             <a:r>
-              <a:rPr lang="en-US" dirty="0" smtClean="0"/>
+              <a:rPr lang="en-US" dirty="0"/>
               <a:t>Pulling existing data into a form</a:t>
             </a:r>
-            <a:endParaRPr lang="en-US" dirty="0"/>
           </a:p>
         </p:txBody>
       </p:sp>
@@ -8622,13 +8338,6 @@
   <p:clrMapOvr>
     <a:masterClrMapping/>
   </p:clrMapOvr>
-  <p:timing>
-    <p:tnLst>
-      <p:par>
-        <p:cTn id="1" dur="indefinite" restart="never" nodeType="tmRoot"/>
-      </p:par>
-    </p:tnLst>
-  </p:timing>
 </p:sld>
 </file>
 
@@ -8665,10 +8374,9 @@
           <a:lstStyle/>
           <a:p>
             <a:r>
-              <a:rPr lang="en-US" dirty="0" smtClean="0"/>
+              <a:rPr lang="en-US" dirty="0"/>
               <a:t>Data Validation in FORMS</a:t>
             </a:r>
-            <a:endParaRPr lang="en-US" dirty="0"/>
           </a:p>
         </p:txBody>
       </p:sp>
@@ -8701,13 +8409,6 @@
   <p:clrMapOvr>
     <a:masterClrMapping/>
   </p:clrMapOvr>
-  <p:timing>
-    <p:tnLst>
-      <p:par>
-        <p:cTn id="1" dur="indefinite" restart="never" nodeType="tmRoot"/>
-      </p:par>
-    </p:tnLst>
-  </p:timing>
 </p:sld>
 </file>
 
@@ -8797,10 +8498,9 @@
           <a:p>
             <a:pPr algn="r"/>
             <a:r>
-              <a:rPr lang="en-US" dirty="0" smtClean="0"/>
+              <a:rPr lang="en-US" dirty="0"/>
               <a:t>Create Form Flow</a:t>
             </a:r>
-            <a:endParaRPr lang="en-US" dirty="0"/>
           </a:p>
         </p:txBody>
       </p:sp>
@@ -8828,10 +8528,9 @@
           <a:p>
             <a:pPr algn="ctr"/>
             <a:r>
-              <a:rPr lang="en-US" dirty="0" smtClean="0"/>
+              <a:rPr lang="en-US" dirty="0"/>
               <a:t>GET Request</a:t>
             </a:r>
-            <a:endParaRPr lang="en-US" dirty="0"/>
           </a:p>
         </p:txBody>
       </p:sp>
@@ -8859,10 +8558,9 @@
           <a:p>
             <a:pPr algn="ctr"/>
             <a:r>
-              <a:rPr lang="en-US" dirty="0" smtClean="0"/>
+              <a:rPr lang="en-US" dirty="0"/>
               <a:t>Empty Form</a:t>
             </a:r>
-            <a:endParaRPr lang="en-US" dirty="0"/>
           </a:p>
         </p:txBody>
       </p:sp>
@@ -8889,14 +8587,13 @@
           <a:lstStyle/>
           <a:p>
             <a:r>
-              <a:rPr lang="en-US" smtClean="0"/>
+              <a:rPr lang="en-US"/>
               <a:t>Enter </a:t>
             </a:r>
             <a:r>
-              <a:rPr lang="en-US" dirty="0" smtClean="0"/>
+              <a:rPr lang="en-US" dirty="0"/>
               <a:t>Data</a:t>
             </a:r>
-            <a:endParaRPr lang="en-US" dirty="0"/>
           </a:p>
         </p:txBody>
       </p:sp>
@@ -8924,10 +8621,9 @@
           <a:p>
             <a:pPr algn="ctr"/>
             <a:r>
-              <a:rPr lang="en-US" dirty="0" smtClean="0"/>
+              <a:rPr lang="en-US" dirty="0"/>
               <a:t>POST with data</a:t>
             </a:r>
-            <a:endParaRPr lang="en-US" dirty="0"/>
           </a:p>
         </p:txBody>
       </p:sp>
@@ -8955,7 +8651,7 @@
           <a:p>
             <a:pPr algn="ctr"/>
             <a:r>
-              <a:rPr lang="en-US" dirty="0" smtClean="0">
+              <a:rPr lang="en-US" dirty="0">
                 <a:solidFill>
                   <a:schemeClr val="bg1"/>
                 </a:solidFill>
@@ -8989,10 +8685,9 @@
           <a:p>
             <a:pPr algn="ctr"/>
             <a:r>
-              <a:rPr lang="en-US" dirty="0" smtClean="0"/>
+              <a:rPr lang="en-US" dirty="0"/>
               <a:t>Form with old data</a:t>
             </a:r>
-            <a:endParaRPr lang="en-US" dirty="0"/>
           </a:p>
         </p:txBody>
       </p:sp>
@@ -9019,10 +8714,9 @@
           <a:lstStyle/>
           <a:p>
             <a:r>
-              <a:rPr lang="en-US" dirty="0" smtClean="0"/>
+              <a:rPr lang="en-US" dirty="0"/>
               <a:t>Fix Data</a:t>
             </a:r>
-            <a:endParaRPr lang="en-US" dirty="0"/>
           </a:p>
         </p:txBody>
       </p:sp>
@@ -9050,18 +8744,13 @@
           <a:p>
             <a:pPr algn="ctr"/>
             <a:r>
-              <a:rPr lang="en-US" dirty="0" smtClean="0">
+              <a:rPr lang="en-US" dirty="0">
                 <a:solidFill>
                   <a:schemeClr val="bg1"/>
                 </a:solidFill>
               </a:rPr>
               <a:t>Store Data</a:t>
             </a:r>
-            <a:endParaRPr lang="en-US" dirty="0">
-              <a:solidFill>
-                <a:schemeClr val="bg1"/>
-              </a:solidFill>
-            </a:endParaRPr>
           </a:p>
         </p:txBody>
       </p:sp>
@@ -9089,10 +8778,9 @@
           <a:p>
             <a:pPr algn="ctr"/>
             <a:r>
-              <a:rPr lang="en-US" dirty="0" smtClean="0"/>
+              <a:rPr lang="en-US" dirty="0"/>
               <a:t>Redirect to success URL</a:t>
             </a:r>
-            <a:endParaRPr lang="en-US" dirty="0"/>
           </a:p>
         </p:txBody>
       </p:sp>
@@ -9120,7 +8808,7 @@
           <a:p>
             <a:pPr algn="ctr"/>
             <a:r>
-              <a:rPr lang="en-US" smtClean="0"/>
+              <a:rPr lang="en-US"/>
               <a:t>GET success URL</a:t>
             </a:r>
             <a:endParaRPr lang="en-US" dirty="0"/>
@@ -9151,10 +8839,9 @@
           <a:p>
             <a:pPr algn="ctr"/>
             <a:r>
-              <a:rPr lang="en-US" dirty="0" smtClean="0"/>
+              <a:rPr lang="en-US" dirty="0"/>
               <a:t>Success page Yay!</a:t>
             </a:r>
-            <a:endParaRPr lang="en-US" dirty="0"/>
           </a:p>
         </p:txBody>
       </p:sp>
@@ -9274,10 +8961,9 @@
           <a:p>
             <a:pPr algn="ctr"/>
             <a:r>
-              <a:rPr lang="en-US" smtClean="0"/>
+              <a:rPr lang="en-US"/>
               <a:t>model</a:t>
             </a:r>
-            <a:endParaRPr lang="en-US"/>
           </a:p>
         </p:txBody>
       </p:sp>
@@ -9382,10 +9068,9 @@
           <a:lstStyle/>
           <a:p>
             <a:r>
-              <a:rPr lang="en-US" dirty="0" smtClean="0"/>
+              <a:rPr lang="en-US" dirty="0"/>
               <a:t>Cancel</a:t>
             </a:r>
-            <a:endParaRPr lang="en-US" dirty="0"/>
           </a:p>
         </p:txBody>
       </p:sp>
@@ -9725,18 +9410,13 @@
           <a:p>
             <a:pPr algn="ctr"/>
             <a:r>
-              <a:rPr lang="en-US" dirty="0" smtClean="0">
+              <a:rPr lang="en-US" dirty="0">
                 <a:solidFill>
                   <a:schemeClr val="bg1"/>
                 </a:solidFill>
               </a:rPr>
               <a:t>Make Page</a:t>
             </a:r>
-            <a:endParaRPr lang="en-US" dirty="0">
-              <a:solidFill>
-                <a:schemeClr val="bg1"/>
-              </a:solidFill>
-            </a:endParaRPr>
           </a:p>
         </p:txBody>
       </p:sp>
@@ -9763,10 +9443,9 @@
           <a:lstStyle/>
           <a:p>
             <a:r>
-              <a:rPr lang="en-US" dirty="0" smtClean="0"/>
+              <a:rPr lang="en-US" dirty="0"/>
               <a:t>Cancel</a:t>
             </a:r>
-            <a:endParaRPr lang="en-US" dirty="0"/>
           </a:p>
         </p:txBody>
       </p:sp>
@@ -10000,7 +9679,7 @@
           <a:p>
             <a:pPr algn="ctr"/>
             <a:r>
-              <a:rPr lang="en-US" smtClean="0">
+              <a:rPr lang="en-US">
                 <a:solidFill>
                   <a:schemeClr val="bg1"/>
                 </a:solidFill>
@@ -10025,13 +9704,6 @@
   <p:clrMapOvr>
     <a:masterClrMapping/>
   </p:clrMapOvr>
-  <p:timing>
-    <p:tnLst>
-      <p:par>
-        <p:cTn id="1" dur="indefinite" restart="never" nodeType="tmRoot"/>
-      </p:par>
-    </p:tnLst>
-  </p:timing>
 </p:sld>
 </file>
 
@@ -10068,10 +9740,9 @@
           <a:lstStyle/>
           <a:p>
             <a:r>
-              <a:rPr lang="en-US" dirty="0" smtClean="0"/>
+              <a:rPr lang="en-US" dirty="0"/>
               <a:t>Form Data Errors</a:t>
             </a:r>
-            <a:endParaRPr lang="en-US" dirty="0"/>
           </a:p>
         </p:txBody>
       </p:sp>
@@ -10096,23 +9767,23 @@
           <a:lstStyle/>
           <a:p>
             <a:r>
-              <a:rPr lang="en-US" dirty="0" smtClean="0"/>
+              <a:rPr lang="en-US" dirty="0"/>
               <a:t>Sometimes there are validation rules when you are filling out a form.</a:t>
             </a:r>
           </a:p>
           <a:p>
             <a:r>
-              <a:rPr lang="en-US" dirty="0" smtClean="0"/>
+              <a:rPr lang="en-US" dirty="0"/>
               <a:t>When you submit the form, the view code checks the data to see if there are errors</a:t>
             </a:r>
           </a:p>
           <a:p>
             <a:r>
-              <a:rPr lang="en-US" dirty="0" smtClean="0"/>
+              <a:rPr lang="en-US" dirty="0"/>
               <a:t>If there are errors, data is not saved and the user is notified and usually given a chance to edit </a:t>
             </a:r>
             <a:r>
-              <a:rPr lang="en-US" smtClean="0"/>
+              <a:rPr lang="en-US"/>
               <a:t>and resubmit</a:t>
             </a:r>
             <a:endParaRPr lang="en-US" dirty="0"/>
@@ -10194,13 +9865,6 @@
   <p:clrMapOvr>
     <a:masterClrMapping/>
   </p:clrMapOvr>
-  <p:timing>
-    <p:tnLst>
-      <p:par>
-        <p:cTn id="1" dur="indefinite" restart="never" nodeType="tmRoot"/>
-      </p:par>
-    </p:tnLst>
-  </p:timing>
 </p:sld>
 </file>
 
@@ -10237,10 +9901,9 @@
           <a:lstStyle/>
           <a:p>
             <a:r>
-              <a:rPr lang="en-US" dirty="0" smtClean="0"/>
+              <a:rPr lang="en-US" dirty="0"/>
               <a:t>Django form validation</a:t>
             </a:r>
-            <a:endParaRPr lang="en-US" dirty="0"/>
           </a:p>
         </p:txBody>
       </p:sp>
@@ -10349,19 +10012,28 @@
                 </a:solidFill>
                 <a:latin typeface="Menlo-Regular" charset="0"/>
               </a:rPr>
-              <a:t>(validators</a:t>
-            </a:r>
-            <a:r>
-              <a:rPr lang="en-US" dirty="0" smtClean="0">
+              <a:t>(validators=[</a:t>
+            </a:r>
+          </a:p>
+          <a:p>
+            <a:r>
+              <a:rPr lang="en-US" dirty="0">
                 <a:solidFill>
                   <a:srgbClr val="000000"/>
                 </a:solidFill>
                 <a:latin typeface="Menlo-Regular" charset="0"/>
               </a:rPr>
-              <a:t>=[</a:t>
-            </a:r>
-          </a:p>
-          <a:p>
+              <a:t>      </a:t>
+            </a:r>
+            <a:r>
+              <a:rPr lang="en-US" dirty="0" err="1">
+                <a:solidFill>
+                  <a:srgbClr val="000000"/>
+                </a:solidFill>
+                <a:latin typeface="Menlo-Regular" charset="0"/>
+              </a:rPr>
+              <a:t>validators.MinLengthValidator</a:t>
+            </a:r>
             <a:r>
               <a:rPr lang="en-US" dirty="0">
                 <a:solidFill>
@@ -10369,44 +10041,46 @@
                 </a:solidFill>
                 <a:latin typeface="Menlo-Regular" charset="0"/>
               </a:rPr>
-              <a:t> </a:t>
-            </a:r>
-            <a:r>
-              <a:rPr lang="en-US" dirty="0" smtClean="0">
-                <a:solidFill>
-                  <a:srgbClr val="000000"/>
+              <a:t>(</a:t>
+            </a:r>
+            <a:r>
+              <a:rPr lang="en-US" dirty="0">
+                <a:solidFill>
+                  <a:srgbClr val="B42419"/>
                 </a:solidFill>
                 <a:latin typeface="Menlo-Regular" charset="0"/>
               </a:rPr>
-              <a:t>     </a:t>
-            </a:r>
-            <a:r>
-              <a:rPr lang="en-US" dirty="0" err="1" smtClean="0">
+              <a:t>2</a:t>
+            </a:r>
+            <a:r>
+              <a:rPr lang="en-US" dirty="0">
                 <a:solidFill>
                   <a:srgbClr val="000000"/>
                 </a:solidFill>
                 <a:latin typeface="Menlo-Regular" charset="0"/>
               </a:rPr>
-              <a:t>validators.MinLengthValidator</a:t>
-            </a:r>
-            <a:r>
-              <a:rPr lang="en-US" dirty="0" smtClean="0">
-                <a:solidFill>
-                  <a:srgbClr val="000000"/>
+              <a:t>, </a:t>
+            </a:r>
+            <a:r>
+              <a:rPr lang="en-US" dirty="0">
+                <a:solidFill>
+                  <a:srgbClr val="B42419"/>
                 </a:solidFill>
                 <a:latin typeface="Menlo-Regular" charset="0"/>
               </a:rPr>
-              <a:t>(</a:t>
-            </a:r>
-            <a:r>
-              <a:rPr lang="en-US" dirty="0" smtClean="0">
-                <a:solidFill>
-                  <a:srgbClr val="B42419"/>
+              <a:t>"Please enter 2 or more characters"</a:t>
+            </a:r>
+            <a:r>
+              <a:rPr lang="en-US" dirty="0">
+                <a:solidFill>
+                  <a:srgbClr val="000000"/>
                 </a:solidFill>
                 <a:latin typeface="Menlo-Regular" charset="0"/>
               </a:rPr>
-              <a:t>2</a:t>
-            </a:r>
+              <a:t>)</a:t>
+            </a:r>
+          </a:p>
+          <a:p>
             <a:r>
               <a:rPr lang="en-US" dirty="0">
                 <a:solidFill>
@@ -10414,61 +10088,8 @@
                 </a:solidFill>
                 <a:latin typeface="Menlo-Regular" charset="0"/>
               </a:rPr>
-              <a:t>, </a:t>
-            </a:r>
-            <a:r>
-              <a:rPr lang="en-US" dirty="0">
-                <a:solidFill>
-                  <a:srgbClr val="B42419"/>
-                </a:solidFill>
-                <a:latin typeface="Menlo-Regular" charset="0"/>
-              </a:rPr>
-              <a:t>"Please enter 2 or more characters</a:t>
-            </a:r>
-            <a:r>
-              <a:rPr lang="en-US" dirty="0" smtClean="0">
-                <a:solidFill>
-                  <a:srgbClr val="B42419"/>
-                </a:solidFill>
-                <a:latin typeface="Menlo-Regular" charset="0"/>
-              </a:rPr>
-              <a:t>"</a:t>
-            </a:r>
-            <a:r>
-              <a:rPr lang="en-US" dirty="0" smtClean="0">
-                <a:solidFill>
-                  <a:srgbClr val="000000"/>
-                </a:solidFill>
-                <a:latin typeface="Menlo-Regular" charset="0"/>
-              </a:rPr>
-              <a:t>)</a:t>
-            </a:r>
-          </a:p>
-          <a:p>
-            <a:r>
-              <a:rPr lang="en-US" dirty="0">
-                <a:solidFill>
-                  <a:srgbClr val="000000"/>
-                </a:solidFill>
-                <a:latin typeface="Menlo-Regular" charset="0"/>
-              </a:rPr>
-              <a:t> </a:t>
-            </a:r>
-            <a:r>
-              <a:rPr lang="en-US" dirty="0" smtClean="0">
-                <a:solidFill>
-                  <a:srgbClr val="000000"/>
-                </a:solidFill>
-                <a:latin typeface="Menlo-Regular" charset="0"/>
-              </a:rPr>
-              <a:t>   ])</a:t>
-            </a:r>
-            <a:endParaRPr lang="en-US" dirty="0">
-              <a:solidFill>
-                <a:srgbClr val="000000"/>
-              </a:solidFill>
-              <a:latin typeface="Menlo-Regular" charset="0"/>
-            </a:endParaRPr>
+              <a:t>    ])</a:t>
+            </a:r>
           </a:p>
           <a:p>
             <a:r>
@@ -10580,7 +10201,7 @@
               <a:t>https://</a:t>
             </a:r>
             <a:r>
-              <a:rPr lang="en-US" sz="2400" dirty="0" err="1" smtClean="0">
+              <a:rPr lang="en-US" sz="2400" dirty="0" err="1">
                 <a:solidFill>
                   <a:srgbClr val="FFFF00"/>
                 </a:solidFill>
@@ -10588,7 +10209,7 @@
               <a:t>docs.djangoproject.com</a:t>
             </a:r>
             <a:r>
-              <a:rPr lang="en-US" sz="2400" dirty="0" smtClean="0">
+              <a:rPr lang="en-US" sz="2400" dirty="0">
                 <a:solidFill>
                   <a:srgbClr val="FFFF00"/>
                 </a:solidFill>
@@ -10596,7 +10217,7 @@
               <a:t>/</a:t>
             </a:r>
             <a:r>
-              <a:rPr lang="en-US" sz="2400" dirty="0" err="1" smtClean="0">
+              <a:rPr lang="en-US" sz="2400" dirty="0" err="1">
                 <a:solidFill>
                   <a:srgbClr val="FFFF00"/>
                 </a:solidFill>
@@ -10604,36 +10225,12 @@
               <a:t>en</a:t>
             </a:r>
             <a:r>
-              <a:rPr lang="en-US" sz="2400" dirty="0" smtClean="0">
+              <a:rPr lang="en-US" sz="2400" dirty="0">
                 <a:solidFill>
                   <a:srgbClr val="FFFF00"/>
                 </a:solidFill>
               </a:rPr>
-              <a:t>/</a:t>
-            </a:r>
-            <a:r>
-              <a:rPr lang="hr-HR" sz="2400" smtClean="0">
-                <a:solidFill>
-                  <a:srgbClr val="FFFF00"/>
-                </a:solidFill>
-              </a:rPr>
-              <a:t>3.0</a:t>
-            </a:r>
-            <a:r>
-              <a:rPr lang="en-US" sz="2400" smtClean="0">
-                <a:solidFill>
-                  <a:srgbClr val="FFFF00"/>
-                </a:solidFill>
-              </a:rPr>
-              <a:t>/ref/validators</a:t>
-            </a:r>
-            <a:r>
-              <a:rPr lang="en-US" sz="2400" dirty="0">
-                <a:solidFill>
-                  <a:srgbClr val="FFFF00"/>
-                </a:solidFill>
-              </a:rPr>
-              <a:t>/</a:t>
+              <a:t>/4.0/ref/validators/</a:t>
             </a:r>
           </a:p>
         </p:txBody>
@@ -10660,7 +10257,7 @@
           <a:lstStyle/>
           <a:p>
             <a:r>
-              <a:rPr lang="en-US" dirty="0" smtClean="0">
+              <a:rPr lang="en-US" dirty="0">
                 <a:solidFill>
                   <a:srgbClr val="FFFF00"/>
                 </a:solidFill>
@@ -10671,7 +10268,7 @@
               <a:t>dj4e-samples/form/</a:t>
             </a:r>
             <a:r>
-              <a:rPr lang="en-US" dirty="0" err="1" smtClean="0">
+              <a:rPr lang="en-US" dirty="0" err="1">
                 <a:solidFill>
                   <a:srgbClr val="FFFF00"/>
                 </a:solidFill>
@@ -10703,13 +10300,6 @@
   <p:clrMapOvr>
     <a:masterClrMapping/>
   </p:clrMapOvr>
-  <p:timing>
-    <p:tnLst>
-      <p:par>
-        <p:cTn id="1" dur="indefinite" restart="never" nodeType="tmRoot"/>
-      </p:par>
-    </p:tnLst>
-  </p:timing>
 </p:sld>
 </file>
 
@@ -10812,7 +10402,7 @@
               <a:t> </a:t>
             </a:r>
             <a:r>
-              <a:rPr lang="en-US" sz="1700" b="1" dirty="0" smtClean="0">
+              <a:rPr lang="en-US" sz="1700" b="1" dirty="0">
                 <a:solidFill>
                   <a:srgbClr val="2EAEBB"/>
                 </a:solidFill>
@@ -10823,17 +10413,6 @@
               <a:t>Validate</a:t>
             </a:r>
             <a:r>
-              <a:rPr lang="en-US" sz="1700" b="1" dirty="0" smtClean="0">
-                <a:solidFill>
-                  <a:srgbClr val="000000"/>
-                </a:solidFill>
-                <a:latin typeface="Courier" charset="0"/>
-                <a:ea typeface="Courier" charset="0"/>
-                <a:cs typeface="Courier" charset="0"/>
-              </a:rPr>
-              <a:t>(View</a:t>
-            </a:r>
-            <a:r>
               <a:rPr lang="en-US" sz="1700" b="1" dirty="0">
                 <a:solidFill>
                   <a:srgbClr val="000000"/>
@@ -10842,7 +10421,7 @@
                 <a:ea typeface="Courier" charset="0"/>
                 <a:cs typeface="Courier" charset="0"/>
               </a:rPr>
-              <a:t>):</a:t>
+              <a:t>(View):</a:t>
             </a:r>
           </a:p>
           <a:p>
@@ -11399,7 +10978,7 @@
               <a:t> render(request, </a:t>
             </a:r>
             <a:r>
-              <a:rPr lang="en-US" sz="1700" b="1" dirty="0" smtClean="0">
+              <a:rPr lang="en-US" sz="1700" b="1" dirty="0">
                 <a:solidFill>
                   <a:srgbClr val="B42419"/>
                 </a:solidFill>
@@ -11410,7 +10989,7 @@
               <a:t>'form/</a:t>
             </a:r>
             <a:r>
-              <a:rPr lang="en-US" sz="1700" b="1" dirty="0" err="1" smtClean="0">
+              <a:rPr lang="en-US" sz="1700" b="1" dirty="0" err="1">
                 <a:solidFill>
                   <a:srgbClr val="B42419"/>
                 </a:solidFill>
@@ -11804,7 +11383,7 @@
               <a:t> render(request, </a:t>
             </a:r>
             <a:r>
-              <a:rPr lang="en-US" sz="1700" b="1" dirty="0" smtClean="0">
+              <a:rPr lang="en-US" sz="1700" b="1" dirty="0">
                 <a:solidFill>
                   <a:srgbClr val="B42419"/>
                 </a:solidFill>
@@ -11815,7 +11394,7 @@
               <a:t>'form/</a:t>
             </a:r>
             <a:r>
-              <a:rPr lang="en-US" sz="1700" b="1" dirty="0" err="1" smtClean="0">
+              <a:rPr lang="en-US" sz="1700" b="1" dirty="0" err="1">
                 <a:solidFill>
                   <a:srgbClr val="B42419"/>
                 </a:solidFill>
@@ -11859,7 +11438,7 @@
               <a:t>ctx</a:t>
             </a:r>
             <a:r>
-              <a:rPr lang="en-US" sz="1700" b="1" dirty="0" smtClean="0">
+              <a:rPr lang="en-US" sz="1700" b="1" dirty="0">
                 <a:solidFill>
                   <a:srgbClr val="000000"/>
                 </a:solidFill>
@@ -11880,27 +11459,8 @@
                 <a:ea typeface="Courier" charset="0"/>
                 <a:cs typeface="Courier" charset="0"/>
               </a:rPr>
-              <a:t> </a:t>
-            </a:r>
-            <a:r>
-              <a:rPr lang="en-US" sz="1700" b="1" dirty="0" smtClean="0">
-                <a:solidFill>
-                  <a:srgbClr val="000000"/>
-                </a:solidFill>
-                <a:latin typeface="Courier" charset="0"/>
-                <a:ea typeface="Courier" charset="0"/>
-                <a:cs typeface="Courier" charset="0"/>
-              </a:rPr>
-              <a:t>       # Save the Data</a:t>
-            </a:r>
-            <a:endParaRPr lang="en-US" sz="1700" b="1" dirty="0">
-              <a:solidFill>
-                <a:srgbClr val="000000"/>
-              </a:solidFill>
-              <a:latin typeface="Courier" charset="0"/>
-              <a:ea typeface="Courier" charset="0"/>
-              <a:cs typeface="Courier" charset="0"/>
-            </a:endParaRPr>
+              <a:t>        # Save the Data</a:t>
+            </a:r>
           </a:p>
           <a:p>
             <a:r>
@@ -11912,21 +11472,10 @@
                 <a:ea typeface="Courier" charset="0"/>
                 <a:cs typeface="Courier" charset="0"/>
               </a:rPr>
-              <a:t> </a:t>
-            </a:r>
-            <a:r>
-              <a:rPr lang="en-US" sz="1700" b="1" dirty="0" smtClean="0">
-                <a:solidFill>
-                  <a:srgbClr val="000000"/>
-                </a:solidFill>
-                <a:latin typeface="Courier" charset="0"/>
-                <a:ea typeface="Courier" charset="0"/>
-                <a:cs typeface="Courier" charset="0"/>
-              </a:rPr>
-              <a:t>       </a:t>
-            </a:r>
-            <a:r>
-              <a:rPr lang="en-US" sz="1700" b="1" dirty="0" smtClean="0">
+              <a:t>        </a:t>
+            </a:r>
+            <a:r>
+              <a:rPr lang="en-US" sz="1700" b="1" dirty="0">
                 <a:solidFill>
                   <a:srgbClr val="C1651C"/>
                 </a:solidFill>
@@ -11937,17 +11486,6 @@
               <a:t>return</a:t>
             </a:r>
             <a:r>
-              <a:rPr lang="en-US" sz="1700" b="1" dirty="0" smtClean="0">
-                <a:solidFill>
-                  <a:srgbClr val="000000"/>
-                </a:solidFill>
-                <a:latin typeface="Courier" charset="0"/>
-                <a:ea typeface="Courier" charset="0"/>
-                <a:cs typeface="Courier" charset="0"/>
-              </a:rPr>
-              <a:t> </a:t>
-            </a:r>
-            <a:r>
               <a:rPr lang="en-US" sz="1700" b="1" dirty="0">
                 <a:solidFill>
                   <a:srgbClr val="000000"/>
@@ -11956,7 +11494,7 @@
                 <a:ea typeface="Courier" charset="0"/>
                 <a:cs typeface="Courier" charset="0"/>
               </a:rPr>
-              <a:t>redirect(</a:t>
+              <a:t> redirect(</a:t>
             </a:r>
             <a:r>
               <a:rPr lang="en-US" sz="1700" b="1" dirty="0">
@@ -12240,18 +11778,13 @@
           <a:p>
             <a:pPr algn="ctr"/>
             <a:r>
-              <a:rPr lang="en-US" smtClean="0">
+              <a:rPr lang="en-US">
                 <a:solidFill>
                   <a:schemeClr val="tx1"/>
                 </a:solidFill>
               </a:rPr>
               <a:t>GET</a:t>
             </a:r>
-            <a:endParaRPr lang="en-US">
-              <a:solidFill>
-                <a:schemeClr val="tx1"/>
-              </a:solidFill>
-            </a:endParaRPr>
           </a:p>
         </p:txBody>
       </p:sp>
@@ -12300,18 +11833,13 @@
           <a:p>
             <a:pPr algn="ctr"/>
             <a:r>
-              <a:rPr lang="en-US" dirty="0" smtClean="0">
+              <a:rPr lang="en-US" dirty="0">
                 <a:solidFill>
                   <a:schemeClr val="tx1"/>
                 </a:solidFill>
               </a:rPr>
               <a:t>200</a:t>
             </a:r>
-            <a:endParaRPr lang="en-US" dirty="0">
-              <a:solidFill>
-                <a:schemeClr val="tx1"/>
-              </a:solidFill>
-            </a:endParaRPr>
           </a:p>
         </p:txBody>
       </p:sp>
@@ -12337,7 +11865,7 @@
           <a:lstStyle/>
           <a:p>
             <a:r>
-              <a:rPr lang="en-US" dirty="0" smtClean="0">
+              <a:rPr lang="en-US" dirty="0">
                 <a:solidFill>
                   <a:srgbClr val="FFFF00"/>
                 </a:solidFill>
@@ -12348,7 +11876,7 @@
               <a:t>dj4e-samples/form/</a:t>
             </a:r>
             <a:r>
-              <a:rPr lang="en-US" dirty="0" err="1" smtClean="0">
+              <a:rPr lang="en-US" dirty="0" err="1">
                 <a:solidFill>
                   <a:srgbClr val="FFFF00"/>
                 </a:solidFill>
@@ -12379,13 +11907,6 @@
   <p:clrMapOvr>
     <a:masterClrMapping/>
   </p:clrMapOvr>
-  <p:timing>
-    <p:tnLst>
-      <p:par>
-        <p:cTn id="1" dur="indefinite" restart="never" nodeType="tmRoot"/>
-      </p:par>
-    </p:tnLst>
-  </p:timing>
 </p:sld>
 </file>
 
@@ -12448,10 +11969,9 @@
           <a:p>
             <a:pPr algn="r"/>
             <a:r>
-              <a:rPr lang="en-US" dirty="0" smtClean="0"/>
+              <a:rPr lang="en-US" dirty="0"/>
               <a:t>Linux</a:t>
             </a:r>
-            <a:endParaRPr lang="en-US" dirty="0"/>
           </a:p>
         </p:txBody>
       </p:sp>
@@ -12497,10 +12017,9 @@
           <a:p>
             <a:pPr algn="r"/>
             <a:r>
-              <a:rPr lang="en-US" dirty="0" smtClean="0"/>
+              <a:rPr lang="en-US" dirty="0"/>
               <a:t>Browser</a:t>
             </a:r>
-            <a:endParaRPr lang="en-US" dirty="0"/>
           </a:p>
         </p:txBody>
       </p:sp>
@@ -12549,10 +12068,9 @@
           <a:p>
             <a:pPr algn="r"/>
             <a:r>
-              <a:rPr lang="en-US" dirty="0" smtClean="0"/>
+              <a:rPr lang="en-US" dirty="0"/>
               <a:t>Django</a:t>
             </a:r>
-            <a:endParaRPr lang="en-US" dirty="0"/>
           </a:p>
         </p:txBody>
       </p:sp>
@@ -12581,7 +12099,7 @@
           <a:lstStyle/>
           <a:p>
             <a:r>
-              <a:rPr lang="en-US" dirty="0" err="1" smtClean="0"/>
+              <a:rPr lang="en-US" dirty="0" err="1"/>
               <a:t>WGSIConfig</a:t>
             </a:r>
             <a:endParaRPr lang="en-US" dirty="0"/>
@@ -12626,18 +12144,13 @@
           <a:p>
             <a:pPr algn="ctr"/>
             <a:r>
-              <a:rPr lang="en-US" smtClean="0">
+              <a:rPr lang="en-US">
                 <a:solidFill>
                   <a:schemeClr val="tx1"/>
                 </a:solidFill>
               </a:rPr>
               <a:t>Routing</a:t>
             </a:r>
-            <a:endParaRPr lang="en-US">
-              <a:solidFill>
-                <a:schemeClr val="tx1"/>
-              </a:solidFill>
-            </a:endParaRPr>
           </a:p>
         </p:txBody>
       </p:sp>
@@ -12679,18 +12192,13 @@
           <a:p>
             <a:pPr algn="ctr"/>
             <a:r>
-              <a:rPr lang="en-US" dirty="0" smtClean="0">
+              <a:rPr lang="en-US" dirty="0">
                 <a:solidFill>
                   <a:schemeClr val="bg1"/>
                 </a:solidFill>
               </a:rPr>
               <a:t>Views</a:t>
             </a:r>
-            <a:endParaRPr lang="en-US" dirty="0">
-              <a:solidFill>
-                <a:schemeClr val="bg1"/>
-              </a:solidFill>
-            </a:endParaRPr>
           </a:p>
         </p:txBody>
       </p:sp>
@@ -12734,10 +12242,9 @@
           <a:p>
             <a:pPr algn="ctr"/>
             <a:r>
-              <a:rPr lang="en-US" dirty="0" smtClean="0"/>
+              <a:rPr lang="en-US" dirty="0"/>
               <a:t>Database</a:t>
             </a:r>
-            <a:endParaRPr lang="en-US" dirty="0"/>
           </a:p>
         </p:txBody>
       </p:sp>
@@ -12776,10 +12283,10 @@
           <a:p>
             <a:pPr algn="ctr"/>
             <a:r>
-              <a:rPr lang="en-US" smtClean="0"/>
+              <a:rPr lang="en-US"/>
               <a:t>Templates</a:t>
             </a:r>
-            <a:endParaRPr lang="en-US" dirty="0" smtClean="0"/>
+            <a:endParaRPr lang="en-US" dirty="0"/>
           </a:p>
         </p:txBody>
       </p:sp>
@@ -12818,7 +12325,7 @@
           <a:p>
             <a:pPr algn="ctr"/>
             <a:r>
-              <a:rPr lang="en-US" smtClean="0"/>
+              <a:rPr lang="en-US"/>
               <a:t>settings.py</a:t>
             </a:r>
             <a:endParaRPr lang="en-US" dirty="0"/>
@@ -12906,35 +12413,35 @@
           <a:p>
             <a:pPr algn="ctr"/>
             <a:r>
-              <a:rPr lang="en-US" dirty="0" smtClean="0"/>
+              <a:rPr lang="en-US" dirty="0"/>
               <a:t>N</a:t>
             </a:r>
           </a:p>
           <a:p>
             <a:pPr algn="ctr"/>
             <a:r>
-              <a:rPr lang="en-US" dirty="0" smtClean="0"/>
+              <a:rPr lang="en-US" dirty="0"/>
               <a:t>G</a:t>
             </a:r>
           </a:p>
           <a:p>
             <a:pPr algn="ctr"/>
             <a:r>
-              <a:rPr lang="en-US" dirty="0" smtClean="0"/>
+              <a:rPr lang="en-US" dirty="0"/>
               <a:t>I</a:t>
             </a:r>
           </a:p>
           <a:p>
             <a:pPr algn="ctr"/>
             <a:r>
-              <a:rPr lang="en-US" dirty="0" smtClean="0"/>
+              <a:rPr lang="en-US" dirty="0"/>
               <a:t>N</a:t>
             </a:r>
             <a:br>
-              <a:rPr lang="en-US" dirty="0" smtClean="0"/>
+              <a:rPr lang="en-US" dirty="0"/>
             </a:br>
             <a:r>
-              <a:rPr lang="en-US" dirty="0" smtClean="0"/>
+              <a:rPr lang="en-US" dirty="0"/>
               <a:t>X</a:t>
             </a:r>
           </a:p>
@@ -13175,7 +12682,7 @@
           <a:p>
             <a:pPr algn="ctr"/>
             <a:r>
-              <a:rPr lang="en-US" dirty="0" err="1" smtClean="0"/>
+              <a:rPr lang="en-US" dirty="0" err="1"/>
               <a:t>urls.py</a:t>
             </a:r>
             <a:endParaRPr lang="en-US" dirty="0"/>
@@ -13217,10 +12724,10 @@
           <a:p>
             <a:pPr algn="ctr"/>
             <a:r>
-              <a:rPr lang="en-US" dirty="0" err="1" smtClean="0"/>
+              <a:rPr lang="en-US" dirty="0" err="1"/>
               <a:t>views.py</a:t>
             </a:r>
-            <a:endParaRPr lang="en-US" dirty="0" smtClean="0"/>
+            <a:endParaRPr lang="en-US" dirty="0"/>
           </a:p>
         </p:txBody>
       </p:sp>
@@ -13259,7 +12766,7 @@
           <a:p>
             <a:pPr algn="ctr"/>
             <a:r>
-              <a:rPr lang="en-US" dirty="0" err="1" smtClean="0"/>
+              <a:rPr lang="en-US" dirty="0" err="1"/>
               <a:t>forms.py</a:t>
             </a:r>
             <a:endParaRPr lang="en-US" dirty="0"/>
@@ -13304,18 +12811,13 @@
           <a:p>
             <a:pPr algn="ctr"/>
             <a:r>
-              <a:rPr lang="en-US" dirty="0" smtClean="0">
+              <a:rPr lang="en-US" dirty="0">
                 <a:solidFill>
                   <a:schemeClr val="tx1"/>
                 </a:solidFill>
               </a:rPr>
               <a:t>Models</a:t>
             </a:r>
-            <a:endParaRPr lang="en-US" dirty="0">
-              <a:solidFill>
-                <a:schemeClr val="tx1"/>
-              </a:solidFill>
-            </a:endParaRPr>
           </a:p>
         </p:txBody>
       </p:sp>
@@ -13523,7 +13025,7 @@
           <a:p>
             <a:pPr algn="ctr"/>
             <a:r>
-              <a:rPr lang="en-US" dirty="0" err="1" smtClean="0"/>
+              <a:rPr lang="en-US" dirty="0" err="1"/>
               <a:t>models.py</a:t>
             </a:r>
             <a:endParaRPr lang="en-US" dirty="0"/>
@@ -13575,24 +13077,23 @@
           <a:p>
             <a:pPr algn="ctr"/>
             <a:r>
-              <a:rPr lang="en-US" dirty="0" smtClean="0"/>
+              <a:rPr lang="en-US" dirty="0"/>
               <a:t>D</a:t>
             </a:r>
           </a:p>
           <a:p>
             <a:pPr algn="ctr"/>
             <a:r>
-              <a:rPr lang="en-US" dirty="0" smtClean="0"/>
+              <a:rPr lang="en-US" dirty="0"/>
               <a:t>O</a:t>
             </a:r>
           </a:p>
           <a:p>
             <a:pPr algn="ctr"/>
             <a:r>
-              <a:rPr lang="en-US" dirty="0" smtClean="0"/>
+              <a:rPr lang="en-US" dirty="0"/>
               <a:t>M</a:t>
             </a:r>
-            <a:endParaRPr lang="en-US" dirty="0"/>
           </a:p>
         </p:txBody>
       </p:sp>
@@ -13637,7 +13138,7 @@
           <a:p>
             <a:pPr algn="ctr"/>
             <a:r>
-              <a:rPr lang="en-US" dirty="0" smtClean="0">
+              <a:rPr lang="en-US" dirty="0">
                 <a:solidFill>
                   <a:schemeClr val="tx1"/>
                 </a:solidFill>
@@ -13648,18 +13149,13 @@
           <a:p>
             <a:pPr algn="ctr"/>
             <a:r>
-              <a:rPr lang="en-US" dirty="0" smtClean="0">
+              <a:rPr lang="en-US" dirty="0">
                 <a:solidFill>
                   <a:schemeClr val="tx1"/>
                 </a:solidFill>
               </a:rPr>
               <a:t>Response</a:t>
             </a:r>
-            <a:endParaRPr lang="en-US" dirty="0">
-              <a:solidFill>
-                <a:schemeClr val="tx1"/>
-              </a:solidFill>
-            </a:endParaRPr>
           </a:p>
         </p:txBody>
       </p:sp>
@@ -13709,7 +13205,7 @@
           <a:lstStyle/>
           <a:p>
             <a:r>
-              <a:rPr lang="en-US" dirty="0" err="1" smtClean="0"/>
+              <a:rPr lang="en-US" dirty="0" err="1"/>
               <a:t>Javascript</a:t>
             </a:r>
             <a:endParaRPr lang="en-US" dirty="0"/>
@@ -13781,7 +13277,7 @@
           <a:p>
             <a:pPr algn="ctr"/>
             <a:r>
-              <a:rPr lang="en-US" dirty="0" err="1" smtClean="0"/>
+              <a:rPr lang="en-US" dirty="0" err="1"/>
               <a:t>admin.py</a:t>
             </a:r>
             <a:endParaRPr lang="en-US" dirty="0"/>
@@ -13826,7 +13322,7 @@
           <a:p>
             <a:pPr algn="ctr"/>
             <a:r>
-              <a:rPr lang="en-US" dirty="0" smtClean="0">
+              <a:rPr lang="en-US" dirty="0">
                 <a:solidFill>
                   <a:schemeClr val="bg1"/>
                 </a:solidFill>
@@ -13990,7 +13486,7 @@
           <a:p>
             <a:pPr algn="ctr"/>
             <a:r>
-              <a:rPr lang="en-US" dirty="0" smtClean="0">
+              <a:rPr lang="en-US" dirty="0">
                 <a:solidFill>
                   <a:schemeClr val="bg1"/>
                 </a:solidFill>
@@ -14268,7 +13764,7 @@
           <a:p>
             <a:pPr algn="ctr"/>
             <a:r>
-              <a:rPr lang="en-US" dirty="0" smtClean="0"/>
+              <a:rPr lang="en-US" dirty="0"/>
               <a:t>Click</a:t>
             </a:r>
           </a:p>
@@ -14434,13 +13930,6 @@
   <p:clrMapOvr>
     <a:masterClrMapping/>
   </p:clrMapOvr>
-  <p:timing>
-    <p:tnLst>
-      <p:par>
-        <p:cTn id="1" dur="indefinite" restart="never" nodeType="tmRoot"/>
-      </p:par>
-    </p:tnLst>
-  </p:timing>
 </p:sld>
 </file>
 
@@ -15171,7 +14660,7 @@
               <a:t> render(request, </a:t>
             </a:r>
             <a:r>
-              <a:rPr lang="en-US" sz="1600" b="1" dirty="0" smtClean="0">
+              <a:rPr lang="en-US" sz="1600" b="1" dirty="0">
                 <a:solidFill>
                   <a:srgbClr val="B42419"/>
                 </a:solidFill>
@@ -15182,7 +14671,7 @@
               <a:t>'form/</a:t>
             </a:r>
             <a:r>
-              <a:rPr lang="en-US" sz="1600" b="1" dirty="0" err="1" smtClean="0">
+              <a:rPr lang="en-US" sz="1600" b="1" dirty="0" err="1">
                 <a:solidFill>
                   <a:srgbClr val="B42419"/>
                 </a:solidFill>
@@ -15576,7 +15065,7 @@
               <a:t> render(request, </a:t>
             </a:r>
             <a:r>
-              <a:rPr lang="en-US" sz="1600" b="1" dirty="0" smtClean="0">
+              <a:rPr lang="en-US" sz="1600" b="1" dirty="0">
                 <a:solidFill>
                   <a:srgbClr val="B42419"/>
                 </a:solidFill>
@@ -15587,7 +15076,7 @@
               <a:t>'form/</a:t>
             </a:r>
             <a:r>
-              <a:rPr lang="en-US" sz="1600" b="1" dirty="0" err="1" smtClean="0">
+              <a:rPr lang="en-US" sz="1600" b="1" dirty="0" err="1">
                 <a:solidFill>
                   <a:srgbClr val="B42419"/>
                 </a:solidFill>
@@ -15652,65 +15141,32 @@
                 <a:ea typeface="Courier" charset="0"/>
                 <a:cs typeface="Courier" charset="0"/>
               </a:rPr>
+              <a:t>        # If there are no errors, we would save the data</a:t>
+            </a:r>
+            <a:br>
+              <a:rPr lang="en-US" sz="1600" b="1" dirty="0">
+                <a:solidFill>
+                  <a:srgbClr val="000000"/>
+                </a:solidFill>
+                <a:latin typeface="Courier" charset="0"/>
+                <a:ea typeface="Courier" charset="0"/>
+                <a:cs typeface="Courier" charset="0"/>
+              </a:rPr>
+            </a:br>
+            <a:r>
+              <a:rPr lang="en-US" sz="1600" b="1" dirty="0">
+                <a:solidFill>
+                  <a:srgbClr val="000000"/>
+                </a:solidFill>
+                <a:latin typeface="Courier" charset="0"/>
+                <a:ea typeface="Courier" charset="0"/>
+                <a:cs typeface="Courier" charset="0"/>
+              </a:rPr>
               <a:t> </a:t>
             </a:r>
             <a:r>
-              <a:rPr lang="en-US" sz="1600" b="1" dirty="0" smtClean="0">
-                <a:solidFill>
-                  <a:srgbClr val="000000"/>
-                </a:solidFill>
-                <a:latin typeface="Courier" charset="0"/>
-                <a:ea typeface="Courier" charset="0"/>
-                <a:cs typeface="Courier" charset="0"/>
-              </a:rPr>
-              <a:t>       </a:t>
-            </a:r>
-            <a:r>
               <a:rPr lang="en-US" sz="1600" b="1" dirty="0">
                 <a:solidFill>
-                  <a:srgbClr val="000000"/>
-                </a:solidFill>
-                <a:latin typeface="Courier" charset="0"/>
-                <a:ea typeface="Courier" charset="0"/>
-                <a:cs typeface="Courier" charset="0"/>
-              </a:rPr>
-              <a:t># If there are no errors, we would save the data</a:t>
-            </a:r>
-            <a:r>
-              <a:rPr lang="en-US" sz="1600" b="1" dirty="0" smtClean="0">
-                <a:solidFill>
-                  <a:srgbClr val="000000"/>
-                </a:solidFill>
-                <a:latin typeface="Courier" charset="0"/>
-                <a:ea typeface="Courier" charset="0"/>
-                <a:cs typeface="Courier" charset="0"/>
-              </a:rPr>
-              <a:t/>
-            </a:r>
-            <a:br>
-              <a:rPr lang="en-US" sz="1600" b="1" dirty="0" smtClean="0">
-                <a:solidFill>
-                  <a:srgbClr val="000000"/>
-                </a:solidFill>
-                <a:latin typeface="Courier" charset="0"/>
-                <a:ea typeface="Courier" charset="0"/>
-                <a:cs typeface="Courier" charset="0"/>
-              </a:rPr>
-            </a:br>
-            <a:r>
-              <a:rPr lang="en-US" sz="1600" b="1" dirty="0" smtClean="0">
-                <a:solidFill>
-                  <a:srgbClr val="000000"/>
-                </a:solidFill>
-                <a:latin typeface="Courier" charset="0"/>
-                <a:ea typeface="Courier" charset="0"/>
-                <a:cs typeface="Courier" charset="0"/>
-              </a:rPr>
-              <a:t> </a:t>
-            </a:r>
-            <a:r>
-              <a:rPr lang="en-US" sz="1600" b="1" dirty="0" smtClean="0">
-                <a:solidFill>
                   <a:srgbClr val="C1651C"/>
                 </a:solidFill>
                 <a:latin typeface="Courier" charset="0"/>
@@ -15720,17 +15176,6 @@
               <a:t>       return</a:t>
             </a:r>
             <a:r>
-              <a:rPr lang="en-US" sz="1600" b="1" dirty="0" smtClean="0">
-                <a:solidFill>
-                  <a:srgbClr val="000000"/>
-                </a:solidFill>
-                <a:latin typeface="Courier" charset="0"/>
-                <a:ea typeface="Courier" charset="0"/>
-                <a:cs typeface="Courier" charset="0"/>
-              </a:rPr>
-              <a:t> </a:t>
-            </a:r>
-            <a:r>
               <a:rPr lang="en-US" sz="1600" b="1" dirty="0">
                 <a:solidFill>
                   <a:srgbClr val="000000"/>
@@ -15739,7 +15184,7 @@
                 <a:ea typeface="Courier" charset="0"/>
                 <a:cs typeface="Courier" charset="0"/>
               </a:rPr>
-              <a:t>redirect(</a:t>
+              <a:t> redirect(</a:t>
             </a:r>
             <a:r>
               <a:rPr lang="en-US" sz="1600" b="1" dirty="0">
@@ -15987,18 +15432,13 @@
           <a:p>
             <a:pPr algn="ctr"/>
             <a:r>
-              <a:rPr lang="en-US" dirty="0" smtClean="0">
+              <a:rPr lang="en-US" dirty="0">
                 <a:solidFill>
                   <a:schemeClr val="tx1"/>
                 </a:solidFill>
               </a:rPr>
               <a:t>POST</a:t>
             </a:r>
-            <a:endParaRPr lang="en-US" dirty="0">
-              <a:solidFill>
-                <a:schemeClr val="tx1"/>
-              </a:solidFill>
-            </a:endParaRPr>
           </a:p>
         </p:txBody>
       </p:sp>
@@ -16201,7 +15641,7 @@
           <a:p>
             <a:pPr algn="ctr"/>
             <a:r>
-              <a:rPr lang="en-US" smtClean="0">
+              <a:rPr lang="en-US">
                 <a:solidFill>
                   <a:schemeClr val="tx1"/>
                 </a:solidFill>
@@ -16261,18 +15701,13 @@
           <a:p>
             <a:pPr algn="ctr"/>
             <a:r>
-              <a:rPr lang="en-US" dirty="0" smtClean="0">
+              <a:rPr lang="en-US" dirty="0">
                 <a:solidFill>
                   <a:schemeClr val="tx1"/>
                 </a:solidFill>
               </a:rPr>
               <a:t>GET</a:t>
             </a:r>
-            <a:endParaRPr lang="en-US" dirty="0">
-              <a:solidFill>
-                <a:schemeClr val="tx1"/>
-              </a:solidFill>
-            </a:endParaRPr>
           </a:p>
         </p:txBody>
       </p:sp>
@@ -16407,18 +15842,13 @@
           <a:p>
             <a:pPr algn="ctr"/>
             <a:r>
-              <a:rPr lang="en-US" dirty="0" smtClean="0">
+              <a:rPr lang="en-US" dirty="0">
                 <a:solidFill>
                   <a:schemeClr val="tx1"/>
                 </a:solidFill>
               </a:rPr>
               <a:t>200</a:t>
             </a:r>
-            <a:endParaRPr lang="en-US" dirty="0">
-              <a:solidFill>
-                <a:schemeClr val="tx1"/>
-              </a:solidFill>
-            </a:endParaRPr>
           </a:p>
         </p:txBody>
       </p:sp>
@@ -16475,13 +15905,6 @@
   <p:clrMapOvr>
     <a:masterClrMapping/>
   </p:clrMapOvr>
-  <p:timing>
-    <p:tnLst>
-      <p:par>
-        <p:cTn id="1" dur="indefinite" restart="never" nodeType="tmRoot"/>
-      </p:par>
-    </p:tnLst>
-  </p:timing>
 </p:sld>
 </file>
 
@@ -17212,7 +16635,7 @@
               <a:t> render(request, </a:t>
             </a:r>
             <a:r>
-              <a:rPr lang="en-US" sz="1700" b="1" dirty="0" smtClean="0">
+              <a:rPr lang="en-US" sz="1700" b="1" dirty="0">
                 <a:solidFill>
                   <a:srgbClr val="B42419"/>
                 </a:solidFill>
@@ -17223,7 +16646,7 @@
               <a:t>'form/</a:t>
             </a:r>
             <a:r>
-              <a:rPr lang="en-US" sz="1700" b="1" dirty="0" err="1" smtClean="0">
+              <a:rPr lang="en-US" sz="1700" b="1" dirty="0" err="1">
                 <a:solidFill>
                   <a:srgbClr val="B42419"/>
                 </a:solidFill>
@@ -17617,7 +17040,7 @@
               <a:t> render(request, </a:t>
             </a:r>
             <a:r>
-              <a:rPr lang="en-US" sz="1700" b="1" dirty="0" smtClean="0">
+              <a:rPr lang="en-US" sz="1700" b="1" dirty="0">
                 <a:solidFill>
                   <a:srgbClr val="B42419"/>
                 </a:solidFill>
@@ -17628,7 +17051,7 @@
               <a:t>'form/</a:t>
             </a:r>
             <a:r>
-              <a:rPr lang="en-US" sz="1700" b="1" dirty="0" err="1" smtClean="0">
+              <a:rPr lang="en-US" sz="1700" b="1" dirty="0" err="1">
                 <a:solidFill>
                   <a:srgbClr val="B42419"/>
                 </a:solidFill>
@@ -17685,17 +17108,6 @@
           </a:p>
           <a:p>
             <a:r>
-              <a:rPr lang="en-US" sz="1700" b="1" dirty="0" smtClean="0">
-                <a:solidFill>
-                  <a:srgbClr val="000000"/>
-                </a:solidFill>
-                <a:latin typeface="Courier" charset="0"/>
-                <a:ea typeface="Courier" charset="0"/>
-                <a:cs typeface="Courier" charset="0"/>
-              </a:rPr>
-              <a:t>        </a:t>
-            </a:r>
-            <a:r>
               <a:rPr lang="en-US" sz="1700" b="1" dirty="0">
                 <a:solidFill>
                   <a:srgbClr val="000000"/>
@@ -17704,23 +17116,12 @@
                 <a:ea typeface="Courier" charset="0"/>
                 <a:cs typeface="Courier" charset="0"/>
               </a:rPr>
-              <a:t># If there are no errors, we would save the </a:t>
-            </a:r>
-            <a:r>
-              <a:rPr lang="en-US" sz="1700" b="1" dirty="0" smtClean="0">
-                <a:solidFill>
-                  <a:srgbClr val="000000"/>
-                </a:solidFill>
-                <a:latin typeface="Courier" charset="0"/>
-                <a:ea typeface="Courier" charset="0"/>
-                <a:cs typeface="Courier" charset="0"/>
-              </a:rPr>
-              <a:t>data</a:t>
-            </a:r>
-          </a:p>
-          <a:p>
-            <a:r>
-              <a:rPr lang="en-US" sz="1700" b="1" dirty="0" smtClean="0">
+              <a:t>        # If there are no errors, we would save the data</a:t>
+            </a:r>
+          </a:p>
+          <a:p>
+            <a:r>
+              <a:rPr lang="en-US" sz="1700" b="1" dirty="0">
                 <a:solidFill>
                   <a:srgbClr val="C1651C"/>
                 </a:solidFill>
@@ -17731,17 +17132,6 @@
               <a:t>        return</a:t>
             </a:r>
             <a:r>
-              <a:rPr lang="en-US" sz="1700" b="1" dirty="0" smtClean="0">
-                <a:solidFill>
-                  <a:srgbClr val="000000"/>
-                </a:solidFill>
-                <a:latin typeface="Courier" charset="0"/>
-                <a:ea typeface="Courier" charset="0"/>
-                <a:cs typeface="Courier" charset="0"/>
-              </a:rPr>
-              <a:t> </a:t>
-            </a:r>
-            <a:r>
               <a:rPr lang="en-US" sz="1700" b="1" dirty="0">
                 <a:solidFill>
                   <a:srgbClr val="000000"/>
@@ -17750,7 +17140,7 @@
                 <a:ea typeface="Courier" charset="0"/>
                 <a:cs typeface="Courier" charset="0"/>
               </a:rPr>
-              <a:t>redirect(</a:t>
+              <a:t> redirect(</a:t>
             </a:r>
             <a:r>
               <a:rPr lang="en-US" sz="1700" b="1" dirty="0">
@@ -17998,18 +17388,13 @@
           <a:p>
             <a:pPr algn="ctr"/>
             <a:r>
-              <a:rPr lang="en-US" dirty="0" smtClean="0">
+              <a:rPr lang="en-US" dirty="0">
                 <a:solidFill>
                   <a:schemeClr val="tx1"/>
                 </a:solidFill>
               </a:rPr>
               <a:t>POST</a:t>
             </a:r>
-            <a:endParaRPr lang="en-US" dirty="0">
-              <a:solidFill>
-                <a:schemeClr val="tx1"/>
-              </a:solidFill>
-            </a:endParaRPr>
           </a:p>
         </p:txBody>
       </p:sp>
@@ -18094,18 +17479,13 @@
           <a:p>
             <a:pPr algn="ctr"/>
             <a:r>
-              <a:rPr lang="en-US" dirty="0" smtClean="0">
+              <a:rPr lang="en-US" dirty="0">
                 <a:solidFill>
                   <a:schemeClr val="tx1"/>
                 </a:solidFill>
               </a:rPr>
               <a:t>200</a:t>
             </a:r>
-            <a:endParaRPr lang="en-US" dirty="0">
-              <a:solidFill>
-                <a:schemeClr val="tx1"/>
-              </a:solidFill>
-            </a:endParaRPr>
           </a:p>
         </p:txBody>
       </p:sp>
@@ -18119,13 +17499,6 @@
   <p:clrMapOvr>
     <a:masterClrMapping/>
   </p:clrMapOvr>
-  <p:timing>
-    <p:tnLst>
-      <p:par>
-        <p:cTn id="1" dur="indefinite" restart="never" nodeType="tmRoot"/>
-      </p:par>
-    </p:tnLst>
-  </p:timing>
 </p:sld>
 </file>
 
@@ -18162,10 +17535,9 @@
           <a:lstStyle/>
           <a:p>
             <a:r>
-              <a:rPr lang="en-US" dirty="0" smtClean="0"/>
+              <a:rPr lang="en-US" dirty="0"/>
               <a:t>Models + Forms</a:t>
             </a:r>
-            <a:endParaRPr lang="en-US" dirty="0"/>
           </a:p>
         </p:txBody>
       </p:sp>
@@ -18185,10 +17557,9 @@
           <a:lstStyle/>
           <a:p>
             <a:r>
-              <a:rPr lang="en-US" dirty="0" smtClean="0"/>
+              <a:rPr lang="en-US" dirty="0"/>
               <a:t>Crossing the streams</a:t>
             </a:r>
-            <a:endParaRPr lang="en-US" dirty="0"/>
           </a:p>
         </p:txBody>
       </p:sp>
@@ -18231,7 +17602,7 @@
             </a:r>
             <a:r>
               <a:rPr lang="en-US" dirty="0"/>
-              <a:t>/3.0/topics/forms/</a:t>
+              <a:t>/4.0/topics/forms/</a:t>
             </a:r>
             <a:r>
               <a:rPr lang="en-US" dirty="0" err="1"/>
@@ -18290,10 +17661,9 @@
           <a:lstStyle/>
           <a:p>
             <a:r>
-              <a:rPr lang="en-US" dirty="0" smtClean="0"/>
+              <a:rPr lang="en-US" dirty="0"/>
               <a:t>Form Structure is similar to Model Structure</a:t>
             </a:r>
-            <a:endParaRPr lang="en-US" dirty="0"/>
           </a:p>
         </p:txBody>
       </p:sp>
@@ -18322,7 +17692,7 @@
           <a:lstStyle/>
           <a:p>
             <a:r>
-              <a:rPr lang="en-US" sz="1600" dirty="0" smtClean="0">
+              <a:rPr lang="en-US" sz="1600" dirty="0">
                 <a:solidFill>
                   <a:srgbClr val="C1651C"/>
                 </a:solidFill>
@@ -18333,7 +17703,7 @@
               <a:t>class</a:t>
             </a:r>
             <a:r>
-              <a:rPr lang="en-US" sz="1600" dirty="0" smtClean="0">
+              <a:rPr lang="en-US" sz="1600" dirty="0">
                 <a:solidFill>
                   <a:srgbClr val="000000"/>
                 </a:solidFill>
@@ -18436,7 +17806,7 @@
               <a:t>      </a:t>
             </a:r>
             <a:r>
-              <a:rPr lang="en-US" sz="1600" dirty="0" err="1" smtClean="0">
+              <a:rPr lang="en-US" sz="1600" dirty="0" err="1">
                 <a:solidFill>
                   <a:srgbClr val="000000"/>
                 </a:solidFill>
@@ -18447,7 +17817,7 @@
               <a:t>validators.MinLengthValidator</a:t>
             </a:r>
             <a:r>
-              <a:rPr lang="en-US" sz="1600" dirty="0" smtClean="0">
+              <a:rPr lang="en-US" sz="1600" dirty="0">
                 <a:solidFill>
                   <a:srgbClr val="000000"/>
                 </a:solidFill>
@@ -18458,7 +17828,7 @@
               <a:t>(</a:t>
             </a:r>
             <a:r>
-              <a:rPr lang="en-US" sz="1600" dirty="0" smtClean="0">
+              <a:rPr lang="en-US" sz="1600" dirty="0">
                 <a:solidFill>
                   <a:srgbClr val="B42419"/>
                 </a:solidFill>
@@ -18480,7 +17850,7 @@
               <a:t>, </a:t>
             </a:r>
             <a:r>
-              <a:rPr lang="en-US" sz="1600" dirty="0" smtClean="0">
+              <a:rPr lang="en-US" sz="1600" dirty="0">
                 <a:solidFill>
                   <a:srgbClr val="B42419"/>
                 </a:solidFill>
@@ -18491,7 +17861,7 @@
               <a:t>"..."</a:t>
             </a:r>
             <a:r>
-              <a:rPr lang="en-US" sz="1600" dirty="0" smtClean="0">
+              <a:rPr lang="en-US" sz="1600" dirty="0">
                 <a:solidFill>
                   <a:srgbClr val="000000"/>
                 </a:solidFill>
@@ -18501,14 +17871,6 @@
               </a:rPr>
               <a:t>)])</a:t>
             </a:r>
-            <a:endParaRPr lang="en-US" sz="1600" dirty="0">
-              <a:solidFill>
-                <a:srgbClr val="000000"/>
-              </a:solidFill>
-              <a:latin typeface="Courier" charset="0"/>
-              <a:ea typeface="Courier" charset="0"/>
-              <a:cs typeface="Courier" charset="0"/>
-            </a:endParaRPr>
           </a:p>
           <a:p>
             <a:r>
@@ -18626,7 +17988,7 @@
           <a:lstStyle/>
           <a:p>
             <a:r>
-              <a:rPr lang="en-US" dirty="0" smtClean="0">
+              <a:rPr lang="en-US" dirty="0">
                 <a:solidFill>
                   <a:srgbClr val="FFFF00"/>
                 </a:solidFill>
@@ -18637,7 +17999,7 @@
               <a:t>dj4e-samples/form/</a:t>
             </a:r>
             <a:r>
-              <a:rPr lang="en-US" dirty="0" err="1" smtClean="0">
+              <a:rPr lang="en-US" dirty="0" err="1">
                 <a:solidFill>
                   <a:srgbClr val="FFFF00"/>
                 </a:solidFill>
@@ -18899,7 +18261,7 @@
               <a:t>, </a:t>
             </a:r>
             <a:r>
-              <a:rPr lang="en-US" sz="1600" dirty="0" smtClean="0">
+              <a:rPr lang="en-US" sz="1600" dirty="0">
                 <a:solidFill>
                   <a:srgbClr val="B42419"/>
                 </a:solidFill>
@@ -18910,7 +18272,7 @@
               <a:t>".."</a:t>
             </a:r>
             <a:r>
-              <a:rPr lang="en-US" sz="1600" dirty="0" smtClean="0">
+              <a:rPr lang="en-US" sz="1600" dirty="0">
                 <a:solidFill>
                   <a:srgbClr val="000000"/>
                 </a:solidFill>
@@ -18920,14 +18282,6 @@
               </a:rPr>
               <a:t>)]</a:t>
             </a:r>
-            <a:endParaRPr lang="en-US" sz="1600" dirty="0">
-              <a:solidFill>
-                <a:srgbClr val="000000"/>
-              </a:solidFill>
-              <a:latin typeface="Courier" charset="0"/>
-              <a:ea typeface="Courier" charset="0"/>
-              <a:cs typeface="Courier" charset="0"/>
-            </a:endParaRPr>
           </a:p>
           <a:p>
             <a:r>
@@ -19121,14 +18475,6 @@
               </a:rPr>
               <a:t>)</a:t>
             </a:r>
-            <a:endParaRPr lang="en-US" sz="1600" dirty="0">
-              <a:solidFill>
-                <a:srgbClr val="000000"/>
-              </a:solidFill>
-              <a:latin typeface="Courier" charset="0"/>
-              <a:ea typeface="Courier" charset="0"/>
-              <a:cs typeface="Courier" charset="0"/>
-            </a:endParaRPr>
           </a:p>
         </p:txBody>
       </p:sp>
@@ -19154,7 +18500,7 @@
           <a:lstStyle/>
           <a:p>
             <a:r>
-              <a:rPr lang="en-US" dirty="0" smtClean="0">
+              <a:rPr lang="en-US" dirty="0">
                 <a:solidFill>
                   <a:srgbClr val="FFFF00"/>
                 </a:solidFill>
@@ -19165,7 +18511,7 @@
               <a:t>dj4e-samples/form/</a:t>
             </a:r>
             <a:r>
-              <a:rPr lang="en-US" dirty="0" err="1" smtClean="0">
+              <a:rPr lang="en-US" dirty="0" err="1">
                 <a:solidFill>
                   <a:srgbClr val="FFFF00"/>
                 </a:solidFill>
@@ -19457,7 +18803,7 @@
               <a:t>, </a:t>
             </a:r>
             <a:r>
-              <a:rPr lang="en-US" sz="1600" dirty="0" smtClean="0">
+              <a:rPr lang="en-US" sz="1600" dirty="0">
                 <a:solidFill>
                   <a:srgbClr val="B42419"/>
                 </a:solidFill>
@@ -19468,7 +18814,7 @@
               <a:t>".."</a:t>
             </a:r>
             <a:r>
-              <a:rPr lang="en-US" sz="1600" dirty="0" smtClean="0">
+              <a:rPr lang="en-US" sz="1600" dirty="0">
                 <a:solidFill>
                   <a:srgbClr val="000000"/>
                 </a:solidFill>
@@ -19478,14 +18824,6 @@
               </a:rPr>
               <a:t>)]</a:t>
             </a:r>
-            <a:endParaRPr lang="en-US" sz="1600" dirty="0">
-              <a:solidFill>
-                <a:srgbClr val="000000"/>
-              </a:solidFill>
-              <a:latin typeface="Courier" charset="0"/>
-              <a:ea typeface="Courier" charset="0"/>
-              <a:cs typeface="Courier" charset="0"/>
-            </a:endParaRPr>
           </a:p>
           <a:p>
             <a:r>
@@ -19679,14 +19017,6 @@
               </a:rPr>
               <a:t>)</a:t>
             </a:r>
-            <a:endParaRPr lang="en-US" sz="1600" dirty="0">
-              <a:solidFill>
-                <a:srgbClr val="000000"/>
-              </a:solidFill>
-              <a:latin typeface="Courier" charset="0"/>
-              <a:ea typeface="Courier" charset="0"/>
-              <a:cs typeface="Courier" charset="0"/>
-            </a:endParaRPr>
           </a:p>
         </p:txBody>
       </p:sp>
@@ -19712,7 +19042,7 @@
           <a:lstStyle/>
           <a:p>
             <a:r>
-              <a:rPr lang="en-US" dirty="0" smtClean="0">
+              <a:rPr lang="en-US" dirty="0">
                 <a:solidFill>
                   <a:srgbClr val="FFFF00"/>
                 </a:solidFill>
@@ -19723,7 +19053,7 @@
               <a:t>dj4e-samples/form/</a:t>
             </a:r>
             <a:r>
-              <a:rPr lang="en-US" dirty="0" err="1" smtClean="0">
+              <a:rPr lang="en-US" dirty="0" err="1">
                 <a:solidFill>
                   <a:srgbClr val="FFFF00"/>
                 </a:solidFill>
@@ -19761,10 +19091,9 @@
           <a:lstStyle/>
           <a:p>
             <a:r>
-              <a:rPr lang="en-US" dirty="0" smtClean="0"/>
+              <a:rPr lang="en-US" dirty="0"/>
               <a:t>We can derive a form from a model</a:t>
             </a:r>
-            <a:endParaRPr lang="en-US" dirty="0"/>
           </a:p>
         </p:txBody>
       </p:sp>
@@ -19951,7 +19280,7 @@
               <a:t> = </a:t>
             </a:r>
             <a:r>
-              <a:rPr lang="mr-IN" sz="1600" dirty="0" err="1" smtClean="0">
+              <a:rPr lang="mr-IN" sz="1600" dirty="0" err="1">
                 <a:solidFill>
                   <a:srgbClr val="000000"/>
                 </a:solidFill>
@@ -19960,246 +19289,6 @@
                 <a:cs typeface="Courier" charset="0"/>
               </a:rPr>
               <a:t>Cat</a:t>
-            </a:r>
-            <a:endParaRPr lang="en-US" sz="1600" dirty="0" smtClean="0">
-              <a:solidFill>
-                <a:srgbClr val="000000"/>
-              </a:solidFill>
-              <a:latin typeface="Courier" charset="0"/>
-              <a:ea typeface="Courier" charset="0"/>
-              <a:cs typeface="Courier" charset="0"/>
-            </a:endParaRPr>
-          </a:p>
-          <a:p>
-            <a:r>
-              <a:rPr lang="en-US" sz="1600" dirty="0">
-                <a:solidFill>
-                  <a:srgbClr val="000000"/>
-                </a:solidFill>
-                <a:latin typeface="Courier" charset="0"/>
-                <a:ea typeface="Courier" charset="0"/>
-                <a:cs typeface="Courier" charset="0"/>
-              </a:rPr>
-              <a:t> </a:t>
-            </a:r>
-            <a:r>
-              <a:rPr lang="en-US" sz="1600" dirty="0" smtClean="0">
-                <a:solidFill>
-                  <a:srgbClr val="000000"/>
-                </a:solidFill>
-                <a:latin typeface="Courier" charset="0"/>
-                <a:ea typeface="Courier" charset="0"/>
-                <a:cs typeface="Courier" charset="0"/>
-              </a:rPr>
-              <a:t>       </a:t>
-            </a:r>
-            <a:r>
-              <a:rPr lang="mr-IN" sz="1600" dirty="0" smtClean="0">
-                <a:solidFill>
-                  <a:srgbClr val="400BD9"/>
-                </a:solidFill>
-                <a:latin typeface="Courier" charset="0"/>
-                <a:ea typeface="Courier" charset="0"/>
-                <a:cs typeface="Courier" charset="0"/>
-              </a:rPr>
-              <a:t># </a:t>
-            </a:r>
-            <a:r>
-              <a:rPr lang="mr-IN" sz="1600" dirty="0" err="1">
-                <a:solidFill>
-                  <a:srgbClr val="400BD9"/>
-                </a:solidFill>
-                <a:latin typeface="Courier" charset="0"/>
-                <a:ea typeface="Courier" charset="0"/>
-                <a:cs typeface="Courier" charset="0"/>
-              </a:rPr>
-              <a:t>fields</a:t>
-            </a:r>
-            <a:r>
-              <a:rPr lang="mr-IN" sz="1600" dirty="0">
-                <a:solidFill>
-                  <a:srgbClr val="400BD9"/>
-                </a:solidFill>
-                <a:latin typeface="Courier" charset="0"/>
-                <a:ea typeface="Courier" charset="0"/>
-                <a:cs typeface="Courier" charset="0"/>
-              </a:rPr>
-              <a:t> = ['</a:t>
-            </a:r>
-            <a:r>
-              <a:rPr lang="mr-IN" sz="1600" dirty="0" err="1">
-                <a:solidFill>
-                  <a:srgbClr val="400BD9"/>
-                </a:solidFill>
-                <a:latin typeface="Courier" charset="0"/>
-                <a:ea typeface="Courier" charset="0"/>
-                <a:cs typeface="Courier" charset="0"/>
-              </a:rPr>
-              <a:t>name</a:t>
-            </a:r>
-            <a:r>
-              <a:rPr lang="mr-IN" sz="1600" dirty="0">
-                <a:solidFill>
-                  <a:srgbClr val="400BD9"/>
-                </a:solidFill>
-                <a:latin typeface="Courier" charset="0"/>
-                <a:ea typeface="Courier" charset="0"/>
-                <a:cs typeface="Courier" charset="0"/>
-              </a:rPr>
-              <a:t>', '</a:t>
-            </a:r>
-            <a:r>
-              <a:rPr lang="mr-IN" sz="1600" dirty="0" err="1">
-                <a:solidFill>
-                  <a:srgbClr val="400BD9"/>
-                </a:solidFill>
-                <a:latin typeface="Courier" charset="0"/>
-                <a:ea typeface="Courier" charset="0"/>
-                <a:cs typeface="Courier" charset="0"/>
-              </a:rPr>
-              <a:t>breed</a:t>
-            </a:r>
-            <a:r>
-              <a:rPr lang="mr-IN" sz="1600" dirty="0">
-                <a:solidFill>
-                  <a:srgbClr val="400BD9"/>
-                </a:solidFill>
-                <a:latin typeface="Courier" charset="0"/>
-                <a:ea typeface="Courier" charset="0"/>
-                <a:cs typeface="Courier" charset="0"/>
-              </a:rPr>
-              <a:t>', '</a:t>
-            </a:r>
-            <a:r>
-              <a:rPr lang="mr-IN" sz="1600" dirty="0" err="1">
-                <a:solidFill>
-                  <a:srgbClr val="400BD9"/>
-                </a:solidFill>
-                <a:latin typeface="Courier" charset="0"/>
-                <a:ea typeface="Courier" charset="0"/>
-                <a:cs typeface="Courier" charset="0"/>
-              </a:rPr>
-              <a:t>comments</a:t>
-            </a:r>
-            <a:r>
-              <a:rPr lang="mr-IN" sz="1600" dirty="0">
-                <a:solidFill>
-                  <a:srgbClr val="400BD9"/>
-                </a:solidFill>
-                <a:latin typeface="Courier" charset="0"/>
-                <a:ea typeface="Courier" charset="0"/>
-                <a:cs typeface="Courier" charset="0"/>
-              </a:rPr>
-              <a:t>']</a:t>
-            </a:r>
-            <a:r>
-              <a:rPr lang="mr-IN" sz="1600" dirty="0" smtClean="0">
-                <a:solidFill>
-                  <a:srgbClr val="000000"/>
-                </a:solidFill>
-                <a:latin typeface="Courier" charset="0"/>
-                <a:ea typeface="Courier" charset="0"/>
-                <a:cs typeface="Courier" charset="0"/>
-              </a:rPr>
-              <a:t> </a:t>
-            </a:r>
-            <a:endParaRPr lang="en-US" sz="1600" dirty="0" smtClean="0">
-              <a:solidFill>
-                <a:srgbClr val="000000"/>
-              </a:solidFill>
-              <a:latin typeface="Courier" charset="0"/>
-              <a:ea typeface="Courier" charset="0"/>
-              <a:cs typeface="Courier" charset="0"/>
-            </a:endParaRPr>
-          </a:p>
-          <a:p>
-            <a:r>
-              <a:rPr lang="mr-IN" sz="1600" dirty="0" smtClean="0">
-                <a:solidFill>
-                  <a:srgbClr val="000000"/>
-                </a:solidFill>
-                <a:latin typeface="Courier" charset="0"/>
-                <a:ea typeface="Courier" charset="0"/>
-                <a:cs typeface="Courier" charset="0"/>
-              </a:rPr>
-              <a:t>       </a:t>
-            </a:r>
-            <a:r>
-              <a:rPr lang="en-US" sz="1600" dirty="0" smtClean="0">
-                <a:solidFill>
-                  <a:srgbClr val="000000"/>
-                </a:solidFill>
-                <a:latin typeface="Courier" charset="0"/>
-                <a:ea typeface="Courier" charset="0"/>
-                <a:cs typeface="Courier" charset="0"/>
-              </a:rPr>
-              <a:t> </a:t>
-            </a:r>
-            <a:r>
-              <a:rPr lang="mr-IN" sz="1600" dirty="0" err="1" smtClean="0">
-                <a:solidFill>
-                  <a:srgbClr val="000000"/>
-                </a:solidFill>
-                <a:latin typeface="Courier" charset="0"/>
-                <a:ea typeface="Courier" charset="0"/>
-                <a:cs typeface="Courier" charset="0"/>
-              </a:rPr>
-              <a:t>fields</a:t>
-            </a:r>
-            <a:r>
-              <a:rPr lang="mr-IN" sz="1600" dirty="0" smtClean="0">
-                <a:solidFill>
-                  <a:srgbClr val="000000"/>
-                </a:solidFill>
-                <a:latin typeface="Courier" charset="0"/>
-                <a:ea typeface="Courier" charset="0"/>
-                <a:cs typeface="Courier" charset="0"/>
-              </a:rPr>
-              <a:t> </a:t>
-            </a:r>
-            <a:r>
-              <a:rPr lang="mr-IN" sz="1600" dirty="0">
-                <a:solidFill>
-                  <a:srgbClr val="000000"/>
-                </a:solidFill>
-                <a:latin typeface="Courier" charset="0"/>
-                <a:ea typeface="Courier" charset="0"/>
-                <a:cs typeface="Courier" charset="0"/>
-              </a:rPr>
-              <a:t>= </a:t>
-            </a:r>
-            <a:r>
-              <a:rPr lang="mr-IN" sz="1600" dirty="0">
-                <a:solidFill>
-                  <a:srgbClr val="B42419"/>
-                </a:solidFill>
-                <a:latin typeface="Courier" charset="0"/>
-                <a:ea typeface="Courier" charset="0"/>
-                <a:cs typeface="Courier" charset="0"/>
-              </a:rPr>
-              <a:t>'__</a:t>
-            </a:r>
-            <a:r>
-              <a:rPr lang="mr-IN" sz="1600" dirty="0" err="1">
-                <a:solidFill>
-                  <a:srgbClr val="B42419"/>
-                </a:solidFill>
-                <a:latin typeface="Courier" charset="0"/>
-                <a:ea typeface="Courier" charset="0"/>
-                <a:cs typeface="Courier" charset="0"/>
-              </a:rPr>
-              <a:t>all</a:t>
-            </a:r>
-            <a:r>
-              <a:rPr lang="mr-IN" sz="1600" dirty="0">
-                <a:solidFill>
-                  <a:srgbClr val="B42419"/>
-                </a:solidFill>
-                <a:latin typeface="Courier" charset="0"/>
-                <a:ea typeface="Courier" charset="0"/>
-                <a:cs typeface="Courier" charset="0"/>
-              </a:rPr>
-              <a:t>__'</a:t>
             </a:r>
             <a:endParaRPr lang="en-US" sz="1600" dirty="0">
               <a:solidFill>
@@ -20210,6 +19299,224 @@
               <a:cs typeface="Courier" charset="0"/>
             </a:endParaRPr>
           </a:p>
+          <a:p>
+            <a:r>
+              <a:rPr lang="en-US" sz="1600" dirty="0">
+                <a:solidFill>
+                  <a:srgbClr val="000000"/>
+                </a:solidFill>
+                <a:latin typeface="Courier" charset="0"/>
+                <a:ea typeface="Courier" charset="0"/>
+                <a:cs typeface="Courier" charset="0"/>
+              </a:rPr>
+              <a:t>        </a:t>
+            </a:r>
+            <a:r>
+              <a:rPr lang="mr-IN" sz="1600" dirty="0">
+                <a:solidFill>
+                  <a:srgbClr val="400BD9"/>
+                </a:solidFill>
+                <a:latin typeface="Courier" charset="0"/>
+                <a:ea typeface="Courier" charset="0"/>
+                <a:cs typeface="Courier" charset="0"/>
+              </a:rPr>
+              <a:t># </a:t>
+            </a:r>
+            <a:r>
+              <a:rPr lang="mr-IN" sz="1600" dirty="0" err="1">
+                <a:solidFill>
+                  <a:srgbClr val="400BD9"/>
+                </a:solidFill>
+                <a:latin typeface="Courier" charset="0"/>
+                <a:ea typeface="Courier" charset="0"/>
+                <a:cs typeface="Courier" charset="0"/>
+              </a:rPr>
+              <a:t>fields</a:t>
+            </a:r>
+            <a:r>
+              <a:rPr lang="mr-IN" sz="1600" dirty="0">
+                <a:solidFill>
+                  <a:srgbClr val="400BD9"/>
+                </a:solidFill>
+                <a:latin typeface="Courier" charset="0"/>
+                <a:ea typeface="Courier" charset="0"/>
+                <a:cs typeface="Courier" charset="0"/>
+              </a:rPr>
+              <a:t> = ['</a:t>
+            </a:r>
+            <a:r>
+              <a:rPr lang="mr-IN" sz="1600" dirty="0" err="1">
+                <a:solidFill>
+                  <a:srgbClr val="400BD9"/>
+                </a:solidFill>
+                <a:latin typeface="Courier" charset="0"/>
+                <a:ea typeface="Courier" charset="0"/>
+                <a:cs typeface="Courier" charset="0"/>
+              </a:rPr>
+              <a:t>name</a:t>
+            </a:r>
+            <a:r>
+              <a:rPr lang="mr-IN" sz="1600" dirty="0">
+                <a:solidFill>
+                  <a:srgbClr val="400BD9"/>
+                </a:solidFill>
+                <a:latin typeface="Courier" charset="0"/>
+                <a:ea typeface="Courier" charset="0"/>
+                <a:cs typeface="Courier" charset="0"/>
+              </a:rPr>
+              <a:t>', '</a:t>
+            </a:r>
+            <a:r>
+              <a:rPr lang="mr-IN" sz="1600" dirty="0" err="1">
+                <a:solidFill>
+                  <a:srgbClr val="400BD9"/>
+                </a:solidFill>
+                <a:latin typeface="Courier" charset="0"/>
+                <a:ea typeface="Courier" charset="0"/>
+                <a:cs typeface="Courier" charset="0"/>
+              </a:rPr>
+              <a:t>breed</a:t>
+            </a:r>
+            <a:r>
+              <a:rPr lang="mr-IN" sz="1600" dirty="0">
+                <a:solidFill>
+                  <a:srgbClr val="400BD9"/>
+                </a:solidFill>
+                <a:latin typeface="Courier" charset="0"/>
+                <a:ea typeface="Courier" charset="0"/>
+                <a:cs typeface="Courier" charset="0"/>
+              </a:rPr>
+              <a:t>', '</a:t>
+            </a:r>
+            <a:r>
+              <a:rPr lang="mr-IN" sz="1600" dirty="0" err="1">
+                <a:solidFill>
+                  <a:srgbClr val="400BD9"/>
+                </a:solidFill>
+                <a:latin typeface="Courier" charset="0"/>
+                <a:ea typeface="Courier" charset="0"/>
+                <a:cs typeface="Courier" charset="0"/>
+              </a:rPr>
+              <a:t>comments</a:t>
+            </a:r>
+            <a:r>
+              <a:rPr lang="mr-IN" sz="1600" dirty="0">
+                <a:solidFill>
+                  <a:srgbClr val="400BD9"/>
+                </a:solidFill>
+                <a:latin typeface="Courier" charset="0"/>
+                <a:ea typeface="Courier" charset="0"/>
+                <a:cs typeface="Courier" charset="0"/>
+              </a:rPr>
+              <a:t>']</a:t>
+            </a:r>
+            <a:r>
+              <a:rPr lang="mr-IN" sz="1600" dirty="0">
+                <a:solidFill>
+                  <a:srgbClr val="000000"/>
+                </a:solidFill>
+                <a:latin typeface="Courier" charset="0"/>
+                <a:ea typeface="Courier" charset="0"/>
+                <a:cs typeface="Courier" charset="0"/>
+              </a:rPr>
+              <a:t> </a:t>
+            </a:r>
+            <a:endParaRPr lang="en-US" sz="1600" dirty="0">
+              <a:solidFill>
+                <a:srgbClr val="000000"/>
+              </a:solidFill>
+              <a:latin typeface="Courier" charset="0"/>
+              <a:ea typeface="Courier" charset="0"/>
+              <a:cs typeface="Courier" charset="0"/>
+            </a:endParaRPr>
+          </a:p>
+          <a:p>
+            <a:r>
+              <a:rPr lang="mr-IN" sz="1600" dirty="0">
+                <a:solidFill>
+                  <a:srgbClr val="000000"/>
+                </a:solidFill>
+                <a:latin typeface="Courier" charset="0"/>
+                <a:ea typeface="Courier" charset="0"/>
+                <a:cs typeface="Courier" charset="0"/>
+              </a:rPr>
+              <a:t>       </a:t>
+            </a:r>
+            <a:r>
+              <a:rPr lang="en-US" sz="1600" dirty="0">
+                <a:solidFill>
+                  <a:srgbClr val="000000"/>
+                </a:solidFill>
+                <a:latin typeface="Courier" charset="0"/>
+                <a:ea typeface="Courier" charset="0"/>
+                <a:cs typeface="Courier" charset="0"/>
+              </a:rPr>
+              <a:t> </a:t>
+            </a:r>
+            <a:r>
+              <a:rPr lang="mr-IN" sz="1600" dirty="0" err="1">
+                <a:solidFill>
+                  <a:srgbClr val="000000"/>
+                </a:solidFill>
+                <a:latin typeface="Courier" charset="0"/>
+                <a:ea typeface="Courier" charset="0"/>
+                <a:cs typeface="Courier" charset="0"/>
+              </a:rPr>
+              <a:t>fields</a:t>
+            </a:r>
+            <a:r>
+              <a:rPr lang="mr-IN" sz="1600" dirty="0">
+                <a:solidFill>
+                  <a:srgbClr val="000000"/>
+                </a:solidFill>
+                <a:latin typeface="Courier" charset="0"/>
+                <a:ea typeface="Courier" charset="0"/>
+                <a:cs typeface="Courier" charset="0"/>
+              </a:rPr>
+              <a:t> = </a:t>
+            </a:r>
+            <a:r>
+              <a:rPr lang="mr-IN" sz="1600" dirty="0">
+                <a:solidFill>
+                  <a:srgbClr val="B42419"/>
+                </a:solidFill>
+                <a:latin typeface="Courier" charset="0"/>
+                <a:ea typeface="Courier" charset="0"/>
+                <a:cs typeface="Courier" charset="0"/>
+              </a:rPr>
+              <a:t>'__</a:t>
+            </a:r>
+            <a:r>
+              <a:rPr lang="mr-IN" sz="1600" dirty="0" err="1">
+                <a:solidFill>
+                  <a:srgbClr val="B42419"/>
+                </a:solidFill>
+                <a:latin typeface="Courier" charset="0"/>
+                <a:ea typeface="Courier" charset="0"/>
+                <a:cs typeface="Courier" charset="0"/>
+              </a:rPr>
+              <a:t>all</a:t>
+            </a:r>
+            <a:r>
+              <a:rPr lang="mr-IN" sz="1600" dirty="0">
+                <a:solidFill>
+                  <a:srgbClr val="B42419"/>
+                </a:solidFill>
+                <a:latin typeface="Courier" charset="0"/>
+                <a:ea typeface="Courier" charset="0"/>
+                <a:cs typeface="Courier" charset="0"/>
+              </a:rPr>
+              <a:t>__'</a:t>
+            </a:r>
+            <a:endParaRPr lang="en-US" sz="1600" dirty="0">
+              <a:solidFill>
+                <a:srgbClr val="000000"/>
+              </a:solidFill>
+              <a:latin typeface="Courier" charset="0"/>
+              <a:ea typeface="Courier" charset="0"/>
+              <a:cs typeface="Courier" charset="0"/>
+            </a:endParaRPr>
+          </a:p>
         </p:txBody>
       </p:sp>
       <p:sp>
@@ -20234,7 +19541,7 @@
           <a:lstStyle/>
           <a:p>
             <a:r>
-              <a:rPr lang="en-US" dirty="0" smtClean="0">
+              <a:rPr lang="en-US" dirty="0">
                 <a:solidFill>
                   <a:srgbClr val="FFFF00"/>
                 </a:solidFill>
@@ -20245,7 +19552,7 @@
               <a:t>dj4e-samples/form/</a:t>
             </a:r>
             <a:r>
-              <a:rPr lang="en-US" dirty="0" err="1" smtClean="0">
+              <a:rPr lang="en-US" dirty="0" err="1">
                 <a:solidFill>
                   <a:srgbClr val="FFFF00"/>
                 </a:solidFill>
@@ -21142,7 +20449,7 @@
               <a:t>        </a:t>
             </a:r>
             <a:r>
-              <a:rPr lang="en-US" dirty="0" smtClean="0">
+              <a:rPr lang="en-US" dirty="0">
                 <a:solidFill>
                   <a:srgbClr val="000000"/>
                 </a:solidFill>
@@ -21153,7 +20460,7 @@
               <a:t>new</a:t>
             </a:r>
             <a:r>
-              <a:rPr lang="mr-IN" dirty="0" err="1" smtClean="0">
+              <a:rPr lang="mr-IN" dirty="0" err="1">
                 <a:solidFill>
                   <a:srgbClr val="000000"/>
                 </a:solidFill>
@@ -21164,17 +20471,6 @@
               <a:t>cat</a:t>
             </a:r>
             <a:r>
-              <a:rPr lang="mr-IN" dirty="0" smtClean="0">
-                <a:solidFill>
-                  <a:srgbClr val="000000"/>
-                </a:solidFill>
-                <a:latin typeface="Courier" charset="0"/>
-                <a:ea typeface="Courier" charset="0"/>
-                <a:cs typeface="Courier" charset="0"/>
-              </a:rPr>
-              <a:t> </a:t>
-            </a:r>
-            <a:r>
               <a:rPr lang="mr-IN" dirty="0">
                 <a:solidFill>
                   <a:srgbClr val="000000"/>
@@ -21183,7 +20479,7 @@
                 <a:ea typeface="Courier" charset="0"/>
                 <a:cs typeface="Courier" charset="0"/>
               </a:rPr>
-              <a:t>= </a:t>
+              <a:t> = </a:t>
             </a:r>
             <a:r>
               <a:rPr lang="mr-IN" dirty="0" err="1">
@@ -21331,7 +20627,7 @@
               <a:t> + </a:t>
             </a:r>
             <a:r>
-              <a:rPr lang="mr-IN" dirty="0" err="1" smtClean="0">
+              <a:rPr lang="mr-IN" dirty="0" err="1">
                 <a:solidFill>
                   <a:srgbClr val="2EAEBB"/>
                 </a:solidFill>
@@ -21342,7 +20638,7 @@
               <a:t>str</a:t>
             </a:r>
             <a:r>
-              <a:rPr lang="mr-IN" dirty="0" smtClean="0">
+              <a:rPr lang="mr-IN" dirty="0">
                 <a:solidFill>
                   <a:srgbClr val="000000"/>
                 </a:solidFill>
@@ -21353,7 +20649,7 @@
               <a:t>(</a:t>
             </a:r>
             <a:r>
-              <a:rPr lang="en-US" dirty="0" smtClean="0">
+              <a:rPr lang="en-US" dirty="0">
                 <a:solidFill>
                   <a:srgbClr val="000000"/>
                 </a:solidFill>
@@ -21364,7 +20660,7 @@
               <a:t>new</a:t>
             </a:r>
             <a:r>
-              <a:rPr lang="mr-IN" dirty="0" err="1" smtClean="0">
+              <a:rPr lang="mr-IN" dirty="0" err="1">
                 <a:solidFill>
                   <a:srgbClr val="000000"/>
                 </a:solidFill>
@@ -21450,7 +20746,7 @@
           <a:lstStyle/>
           <a:p>
             <a:r>
-              <a:rPr lang="en-US" dirty="0" smtClean="0">
+              <a:rPr lang="en-US" dirty="0">
                 <a:solidFill>
                   <a:srgbClr val="FFFF00"/>
                 </a:solidFill>
@@ -21461,7 +20757,7 @@
               <a:t>dj4e-samples/form/</a:t>
             </a:r>
             <a:r>
-              <a:rPr lang="en-US" dirty="0" err="1" smtClean="0">
+              <a:rPr lang="en-US" dirty="0" err="1">
                 <a:solidFill>
                   <a:srgbClr val="FFFF00"/>
                 </a:solidFill>
@@ -22221,21 +21517,10 @@
                 <a:ea typeface="Courier" charset="0"/>
                 <a:cs typeface="Courier" charset="0"/>
               </a:rPr>
-              <a:t>, </a:t>
-            </a:r>
-            <a:r>
-              <a:rPr lang="en-US" dirty="0" smtClean="0">
-                <a:solidFill>
-                  <a:srgbClr val="000000"/>
-                </a:solidFill>
-                <a:latin typeface="Courier" charset="0"/>
-                <a:ea typeface="Courier" charset="0"/>
-                <a:cs typeface="Courier" charset="0"/>
-              </a:rPr>
-              <a:t>instance=</a:t>
-            </a:r>
-            <a:r>
-              <a:rPr lang="en-US" dirty="0" err="1" smtClean="0">
+              <a:t>, instance=</a:t>
+            </a:r>
+            <a:r>
+              <a:rPr lang="en-US" dirty="0" err="1">
                 <a:solidFill>
                   <a:srgbClr val="000000"/>
                 </a:solidFill>
@@ -22561,7 +21846,7 @@
               <a:t>        </a:t>
             </a:r>
             <a:r>
-              <a:rPr lang="en-US" dirty="0" err="1" smtClean="0">
+              <a:rPr lang="en-US" dirty="0" err="1">
                 <a:solidFill>
                   <a:srgbClr val="000000"/>
                 </a:solidFill>
@@ -22572,7 +21857,7 @@
               <a:t>editcat</a:t>
             </a:r>
             <a:r>
-              <a:rPr lang="en-US" dirty="0" smtClean="0">
+              <a:rPr lang="en-US" dirty="0">
                 <a:solidFill>
                   <a:srgbClr val="000000"/>
                 </a:solidFill>
@@ -22583,7 +21868,7 @@
               <a:t> </a:t>
             </a:r>
             <a:r>
-              <a:rPr lang="mr-IN" dirty="0" smtClean="0">
+              <a:rPr lang="mr-IN" dirty="0">
                 <a:solidFill>
                   <a:srgbClr val="000000"/>
                 </a:solidFill>
@@ -22781,7 +22066,7 @@
           <a:lstStyle/>
           <a:p>
             <a:r>
-              <a:rPr lang="en-US" dirty="0" smtClean="0">
+              <a:rPr lang="en-US" dirty="0">
                 <a:solidFill>
                   <a:srgbClr val="FFFF00"/>
                 </a:solidFill>
@@ -22792,7 +22077,7 @@
               <a:t>dj4e-samples/form/</a:t>
             </a:r>
             <a:r>
-              <a:rPr lang="en-US" dirty="0" err="1" smtClean="0">
+              <a:rPr lang="en-US" dirty="0" err="1">
                 <a:solidFill>
                   <a:srgbClr val="FFFF00"/>
                 </a:solidFill>
@@ -22863,7 +22148,7 @@
               <a:defRPr/>
             </a:pPr>
             <a:r>
-              <a:rPr lang="en-US" altLang="x-none" dirty="0" smtClean="0">
+              <a:rPr lang="en-US" altLang="x-none" dirty="0">
                 <a:solidFill>
                   <a:srgbClr val="FFFF00"/>
                 </a:solidFill>
@@ -22892,7 +22177,7 @@
               <a:defRPr/>
             </a:pPr>
             <a:r>
-              <a:rPr lang="en-US" altLang="x-none" dirty="0" smtClean="0"/>
+              <a:rPr lang="en-US" altLang="x-none" dirty="0"/>
               <a:t>Django forms</a:t>
             </a:r>
           </a:p>
@@ -22901,7 +22186,7 @@
               <a:defRPr/>
             </a:pPr>
             <a:r>
-              <a:rPr lang="en-US" altLang="x-none" dirty="0" smtClean="0"/>
+              <a:rPr lang="en-US" altLang="x-none" dirty="0"/>
               <a:t>Form Validation</a:t>
             </a:r>
           </a:p>
@@ -22910,10 +22195,10 @@
               <a:defRPr/>
             </a:pPr>
             <a:r>
-              <a:rPr lang="en-US" altLang="x-none" smtClean="0"/>
+              <a:rPr lang="en-US" altLang="x-none"/>
               <a:t>Models and Form</a:t>
             </a:r>
-            <a:endParaRPr lang="en-US" altLang="x-none" dirty="0" smtClean="0"/>
+            <a:endParaRPr lang="en-US" altLang="x-none" dirty="0"/>
           </a:p>
         </p:txBody>
       </p:sp>
@@ -22927,21 +22212,6 @@
   <p:clrMapOvr>
     <a:masterClrMapping/>
   </p:clrMapOvr>
-  <mc:AlternateContent xmlns:mc="http://schemas.openxmlformats.org/markup-compatibility/2006" xmlns:p14="http://schemas.microsoft.com/office/powerpoint/2010/main">
-    <mc:Choice Requires="p14">
-      <p:transition spd="slow" p14:dur="2000"/>
-    </mc:Choice>
-    <mc:Fallback xmlns="">
-      <p:transition spd="slow"/>
-    </mc:Fallback>
-  </mc:AlternateContent>
-  <p:timing>
-    <p:tnLst>
-      <p:par>
-        <p:cTn id="1" dur="indefinite" restart="never" nodeType="tmRoot"/>
-      </p:par>
-    </p:tnLst>
-  </p:timing>
 </p:sld>
 </file>
 
@@ -23603,7 +22873,7 @@
           </a:p>
           <a:p>
             <a:pPr algn="ctr" eaLnBrk="1" hangingPunct="1"/>
-            <a:endParaRPr lang="en-US" altLang="x-none" sz="1200" dirty="0" smtClean="0">
+            <a:endParaRPr lang="en-US" altLang="x-none" sz="1200" dirty="0">
               <a:solidFill>
                 <a:schemeClr val="tx1"/>
               </a:solidFill>
@@ -23625,7 +22895,7 @@
           </a:p>
           <a:p>
             <a:pPr algn="ctr" eaLnBrk="1" hangingPunct="1"/>
-            <a:endParaRPr lang="en-US" altLang="x-none" sz="1200" dirty="0" smtClean="0">
+            <a:endParaRPr lang="en-US" altLang="x-none" sz="1200" dirty="0">
               <a:solidFill>
                 <a:schemeClr val="tx1"/>
               </a:solidFill>
@@ -23647,7 +22917,7 @@
           </a:p>
           <a:p>
             <a:pPr algn="ctr" eaLnBrk="1" hangingPunct="1"/>
-            <a:endParaRPr lang="en-US" altLang="x-none" sz="1200" dirty="0" smtClean="0">
+            <a:endParaRPr lang="en-US" altLang="x-none" sz="1200" dirty="0">
               <a:solidFill>
                 <a:schemeClr val="tx1"/>
               </a:solidFill>
@@ -23690,13 +22960,6 @@
   <p:clrMapOvr>
     <a:masterClrMapping/>
   </p:clrMapOvr>
-  <p:timing>
-    <p:tnLst>
-      <p:par>
-        <p:cTn id="1" dur="indefinite" restart="never" nodeType="tmRoot"/>
-      </p:par>
-    </p:tnLst>
-  </p:timing>
 </p:sld>
 </file>
 
@@ -23775,26 +23038,22 @@
               <a:buChar char="•"/>
             </a:pPr>
             <a:r>
-              <a:rPr lang="en-US" altLang="en-US" sz="1600" dirty="0" smtClean="0"/>
+              <a:rPr lang="en-US" altLang="en-US" sz="1600" dirty="0"/>
               <a:t>Portions of the text of these slides is adapted from the text </a:t>
             </a:r>
             <a:r>
-              <a:rPr lang="en-US" altLang="en-US" sz="1600" dirty="0" smtClean="0">
+              <a:rPr lang="en-US" altLang="en-US" sz="1600" dirty="0">
                 <a:hlinkClick r:id="rId2"/>
               </a:rPr>
               <a:t>www.djangoproject.org</a:t>
             </a:r>
             <a:r>
-              <a:rPr lang="en-US" altLang="en-US" sz="1600" dirty="0" smtClean="0"/>
+              <a:rPr lang="en-US" altLang="en-US" sz="1600" dirty="0"/>
               <a:t> web site.  Those slides which use text from that site have a reference to the original text on that site. </a:t>
             </a:r>
             <a:r>
               <a:rPr lang="en-US" sz="1600" dirty="0"/>
-              <a:t>Django is licensed under the three-clause BSD </a:t>
-            </a:r>
-            <a:r>
-              <a:rPr lang="en-US" sz="1600" dirty="0" smtClean="0"/>
-              <a:t>license.</a:t>
+              <a:t>Django is licensed under the three-clause BSD license.</a:t>
             </a:r>
             <a:endParaRPr lang="en-US" altLang="en-US" sz="1600" dirty="0"/>
           </a:p>
@@ -23847,10 +23106,9 @@
           <a:lstStyle/>
           <a:p>
             <a:r>
-              <a:rPr lang="en-US" dirty="0" smtClean="0"/>
+              <a:rPr lang="en-US" dirty="0"/>
               <a:t>Django's role in forms  (DRY)</a:t>
             </a:r>
-            <a:endParaRPr lang="en-US" dirty="0"/>
           </a:p>
         </p:txBody>
       </p:sp>
@@ -23884,7 +23142,7 @@
               <a:t>https://</a:t>
             </a:r>
             <a:r>
-              <a:rPr lang="en-US" dirty="0" err="1" smtClean="0">
+              <a:rPr lang="en-US" dirty="0" err="1">
                 <a:solidFill>
                   <a:srgbClr val="FFFF00"/>
                 </a:solidFill>
@@ -23892,7 +23150,7 @@
               <a:t>docs.djangoproject.com</a:t>
             </a:r>
             <a:r>
-              <a:rPr lang="en-US" dirty="0" smtClean="0">
+              <a:rPr lang="en-US" dirty="0">
                 <a:solidFill>
                   <a:srgbClr val="FFFF00"/>
                 </a:solidFill>
@@ -23900,7 +23158,7 @@
               <a:t>/</a:t>
             </a:r>
             <a:r>
-              <a:rPr lang="en-US" dirty="0" err="1" smtClean="0">
+              <a:rPr lang="en-US" dirty="0" err="1">
                 <a:solidFill>
                   <a:srgbClr val="FFFF00"/>
                 </a:solidFill>
@@ -23908,36 +23166,12 @@
               <a:t>en</a:t>
             </a:r>
             <a:r>
-              <a:rPr lang="en-US" dirty="0" smtClean="0">
+              <a:rPr lang="en-US" dirty="0">
                 <a:solidFill>
                   <a:srgbClr val="FFFF00"/>
                 </a:solidFill>
               </a:rPr>
-              <a:t>/</a:t>
-            </a:r>
-            <a:r>
-              <a:rPr lang="hr-HR" dirty="0" smtClean="0">
-                <a:solidFill>
-                  <a:srgbClr val="FFFF00"/>
-                </a:solidFill>
-              </a:rPr>
-              <a:t>3.0</a:t>
-            </a:r>
-            <a:r>
-              <a:rPr lang="en-US" dirty="0" smtClean="0">
-                <a:solidFill>
-                  <a:srgbClr val="FFFF00"/>
-                </a:solidFill>
-              </a:rPr>
-              <a:t>/topics/forms</a:t>
-            </a:r>
-            <a:r>
-              <a:rPr lang="en-US" dirty="0">
-                <a:solidFill>
-                  <a:srgbClr val="FFFF00"/>
-                </a:solidFill>
-              </a:rPr>
-              <a:t>/#</a:t>
+              <a:t>/4.0/topics/forms/#</a:t>
             </a:r>
             <a:r>
               <a:rPr lang="en-US" dirty="0" err="1">
@@ -23988,31 +23222,7 @@
                   <a:srgbClr val="09442A"/>
                 </a:solidFill>
               </a:rPr>
-              <a:t>Handling forms is a complex business. Consider Django’s admin, where numerous items of data of several different types may need to be prepared for display in a form, rendered as HTML, edited using a convenient interface, returned to the server, validated and cleaned up, and then saved or passed on for further </a:t>
-            </a:r>
-            <a:r>
-              <a:rPr lang="en-US" sz="1900" dirty="0" smtClean="0">
-                <a:solidFill>
-                  <a:srgbClr val="09442A"/>
-                </a:solidFill>
-              </a:rPr>
-              <a:t>processing. Django’s </a:t>
-            </a:r>
-            <a:r>
-              <a:rPr lang="en-US" sz="1900" dirty="0">
-                <a:solidFill>
-                  <a:srgbClr val="09442A"/>
-                </a:solidFill>
-              </a:rPr>
-              <a:t>form functionality can simplify and automate vast portions of this work, and can also do it more securely than most programmers would be able to do in code they wrote themselves</a:t>
-            </a:r>
-            <a:r>
-              <a:rPr lang="en-US" sz="1900" dirty="0" smtClean="0">
-                <a:solidFill>
-                  <a:srgbClr val="09442A"/>
-                </a:solidFill>
-              </a:rPr>
-              <a:t>.</a:t>
+              <a:t>Handling forms is a complex business. Consider Django’s admin, where numerous items of data of several different types may need to be prepared for display in a form, rendered as HTML, edited using a convenient interface, returned to the server, validated and cleaned up, and then saved or passed on for further processing. Django’s form functionality can simplify and automate vast portions of this work, and can also do it more securely than most programmers would be able to do in code they wrote themselves.</a:t>
             </a:r>
           </a:p>
           <a:p>
@@ -24029,21 +23239,8 @@
                   <a:srgbClr val="09442A"/>
                 </a:solidFill>
               </a:rPr>
-              <a:t>Django handles three distinct parts of the work involved in forms</a:t>
-            </a:r>
-            <a:r>
-              <a:rPr lang="en-US" sz="1900" dirty="0" smtClean="0">
-                <a:solidFill>
-                  <a:srgbClr val="09442A"/>
-                </a:solidFill>
-              </a:rPr>
-              <a:t>:</a:t>
-            </a:r>
-            <a:endParaRPr lang="en-US" sz="1900" dirty="0">
-              <a:solidFill>
-                <a:srgbClr val="09442A"/>
-              </a:solidFill>
-            </a:endParaRPr>
+              <a:t>Django handles three distinct parts of the work involved in forms:</a:t>
+            </a:r>
           </a:p>
           <a:p>
             <a:pPr marL="285750" indent="-285750">
@@ -24084,15 +23281,7 @@
                   <a:srgbClr val="09442A"/>
                 </a:solidFill>
               </a:rPr>
-              <a:t>receiving and processing submitted forms and data from the </a:t>
-            </a:r>
-            <a:r>
-              <a:rPr lang="en-US" sz="1900" dirty="0" smtClean="0">
-                <a:solidFill>
-                  <a:srgbClr val="09442A"/>
-                </a:solidFill>
-              </a:rPr>
-              <a:t>client</a:t>
+              <a:t>receiving and processing submitted forms and data from the client</a:t>
             </a:r>
           </a:p>
           <a:p>
@@ -24144,13 +23333,6 @@
   <p:clrMapOvr>
     <a:masterClrMapping/>
   </p:clrMapOvr>
-  <p:timing>
-    <p:tnLst>
-      <p:par>
-        <p:cTn id="1" dur="indefinite" restart="never" nodeType="tmRoot"/>
-      </p:par>
-    </p:tnLst>
-  </p:timing>
 </p:sld>
 </file>
 
@@ -24187,10 +23369,9 @@
           <a:lstStyle/>
           <a:p>
             <a:r>
-              <a:rPr lang="en-US" dirty="0" smtClean="0"/>
+              <a:rPr lang="en-US" dirty="0"/>
               <a:t>It takes a lot of CSS to make forms pretty</a:t>
             </a:r>
-            <a:endParaRPr lang="en-US" dirty="0"/>
           </a:p>
         </p:txBody>
       </p:sp>
@@ -24269,13 +23450,6 @@
   <p:clrMapOvr>
     <a:masterClrMapping/>
   </p:clrMapOvr>
-  <p:timing>
-    <p:tnLst>
-      <p:par>
-        <p:cTn id="1" dur="indefinite" restart="never" nodeType="tmRoot"/>
-      </p:par>
-    </p:tnLst>
-  </p:timing>
 </p:sld>
 </file>
 
@@ -24312,10 +23486,9 @@
           <a:lstStyle/>
           <a:p>
             <a:r>
-              <a:rPr lang="en-US" dirty="0" smtClean="0"/>
+              <a:rPr lang="en-US" dirty="0"/>
               <a:t>Form Handling Flow is Actually Complex</a:t>
             </a:r>
-            <a:endParaRPr lang="en-US" dirty="0"/>
           </a:p>
         </p:txBody>
       </p:sp>
@@ -24337,73 +23510,41 @@
           <a:lstStyle/>
           <a:p>
             <a:r>
-              <a:rPr lang="en-US" dirty="0" smtClean="0"/>
+              <a:rPr lang="en-US" dirty="0"/>
               <a:t>Create</a:t>
             </a:r>
           </a:p>
           <a:p>
             <a:pPr lvl="1"/>
             <a:r>
-              <a:rPr lang="en-US" dirty="0" smtClean="0"/>
+              <a:rPr lang="en-US" dirty="0"/>
               <a:t>Produce empty form, check post data for validity, re-display form with errors if necessary, add the data to the database, and redirect the user to a success page with a success message</a:t>
             </a:r>
           </a:p>
           <a:p>
             <a:r>
-              <a:rPr lang="en-US" dirty="0" smtClean="0"/>
+              <a:rPr lang="en-US" dirty="0"/>
               <a:t>Update</a:t>
             </a:r>
           </a:p>
           <a:p>
             <a:pPr lvl="1"/>
             <a:r>
-              <a:rPr lang="en-US" dirty="0" smtClean="0"/>
-              <a:t>Load old data, form with old data, </a:t>
-            </a:r>
-            <a:r>
               <a:rPr lang="en-US" dirty="0"/>
-              <a:t>check post data for validity, re-display form with </a:t>
-            </a:r>
-            <a:r>
-              <a:rPr lang="en-US" dirty="0" smtClean="0"/>
-              <a:t>errors </a:t>
-            </a:r>
+              <a:t>Load old data, form with old data, check post data for validity, re-display form with errors if necessary, update the data to the database, and redirect the user to a success page with a success message</a:t>
+            </a:r>
+          </a:p>
+          <a:p>
             <a:r>
               <a:rPr lang="en-US" dirty="0"/>
-              <a:t>if necessary</a:t>
-            </a:r>
-            <a:r>
-              <a:rPr lang="en-US" dirty="0" smtClean="0"/>
-              <a:t>, update the </a:t>
-            </a:r>
+              <a:t>Delete</a:t>
+            </a:r>
+          </a:p>
+          <a:p>
+            <a:pPr lvl="1"/>
             <a:r>
               <a:rPr lang="en-US" dirty="0"/>
-              <a:t>data to the database, and redirect the user to a success page with a success </a:t>
-            </a:r>
-            <a:r>
-              <a:rPr lang="en-US" dirty="0" smtClean="0"/>
-              <a:t>message</a:t>
-            </a:r>
-          </a:p>
-          <a:p>
-            <a:r>
-              <a:rPr lang="en-US" dirty="0" smtClean="0"/>
-              <a:t>Delete</a:t>
-            </a:r>
-          </a:p>
-          <a:p>
-            <a:pPr lvl="1"/>
-            <a:r>
-              <a:rPr lang="en-US" dirty="0" smtClean="0"/>
-              <a:t>Load old data, produce confirmation page with a POST form, receive the post data, delete the record, </a:t>
-            </a:r>
-            <a:r>
-              <a:rPr lang="en-US" dirty="0"/>
-              <a:t>and redirect the user to a success page with a success </a:t>
-            </a:r>
-            <a:r>
-              <a:rPr lang="en-US" dirty="0" smtClean="0"/>
-              <a:t>message</a:t>
+              <a:t>Load old data, produce confirmation page with a POST form, receive the post data, delete the record, and redirect the user to a success page with a success message</a:t>
             </a:r>
           </a:p>
           <a:p>
@@ -24421,13 +23562,6 @@
   <p:clrMapOvr>
     <a:masterClrMapping/>
   </p:clrMapOvr>
-  <p:timing>
-    <p:tnLst>
-      <p:par>
-        <p:cTn id="1" dur="indefinite" restart="never" nodeType="tmRoot"/>
-      </p:par>
-    </p:tnLst>
-  </p:timing>
 </p:sld>
 </file>
 
@@ -24517,10 +23651,9 @@
           <a:p>
             <a:pPr algn="r"/>
             <a:r>
-              <a:rPr lang="en-US" dirty="0" smtClean="0"/>
+              <a:rPr lang="en-US" dirty="0"/>
               <a:t>Create Form Flow</a:t>
             </a:r>
-            <a:endParaRPr lang="en-US" dirty="0"/>
           </a:p>
         </p:txBody>
       </p:sp>
@@ -24548,10 +23681,9 @@
           <a:p>
             <a:pPr algn="ctr"/>
             <a:r>
-              <a:rPr lang="en-US" dirty="0" smtClean="0"/>
+              <a:rPr lang="en-US" dirty="0"/>
               <a:t>GET Request</a:t>
             </a:r>
-            <a:endParaRPr lang="en-US" dirty="0"/>
           </a:p>
         </p:txBody>
       </p:sp>
@@ -24579,10 +23711,9 @@
           <a:p>
             <a:pPr algn="ctr"/>
             <a:r>
-              <a:rPr lang="en-US" dirty="0" smtClean="0"/>
+              <a:rPr lang="en-US" dirty="0"/>
               <a:t>Empty Form</a:t>
             </a:r>
-            <a:endParaRPr lang="en-US" dirty="0"/>
           </a:p>
         </p:txBody>
       </p:sp>
@@ -24609,14 +23740,13 @@
           <a:lstStyle/>
           <a:p>
             <a:r>
-              <a:rPr lang="en-US" smtClean="0"/>
+              <a:rPr lang="en-US"/>
               <a:t>Enter </a:t>
             </a:r>
             <a:r>
-              <a:rPr lang="en-US" dirty="0" smtClean="0"/>
+              <a:rPr lang="en-US" dirty="0"/>
               <a:t>Data</a:t>
             </a:r>
-            <a:endParaRPr lang="en-US" dirty="0"/>
           </a:p>
         </p:txBody>
       </p:sp>
@@ -24644,10 +23774,9 @@
           <a:p>
             <a:pPr algn="ctr"/>
             <a:r>
-              <a:rPr lang="en-US" dirty="0" smtClean="0"/>
+              <a:rPr lang="en-US" dirty="0"/>
               <a:t>POST with data</a:t>
             </a:r>
-            <a:endParaRPr lang="en-US" dirty="0"/>
           </a:p>
         </p:txBody>
       </p:sp>
@@ -24675,7 +23804,7 @@
           <a:p>
             <a:pPr algn="ctr"/>
             <a:r>
-              <a:rPr lang="en-US" dirty="0" smtClean="0">
+              <a:rPr lang="en-US" dirty="0">
                 <a:solidFill>
                   <a:schemeClr val="bg1"/>
                 </a:solidFill>
@@ -24709,10 +23838,9 @@
           <a:p>
             <a:pPr algn="ctr"/>
             <a:r>
-              <a:rPr lang="en-US" dirty="0" smtClean="0"/>
+              <a:rPr lang="en-US" dirty="0"/>
               <a:t>Form with old data</a:t>
             </a:r>
-            <a:endParaRPr lang="en-US" dirty="0"/>
           </a:p>
         </p:txBody>
       </p:sp>
@@ -24739,10 +23867,9 @@
           <a:lstStyle/>
           <a:p>
             <a:r>
-              <a:rPr lang="en-US" dirty="0" smtClean="0"/>
+              <a:rPr lang="en-US" dirty="0"/>
               <a:t>Fix Data</a:t>
             </a:r>
-            <a:endParaRPr lang="en-US" dirty="0"/>
           </a:p>
         </p:txBody>
       </p:sp>
@@ -24770,18 +23897,13 @@
           <a:p>
             <a:pPr algn="ctr"/>
             <a:r>
-              <a:rPr lang="en-US" dirty="0" smtClean="0">
+              <a:rPr lang="en-US" dirty="0">
                 <a:solidFill>
                   <a:schemeClr val="bg1"/>
                 </a:solidFill>
               </a:rPr>
               <a:t>Store Data</a:t>
             </a:r>
-            <a:endParaRPr lang="en-US" dirty="0">
-              <a:solidFill>
-                <a:schemeClr val="bg1"/>
-              </a:solidFill>
-            </a:endParaRPr>
           </a:p>
         </p:txBody>
       </p:sp>
@@ -24809,10 +23931,9 @@
           <a:p>
             <a:pPr algn="ctr"/>
             <a:r>
-              <a:rPr lang="en-US" dirty="0" smtClean="0"/>
+              <a:rPr lang="en-US" dirty="0"/>
               <a:t>Redirect to success URL</a:t>
             </a:r>
-            <a:endParaRPr lang="en-US" dirty="0"/>
           </a:p>
         </p:txBody>
       </p:sp>
@@ -24840,7 +23961,7 @@
           <a:p>
             <a:pPr algn="ctr"/>
             <a:r>
-              <a:rPr lang="en-US" smtClean="0"/>
+              <a:rPr lang="en-US"/>
               <a:t>GET success URL</a:t>
             </a:r>
             <a:endParaRPr lang="en-US" dirty="0"/>
@@ -24871,10 +23992,9 @@
           <a:p>
             <a:pPr algn="ctr"/>
             <a:r>
-              <a:rPr lang="en-US" dirty="0" smtClean="0"/>
+              <a:rPr lang="en-US" dirty="0"/>
               <a:t>Success page Yay!</a:t>
             </a:r>
-            <a:endParaRPr lang="en-US" dirty="0"/>
           </a:p>
         </p:txBody>
       </p:sp>
@@ -24994,10 +24114,9 @@
           <a:p>
             <a:pPr algn="ctr"/>
             <a:r>
-              <a:rPr lang="en-US" smtClean="0"/>
+              <a:rPr lang="en-US"/>
               <a:t>model</a:t>
             </a:r>
-            <a:endParaRPr lang="en-US"/>
           </a:p>
         </p:txBody>
       </p:sp>
@@ -25102,10 +24221,9 @@
           <a:lstStyle/>
           <a:p>
             <a:r>
-              <a:rPr lang="en-US" dirty="0" smtClean="0"/>
+              <a:rPr lang="en-US" dirty="0"/>
               <a:t>Cancel</a:t>
             </a:r>
-            <a:endParaRPr lang="en-US" dirty="0"/>
           </a:p>
         </p:txBody>
       </p:sp>
@@ -25445,18 +24563,13 @@
           <a:p>
             <a:pPr algn="ctr"/>
             <a:r>
-              <a:rPr lang="en-US" dirty="0" smtClean="0">
+              <a:rPr lang="en-US" dirty="0">
                 <a:solidFill>
                   <a:schemeClr val="bg1"/>
                 </a:solidFill>
               </a:rPr>
               <a:t>Make Page</a:t>
             </a:r>
-            <a:endParaRPr lang="en-US" dirty="0">
-              <a:solidFill>
-                <a:schemeClr val="bg1"/>
-              </a:solidFill>
-            </a:endParaRPr>
           </a:p>
         </p:txBody>
       </p:sp>
@@ -25483,10 +24596,9 @@
           <a:lstStyle/>
           <a:p>
             <a:r>
-              <a:rPr lang="en-US" dirty="0" smtClean="0"/>
+              <a:rPr lang="en-US" dirty="0"/>
               <a:t>Cancel</a:t>
             </a:r>
-            <a:endParaRPr lang="en-US" dirty="0"/>
           </a:p>
         </p:txBody>
       </p:sp>
@@ -25720,7 +24832,7 @@
           <a:p>
             <a:pPr algn="ctr"/>
             <a:r>
-              <a:rPr lang="en-US" smtClean="0">
+              <a:rPr lang="en-US">
                 <a:solidFill>
                   <a:schemeClr val="bg1"/>
                 </a:solidFill>
@@ -25745,13 +24857,6 @@
   <p:clrMapOvr>
     <a:masterClrMapping/>
   </p:clrMapOvr>
-  <p:timing>
-    <p:tnLst>
-      <p:par>
-        <p:cTn id="1" dur="indefinite" restart="never" nodeType="tmRoot"/>
-      </p:par>
-    </p:tnLst>
-  </p:timing>
 </p:sld>
 </file>
 
@@ -25796,10 +24901,9 @@
           <a:p>
             <a:pPr algn="r"/>
             <a:r>
-              <a:rPr lang="en-US" dirty="0" smtClean="0"/>
+              <a:rPr lang="en-US" dirty="0"/>
               <a:t>Edit Form Flow</a:t>
             </a:r>
-            <a:endParaRPr lang="en-US" dirty="0"/>
           </a:p>
         </p:txBody>
       </p:sp>
@@ -25872,10 +24976,9 @@
           <a:p>
             <a:pPr algn="ctr"/>
             <a:r>
-              <a:rPr lang="en-US" dirty="0" smtClean="0"/>
+              <a:rPr lang="en-US" dirty="0"/>
               <a:t>GET Request</a:t>
             </a:r>
-            <a:endParaRPr lang="en-US" dirty="0"/>
           </a:p>
         </p:txBody>
       </p:sp>
@@ -25903,10 +25006,9 @@
           <a:p>
             <a:pPr algn="ctr"/>
             <a:r>
-              <a:rPr lang="en-US" dirty="0" smtClean="0"/>
+              <a:rPr lang="en-US" dirty="0"/>
               <a:t>Form with old data</a:t>
             </a:r>
-            <a:endParaRPr lang="en-US" dirty="0"/>
           </a:p>
         </p:txBody>
       </p:sp>
@@ -25933,10 +25035,9 @@
           <a:lstStyle/>
           <a:p>
             <a:r>
-              <a:rPr lang="en-US" dirty="0" smtClean="0"/>
+              <a:rPr lang="en-US" dirty="0"/>
               <a:t>Edit Data</a:t>
             </a:r>
-            <a:endParaRPr lang="en-US" dirty="0"/>
           </a:p>
         </p:txBody>
       </p:sp>
@@ -25964,10 +25065,9 @@
           <a:p>
             <a:pPr algn="ctr"/>
             <a:r>
-              <a:rPr lang="en-US" dirty="0" smtClean="0"/>
+              <a:rPr lang="en-US" dirty="0"/>
               <a:t>POST with data</a:t>
             </a:r>
-            <a:endParaRPr lang="en-US" dirty="0"/>
           </a:p>
         </p:txBody>
       </p:sp>
@@ -25995,7 +25095,7 @@
           <a:p>
             <a:pPr algn="ctr"/>
             <a:r>
-              <a:rPr lang="en-US" dirty="0" smtClean="0">
+              <a:rPr lang="en-US" dirty="0">
                 <a:solidFill>
                   <a:schemeClr val="bg1"/>
                 </a:solidFill>
@@ -26029,10 +25129,9 @@
           <a:p>
             <a:pPr algn="ctr"/>
             <a:r>
-              <a:rPr lang="en-US" dirty="0" smtClean="0"/>
+              <a:rPr lang="en-US" dirty="0"/>
               <a:t>Error  404 Page</a:t>
             </a:r>
-            <a:endParaRPr lang="en-US" dirty="0"/>
           </a:p>
         </p:txBody>
       </p:sp>
@@ -26060,7 +25159,7 @@
           <a:p>
             <a:pPr algn="ctr"/>
             <a:r>
-              <a:rPr lang="en-US" dirty="0" smtClean="0">
+              <a:rPr lang="en-US" dirty="0">
                 <a:solidFill>
                   <a:schemeClr val="bg1"/>
                 </a:solidFill>
@@ -26094,10 +25193,9 @@
           <a:p>
             <a:pPr algn="ctr"/>
             <a:r>
-              <a:rPr lang="en-US" dirty="0" smtClean="0"/>
+              <a:rPr lang="en-US" dirty="0"/>
               <a:t>Form with old data</a:t>
             </a:r>
-            <a:endParaRPr lang="en-US" dirty="0"/>
           </a:p>
         </p:txBody>
       </p:sp>
@@ -26124,10 +25222,9 @@
           <a:lstStyle/>
           <a:p>
             <a:r>
-              <a:rPr lang="en-US" dirty="0" smtClean="0"/>
+              <a:rPr lang="en-US" dirty="0"/>
               <a:t>Fix Data</a:t>
             </a:r>
-            <a:endParaRPr lang="en-US" dirty="0"/>
           </a:p>
         </p:txBody>
       </p:sp>
@@ -26155,18 +25252,13 @@
           <a:p>
             <a:pPr algn="ctr"/>
             <a:r>
-              <a:rPr lang="en-US" dirty="0" smtClean="0">
+              <a:rPr lang="en-US" dirty="0">
                 <a:solidFill>
                   <a:schemeClr val="bg1"/>
                 </a:solidFill>
               </a:rPr>
               <a:t>Store Data</a:t>
             </a:r>
-            <a:endParaRPr lang="en-US" dirty="0">
-              <a:solidFill>
-                <a:schemeClr val="bg1"/>
-              </a:solidFill>
-            </a:endParaRPr>
           </a:p>
         </p:txBody>
       </p:sp>
@@ -26194,10 +25286,9 @@
           <a:p>
             <a:pPr algn="ctr"/>
             <a:r>
-              <a:rPr lang="en-US" dirty="0" smtClean="0"/>
+              <a:rPr lang="en-US" dirty="0"/>
               <a:t>Redirect to success URL</a:t>
             </a:r>
-            <a:endParaRPr lang="en-US" dirty="0"/>
           </a:p>
         </p:txBody>
       </p:sp>
@@ -26225,7 +25316,7 @@
           <a:p>
             <a:pPr algn="ctr"/>
             <a:r>
-              <a:rPr lang="en-US" smtClean="0"/>
+              <a:rPr lang="en-US"/>
               <a:t>GET success URL</a:t>
             </a:r>
             <a:endParaRPr lang="en-US" dirty="0"/>
@@ -26256,10 +25347,9 @@
           <a:p>
             <a:pPr algn="ctr"/>
             <a:r>
-              <a:rPr lang="en-US" dirty="0" smtClean="0"/>
+              <a:rPr lang="en-US" dirty="0"/>
               <a:t>Success page Yay!</a:t>
             </a:r>
-            <a:endParaRPr lang="en-US" dirty="0"/>
           </a:p>
         </p:txBody>
       </p:sp>
@@ -26287,18 +25377,13 @@
           <a:p>
             <a:pPr algn="ctr"/>
             <a:r>
-              <a:rPr lang="en-US" dirty="0" smtClean="0">
+              <a:rPr lang="en-US" dirty="0">
                 <a:solidFill>
                   <a:schemeClr val="bg1"/>
                 </a:solidFill>
               </a:rPr>
               <a:t>Error?</a:t>
             </a:r>
-            <a:endParaRPr lang="en-US" dirty="0">
-              <a:solidFill>
-                <a:schemeClr val="bg1"/>
-              </a:solidFill>
-            </a:endParaRPr>
           </a:p>
         </p:txBody>
       </p:sp>
@@ -26457,10 +25542,9 @@
           <a:p>
             <a:pPr algn="ctr"/>
             <a:r>
-              <a:rPr lang="en-US" smtClean="0"/>
+              <a:rPr lang="en-US"/>
               <a:t>model</a:t>
             </a:r>
-            <a:endParaRPr lang="en-US"/>
           </a:p>
         </p:txBody>
       </p:sp>
@@ -26640,10 +25724,9 @@
           <a:lstStyle/>
           <a:p>
             <a:r>
-              <a:rPr lang="en-US" dirty="0" smtClean="0"/>
+              <a:rPr lang="en-US" dirty="0"/>
               <a:t>Cancel</a:t>
             </a:r>
-            <a:endParaRPr lang="en-US" dirty="0"/>
           </a:p>
         </p:txBody>
       </p:sp>
@@ -26943,18 +26026,13 @@
           <a:p>
             <a:pPr algn="ctr"/>
             <a:r>
-              <a:rPr lang="en-US" dirty="0" smtClean="0">
+              <a:rPr lang="en-US" dirty="0">
                 <a:solidFill>
                   <a:schemeClr val="bg1"/>
                 </a:solidFill>
               </a:rPr>
               <a:t>Make Page</a:t>
             </a:r>
-            <a:endParaRPr lang="en-US" dirty="0">
-              <a:solidFill>
-                <a:schemeClr val="bg1"/>
-              </a:solidFill>
-            </a:endParaRPr>
           </a:p>
         </p:txBody>
       </p:sp>
@@ -26981,10 +26059,9 @@
           <a:lstStyle/>
           <a:p>
             <a:r>
-              <a:rPr lang="en-US" dirty="0" smtClean="0"/>
+              <a:rPr lang="en-US" dirty="0"/>
               <a:t>Cancel</a:t>
             </a:r>
-            <a:endParaRPr lang="en-US" dirty="0"/>
           </a:p>
         </p:txBody>
       </p:sp>
@@ -27217,7 +26294,7 @@
           <a:p>
             <a:pPr algn="ctr"/>
             <a:r>
-              <a:rPr lang="en-US" smtClean="0">
+              <a:rPr lang="en-US">
                 <a:solidFill>
                   <a:schemeClr val="bg1"/>
                 </a:solidFill>
@@ -27256,7 +26333,7 @@
           <a:p>
             <a:pPr algn="ctr"/>
             <a:r>
-              <a:rPr lang="en-US" dirty="0" smtClean="0">
+              <a:rPr lang="en-US" dirty="0">
                 <a:solidFill>
                   <a:schemeClr val="bg1"/>
                 </a:solidFill>
@@ -27290,10 +26367,9 @@
           <a:p>
             <a:pPr algn="ctr"/>
             <a:r>
-              <a:rPr lang="en-US" dirty="0" smtClean="0"/>
+              <a:rPr lang="en-US" dirty="0"/>
               <a:t>Error  404 Page</a:t>
             </a:r>
-            <a:endParaRPr lang="en-US" dirty="0"/>
           </a:p>
         </p:txBody>
       </p:sp>
@@ -27321,18 +26397,13 @@
           <a:p>
             <a:pPr algn="ctr"/>
             <a:r>
-              <a:rPr lang="en-US" dirty="0" smtClean="0">
+              <a:rPr lang="en-US" dirty="0">
                 <a:solidFill>
                   <a:schemeClr val="bg1"/>
                 </a:solidFill>
               </a:rPr>
               <a:t>Error?</a:t>
             </a:r>
-            <a:endParaRPr lang="en-US" dirty="0">
-              <a:solidFill>
-                <a:schemeClr val="bg1"/>
-              </a:solidFill>
-            </a:endParaRPr>
           </a:p>
         </p:txBody>
       </p:sp>
@@ -27423,13 +26494,6 @@
   <p:clrMapOvr>
     <a:masterClrMapping/>
   </p:clrMapOvr>
-  <p:timing>
-    <p:tnLst>
-      <p:par>
-        <p:cTn id="1" dur="indefinite" restart="never" nodeType="tmRoot"/>
-      </p:par>
-    </p:tnLst>
-  </p:timing>
 </p:sld>
 </file>
 
@@ -27474,10 +26538,9 @@
           <a:p>
             <a:pPr algn="r"/>
             <a:r>
-              <a:rPr lang="en-US" dirty="0" smtClean="0"/>
+              <a:rPr lang="en-US" dirty="0"/>
               <a:t>Delete Form Flow</a:t>
             </a:r>
-            <a:endParaRPr lang="en-US" dirty="0"/>
           </a:p>
         </p:txBody>
       </p:sp>
@@ -27550,10 +26613,9 @@
           <a:p>
             <a:pPr algn="ctr"/>
             <a:r>
-              <a:rPr lang="en-US" dirty="0" smtClean="0"/>
+              <a:rPr lang="en-US" dirty="0"/>
               <a:t>GET Request</a:t>
             </a:r>
-            <a:endParaRPr lang="en-US" dirty="0"/>
           </a:p>
         </p:txBody>
       </p:sp>
@@ -27581,10 +26643,9 @@
           <a:p>
             <a:pPr algn="ctr"/>
             <a:r>
-              <a:rPr lang="en-US" dirty="0" smtClean="0"/>
+              <a:rPr lang="en-US" dirty="0"/>
               <a:t>Confirmation Form</a:t>
             </a:r>
-            <a:endParaRPr lang="en-US" dirty="0"/>
           </a:p>
         </p:txBody>
       </p:sp>
@@ -27611,10 +26672,9 @@
           <a:lstStyle/>
           <a:p>
             <a:r>
-              <a:rPr lang="en-US" dirty="0" smtClean="0"/>
+              <a:rPr lang="en-US" dirty="0"/>
               <a:t>Yes</a:t>
             </a:r>
-            <a:endParaRPr lang="en-US" dirty="0"/>
           </a:p>
         </p:txBody>
       </p:sp>
@@ -27642,10 +26702,9 @@
           <a:p>
             <a:pPr algn="ctr"/>
             <a:r>
-              <a:rPr lang="en-US" dirty="0" smtClean="0"/>
+              <a:rPr lang="en-US" dirty="0"/>
               <a:t>POST with key</a:t>
             </a:r>
-            <a:endParaRPr lang="en-US" dirty="0"/>
           </a:p>
         </p:txBody>
       </p:sp>
@@ -27673,7 +26732,7 @@
           <a:p>
             <a:pPr algn="ctr"/>
             <a:r>
-              <a:rPr lang="en-US" dirty="0" smtClean="0">
+              <a:rPr lang="en-US" dirty="0">
                 <a:solidFill>
                   <a:schemeClr val="bg1"/>
                 </a:solidFill>
@@ -27707,10 +26766,9 @@
           <a:p>
             <a:pPr algn="ctr"/>
             <a:r>
-              <a:rPr lang="en-US" dirty="0" smtClean="0"/>
+              <a:rPr lang="en-US" dirty="0"/>
               <a:t>Error 404 Page</a:t>
             </a:r>
-            <a:endParaRPr lang="en-US" dirty="0"/>
           </a:p>
         </p:txBody>
       </p:sp>
@@ -27738,7 +26796,7 @@
           <a:p>
             <a:pPr algn="ctr"/>
             <a:r>
-              <a:rPr lang="en-US" dirty="0" smtClean="0">
+              <a:rPr lang="en-US" dirty="0">
                 <a:solidFill>
                   <a:schemeClr val="bg1"/>
                 </a:solidFill>
@@ -27772,10 +26830,9 @@
           <a:p>
             <a:pPr algn="ctr"/>
             <a:r>
-              <a:rPr lang="en-US" dirty="0" smtClean="0"/>
+              <a:rPr lang="en-US" dirty="0"/>
               <a:t>Error 404 Page</a:t>
             </a:r>
-            <a:endParaRPr lang="en-US" dirty="0"/>
           </a:p>
         </p:txBody>
       </p:sp>
@@ -27803,18 +26860,13 @@
           <a:p>
             <a:pPr algn="ctr"/>
             <a:r>
-              <a:rPr lang="en-US" dirty="0" smtClean="0">
+              <a:rPr lang="en-US" dirty="0">
                 <a:solidFill>
                   <a:schemeClr val="bg1"/>
                 </a:solidFill>
               </a:rPr>
               <a:t>Delete</a:t>
             </a:r>
-            <a:endParaRPr lang="en-US" dirty="0">
-              <a:solidFill>
-                <a:schemeClr val="bg1"/>
-              </a:solidFill>
-            </a:endParaRPr>
           </a:p>
         </p:txBody>
       </p:sp>
@@ -27842,10 +26894,9 @@
           <a:p>
             <a:pPr algn="ctr"/>
             <a:r>
-              <a:rPr lang="en-US" dirty="0" smtClean="0"/>
+              <a:rPr lang="en-US" dirty="0"/>
               <a:t>Redirect to success URL</a:t>
             </a:r>
-            <a:endParaRPr lang="en-US" dirty="0"/>
           </a:p>
         </p:txBody>
       </p:sp>
@@ -27873,7 +26924,7 @@
           <a:p>
             <a:pPr algn="ctr"/>
             <a:r>
-              <a:rPr lang="en-US" smtClean="0"/>
+              <a:rPr lang="en-US"/>
               <a:t>GET success URL</a:t>
             </a:r>
             <a:endParaRPr lang="en-US" dirty="0"/>
@@ -27904,10 +26955,9 @@
           <a:p>
             <a:pPr algn="ctr"/>
             <a:r>
-              <a:rPr lang="en-US" dirty="0" smtClean="0"/>
+              <a:rPr lang="en-US" dirty="0"/>
               <a:t>Success page Yay!</a:t>
             </a:r>
-            <a:endParaRPr lang="en-US" dirty="0"/>
           </a:p>
         </p:txBody>
       </p:sp>
@@ -27935,18 +26985,13 @@
           <a:p>
             <a:pPr algn="ctr"/>
             <a:r>
-              <a:rPr lang="en-US" dirty="0" smtClean="0">
+              <a:rPr lang="en-US" dirty="0">
                 <a:solidFill>
                   <a:schemeClr val="bg1"/>
                 </a:solidFill>
               </a:rPr>
               <a:t>Error?</a:t>
             </a:r>
-            <a:endParaRPr lang="en-US" dirty="0">
-              <a:solidFill>
-                <a:schemeClr val="bg1"/>
-              </a:solidFill>
-            </a:endParaRPr>
           </a:p>
         </p:txBody>
       </p:sp>
@@ -28100,10 +27145,9 @@
           <a:p>
             <a:pPr algn="ctr"/>
             <a:r>
-              <a:rPr lang="en-US" smtClean="0"/>
+              <a:rPr lang="en-US"/>
               <a:t>model</a:t>
             </a:r>
-            <a:endParaRPr lang="en-US"/>
           </a:p>
         </p:txBody>
       </p:sp>
@@ -28283,10 +27327,9 @@
           <a:lstStyle/>
           <a:p>
             <a:r>
-              <a:rPr lang="en-US" dirty="0" smtClean="0"/>
+              <a:rPr lang="en-US" dirty="0"/>
               <a:t>Cancel</a:t>
             </a:r>
-            <a:endParaRPr lang="en-US" dirty="0"/>
           </a:p>
         </p:txBody>
       </p:sp>
@@ -28548,18 +27591,13 @@
           <a:p>
             <a:pPr algn="ctr"/>
             <a:r>
-              <a:rPr lang="en-US" dirty="0" smtClean="0">
+              <a:rPr lang="en-US" dirty="0">
                 <a:solidFill>
                   <a:schemeClr val="bg1"/>
                 </a:solidFill>
               </a:rPr>
               <a:t>Make Page</a:t>
             </a:r>
-            <a:endParaRPr lang="en-US" dirty="0">
-              <a:solidFill>
-                <a:schemeClr val="bg1"/>
-              </a:solidFill>
-            </a:endParaRPr>
           </a:p>
         </p:txBody>
       </p:sp>
@@ -28755,7 +27793,7 @@
           <a:p>
             <a:pPr algn="ctr"/>
             <a:r>
-              <a:rPr lang="en-US" smtClean="0">
+              <a:rPr lang="en-US">
                 <a:solidFill>
                   <a:schemeClr val="bg1"/>
                 </a:solidFill>
@@ -28816,13 +27854,6 @@
   <p:clrMapOvr>
     <a:masterClrMapping/>
   </p:clrMapOvr>
-  <p:timing>
-    <p:tnLst>
-      <p:par>
-        <p:cTn id="1" dur="indefinite" restart="never" nodeType="tmRoot"/>
-      </p:par>
-    </p:tnLst>
-  </p:timing>
 </p:sld>
 </file>
 
@@ -28859,10 +27890,9 @@
           <a:lstStyle/>
           <a:p>
             <a:r>
-              <a:rPr lang="en-US" dirty="0" smtClean="0"/>
+              <a:rPr lang="en-US" dirty="0"/>
               <a:t>Django forms act as "glue"</a:t>
             </a:r>
-            <a:endParaRPr lang="en-US" dirty="0"/>
           </a:p>
         </p:txBody>
       </p:sp>
@@ -28887,32 +27917,32 @@
           <a:lstStyle/>
           <a:p>
             <a:r>
-              <a:rPr lang="en-US" dirty="0" smtClean="0"/>
+              <a:rPr lang="en-US" dirty="0"/>
               <a:t>Generate the necessary HTML to send to the browser</a:t>
             </a:r>
           </a:p>
           <a:p>
             <a:pPr lvl="1"/>
             <a:r>
-              <a:rPr lang="en-US" dirty="0" smtClean="0"/>
+              <a:rPr lang="en-US" dirty="0"/>
               <a:t>Allow for consistent look and feel across all the forms in an application</a:t>
             </a:r>
           </a:p>
           <a:p>
             <a:r>
-              <a:rPr lang="en-US" dirty="0" smtClean="0"/>
+              <a:rPr lang="en-US" dirty="0"/>
               <a:t>Receive the POST data coming back from the browser</a:t>
             </a:r>
           </a:p>
           <a:p>
             <a:r>
-              <a:rPr lang="en-US" dirty="0" smtClean="0"/>
+              <a:rPr lang="en-US" dirty="0"/>
               <a:t>Validate the incoming POST data and produce HTML for an error screen if necessary</a:t>
             </a:r>
           </a:p>
           <a:p>
             <a:r>
-              <a:rPr lang="en-US" dirty="0" smtClean="0"/>
+              <a:rPr lang="en-US" dirty="0"/>
               <a:t>Move the data from the form into a model and then store it in the database automatically</a:t>
             </a:r>
           </a:p>
@@ -28948,7 +27978,7 @@
               <a:t>https://</a:t>
             </a:r>
             <a:r>
-              <a:rPr lang="en-US" dirty="0" err="1" smtClean="0">
+              <a:rPr lang="en-US" dirty="0" err="1">
                 <a:solidFill>
                   <a:srgbClr val="FFFF00"/>
                 </a:solidFill>
@@ -28956,7 +27986,7 @@
               <a:t>docs.djangoproject.com</a:t>
             </a:r>
             <a:r>
-              <a:rPr lang="en-US" dirty="0" smtClean="0">
+              <a:rPr lang="en-US" dirty="0">
                 <a:solidFill>
                   <a:srgbClr val="FFFF00"/>
                 </a:solidFill>
@@ -28964,7 +27994,7 @@
               <a:t>/</a:t>
             </a:r>
             <a:r>
-              <a:rPr lang="en-US" dirty="0" err="1" smtClean="0">
+              <a:rPr lang="en-US" dirty="0" err="1">
                 <a:solidFill>
                   <a:srgbClr val="FFFF00"/>
                 </a:solidFill>
@@ -28972,36 +28002,12 @@
               <a:t>en</a:t>
             </a:r>
             <a:r>
-              <a:rPr lang="en-US" dirty="0" smtClean="0">
+              <a:rPr lang="en-US" dirty="0">
                 <a:solidFill>
                   <a:srgbClr val="FFFF00"/>
                 </a:solidFill>
               </a:rPr>
-              <a:t>/</a:t>
-            </a:r>
-            <a:r>
-              <a:rPr lang="hr-HR" dirty="0" smtClean="0">
-                <a:solidFill>
-                  <a:srgbClr val="FFFF00"/>
-                </a:solidFill>
-              </a:rPr>
-              <a:t>3.0</a:t>
-            </a:r>
-            <a:r>
-              <a:rPr lang="en-US" dirty="0" smtClean="0">
-                <a:solidFill>
-                  <a:srgbClr val="FFFF00"/>
-                </a:solidFill>
-              </a:rPr>
-              <a:t>/topics/forms</a:t>
-            </a:r>
-            <a:r>
-              <a:rPr lang="en-US" dirty="0">
-                <a:solidFill>
-                  <a:srgbClr val="FFFF00"/>
-                </a:solidFill>
-              </a:rPr>
-              <a:t>/#</a:t>
+              <a:t>/4.0/topics/forms/#</a:t>
             </a:r>
             <a:r>
               <a:rPr lang="en-US" dirty="0" err="1">
@@ -29032,13 +28038,6 @@
   <p:clrMapOvr>
     <a:masterClrMapping/>
   </p:clrMapOvr>
-  <p:timing>
-    <p:tnLst>
-      <p:par>
-        <p:cTn id="1" dur="indefinite" restart="never" nodeType="tmRoot"/>
-      </p:par>
-    </p:tnLst>
-  </p:timing>
 </p:sld>
 </file>
 

--- a/lectures/DJ-11-Forms-Django.pptx
+++ b/lectures/DJ-11-Forms-Django.pptx
@@ -225,7 +225,7 @@
           <a:p>
             <a:fld id="{C97B56FC-7D2E-F343-9D09-0D14B00AA564}" type="datetimeFigureOut">
               <a:rPr lang="en-US" smtClean="0"/>
-              <a:t>9/16/22</a:t>
+              <a:t>2/10/23</a:t>
             </a:fld>
             <a:endParaRPr lang="en-US"/>
           </a:p>
@@ -622,7 +622,7 @@
           <a:p>
             <a:fld id="{EEE7C04C-7AF8-1445-A186-502B631B934F}" type="datetimeFigureOut">
               <a:rPr lang="en-US" smtClean="0"/>
-              <a:t>9/16/22</a:t>
+              <a:t>2/10/23</a:t>
             </a:fld>
             <a:endParaRPr lang="en-US"/>
           </a:p>
@@ -787,7 +787,7 @@
           <a:p>
             <a:fld id="{EEE7C04C-7AF8-1445-A186-502B631B934F}" type="datetimeFigureOut">
               <a:rPr lang="en-US" smtClean="0"/>
-              <a:t>9/16/22</a:t>
+              <a:t>2/10/23</a:t>
             </a:fld>
             <a:endParaRPr lang="en-US"/>
           </a:p>
@@ -962,7 +962,7 @@
           <a:p>
             <a:fld id="{EEE7C04C-7AF8-1445-A186-502B631B934F}" type="datetimeFigureOut">
               <a:rPr lang="en-US" smtClean="0"/>
-              <a:t>9/16/22</a:t>
+              <a:t>2/10/23</a:t>
             </a:fld>
             <a:endParaRPr lang="en-US"/>
           </a:p>
@@ -1127,7 +1127,7 @@
           <a:p>
             <a:fld id="{EEE7C04C-7AF8-1445-A186-502B631B934F}" type="datetimeFigureOut">
               <a:rPr lang="en-US" smtClean="0"/>
-              <a:t>9/16/22</a:t>
+              <a:t>2/10/23</a:t>
             </a:fld>
             <a:endParaRPr lang="en-US"/>
           </a:p>
@@ -1368,7 +1368,7 @@
           <a:p>
             <a:fld id="{EEE7C04C-7AF8-1445-A186-502B631B934F}" type="datetimeFigureOut">
               <a:rPr lang="en-US" smtClean="0"/>
-              <a:t>9/16/22</a:t>
+              <a:t>2/10/23</a:t>
             </a:fld>
             <a:endParaRPr lang="en-US"/>
           </a:p>
@@ -1595,7 +1595,7 @@
           <a:p>
             <a:fld id="{EEE7C04C-7AF8-1445-A186-502B631B934F}" type="datetimeFigureOut">
               <a:rPr lang="en-US" smtClean="0"/>
-              <a:t>9/16/22</a:t>
+              <a:t>2/10/23</a:t>
             </a:fld>
             <a:endParaRPr lang="en-US"/>
           </a:p>
@@ -1957,7 +1957,7 @@
           <a:p>
             <a:fld id="{EEE7C04C-7AF8-1445-A186-502B631B934F}" type="datetimeFigureOut">
               <a:rPr lang="en-US" smtClean="0"/>
-              <a:t>9/16/22</a:t>
+              <a:t>2/10/23</a:t>
             </a:fld>
             <a:endParaRPr lang="en-US"/>
           </a:p>
@@ -2070,7 +2070,7 @@
           <a:p>
             <a:fld id="{EEE7C04C-7AF8-1445-A186-502B631B934F}" type="datetimeFigureOut">
               <a:rPr lang="en-US" smtClean="0"/>
-              <a:t>9/16/22</a:t>
+              <a:t>2/10/23</a:t>
             </a:fld>
             <a:endParaRPr lang="en-US"/>
           </a:p>
@@ -2160,7 +2160,7 @@
           <a:p>
             <a:fld id="{EEE7C04C-7AF8-1445-A186-502B631B934F}" type="datetimeFigureOut">
               <a:rPr lang="en-US" smtClean="0"/>
-              <a:t>9/16/22</a:t>
+              <a:t>2/10/23</a:t>
             </a:fld>
             <a:endParaRPr lang="en-US"/>
           </a:p>
@@ -2432,7 +2432,7 @@
           <a:p>
             <a:fld id="{EEE7C04C-7AF8-1445-A186-502B631B934F}" type="datetimeFigureOut">
               <a:rPr lang="en-US" smtClean="0"/>
-              <a:t>9/16/22</a:t>
+              <a:t>2/10/23</a:t>
             </a:fld>
             <a:endParaRPr lang="en-US"/>
           </a:p>
@@ -2684,7 +2684,7 @@
           <a:p>
             <a:fld id="{EEE7C04C-7AF8-1445-A186-502B631B934F}" type="datetimeFigureOut">
               <a:rPr lang="en-US" smtClean="0"/>
-              <a:t>9/16/22</a:t>
+              <a:t>2/10/23</a:t>
             </a:fld>
             <a:endParaRPr lang="en-US"/>
           </a:p>
@@ -2891,7 +2891,7 @@
           <a:p>
             <a:fld id="{EEE7C04C-7AF8-1445-A186-502B631B934F}" type="datetimeFigureOut">
               <a:rPr lang="en-US" smtClean="0"/>
-              <a:t>9/16/22</a:t>
+              <a:t>2/10/23</a:t>
             </a:fld>
             <a:endParaRPr lang="en-US"/>
           </a:p>
@@ -13903,6 +13903,52 @@
             </a:solidFill>
             <a:headEnd type="triangle" w="med" len="med"/>
             <a:tailEnd type="triangle" w="med" len="med"/>
+          </a:ln>
+        </p:spPr>
+        <p:style>
+          <a:lnRef idx="1">
+            <a:schemeClr val="accent1"/>
+          </a:lnRef>
+          <a:fillRef idx="0">
+            <a:schemeClr val="accent1"/>
+          </a:fillRef>
+          <a:effectRef idx="0">
+            <a:schemeClr val="accent1"/>
+          </a:effectRef>
+          <a:fontRef idx="minor">
+            <a:schemeClr val="tx1"/>
+          </a:fontRef>
+        </p:style>
+      </p:cxnSp>
+      <p:cxnSp>
+        <p:nvCxnSpPr>
+          <p:cNvPr id="2" name="Straight Arrow Connector 1">
+            <a:extLst>
+              <a:ext uri="{FF2B5EF4-FFF2-40B4-BE49-F238E27FC236}">
+                <a16:creationId xmlns:a16="http://schemas.microsoft.com/office/drawing/2014/main" id="{E636C3A3-C712-20DD-4851-1EFDABE5210D}"/>
+              </a:ext>
+            </a:extLst>
+          </p:cNvPr>
+          <p:cNvCxnSpPr>
+            <a:cxnSpLocks/>
+            <a:stCxn id="14" idx="0"/>
+            <a:endCxn id="24" idx="2"/>
+          </p:cNvCxnSpPr>
+          <p:nvPr/>
+        </p:nvCxnSpPr>
+        <p:spPr>
+          <a:xfrm flipH="1" flipV="1">
+            <a:off x="9114246" y="2833382"/>
+            <a:ext cx="23488" cy="631725"/>
+          </a:xfrm>
+          <a:prstGeom prst="straightConnector1">
+            <a:avLst/>
+          </a:prstGeom>
+          <a:ln w="38100">
+            <a:solidFill>
+              <a:schemeClr val="tx1"/>
+            </a:solidFill>
+            <a:tailEnd type="triangle"/>
           </a:ln>
         </p:spPr>
         <p:style>

--- a/lectures/DJ-11-Forms-Django.pptx
+++ b/lectures/DJ-11-Forms-Django.pptx
@@ -225,7 +225,7 @@
           <a:p>
             <a:fld id="{C97B56FC-7D2E-F343-9D09-0D14B00AA564}" type="datetimeFigureOut">
               <a:rPr lang="en-US" smtClean="0"/>
-              <a:t>2/10/23</a:t>
+              <a:t>7/8/23</a:t>
             </a:fld>
             <a:endParaRPr lang="en-US"/>
           </a:p>
@@ -622,7 +622,7 @@
           <a:p>
             <a:fld id="{EEE7C04C-7AF8-1445-A186-502B631B934F}" type="datetimeFigureOut">
               <a:rPr lang="en-US" smtClean="0"/>
-              <a:t>2/10/23</a:t>
+              <a:t>7/8/23</a:t>
             </a:fld>
             <a:endParaRPr lang="en-US"/>
           </a:p>
@@ -787,7 +787,7 @@
           <a:p>
             <a:fld id="{EEE7C04C-7AF8-1445-A186-502B631B934F}" type="datetimeFigureOut">
               <a:rPr lang="en-US" smtClean="0"/>
-              <a:t>2/10/23</a:t>
+              <a:t>7/8/23</a:t>
             </a:fld>
             <a:endParaRPr lang="en-US"/>
           </a:p>
@@ -962,7 +962,7 @@
           <a:p>
             <a:fld id="{EEE7C04C-7AF8-1445-A186-502B631B934F}" type="datetimeFigureOut">
               <a:rPr lang="en-US" smtClean="0"/>
-              <a:t>2/10/23</a:t>
+              <a:t>7/8/23</a:t>
             </a:fld>
             <a:endParaRPr lang="en-US"/>
           </a:p>
@@ -1127,7 +1127,7 @@
           <a:p>
             <a:fld id="{EEE7C04C-7AF8-1445-A186-502B631B934F}" type="datetimeFigureOut">
               <a:rPr lang="en-US" smtClean="0"/>
-              <a:t>2/10/23</a:t>
+              <a:t>7/8/23</a:t>
             </a:fld>
             <a:endParaRPr lang="en-US"/>
           </a:p>
@@ -1368,7 +1368,7 @@
           <a:p>
             <a:fld id="{EEE7C04C-7AF8-1445-A186-502B631B934F}" type="datetimeFigureOut">
               <a:rPr lang="en-US" smtClean="0"/>
-              <a:t>2/10/23</a:t>
+              <a:t>7/8/23</a:t>
             </a:fld>
             <a:endParaRPr lang="en-US"/>
           </a:p>
@@ -1595,7 +1595,7 @@
           <a:p>
             <a:fld id="{EEE7C04C-7AF8-1445-A186-502B631B934F}" type="datetimeFigureOut">
               <a:rPr lang="en-US" smtClean="0"/>
-              <a:t>2/10/23</a:t>
+              <a:t>7/8/23</a:t>
             </a:fld>
             <a:endParaRPr lang="en-US"/>
           </a:p>
@@ -1957,7 +1957,7 @@
           <a:p>
             <a:fld id="{EEE7C04C-7AF8-1445-A186-502B631B934F}" type="datetimeFigureOut">
               <a:rPr lang="en-US" smtClean="0"/>
-              <a:t>2/10/23</a:t>
+              <a:t>7/8/23</a:t>
             </a:fld>
             <a:endParaRPr lang="en-US"/>
           </a:p>
@@ -2070,7 +2070,7 @@
           <a:p>
             <a:fld id="{EEE7C04C-7AF8-1445-A186-502B631B934F}" type="datetimeFigureOut">
               <a:rPr lang="en-US" smtClean="0"/>
-              <a:t>2/10/23</a:t>
+              <a:t>7/8/23</a:t>
             </a:fld>
             <a:endParaRPr lang="en-US"/>
           </a:p>
@@ -2160,7 +2160,7 @@
           <a:p>
             <a:fld id="{EEE7C04C-7AF8-1445-A186-502B631B934F}" type="datetimeFigureOut">
               <a:rPr lang="en-US" smtClean="0"/>
-              <a:t>2/10/23</a:t>
+              <a:t>7/8/23</a:t>
             </a:fld>
             <a:endParaRPr lang="en-US"/>
           </a:p>
@@ -2432,7 +2432,7 @@
           <a:p>
             <a:fld id="{EEE7C04C-7AF8-1445-A186-502B631B934F}" type="datetimeFigureOut">
               <a:rPr lang="en-US" smtClean="0"/>
-              <a:t>2/10/23</a:t>
+              <a:t>7/8/23</a:t>
             </a:fld>
             <a:endParaRPr lang="en-US"/>
           </a:p>
@@ -2684,7 +2684,7 @@
           <a:p>
             <a:fld id="{EEE7C04C-7AF8-1445-A186-502B631B934F}" type="datetimeFigureOut">
               <a:rPr lang="en-US" smtClean="0"/>
-              <a:t>2/10/23</a:t>
+              <a:t>7/8/23</a:t>
             </a:fld>
             <a:endParaRPr lang="en-US"/>
           </a:p>
@@ -2891,7 +2891,7 @@
           <a:p>
             <a:fld id="{EEE7C04C-7AF8-1445-A186-502B631B934F}" type="datetimeFigureOut">
               <a:rPr lang="en-US" smtClean="0"/>
-              <a:t>2/10/23</a:t>
+              <a:t>7/8/23</a:t>
             </a:fld>
             <a:endParaRPr lang="en-US"/>
           </a:p>
@@ -3602,7 +3602,7 @@
             </a:r>
             <a:r>
               <a:rPr lang="en-US" dirty="0"/>
-              <a:t>/4.0/topics/forms/</a:t>
+              <a:t>/4.2/topics/forms/</a:t>
             </a:r>
           </a:p>
           <a:p>
